--- a/pygotham-2019.pptx
+++ b/pygotham-2019.pptx
@@ -13,12 +13,15 @@
     <p:sldId id="260" r:id="rId7"/>
     <p:sldId id="261" r:id="rId8"/>
     <p:sldId id="262" r:id="rId9"/>
-    <p:sldId id="264" r:id="rId10"/>
-    <p:sldId id="267" r:id="rId11"/>
-    <p:sldId id="265" r:id="rId12"/>
-    <p:sldId id="268" r:id="rId13"/>
-    <p:sldId id="266" r:id="rId14"/>
-    <p:sldId id="269" r:id="rId15"/>
+    <p:sldId id="270" r:id="rId10"/>
+    <p:sldId id="271" r:id="rId11"/>
+    <p:sldId id="272" r:id="rId12"/>
+    <p:sldId id="264" r:id="rId13"/>
+    <p:sldId id="267" r:id="rId14"/>
+    <p:sldId id="265" r:id="rId15"/>
+    <p:sldId id="268" r:id="rId16"/>
+    <p:sldId id="266" r:id="rId17"/>
+    <p:sldId id="269" r:id="rId18"/>
   </p:sldIdLst>
   <p:sldSz cx="12192000" cy="6858000"/>
   <p:notesSz cx="6858000" cy="9144000"/>
@@ -3432,7 +3435,7 @@
           <p:cNvPr id="2" name="Title 1">
             <a:extLst>
               <a:ext uri="{FF2B5EF4-FFF2-40B4-BE49-F238E27FC236}">
-                <a16:creationId xmlns:a16="http://schemas.microsoft.com/office/drawing/2014/main" id="{5A3DEEE5-535A-DB47-8513-B8B4D26736B5}"/>
+                <a16:creationId xmlns:a16="http://schemas.microsoft.com/office/drawing/2014/main" id="{1776F58C-DA5A-4E45-B713-14642573C52F}"/>
               </a:ext>
             </a:extLst>
           </p:cNvPr>
@@ -3450,7 +3453,7 @@
           <a:p>
             <a:r>
               <a:rPr lang="en-US" dirty="0"/>
-              <a:t>Common Table Expressions</a:t>
+              <a:t>Types and Operators (Example 01)</a:t>
             </a:r>
           </a:p>
         </p:txBody>
@@ -3460,7 +3463,7 @@
           <p:cNvPr id="3" name="Content Placeholder 2">
             <a:extLst>
               <a:ext uri="{FF2B5EF4-FFF2-40B4-BE49-F238E27FC236}">
-                <a16:creationId xmlns:a16="http://schemas.microsoft.com/office/drawing/2014/main" id="{095A8036-E9FE-F04D-A1A8-366F25088E70}"/>
+                <a16:creationId xmlns:a16="http://schemas.microsoft.com/office/drawing/2014/main" id="{51A23D16-C618-3A4A-8FE2-D46A9E3FB2F9}"/>
               </a:ext>
             </a:extLst>
           </p:cNvPr>
@@ -3473,17 +3476,332 @@
         </p:nvSpPr>
         <p:spPr/>
         <p:txBody>
-          <a:bodyPr/>
-          <a:lstStyle/>
-          <a:p>
-            <a:endParaRPr lang="en-US"/>
+          <a:bodyPr>
+            <a:normAutofit/>
+          </a:bodyPr>
+          <a:lstStyle/>
+          <a:p>
+            <a:pPr marL="0" indent="0">
+              <a:buNone/>
+            </a:pPr>
+            <a:r>
+              <a:rPr lang="en-US" sz="2000" dirty="0">
+                <a:solidFill>
+                  <a:srgbClr val="000000"/>
+                </a:solidFill>
+                <a:latin typeface="Menlo" panose="020B0609030804020204" pitchFamily="49" charset="0"/>
+              </a:rPr>
+              <a:t>counts = (</a:t>
+            </a:r>
+          </a:p>
+          <a:p>
+            <a:pPr marL="0" indent="0">
+              <a:buNone/>
+            </a:pPr>
+            <a:r>
+              <a:rPr lang="en-US" sz="2000" dirty="0">
+                <a:solidFill>
+                  <a:srgbClr val="000000"/>
+                </a:solidFill>
+                <a:latin typeface="Menlo" panose="020B0609030804020204" pitchFamily="49" charset="0"/>
+              </a:rPr>
+              <a:t>    </a:t>
+            </a:r>
+            <a:r>
+              <a:rPr lang="en-US" sz="2000" dirty="0" err="1">
+                <a:solidFill>
+                  <a:srgbClr val="000000"/>
+                </a:solidFill>
+                <a:latin typeface="Menlo" panose="020B0609030804020204" pitchFamily="49" charset="0"/>
+              </a:rPr>
+              <a:t>meta.session.query</a:t>
+            </a:r>
+            <a:r>
+              <a:rPr lang="en-US" sz="2000" dirty="0">
+                <a:solidFill>
+                  <a:srgbClr val="000000"/>
+                </a:solidFill>
+                <a:latin typeface="Menlo" panose="020B0609030804020204" pitchFamily="49" charset="0"/>
+              </a:rPr>
+              <a:t>(</a:t>
+            </a:r>
+          </a:p>
+          <a:p>
+            <a:pPr marL="0" indent="0">
+              <a:buNone/>
+            </a:pPr>
+            <a:r>
+              <a:rPr lang="en-US" sz="2000" dirty="0">
+                <a:solidFill>
+                  <a:srgbClr val="000000"/>
+                </a:solidFill>
+                <a:latin typeface="Menlo" panose="020B0609030804020204" pitchFamily="49" charset="0"/>
+              </a:rPr>
+              <a:t>        </a:t>
+            </a:r>
+            <a:r>
+              <a:rPr lang="en-US" sz="2000" dirty="0" err="1">
+                <a:solidFill>
+                  <a:srgbClr val="000000"/>
+                </a:solidFill>
+                <a:latin typeface="Menlo" panose="020B0609030804020204" pitchFamily="49" charset="0"/>
+              </a:rPr>
+              <a:t>func.unnest</a:t>
+            </a:r>
+            <a:r>
+              <a:rPr lang="en-US" sz="2000" dirty="0">
+                <a:solidFill>
+                  <a:srgbClr val="000000"/>
+                </a:solidFill>
+                <a:latin typeface="Menlo" panose="020B0609030804020204" pitchFamily="49" charset="0"/>
+              </a:rPr>
+              <a:t>(</a:t>
+            </a:r>
+            <a:r>
+              <a:rPr lang="en-US" sz="2000" dirty="0" err="1">
+                <a:solidFill>
+                  <a:srgbClr val="000000"/>
+                </a:solidFill>
+                <a:latin typeface="Menlo" panose="020B0609030804020204" pitchFamily="49" charset="0"/>
+              </a:rPr>
+              <a:t>model.Record.tags</a:t>
+            </a:r>
+            <a:r>
+              <a:rPr lang="en-US" sz="2000" dirty="0">
+                <a:solidFill>
+                  <a:srgbClr val="000000"/>
+                </a:solidFill>
+                <a:latin typeface="Menlo" panose="020B0609030804020204" pitchFamily="49" charset="0"/>
+              </a:rPr>
+              <a:t>).label(</a:t>
+            </a:r>
+            <a:r>
+              <a:rPr lang="en-US" sz="2000" dirty="0">
+                <a:solidFill>
+                  <a:srgbClr val="9FA01C"/>
+                </a:solidFill>
+                <a:latin typeface="Menlo" panose="020B0609030804020204" pitchFamily="49" charset="0"/>
+              </a:rPr>
+              <a:t>"tag"</a:t>
+            </a:r>
+            <a:r>
+              <a:rPr lang="en-US" sz="2000" dirty="0">
+                <a:solidFill>
+                  <a:srgbClr val="000000"/>
+                </a:solidFill>
+                <a:latin typeface="Menlo" panose="020B0609030804020204" pitchFamily="49" charset="0"/>
+              </a:rPr>
+              <a:t>),</a:t>
+            </a:r>
+          </a:p>
+          <a:p>
+            <a:pPr marL="0" indent="0">
+              <a:buNone/>
+            </a:pPr>
+            <a:r>
+              <a:rPr lang="en-US" sz="2000" dirty="0">
+                <a:solidFill>
+                  <a:srgbClr val="000000"/>
+                </a:solidFill>
+                <a:latin typeface="Menlo" panose="020B0609030804020204" pitchFamily="49" charset="0"/>
+              </a:rPr>
+              <a:t>        </a:t>
+            </a:r>
+            <a:r>
+              <a:rPr lang="en-US" sz="2000" dirty="0" err="1">
+                <a:solidFill>
+                  <a:srgbClr val="000000"/>
+                </a:solidFill>
+                <a:latin typeface="Menlo" panose="020B0609030804020204" pitchFamily="49" charset="0"/>
+              </a:rPr>
+              <a:t>func.count</a:t>
+            </a:r>
+            <a:r>
+              <a:rPr lang="en-US" sz="2000" dirty="0">
+                <a:solidFill>
+                  <a:srgbClr val="000000"/>
+                </a:solidFill>
+                <a:latin typeface="Menlo" panose="020B0609030804020204" pitchFamily="49" charset="0"/>
+              </a:rPr>
+              <a:t>().label(</a:t>
+            </a:r>
+            <a:r>
+              <a:rPr lang="en-US" sz="2000" dirty="0">
+                <a:solidFill>
+                  <a:srgbClr val="9FA01C"/>
+                </a:solidFill>
+                <a:latin typeface="Menlo" panose="020B0609030804020204" pitchFamily="49" charset="0"/>
+              </a:rPr>
+              <a:t>"count"</a:t>
+            </a:r>
+            <a:r>
+              <a:rPr lang="en-US" sz="2000" dirty="0">
+                <a:solidFill>
+                  <a:srgbClr val="000000"/>
+                </a:solidFill>
+                <a:latin typeface="Menlo" panose="020B0609030804020204" pitchFamily="49" charset="0"/>
+              </a:rPr>
+              <a:t>),</a:t>
+            </a:r>
+          </a:p>
+          <a:p>
+            <a:pPr marL="0" indent="0">
+              <a:buNone/>
+            </a:pPr>
+            <a:r>
+              <a:rPr lang="en-US" sz="2000" dirty="0">
+                <a:solidFill>
+                  <a:srgbClr val="000000"/>
+                </a:solidFill>
+                <a:latin typeface="Menlo" panose="020B0609030804020204" pitchFamily="49" charset="0"/>
+              </a:rPr>
+              <a:t>    )</a:t>
+            </a:r>
+          </a:p>
+          <a:p>
+            <a:pPr marL="0" indent="0">
+              <a:buNone/>
+            </a:pPr>
+            <a:r>
+              <a:rPr lang="en-US" sz="2000" dirty="0">
+                <a:solidFill>
+                  <a:srgbClr val="000000"/>
+                </a:solidFill>
+                <a:latin typeface="Menlo" panose="020B0609030804020204" pitchFamily="49" charset="0"/>
+              </a:rPr>
+              <a:t>    .</a:t>
+            </a:r>
+            <a:r>
+              <a:rPr lang="en-US" sz="2000" dirty="0" err="1">
+                <a:solidFill>
+                  <a:srgbClr val="000000"/>
+                </a:solidFill>
+                <a:latin typeface="Menlo" panose="020B0609030804020204" pitchFamily="49" charset="0"/>
+              </a:rPr>
+              <a:t>group_by</a:t>
+            </a:r>
+            <a:r>
+              <a:rPr lang="en-US" sz="2000" dirty="0">
+                <a:solidFill>
+                  <a:srgbClr val="000000"/>
+                </a:solidFill>
+                <a:latin typeface="Menlo" panose="020B0609030804020204" pitchFamily="49" charset="0"/>
+              </a:rPr>
+              <a:t>(literal(</a:t>
+            </a:r>
+            <a:r>
+              <a:rPr lang="en-US" sz="2000" dirty="0">
+                <a:solidFill>
+                  <a:srgbClr val="9FA01C"/>
+                </a:solidFill>
+                <a:latin typeface="Menlo" panose="020B0609030804020204" pitchFamily="49" charset="0"/>
+              </a:rPr>
+              <a:t>1</a:t>
+            </a:r>
+            <a:r>
+              <a:rPr lang="en-US" sz="2000" dirty="0">
+                <a:solidFill>
+                  <a:srgbClr val="000000"/>
+                </a:solidFill>
+                <a:latin typeface="Menlo" panose="020B0609030804020204" pitchFamily="49" charset="0"/>
+              </a:rPr>
+              <a:t>))</a:t>
+            </a:r>
+          </a:p>
+          <a:p>
+            <a:pPr marL="0" indent="0">
+              <a:buNone/>
+            </a:pPr>
+            <a:r>
+              <a:rPr lang="en-US" sz="2000" dirty="0">
+                <a:solidFill>
+                  <a:srgbClr val="000000"/>
+                </a:solidFill>
+                <a:latin typeface="Menlo" panose="020B0609030804020204" pitchFamily="49" charset="0"/>
+              </a:rPr>
+              <a:t>    .</a:t>
+            </a:r>
+            <a:r>
+              <a:rPr lang="en-US" sz="2000" dirty="0" err="1">
+                <a:solidFill>
+                  <a:srgbClr val="000000"/>
+                </a:solidFill>
+                <a:latin typeface="Menlo" panose="020B0609030804020204" pitchFamily="49" charset="0"/>
+              </a:rPr>
+              <a:t>order_by</a:t>
+            </a:r>
+            <a:r>
+              <a:rPr lang="en-US" sz="2000" dirty="0">
+                <a:solidFill>
+                  <a:srgbClr val="000000"/>
+                </a:solidFill>
+                <a:latin typeface="Menlo" panose="020B0609030804020204" pitchFamily="49" charset="0"/>
+              </a:rPr>
+              <a:t>(literal(</a:t>
+            </a:r>
+            <a:r>
+              <a:rPr lang="en-US" sz="2000" dirty="0">
+                <a:solidFill>
+                  <a:srgbClr val="9FA01C"/>
+                </a:solidFill>
+                <a:latin typeface="Menlo" panose="020B0609030804020204" pitchFamily="49" charset="0"/>
+              </a:rPr>
+              <a:t>2</a:t>
+            </a:r>
+            <a:r>
+              <a:rPr lang="en-US" sz="2000" dirty="0">
+                <a:solidFill>
+                  <a:srgbClr val="000000"/>
+                </a:solidFill>
+                <a:latin typeface="Menlo" panose="020B0609030804020204" pitchFamily="49" charset="0"/>
+              </a:rPr>
+              <a:t>).desc(), literal(</a:t>
+            </a:r>
+            <a:r>
+              <a:rPr lang="en-US" sz="2000" dirty="0">
+                <a:solidFill>
+                  <a:srgbClr val="9FA01C"/>
+                </a:solidFill>
+                <a:latin typeface="Menlo" panose="020B0609030804020204" pitchFamily="49" charset="0"/>
+              </a:rPr>
+              <a:t>1</a:t>
+            </a:r>
+            <a:r>
+              <a:rPr lang="en-US" sz="2000" dirty="0">
+                <a:solidFill>
+                  <a:srgbClr val="000000"/>
+                </a:solidFill>
+                <a:latin typeface="Menlo" panose="020B0609030804020204" pitchFamily="49" charset="0"/>
+              </a:rPr>
+              <a:t>))</a:t>
+            </a:r>
+          </a:p>
+          <a:p>
+            <a:pPr marL="0" indent="0">
+              <a:buNone/>
+            </a:pPr>
+            <a:r>
+              <a:rPr lang="en-US" sz="2000" dirty="0">
+                <a:solidFill>
+                  <a:srgbClr val="000000"/>
+                </a:solidFill>
+                <a:latin typeface="Menlo" panose="020B0609030804020204" pitchFamily="49" charset="0"/>
+              </a:rPr>
+              <a:t>)</a:t>
+            </a:r>
+          </a:p>
+          <a:p>
+            <a:pPr marL="0" indent="0">
+              <a:buNone/>
+            </a:pPr>
+            <a:endParaRPr lang="en-US" dirty="0"/>
           </a:p>
         </p:txBody>
       </p:sp>
     </p:spTree>
     <p:extLst>
       <p:ext uri="{BB962C8B-B14F-4D97-AF65-F5344CB8AC3E}">
-        <p14:creationId xmlns:p14="http://schemas.microsoft.com/office/powerpoint/2010/main" val="904667563"/>
+        <p14:creationId xmlns:p14="http://schemas.microsoft.com/office/powerpoint/2010/main" val="1051829459"/>
       </p:ext>
     </p:extLst>
   </p:cSld>
@@ -3515,7 +3833,7 @@
           <p:cNvPr id="2" name="Title 1">
             <a:extLst>
               <a:ext uri="{FF2B5EF4-FFF2-40B4-BE49-F238E27FC236}">
-                <a16:creationId xmlns:a16="http://schemas.microsoft.com/office/drawing/2014/main" id="{DDDB88B1-D208-EA41-9854-6334AD5BB2AF}"/>
+                <a16:creationId xmlns:a16="http://schemas.microsoft.com/office/drawing/2014/main" id="{8FB034E1-3994-8D46-AADC-BE9F55005D10}"/>
               </a:ext>
             </a:extLst>
           </p:cNvPr>
@@ -3533,7 +3851,7 @@
           <a:p>
             <a:r>
               <a:rPr lang="en-US" dirty="0"/>
-              <a:t>Window Functions</a:t>
+              <a:t>Types and Operators (Example 01)</a:t>
             </a:r>
           </a:p>
         </p:txBody>
@@ -3543,7 +3861,7 @@
           <p:cNvPr id="3" name="Content Placeholder 2">
             <a:extLst>
               <a:ext uri="{FF2B5EF4-FFF2-40B4-BE49-F238E27FC236}">
-                <a16:creationId xmlns:a16="http://schemas.microsoft.com/office/drawing/2014/main" id="{8974BF44-A5CC-804C-863F-B21DBFEB8F39}"/>
+                <a16:creationId xmlns:a16="http://schemas.microsoft.com/office/drawing/2014/main" id="{4DFA94C1-62BF-0341-8A84-27C103E2A6C4}"/>
               </a:ext>
             </a:extLst>
           </p:cNvPr>
@@ -3556,53 +3874,271 @@
         </p:nvSpPr>
         <p:spPr/>
         <p:txBody>
-          <a:bodyPr/>
-          <a:lstStyle/>
-          <a:p>
-            <a:r>
-              <a:rPr lang="en-US" dirty="0"/>
-              <a:t>Allow you to look at rows in front of, behind, around, and everywhere</a:t>
-            </a:r>
-          </a:p>
-          <a:p>
-            <a:r>
-              <a:rPr lang="en-US" dirty="0"/>
-              <a:t>Major departure from most row-based query thinking</a:t>
-            </a:r>
-          </a:p>
-          <a:p>
-            <a:r>
-              <a:rPr lang="en-US" dirty="0"/>
-              <a:t>Favorite uses:</a:t>
-            </a:r>
-          </a:p>
-          <a:p>
-            <a:pPr lvl="1"/>
-            <a:r>
-              <a:rPr lang="en-US" dirty="0"/>
-              <a:t>Running totals</a:t>
-            </a:r>
-          </a:p>
-          <a:p>
-            <a:pPr lvl="1"/>
-            <a:r>
-              <a:rPr lang="en-US" dirty="0"/>
-              <a:t>Adding aggregates to each row</a:t>
-            </a:r>
-          </a:p>
-          <a:p>
-            <a:pPr lvl="1"/>
-            <a:r>
-              <a:rPr lang="en-US" dirty="0"/>
-              <a:t>Peeking at the next/previous row</a:t>
-            </a:r>
+          <a:bodyPr>
+            <a:noAutofit/>
+          </a:bodyPr>
+          <a:lstStyle/>
+          <a:p>
+            <a:pPr marL="0" indent="0">
+              <a:buNone/>
+            </a:pPr>
+            <a:r>
+              <a:rPr lang="en-US" sz="2000" dirty="0" err="1">
+                <a:solidFill>
+                  <a:srgbClr val="000000"/>
+                </a:solidFill>
+                <a:latin typeface="Menlo" panose="020B0609030804020204" pitchFamily="49" charset="0"/>
+              </a:rPr>
+              <a:t>unnest</a:t>
+            </a:r>
+            <a:r>
+              <a:rPr lang="en-US" sz="2000" dirty="0">
+                <a:solidFill>
+                  <a:srgbClr val="000000"/>
+                </a:solidFill>
+                <a:latin typeface="Menlo" panose="020B0609030804020204" pitchFamily="49" charset="0"/>
+              </a:rPr>
+              <a:t> and counting tags</a:t>
+            </a:r>
+          </a:p>
+          <a:p>
+            <a:pPr marL="0" indent="0">
+              <a:buNone/>
+            </a:pPr>
+            <a:r>
+              <a:rPr lang="en-US" sz="2000" dirty="0">
+                <a:solidFill>
+                  <a:srgbClr val="000000"/>
+                </a:solidFill>
+                <a:latin typeface="Menlo" panose="020B0609030804020204" pitchFamily="49" charset="0"/>
+              </a:rPr>
+              <a:t>+--------------+---------+</a:t>
+            </a:r>
+          </a:p>
+          <a:p>
+            <a:pPr marL="0" indent="0">
+              <a:buNone/>
+            </a:pPr>
+            <a:r>
+              <a:rPr lang="en-US" sz="2000" dirty="0">
+                <a:solidFill>
+                  <a:srgbClr val="000000"/>
+                </a:solidFill>
+                <a:latin typeface="Menlo" panose="020B0609030804020204" pitchFamily="49" charset="0"/>
+              </a:rPr>
+              <a:t>| tag          |   count |</a:t>
+            </a:r>
+          </a:p>
+          <a:p>
+            <a:pPr marL="0" indent="0">
+              <a:buNone/>
+            </a:pPr>
+            <a:r>
+              <a:rPr lang="en-US" sz="2000" dirty="0">
+                <a:solidFill>
+                  <a:srgbClr val="000000"/>
+                </a:solidFill>
+                <a:latin typeface="Menlo" panose="020B0609030804020204" pitchFamily="49" charset="0"/>
+              </a:rPr>
+              <a:t>|--------------+---------|</a:t>
+            </a:r>
+          </a:p>
+          <a:p>
+            <a:pPr marL="0" indent="0">
+              <a:buNone/>
+            </a:pPr>
+            <a:r>
+              <a:rPr lang="en-US" sz="2000" dirty="0">
+                <a:solidFill>
+                  <a:srgbClr val="000000"/>
+                </a:solidFill>
+                <a:latin typeface="Menlo" panose="020B0609030804020204" pitchFamily="49" charset="0"/>
+              </a:rPr>
+              <a:t>| backend      |       2 |</a:t>
+            </a:r>
+          </a:p>
+          <a:p>
+            <a:pPr marL="0" indent="0">
+              <a:buNone/>
+            </a:pPr>
+            <a:r>
+              <a:rPr lang="en-US" sz="2000" dirty="0">
+                <a:solidFill>
+                  <a:srgbClr val="000000"/>
+                </a:solidFill>
+                <a:latin typeface="Menlo" panose="020B0609030804020204" pitchFamily="49" charset="0"/>
+              </a:rPr>
+              <a:t>| defect       |       2 |</a:t>
+            </a:r>
+          </a:p>
+          <a:p>
+            <a:pPr marL="0" indent="0">
+              <a:buNone/>
+            </a:pPr>
+            <a:r>
+              <a:rPr lang="en-US" sz="2000" dirty="0">
+                <a:solidFill>
+                  <a:srgbClr val="000000"/>
+                </a:solidFill>
+                <a:latin typeface="Menlo" panose="020B0609030804020204" pitchFamily="49" charset="0"/>
+              </a:rPr>
+              <a:t>| enhancement  |       1 |</a:t>
+            </a:r>
+          </a:p>
+          <a:p>
+            <a:pPr marL="0" indent="0">
+              <a:buNone/>
+            </a:pPr>
+            <a:r>
+              <a:rPr lang="en-US" sz="2000" dirty="0">
+                <a:solidFill>
+                  <a:srgbClr val="000000"/>
+                </a:solidFill>
+                <a:latin typeface="Menlo" panose="020B0609030804020204" pitchFamily="49" charset="0"/>
+              </a:rPr>
+              <a:t>| frontend     |       1 |</a:t>
+            </a:r>
+          </a:p>
+          <a:p>
+            <a:pPr marL="0" indent="0">
+              <a:buNone/>
+            </a:pPr>
+            <a:r>
+              <a:rPr lang="en-US" sz="2000" dirty="0">
+                <a:solidFill>
+                  <a:srgbClr val="000000"/>
+                </a:solidFill>
+                <a:latin typeface="Menlo" panose="020B0609030804020204" pitchFamily="49" charset="0"/>
+              </a:rPr>
+              <a:t>| </a:t>
+            </a:r>
+            <a:r>
+              <a:rPr lang="en-US" sz="2000" dirty="0" err="1">
+                <a:solidFill>
+                  <a:srgbClr val="000000"/>
+                </a:solidFill>
+                <a:latin typeface="Menlo" panose="020B0609030804020204" pitchFamily="49" charset="0"/>
+              </a:rPr>
+              <a:t>major_change</a:t>
+            </a:r>
+            <a:r>
+              <a:rPr lang="en-US" sz="2000" dirty="0">
+                <a:solidFill>
+                  <a:srgbClr val="000000"/>
+                </a:solidFill>
+                <a:latin typeface="Menlo" panose="020B0609030804020204" pitchFamily="49" charset="0"/>
+              </a:rPr>
+              <a:t> |       1 |</a:t>
+            </a:r>
+          </a:p>
+          <a:p>
+            <a:pPr marL="0" indent="0">
+              <a:buNone/>
+            </a:pPr>
+            <a:r>
+              <a:rPr lang="en-US" sz="2000" dirty="0">
+                <a:solidFill>
+                  <a:srgbClr val="000000"/>
+                </a:solidFill>
+                <a:latin typeface="Menlo" panose="020B0609030804020204" pitchFamily="49" charset="0"/>
+              </a:rPr>
+              <a:t>| </a:t>
+            </a:r>
+            <a:r>
+              <a:rPr lang="en-US" sz="2000" dirty="0" err="1">
+                <a:solidFill>
+                  <a:srgbClr val="000000"/>
+                </a:solidFill>
+                <a:latin typeface="Menlo" panose="020B0609030804020204" pitchFamily="49" charset="0"/>
+              </a:rPr>
+              <a:t>minor_change</a:t>
+            </a:r>
+            <a:r>
+              <a:rPr lang="en-US" sz="2000" dirty="0">
+                <a:solidFill>
+                  <a:srgbClr val="000000"/>
+                </a:solidFill>
+                <a:latin typeface="Menlo" panose="020B0609030804020204" pitchFamily="49" charset="0"/>
+              </a:rPr>
+              <a:t> |       1 |</a:t>
+            </a:r>
+          </a:p>
+          <a:p>
+            <a:pPr marL="0" indent="0">
+              <a:buNone/>
+            </a:pPr>
+            <a:r>
+              <a:rPr lang="en-US" sz="2000" dirty="0">
+                <a:solidFill>
+                  <a:srgbClr val="000000"/>
+                </a:solidFill>
+                <a:latin typeface="Menlo" panose="020B0609030804020204" pitchFamily="49" charset="0"/>
+              </a:rPr>
+              <a:t>| </a:t>
+            </a:r>
+            <a:r>
+              <a:rPr lang="en-US" sz="2000" dirty="0" err="1">
+                <a:solidFill>
+                  <a:srgbClr val="000000"/>
+                </a:solidFill>
+                <a:latin typeface="Menlo" panose="020B0609030804020204" pitchFamily="49" charset="0"/>
+              </a:rPr>
+              <a:t>ui</a:t>
+            </a:r>
+            <a:r>
+              <a:rPr lang="en-US" sz="2000" dirty="0">
+                <a:solidFill>
+                  <a:srgbClr val="000000"/>
+                </a:solidFill>
+                <a:latin typeface="Menlo" panose="020B0609030804020204" pitchFamily="49" charset="0"/>
+              </a:rPr>
+              <a:t>/</a:t>
+            </a:r>
+            <a:r>
+              <a:rPr lang="en-US" sz="2000" dirty="0" err="1">
+                <a:solidFill>
+                  <a:srgbClr val="000000"/>
+                </a:solidFill>
+                <a:latin typeface="Menlo" panose="020B0609030804020204" pitchFamily="49" charset="0"/>
+              </a:rPr>
+              <a:t>ux</a:t>
+            </a:r>
+            <a:r>
+              <a:rPr lang="en-US" sz="2000" dirty="0">
+                <a:solidFill>
+                  <a:srgbClr val="000000"/>
+                </a:solidFill>
+                <a:latin typeface="Menlo" panose="020B0609030804020204" pitchFamily="49" charset="0"/>
+              </a:rPr>
+              <a:t>        |       1 |</a:t>
+            </a:r>
+          </a:p>
+          <a:p>
+            <a:pPr marL="0" indent="0">
+              <a:buNone/>
+            </a:pPr>
+            <a:r>
+              <a:rPr lang="en-US" sz="2000" dirty="0">
+                <a:solidFill>
+                  <a:srgbClr val="000000"/>
+                </a:solidFill>
+                <a:latin typeface="Menlo" panose="020B0609030804020204" pitchFamily="49" charset="0"/>
+              </a:rPr>
+              <a:t>+--------------+---------+</a:t>
+            </a:r>
+          </a:p>
+          <a:p>
+            <a:pPr marL="0" indent="0">
+              <a:buNone/>
+            </a:pPr>
+            <a:endParaRPr lang="en-US" sz="2000" dirty="0"/>
           </a:p>
         </p:txBody>
       </p:sp>
     </p:spTree>
     <p:extLst>
       <p:ext uri="{BB962C8B-B14F-4D97-AF65-F5344CB8AC3E}">
-        <p14:creationId xmlns:p14="http://schemas.microsoft.com/office/powerpoint/2010/main" val="3315609856"/>
+        <p14:creationId xmlns:p14="http://schemas.microsoft.com/office/powerpoint/2010/main" val="527998181"/>
       </p:ext>
     </p:extLst>
   </p:cSld>
@@ -3634,7 +4170,7 @@
           <p:cNvPr id="2" name="Title 1">
             <a:extLst>
               <a:ext uri="{FF2B5EF4-FFF2-40B4-BE49-F238E27FC236}">
-                <a16:creationId xmlns:a16="http://schemas.microsoft.com/office/drawing/2014/main" id="{C4111D89-6FA8-2F4F-9675-3BA9A659104E}"/>
+                <a16:creationId xmlns:a16="http://schemas.microsoft.com/office/drawing/2014/main" id="{2D5809F7-8767-4B47-9582-289BECDC5EF4}"/>
               </a:ext>
             </a:extLst>
           </p:cNvPr>
@@ -3652,7 +4188,7 @@
           <a:p>
             <a:r>
               <a:rPr lang="en-US" dirty="0"/>
-              <a:t>Window Functions</a:t>
+              <a:t>Common Table Expressions</a:t>
             </a:r>
           </a:p>
         </p:txBody>
@@ -3662,7 +4198,7 @@
           <p:cNvPr id="3" name="Content Placeholder 2">
             <a:extLst>
               <a:ext uri="{FF2B5EF4-FFF2-40B4-BE49-F238E27FC236}">
-                <a16:creationId xmlns:a16="http://schemas.microsoft.com/office/drawing/2014/main" id="{40702393-37D2-0940-8EB2-3238C45D83D4}"/>
+                <a16:creationId xmlns:a16="http://schemas.microsoft.com/office/drawing/2014/main" id="{84710E21-7F29-224E-8009-9FF48C43AD84}"/>
               </a:ext>
             </a:extLst>
           </p:cNvPr>
@@ -3678,14 +4214,58 @@
           <a:bodyPr/>
           <a:lstStyle/>
           <a:p>
-            <a:endParaRPr lang="en-US"/>
+            <a:r>
+              <a:rPr lang="en-US" dirty="0"/>
+              <a:t>SQL’s ability to be abstracted is limited (another reason </a:t>
+            </a:r>
+            <a:r>
+              <a:rPr lang="en-US" dirty="0" err="1"/>
+              <a:t>SQLAlchemy</a:t>
+            </a:r>
+            <a:r>
+              <a:rPr lang="en-US" dirty="0"/>
+              <a:t> is so awesome!)</a:t>
+            </a:r>
+          </a:p>
+          <a:p>
+            <a:r>
+              <a:rPr lang="en-US" dirty="0"/>
+              <a:t>Common Table Expressions (CTEs) allow you to break your queries up into smaller, more manageable/composable pieces</a:t>
+            </a:r>
+          </a:p>
+          <a:p>
+            <a:pPr lvl="1"/>
+            <a:r>
+              <a:rPr lang="en-US" dirty="0"/>
+              <a:t>Subqueries perform this job too, but can make the rendered SQL really hard to read</a:t>
+            </a:r>
+          </a:p>
+          <a:p>
+            <a:r>
+              <a:rPr lang="en-US" dirty="0"/>
+              <a:t>Favorite uses:</a:t>
+            </a:r>
+          </a:p>
+          <a:p>
+            <a:pPr lvl="1"/>
+            <a:r>
+              <a:rPr lang="en-US" dirty="0"/>
+              <a:t>Incremental query development</a:t>
+            </a:r>
+          </a:p>
+          <a:p>
+            <a:pPr lvl="1"/>
+            <a:r>
+              <a:rPr lang="en-US" dirty="0"/>
+              <a:t>Optimization fencing</a:t>
+            </a:r>
           </a:p>
         </p:txBody>
       </p:sp>
     </p:spTree>
     <p:extLst>
       <p:ext uri="{BB962C8B-B14F-4D97-AF65-F5344CB8AC3E}">
-        <p14:creationId xmlns:p14="http://schemas.microsoft.com/office/powerpoint/2010/main" val="1082284344"/>
+        <p14:creationId xmlns:p14="http://schemas.microsoft.com/office/powerpoint/2010/main" val="2504300282"/>
       </p:ext>
     </p:extLst>
   </p:cSld>
@@ -3717,6 +4297,291 @@
           <p:cNvPr id="2" name="Title 1">
             <a:extLst>
               <a:ext uri="{FF2B5EF4-FFF2-40B4-BE49-F238E27FC236}">
+                <a16:creationId xmlns:a16="http://schemas.microsoft.com/office/drawing/2014/main" id="{5A3DEEE5-535A-DB47-8513-B8B4D26736B5}"/>
+              </a:ext>
+            </a:extLst>
+          </p:cNvPr>
+          <p:cNvSpPr>
+            <a:spLocks noGrp="1"/>
+          </p:cNvSpPr>
+          <p:nvPr>
+            <p:ph type="title"/>
+          </p:nvPr>
+        </p:nvSpPr>
+        <p:spPr/>
+        <p:txBody>
+          <a:bodyPr/>
+          <a:lstStyle/>
+          <a:p>
+            <a:r>
+              <a:rPr lang="en-US" dirty="0"/>
+              <a:t>Common Table Expressions</a:t>
+            </a:r>
+          </a:p>
+        </p:txBody>
+      </p:sp>
+      <p:sp>
+        <p:nvSpPr>
+          <p:cNvPr id="3" name="Content Placeholder 2">
+            <a:extLst>
+              <a:ext uri="{FF2B5EF4-FFF2-40B4-BE49-F238E27FC236}">
+                <a16:creationId xmlns:a16="http://schemas.microsoft.com/office/drawing/2014/main" id="{095A8036-E9FE-F04D-A1A8-366F25088E70}"/>
+              </a:ext>
+            </a:extLst>
+          </p:cNvPr>
+          <p:cNvSpPr>
+            <a:spLocks noGrp="1"/>
+          </p:cNvSpPr>
+          <p:nvPr>
+            <p:ph idx="1"/>
+          </p:nvPr>
+        </p:nvSpPr>
+        <p:spPr/>
+        <p:txBody>
+          <a:bodyPr/>
+          <a:lstStyle/>
+          <a:p>
+            <a:endParaRPr lang="en-US"/>
+          </a:p>
+        </p:txBody>
+      </p:sp>
+    </p:spTree>
+    <p:extLst>
+      <p:ext uri="{BB962C8B-B14F-4D97-AF65-F5344CB8AC3E}">
+        <p14:creationId xmlns:p14="http://schemas.microsoft.com/office/powerpoint/2010/main" val="904667563"/>
+      </p:ext>
+    </p:extLst>
+  </p:cSld>
+  <p:clrMapOvr>
+    <a:masterClrMapping/>
+  </p:clrMapOvr>
+</p:sld>
+</file>
+
+<file path=ppt/slides/slide14.xml><?xml version="1.0" encoding="utf-8"?>
+<p:sld xmlns:a="http://schemas.openxmlformats.org/drawingml/2006/main" xmlns:r="http://schemas.openxmlformats.org/officeDocument/2006/relationships" xmlns:p="http://schemas.openxmlformats.org/presentationml/2006/main">
+  <p:cSld>
+    <p:spTree>
+      <p:nvGrpSpPr>
+        <p:cNvPr id="1" name=""/>
+        <p:cNvGrpSpPr/>
+        <p:nvPr/>
+      </p:nvGrpSpPr>
+      <p:grpSpPr>
+        <a:xfrm>
+          <a:off x="0" y="0"/>
+          <a:ext cx="0" cy="0"/>
+          <a:chOff x="0" y="0"/>
+          <a:chExt cx="0" cy="0"/>
+        </a:xfrm>
+      </p:grpSpPr>
+      <p:sp>
+        <p:nvSpPr>
+          <p:cNvPr id="2" name="Title 1">
+            <a:extLst>
+              <a:ext uri="{FF2B5EF4-FFF2-40B4-BE49-F238E27FC236}">
+                <a16:creationId xmlns:a16="http://schemas.microsoft.com/office/drawing/2014/main" id="{DDDB88B1-D208-EA41-9854-6334AD5BB2AF}"/>
+              </a:ext>
+            </a:extLst>
+          </p:cNvPr>
+          <p:cNvSpPr>
+            <a:spLocks noGrp="1"/>
+          </p:cNvSpPr>
+          <p:nvPr>
+            <p:ph type="title"/>
+          </p:nvPr>
+        </p:nvSpPr>
+        <p:spPr/>
+        <p:txBody>
+          <a:bodyPr/>
+          <a:lstStyle/>
+          <a:p>
+            <a:r>
+              <a:rPr lang="en-US" dirty="0"/>
+              <a:t>Window Functions</a:t>
+            </a:r>
+          </a:p>
+        </p:txBody>
+      </p:sp>
+      <p:sp>
+        <p:nvSpPr>
+          <p:cNvPr id="3" name="Content Placeholder 2">
+            <a:extLst>
+              <a:ext uri="{FF2B5EF4-FFF2-40B4-BE49-F238E27FC236}">
+                <a16:creationId xmlns:a16="http://schemas.microsoft.com/office/drawing/2014/main" id="{8974BF44-A5CC-804C-863F-B21DBFEB8F39}"/>
+              </a:ext>
+            </a:extLst>
+          </p:cNvPr>
+          <p:cNvSpPr>
+            <a:spLocks noGrp="1"/>
+          </p:cNvSpPr>
+          <p:nvPr>
+            <p:ph idx="1"/>
+          </p:nvPr>
+        </p:nvSpPr>
+        <p:spPr/>
+        <p:txBody>
+          <a:bodyPr/>
+          <a:lstStyle/>
+          <a:p>
+            <a:r>
+              <a:rPr lang="en-US" dirty="0"/>
+              <a:t>Allow you to look at rows in front of, behind, around, and everywhere</a:t>
+            </a:r>
+          </a:p>
+          <a:p>
+            <a:r>
+              <a:rPr lang="en-US" dirty="0"/>
+              <a:t>Major departure from most row-based query thinking</a:t>
+            </a:r>
+          </a:p>
+          <a:p>
+            <a:r>
+              <a:rPr lang="en-US" dirty="0"/>
+              <a:t>Favorite uses:</a:t>
+            </a:r>
+          </a:p>
+          <a:p>
+            <a:pPr lvl="1"/>
+            <a:r>
+              <a:rPr lang="en-US" dirty="0"/>
+              <a:t>Running totals</a:t>
+            </a:r>
+          </a:p>
+          <a:p>
+            <a:pPr lvl="1"/>
+            <a:r>
+              <a:rPr lang="en-US" dirty="0"/>
+              <a:t>Adding aggregates to each row</a:t>
+            </a:r>
+          </a:p>
+          <a:p>
+            <a:pPr lvl="1"/>
+            <a:r>
+              <a:rPr lang="en-US" dirty="0"/>
+              <a:t>Peeking at the next/previous row</a:t>
+            </a:r>
+          </a:p>
+        </p:txBody>
+      </p:sp>
+    </p:spTree>
+    <p:extLst>
+      <p:ext uri="{BB962C8B-B14F-4D97-AF65-F5344CB8AC3E}">
+        <p14:creationId xmlns:p14="http://schemas.microsoft.com/office/powerpoint/2010/main" val="3315609856"/>
+      </p:ext>
+    </p:extLst>
+  </p:cSld>
+  <p:clrMapOvr>
+    <a:masterClrMapping/>
+  </p:clrMapOvr>
+</p:sld>
+</file>
+
+<file path=ppt/slides/slide15.xml><?xml version="1.0" encoding="utf-8"?>
+<p:sld xmlns:a="http://schemas.openxmlformats.org/drawingml/2006/main" xmlns:r="http://schemas.openxmlformats.org/officeDocument/2006/relationships" xmlns:p="http://schemas.openxmlformats.org/presentationml/2006/main">
+  <p:cSld>
+    <p:spTree>
+      <p:nvGrpSpPr>
+        <p:cNvPr id="1" name=""/>
+        <p:cNvGrpSpPr/>
+        <p:nvPr/>
+      </p:nvGrpSpPr>
+      <p:grpSpPr>
+        <a:xfrm>
+          <a:off x="0" y="0"/>
+          <a:ext cx="0" cy="0"/>
+          <a:chOff x="0" y="0"/>
+          <a:chExt cx="0" cy="0"/>
+        </a:xfrm>
+      </p:grpSpPr>
+      <p:sp>
+        <p:nvSpPr>
+          <p:cNvPr id="2" name="Title 1">
+            <a:extLst>
+              <a:ext uri="{FF2B5EF4-FFF2-40B4-BE49-F238E27FC236}">
+                <a16:creationId xmlns:a16="http://schemas.microsoft.com/office/drawing/2014/main" id="{C4111D89-6FA8-2F4F-9675-3BA9A659104E}"/>
+              </a:ext>
+            </a:extLst>
+          </p:cNvPr>
+          <p:cNvSpPr>
+            <a:spLocks noGrp="1"/>
+          </p:cNvSpPr>
+          <p:nvPr>
+            <p:ph type="title"/>
+          </p:nvPr>
+        </p:nvSpPr>
+        <p:spPr/>
+        <p:txBody>
+          <a:bodyPr/>
+          <a:lstStyle/>
+          <a:p>
+            <a:r>
+              <a:rPr lang="en-US" dirty="0"/>
+              <a:t>Window Functions</a:t>
+            </a:r>
+          </a:p>
+        </p:txBody>
+      </p:sp>
+      <p:sp>
+        <p:nvSpPr>
+          <p:cNvPr id="3" name="Content Placeholder 2">
+            <a:extLst>
+              <a:ext uri="{FF2B5EF4-FFF2-40B4-BE49-F238E27FC236}">
+                <a16:creationId xmlns:a16="http://schemas.microsoft.com/office/drawing/2014/main" id="{40702393-37D2-0940-8EB2-3238C45D83D4}"/>
+              </a:ext>
+            </a:extLst>
+          </p:cNvPr>
+          <p:cNvSpPr>
+            <a:spLocks noGrp="1"/>
+          </p:cNvSpPr>
+          <p:nvPr>
+            <p:ph idx="1"/>
+          </p:nvPr>
+        </p:nvSpPr>
+        <p:spPr/>
+        <p:txBody>
+          <a:bodyPr/>
+          <a:lstStyle/>
+          <a:p>
+            <a:endParaRPr lang="en-US"/>
+          </a:p>
+        </p:txBody>
+      </p:sp>
+    </p:spTree>
+    <p:extLst>
+      <p:ext uri="{BB962C8B-B14F-4D97-AF65-F5344CB8AC3E}">
+        <p14:creationId xmlns:p14="http://schemas.microsoft.com/office/powerpoint/2010/main" val="1082284344"/>
+      </p:ext>
+    </p:extLst>
+  </p:cSld>
+  <p:clrMapOvr>
+    <a:masterClrMapping/>
+  </p:clrMapOvr>
+</p:sld>
+</file>
+
+<file path=ppt/slides/slide16.xml><?xml version="1.0" encoding="utf-8"?>
+<p:sld xmlns:a="http://schemas.openxmlformats.org/drawingml/2006/main" xmlns:r="http://schemas.openxmlformats.org/officeDocument/2006/relationships" xmlns:p="http://schemas.openxmlformats.org/presentationml/2006/main">
+  <p:cSld>
+    <p:spTree>
+      <p:nvGrpSpPr>
+        <p:cNvPr id="1" name=""/>
+        <p:cNvGrpSpPr/>
+        <p:nvPr/>
+      </p:nvGrpSpPr>
+      <p:grpSpPr>
+        <a:xfrm>
+          <a:off x="0" y="0"/>
+          <a:ext cx="0" cy="0"/>
+          <a:chOff x="0" y="0"/>
+          <a:chExt cx="0" cy="0"/>
+        </a:xfrm>
+      </p:grpSpPr>
+      <p:sp>
+        <p:nvSpPr>
+          <p:cNvPr id="2" name="Title 1">
+            <a:extLst>
+              <a:ext uri="{FF2B5EF4-FFF2-40B4-BE49-F238E27FC236}">
                 <a16:creationId xmlns:a16="http://schemas.microsoft.com/office/drawing/2014/main" id="{4F34299A-27AF-BF44-AF97-0DC5EA917BC9}"/>
               </a:ext>
             </a:extLst>
@@ -3825,7 +4690,7 @@
 </p:sld>
 </file>
 
-<file path=ppt/slides/slide14.xml><?xml version="1.0" encoding="utf-8"?>
+<file path=ppt/slides/slide17.xml><?xml version="1.0" encoding="utf-8"?>
 <p:sld xmlns:a="http://schemas.openxmlformats.org/drawingml/2006/main" xmlns:r="http://schemas.openxmlformats.org/officeDocument/2006/relationships" xmlns:p="http://schemas.openxmlformats.org/presentationml/2006/main">
   <p:cSld>
     <p:spTree>
@@ -4152,7 +5017,29 @@
             </a:pPr>
             <a:r>
               <a:rPr lang="en-US" dirty="0"/>
-              <a:t>Available here on GitHub: XXX</a:t>
+              <a:t>Available here on GitHub: </a:t>
+            </a:r>
+            <a:r>
+              <a:rPr lang="en-US" dirty="0">
+                <a:hlinkClick r:id="rId2"/>
+              </a:rPr>
+              <a:t>https://github.com/f0rk/pygotham-2019</a:t>
+            </a:r>
+            <a:endParaRPr lang="en-US" dirty="0"/>
+          </a:p>
+          <a:p>
+            <a:pPr marL="0" indent="0">
+              <a:buNone/>
+            </a:pPr>
+            <a:endParaRPr lang="en-US" dirty="0"/>
+          </a:p>
+          <a:p>
+            <a:pPr marL="0" indent="0">
+              <a:buNone/>
+            </a:pPr>
+            <a:r>
+              <a:rPr lang="en-US" dirty="0"/>
+              <a:t>Examples in the code are labeled example01.py, example02.py and correspond the example number when code samples are presented.</a:t>
             </a:r>
           </a:p>
         </p:txBody>
@@ -4733,7 +5620,7 @@
           <a:p>
             <a:r>
               <a:rPr lang="en-US" dirty="0"/>
-              <a:t>Types and Operators</a:t>
+              <a:t>Types and Operators (Example 01)</a:t>
             </a:r>
           </a:p>
         </p:txBody>
@@ -4756,13 +5643,595 @@
         </p:nvSpPr>
         <p:spPr/>
         <p:txBody>
-          <a:bodyPr/>
+          <a:bodyPr>
+            <a:normAutofit/>
+          </a:bodyPr>
           <a:lstStyle/>
           <a:p>
             <a:pPr marL="0" indent="0">
               <a:buNone/>
             </a:pPr>
-            <a:endParaRPr lang="en-US" dirty="0"/>
+            <a:r>
+              <a:rPr lang="en-US" sz="2000" dirty="0" err="1">
+                <a:solidFill>
+                  <a:srgbClr val="000000"/>
+                </a:solidFill>
+                <a:latin typeface="Menlo" panose="020B0609030804020204" pitchFamily="49" charset="0"/>
+              </a:rPr>
+              <a:t>meta.session.add_all</a:t>
+            </a:r>
+            <a:r>
+              <a:rPr lang="en-US" sz="2000" dirty="0">
+                <a:solidFill>
+                  <a:srgbClr val="000000"/>
+                </a:solidFill>
+                <a:latin typeface="Menlo" panose="020B0609030804020204" pitchFamily="49" charset="0"/>
+              </a:rPr>
+              <a:t>([</a:t>
+            </a:r>
+          </a:p>
+          <a:p>
+            <a:pPr marL="0" indent="0">
+              <a:buNone/>
+            </a:pPr>
+            <a:r>
+              <a:rPr lang="en-US" sz="2000" dirty="0">
+                <a:solidFill>
+                  <a:srgbClr val="000000"/>
+                </a:solidFill>
+                <a:latin typeface="Menlo" panose="020B0609030804020204" pitchFamily="49" charset="0"/>
+              </a:rPr>
+              <a:t>  </a:t>
+            </a:r>
+            <a:r>
+              <a:rPr lang="en-US" sz="2000" dirty="0" err="1">
+                <a:solidFill>
+                  <a:srgbClr val="000000"/>
+                </a:solidFill>
+                <a:latin typeface="Menlo" panose="020B0609030804020204" pitchFamily="49" charset="0"/>
+              </a:rPr>
+              <a:t>model.Record</a:t>
+            </a:r>
+            <a:r>
+              <a:rPr lang="en-US" sz="2000" dirty="0">
+                <a:solidFill>
+                  <a:srgbClr val="000000"/>
+                </a:solidFill>
+                <a:latin typeface="Menlo" panose="020B0609030804020204" pitchFamily="49" charset="0"/>
+              </a:rPr>
+              <a:t>(tags=[</a:t>
+            </a:r>
+            <a:r>
+              <a:rPr lang="en-US" sz="2000" dirty="0">
+                <a:solidFill>
+                  <a:srgbClr val="9FA01C"/>
+                </a:solidFill>
+                <a:latin typeface="Menlo" panose="020B0609030804020204" pitchFamily="49" charset="0"/>
+              </a:rPr>
+              <a:t>"defect"</a:t>
+            </a:r>
+            <a:r>
+              <a:rPr lang="en-US" sz="2000" dirty="0">
+                <a:solidFill>
+                  <a:srgbClr val="000000"/>
+                </a:solidFill>
+                <a:latin typeface="Menlo" panose="020B0609030804020204" pitchFamily="49" charset="0"/>
+              </a:rPr>
+              <a:t>, </a:t>
+            </a:r>
+            <a:r>
+              <a:rPr lang="en-US" sz="2000" dirty="0">
+                <a:solidFill>
+                  <a:srgbClr val="9FA01C"/>
+                </a:solidFill>
+                <a:latin typeface="Menlo" panose="020B0609030804020204" pitchFamily="49" charset="0"/>
+              </a:rPr>
+              <a:t>"</a:t>
+            </a:r>
+            <a:r>
+              <a:rPr lang="en-US" sz="2000" dirty="0" err="1">
+                <a:solidFill>
+                  <a:srgbClr val="9FA01C"/>
+                </a:solidFill>
+                <a:latin typeface="Menlo" panose="020B0609030804020204" pitchFamily="49" charset="0"/>
+              </a:rPr>
+              <a:t>minor_change</a:t>
+            </a:r>
+            <a:r>
+              <a:rPr lang="en-US" sz="2000" dirty="0">
+                <a:solidFill>
+                  <a:srgbClr val="9FA01C"/>
+                </a:solidFill>
+                <a:latin typeface="Menlo" panose="020B0609030804020204" pitchFamily="49" charset="0"/>
+              </a:rPr>
+              <a:t>"</a:t>
+            </a:r>
+            <a:r>
+              <a:rPr lang="en-US" sz="2000" dirty="0">
+                <a:solidFill>
+                  <a:srgbClr val="000000"/>
+                </a:solidFill>
+                <a:latin typeface="Menlo" panose="020B0609030804020204" pitchFamily="49" charset="0"/>
+              </a:rPr>
+              <a:t>, </a:t>
+            </a:r>
+            <a:r>
+              <a:rPr lang="en-US" sz="2000" dirty="0">
+                <a:solidFill>
+                  <a:srgbClr val="9FA01C"/>
+                </a:solidFill>
+                <a:latin typeface="Menlo" panose="020B0609030804020204" pitchFamily="49" charset="0"/>
+              </a:rPr>
+              <a:t>"backend"</a:t>
+            </a:r>
+            <a:r>
+              <a:rPr lang="en-US" sz="2000" dirty="0">
+                <a:solidFill>
+                  <a:srgbClr val="000000"/>
+                </a:solidFill>
+                <a:latin typeface="Menlo" panose="020B0609030804020204" pitchFamily="49" charset="0"/>
+              </a:rPr>
+              <a:t>]),</a:t>
+            </a:r>
+            <a:endParaRPr lang="en-US" sz="2000" dirty="0">
+              <a:solidFill>
+                <a:srgbClr val="9FA01C"/>
+              </a:solidFill>
+              <a:latin typeface="Menlo" panose="020B0609030804020204" pitchFamily="49" charset="0"/>
+            </a:endParaRPr>
+          </a:p>
+          <a:p>
+            <a:pPr marL="0" indent="0">
+              <a:buNone/>
+            </a:pPr>
+            <a:r>
+              <a:rPr lang="en-US" sz="2000" dirty="0">
+                <a:solidFill>
+                  <a:srgbClr val="000000"/>
+                </a:solidFill>
+                <a:latin typeface="Menlo" panose="020B0609030804020204" pitchFamily="49" charset="0"/>
+              </a:rPr>
+              <a:t>  </a:t>
+            </a:r>
+            <a:r>
+              <a:rPr lang="en-US" sz="2000" dirty="0" err="1">
+                <a:solidFill>
+                  <a:srgbClr val="000000"/>
+                </a:solidFill>
+                <a:latin typeface="Menlo" panose="020B0609030804020204" pitchFamily="49" charset="0"/>
+              </a:rPr>
+              <a:t>model.Record</a:t>
+            </a:r>
+            <a:r>
+              <a:rPr lang="en-US" sz="2000" dirty="0">
+                <a:solidFill>
+                  <a:srgbClr val="000000"/>
+                </a:solidFill>
+                <a:latin typeface="Menlo" panose="020B0609030804020204" pitchFamily="49" charset="0"/>
+              </a:rPr>
+              <a:t>(tags=[</a:t>
+            </a:r>
+            <a:r>
+              <a:rPr lang="en-US" sz="2000" dirty="0">
+                <a:solidFill>
+                  <a:srgbClr val="9FA01C"/>
+                </a:solidFill>
+                <a:latin typeface="Menlo" panose="020B0609030804020204" pitchFamily="49" charset="0"/>
+              </a:rPr>
+              <a:t>"defect"</a:t>
+            </a:r>
+            <a:r>
+              <a:rPr lang="en-US" sz="2000" dirty="0">
+                <a:solidFill>
+                  <a:srgbClr val="000000"/>
+                </a:solidFill>
+                <a:latin typeface="Menlo" panose="020B0609030804020204" pitchFamily="49" charset="0"/>
+              </a:rPr>
+              <a:t>, </a:t>
+            </a:r>
+            <a:r>
+              <a:rPr lang="en-US" sz="2000" dirty="0">
+                <a:solidFill>
+                  <a:srgbClr val="9FA01C"/>
+                </a:solidFill>
+                <a:latin typeface="Menlo" panose="020B0609030804020204" pitchFamily="49" charset="0"/>
+              </a:rPr>
+              <a:t>"</a:t>
+            </a:r>
+            <a:r>
+              <a:rPr lang="en-US" sz="2000" dirty="0" err="1">
+                <a:solidFill>
+                  <a:srgbClr val="9FA01C"/>
+                </a:solidFill>
+                <a:latin typeface="Menlo" panose="020B0609030804020204" pitchFamily="49" charset="0"/>
+              </a:rPr>
+              <a:t>major_change</a:t>
+            </a:r>
+            <a:r>
+              <a:rPr lang="en-US" sz="2000" dirty="0">
+                <a:solidFill>
+                  <a:srgbClr val="9FA01C"/>
+                </a:solidFill>
+                <a:latin typeface="Menlo" panose="020B0609030804020204" pitchFamily="49" charset="0"/>
+              </a:rPr>
+              <a:t>"</a:t>
+            </a:r>
+            <a:r>
+              <a:rPr lang="en-US" sz="2000" dirty="0">
+                <a:solidFill>
+                  <a:srgbClr val="000000"/>
+                </a:solidFill>
+                <a:latin typeface="Menlo" panose="020B0609030804020204" pitchFamily="49" charset="0"/>
+              </a:rPr>
+              <a:t>, </a:t>
+            </a:r>
+            <a:r>
+              <a:rPr lang="en-US" sz="2000" dirty="0">
+                <a:solidFill>
+                  <a:srgbClr val="9FA01C"/>
+                </a:solidFill>
+                <a:latin typeface="Menlo" panose="020B0609030804020204" pitchFamily="49" charset="0"/>
+              </a:rPr>
+              <a:t>"backend"</a:t>
+            </a:r>
+            <a:r>
+              <a:rPr lang="en-US" sz="2000" dirty="0">
+                <a:solidFill>
+                  <a:srgbClr val="000000"/>
+                </a:solidFill>
+                <a:latin typeface="Menlo" panose="020B0609030804020204" pitchFamily="49" charset="0"/>
+              </a:rPr>
+              <a:t>]),</a:t>
+            </a:r>
+            <a:endParaRPr lang="en-US" sz="2000" dirty="0">
+              <a:solidFill>
+                <a:srgbClr val="9FA01C"/>
+              </a:solidFill>
+              <a:latin typeface="Menlo" panose="020B0609030804020204" pitchFamily="49" charset="0"/>
+            </a:endParaRPr>
+          </a:p>
+          <a:p>
+            <a:pPr marL="0" indent="0">
+              <a:buNone/>
+            </a:pPr>
+            <a:r>
+              <a:rPr lang="en-US" sz="2000" dirty="0">
+                <a:solidFill>
+                  <a:srgbClr val="000000"/>
+                </a:solidFill>
+                <a:latin typeface="Menlo" panose="020B0609030804020204" pitchFamily="49" charset="0"/>
+              </a:rPr>
+              <a:t>  </a:t>
+            </a:r>
+            <a:r>
+              <a:rPr lang="en-US" sz="2000" dirty="0" err="1">
+                <a:solidFill>
+                  <a:srgbClr val="000000"/>
+                </a:solidFill>
+                <a:latin typeface="Menlo" panose="020B0609030804020204" pitchFamily="49" charset="0"/>
+              </a:rPr>
+              <a:t>model.Record</a:t>
+            </a:r>
+            <a:r>
+              <a:rPr lang="en-US" sz="2000" dirty="0">
+                <a:solidFill>
+                  <a:srgbClr val="000000"/>
+                </a:solidFill>
+                <a:latin typeface="Menlo" panose="020B0609030804020204" pitchFamily="49" charset="0"/>
+              </a:rPr>
+              <a:t>(tags=[</a:t>
+            </a:r>
+            <a:r>
+              <a:rPr lang="en-US" sz="2000" dirty="0">
+                <a:solidFill>
+                  <a:srgbClr val="9FA01C"/>
+                </a:solidFill>
+                <a:latin typeface="Menlo" panose="020B0609030804020204" pitchFamily="49" charset="0"/>
+              </a:rPr>
+              <a:t>"enhancement"</a:t>
+            </a:r>
+            <a:r>
+              <a:rPr lang="en-US" sz="2000" dirty="0">
+                <a:solidFill>
+                  <a:srgbClr val="000000"/>
+                </a:solidFill>
+                <a:latin typeface="Menlo" panose="020B0609030804020204" pitchFamily="49" charset="0"/>
+              </a:rPr>
+              <a:t>, </a:t>
+            </a:r>
+            <a:r>
+              <a:rPr lang="en-US" sz="2000" dirty="0">
+                <a:solidFill>
+                  <a:srgbClr val="9FA01C"/>
+                </a:solidFill>
+                <a:latin typeface="Menlo" panose="020B0609030804020204" pitchFamily="49" charset="0"/>
+              </a:rPr>
+              <a:t>"</a:t>
+            </a:r>
+            <a:r>
+              <a:rPr lang="en-US" sz="2000" dirty="0" err="1">
+                <a:solidFill>
+                  <a:srgbClr val="9FA01C"/>
+                </a:solidFill>
+                <a:latin typeface="Menlo" panose="020B0609030804020204" pitchFamily="49" charset="0"/>
+              </a:rPr>
+              <a:t>ui</a:t>
+            </a:r>
+            <a:r>
+              <a:rPr lang="en-US" sz="2000" dirty="0">
+                <a:solidFill>
+                  <a:srgbClr val="9FA01C"/>
+                </a:solidFill>
+                <a:latin typeface="Menlo" panose="020B0609030804020204" pitchFamily="49" charset="0"/>
+              </a:rPr>
+              <a:t>/</a:t>
+            </a:r>
+            <a:r>
+              <a:rPr lang="en-US" sz="2000" dirty="0" err="1">
+                <a:solidFill>
+                  <a:srgbClr val="9FA01C"/>
+                </a:solidFill>
+                <a:latin typeface="Menlo" panose="020B0609030804020204" pitchFamily="49" charset="0"/>
+              </a:rPr>
+              <a:t>ux</a:t>
+            </a:r>
+            <a:r>
+              <a:rPr lang="en-US" sz="2000" dirty="0">
+                <a:solidFill>
+                  <a:srgbClr val="9FA01C"/>
+                </a:solidFill>
+                <a:latin typeface="Menlo" panose="020B0609030804020204" pitchFamily="49" charset="0"/>
+              </a:rPr>
+              <a:t>"</a:t>
+            </a:r>
+            <a:r>
+              <a:rPr lang="en-US" sz="2000" dirty="0">
+                <a:solidFill>
+                  <a:srgbClr val="000000"/>
+                </a:solidFill>
+                <a:latin typeface="Menlo" panose="020B0609030804020204" pitchFamily="49" charset="0"/>
+              </a:rPr>
+              <a:t>, </a:t>
+            </a:r>
+            <a:r>
+              <a:rPr lang="en-US" sz="2000" dirty="0">
+                <a:solidFill>
+                  <a:srgbClr val="9FA01C"/>
+                </a:solidFill>
+                <a:latin typeface="Menlo" panose="020B0609030804020204" pitchFamily="49" charset="0"/>
+              </a:rPr>
+              <a:t>"frontend"</a:t>
+            </a:r>
+            <a:r>
+              <a:rPr lang="en-US" sz="2000" dirty="0">
+                <a:solidFill>
+                  <a:srgbClr val="000000"/>
+                </a:solidFill>
+                <a:latin typeface="Menlo" panose="020B0609030804020204" pitchFamily="49" charset="0"/>
+              </a:rPr>
+              <a:t>]),</a:t>
+            </a:r>
+            <a:endParaRPr lang="en-US" sz="2000" dirty="0">
+              <a:solidFill>
+                <a:srgbClr val="9FA01C"/>
+              </a:solidFill>
+              <a:latin typeface="Menlo" panose="020B0609030804020204" pitchFamily="49" charset="0"/>
+            </a:endParaRPr>
+          </a:p>
+          <a:p>
+            <a:pPr marL="0" indent="0">
+              <a:buNone/>
+            </a:pPr>
+            <a:r>
+              <a:rPr lang="en-US" sz="2000" dirty="0">
+                <a:solidFill>
+                  <a:srgbClr val="000000"/>
+                </a:solidFill>
+                <a:latin typeface="Menlo" panose="020B0609030804020204" pitchFamily="49" charset="0"/>
+              </a:rPr>
+              <a:t>])</a:t>
+            </a:r>
+          </a:p>
+          <a:p>
+            <a:pPr marL="0" indent="0">
+              <a:buNone/>
+            </a:pPr>
+            <a:r>
+              <a:rPr lang="en-US" sz="2000" dirty="0" err="1">
+                <a:solidFill>
+                  <a:srgbClr val="000000"/>
+                </a:solidFill>
+                <a:latin typeface="Menlo" panose="020B0609030804020204" pitchFamily="49" charset="0"/>
+              </a:rPr>
+              <a:t>meta.session.flush</a:t>
+            </a:r>
+            <a:r>
+              <a:rPr lang="en-US" sz="2000" dirty="0">
+                <a:solidFill>
+                  <a:srgbClr val="000000"/>
+                </a:solidFill>
+                <a:latin typeface="Menlo" panose="020B0609030804020204" pitchFamily="49" charset="0"/>
+              </a:rPr>
+              <a:t>()</a:t>
+            </a:r>
+            <a:br>
+              <a:rPr lang="en-US" sz="2000" dirty="0">
+                <a:solidFill>
+                  <a:srgbClr val="000000"/>
+                </a:solidFill>
+                <a:latin typeface="Menlo" panose="020B0609030804020204" pitchFamily="49" charset="0"/>
+              </a:rPr>
+            </a:br>
+            <a:endParaRPr lang="en-US" sz="2000" dirty="0">
+              <a:solidFill>
+                <a:srgbClr val="000000"/>
+              </a:solidFill>
+              <a:latin typeface="Menlo" panose="020B0609030804020204" pitchFamily="49" charset="0"/>
+            </a:endParaRPr>
+          </a:p>
+          <a:p>
+            <a:pPr marL="0" indent="0">
+              <a:buNone/>
+            </a:pPr>
+            <a:r>
+              <a:rPr lang="en-US" sz="2000" dirty="0">
+                <a:solidFill>
+                  <a:srgbClr val="000000"/>
+                </a:solidFill>
+                <a:latin typeface="Menlo" panose="020B0609030804020204" pitchFamily="49" charset="0"/>
+              </a:rPr>
+              <a:t>records = (</a:t>
+            </a:r>
+          </a:p>
+          <a:p>
+            <a:pPr marL="0" indent="0">
+              <a:buNone/>
+            </a:pPr>
+            <a:r>
+              <a:rPr lang="en-US" sz="2000" dirty="0">
+                <a:solidFill>
+                  <a:srgbClr val="000000"/>
+                </a:solidFill>
+                <a:latin typeface="Menlo" panose="020B0609030804020204" pitchFamily="49" charset="0"/>
+              </a:rPr>
+              <a:t>    </a:t>
+            </a:r>
+            <a:r>
+              <a:rPr lang="en-US" sz="2000" dirty="0" err="1">
+                <a:solidFill>
+                  <a:srgbClr val="000000"/>
+                </a:solidFill>
+                <a:latin typeface="Menlo" panose="020B0609030804020204" pitchFamily="49" charset="0"/>
+              </a:rPr>
+              <a:t>meta.session.query</a:t>
+            </a:r>
+            <a:r>
+              <a:rPr lang="en-US" sz="2000" dirty="0">
+                <a:solidFill>
+                  <a:srgbClr val="000000"/>
+                </a:solidFill>
+                <a:latin typeface="Menlo" panose="020B0609030804020204" pitchFamily="49" charset="0"/>
+              </a:rPr>
+              <a:t>(</a:t>
+            </a:r>
+            <a:r>
+              <a:rPr lang="en-US" sz="2000" dirty="0" err="1">
+                <a:solidFill>
+                  <a:srgbClr val="000000"/>
+                </a:solidFill>
+                <a:latin typeface="Menlo" panose="020B0609030804020204" pitchFamily="49" charset="0"/>
+              </a:rPr>
+              <a:t>model.Record</a:t>
+            </a:r>
+            <a:r>
+              <a:rPr lang="en-US" sz="2000" dirty="0">
+                <a:solidFill>
+                  <a:srgbClr val="000000"/>
+                </a:solidFill>
+                <a:latin typeface="Menlo" panose="020B0609030804020204" pitchFamily="49" charset="0"/>
+              </a:rPr>
+              <a:t>)</a:t>
+            </a:r>
+          </a:p>
+          <a:p>
+            <a:pPr marL="0" indent="0">
+              <a:buNone/>
+            </a:pPr>
+            <a:r>
+              <a:rPr lang="en-US" sz="2000" dirty="0">
+                <a:solidFill>
+                  <a:srgbClr val="000000"/>
+                </a:solidFill>
+                <a:latin typeface="Menlo" panose="020B0609030804020204" pitchFamily="49" charset="0"/>
+              </a:rPr>
+              <a:t>        .filter(</a:t>
+            </a:r>
+            <a:r>
+              <a:rPr lang="en-US" sz="2000" dirty="0" err="1">
+                <a:solidFill>
+                  <a:srgbClr val="000000"/>
+                </a:solidFill>
+                <a:latin typeface="Menlo" panose="020B0609030804020204" pitchFamily="49" charset="0"/>
+              </a:rPr>
+              <a:t>model.Record.tags.op</a:t>
+            </a:r>
+            <a:r>
+              <a:rPr lang="en-US" sz="2000" dirty="0">
+                <a:solidFill>
+                  <a:srgbClr val="000000"/>
+                </a:solidFill>
+                <a:latin typeface="Menlo" panose="020B0609030804020204" pitchFamily="49" charset="0"/>
+              </a:rPr>
+              <a:t>(</a:t>
+            </a:r>
+            <a:r>
+              <a:rPr lang="en-US" sz="2000" dirty="0">
+                <a:solidFill>
+                  <a:srgbClr val="9FA01C"/>
+                </a:solidFill>
+                <a:latin typeface="Menlo" panose="020B0609030804020204" pitchFamily="49" charset="0"/>
+              </a:rPr>
+              <a:t>"&amp;&amp;"</a:t>
+            </a:r>
+            <a:r>
+              <a:rPr lang="en-US" sz="2000" dirty="0">
+                <a:solidFill>
+                  <a:srgbClr val="000000"/>
+                </a:solidFill>
+                <a:latin typeface="Menlo" panose="020B0609030804020204" pitchFamily="49" charset="0"/>
+              </a:rPr>
+              <a:t>)([</a:t>
+            </a:r>
+            <a:r>
+              <a:rPr lang="en-US" sz="2000" dirty="0">
+                <a:solidFill>
+                  <a:srgbClr val="9FA01C"/>
+                </a:solidFill>
+                <a:latin typeface="Menlo" panose="020B0609030804020204" pitchFamily="49" charset="0"/>
+              </a:rPr>
+              <a:t>"defect"</a:t>
+            </a:r>
+            <a:r>
+              <a:rPr lang="en-US" sz="2000" dirty="0">
+                <a:solidFill>
+                  <a:srgbClr val="000000"/>
+                </a:solidFill>
+                <a:latin typeface="Menlo" panose="020B0609030804020204" pitchFamily="49" charset="0"/>
+              </a:rPr>
+              <a:t>, </a:t>
+            </a:r>
+            <a:r>
+              <a:rPr lang="en-US" sz="2000" dirty="0">
+                <a:solidFill>
+                  <a:srgbClr val="9FA01C"/>
+                </a:solidFill>
+                <a:latin typeface="Menlo" panose="020B0609030804020204" pitchFamily="49" charset="0"/>
+              </a:rPr>
+              <a:t>"backend"</a:t>
+            </a:r>
+            <a:r>
+              <a:rPr lang="en-US" sz="2000" dirty="0">
+                <a:solidFill>
+                  <a:srgbClr val="000000"/>
+                </a:solidFill>
+                <a:latin typeface="Menlo" panose="020B0609030804020204" pitchFamily="49" charset="0"/>
+              </a:rPr>
+              <a:t>]))</a:t>
+            </a:r>
+          </a:p>
+          <a:p>
+            <a:pPr marL="0" indent="0">
+              <a:buNone/>
+            </a:pPr>
+            <a:r>
+              <a:rPr lang="en-US" sz="2000" dirty="0">
+                <a:solidFill>
+                  <a:srgbClr val="000000"/>
+                </a:solidFill>
+                <a:latin typeface="Menlo" panose="020B0609030804020204" pitchFamily="49" charset="0"/>
+              </a:rPr>
+              <a:t>)</a:t>
+            </a:r>
           </a:p>
         </p:txBody>
       </p:sp>
@@ -4801,7 +6270,7 @@
           <p:cNvPr id="2" name="Title 1">
             <a:extLst>
               <a:ext uri="{FF2B5EF4-FFF2-40B4-BE49-F238E27FC236}">
-                <a16:creationId xmlns:a16="http://schemas.microsoft.com/office/drawing/2014/main" id="{2D5809F7-8767-4B47-9582-289BECDC5EF4}"/>
+                <a16:creationId xmlns:a16="http://schemas.microsoft.com/office/drawing/2014/main" id="{74D52B37-CF49-0C43-9AD8-969DFB36930B}"/>
               </a:ext>
             </a:extLst>
           </p:cNvPr>
@@ -4819,7 +6288,7 @@
           <a:p>
             <a:r>
               <a:rPr lang="en-US" dirty="0"/>
-              <a:t>Common Table Expressions</a:t>
+              <a:t>Types and Operators (Example 01)</a:t>
             </a:r>
           </a:p>
         </p:txBody>
@@ -4829,7 +6298,7 @@
           <p:cNvPr id="3" name="Content Placeholder 2">
             <a:extLst>
               <a:ext uri="{FF2B5EF4-FFF2-40B4-BE49-F238E27FC236}">
-                <a16:creationId xmlns:a16="http://schemas.microsoft.com/office/drawing/2014/main" id="{84710E21-7F29-224E-8009-9FF48C43AD84}"/>
+                <a16:creationId xmlns:a16="http://schemas.microsoft.com/office/drawing/2014/main" id="{550D2850-CE7C-EE4B-953E-63FDD0786334}"/>
               </a:ext>
             </a:extLst>
           </p:cNvPr>
@@ -4842,61 +6311,156 @@
         </p:nvSpPr>
         <p:spPr/>
         <p:txBody>
-          <a:bodyPr/>
-          <a:lstStyle/>
-          <a:p>
-            <a:r>
-              <a:rPr lang="en-US" dirty="0"/>
-              <a:t>SQL’s ability to be abstracted is limited (another reason </a:t>
-            </a:r>
-            <a:r>
-              <a:rPr lang="en-US" dirty="0" err="1"/>
-              <a:t>SQLAlchemy</a:t>
-            </a:r>
-            <a:r>
-              <a:rPr lang="en-US" dirty="0"/>
-              <a:t> is so awesome!)</a:t>
-            </a:r>
-          </a:p>
-          <a:p>
-            <a:r>
-              <a:rPr lang="en-US" dirty="0"/>
-              <a:t>Common Table Expressions (CTEs) allow you to break your queries up into smaller, more manageable/composable pieces</a:t>
-            </a:r>
-          </a:p>
-          <a:p>
-            <a:pPr lvl="1"/>
-            <a:r>
-              <a:rPr lang="en-US" dirty="0"/>
-              <a:t>Subqueries perform this job too, but can make the rendered SQL really hard to read</a:t>
-            </a:r>
-          </a:p>
-          <a:p>
-            <a:r>
-              <a:rPr lang="en-US" dirty="0"/>
-              <a:t>Favorite uses:</a:t>
-            </a:r>
-          </a:p>
-          <a:p>
-            <a:pPr lvl="1"/>
-            <a:r>
-              <a:rPr lang="en-US" dirty="0"/>
-              <a:t>Incremental query development</a:t>
-            </a:r>
-          </a:p>
-          <a:p>
-            <a:pPr lvl="1"/>
-            <a:r>
-              <a:rPr lang="en-US" dirty="0"/>
-              <a:t>Optimization fencing</a:t>
-            </a:r>
+          <a:bodyPr>
+            <a:normAutofit/>
+          </a:bodyPr>
+          <a:lstStyle/>
+          <a:p>
+            <a:pPr marL="0" indent="0">
+              <a:buNone/>
+            </a:pPr>
+            <a:r>
+              <a:rPr lang="en-US" sz="2000" dirty="0">
+                <a:solidFill>
+                  <a:srgbClr val="000000"/>
+                </a:solidFill>
+                <a:latin typeface="Menlo" panose="020B0609030804020204" pitchFamily="49" charset="0"/>
+              </a:rPr>
+              <a:t>filtering with &amp;&amp;</a:t>
+            </a:r>
+          </a:p>
+          <a:p>
+            <a:pPr marL="0" indent="0">
+              <a:buNone/>
+            </a:pPr>
+            <a:r>
+              <a:rPr lang="en-US" sz="2000" dirty="0">
+                <a:solidFill>
+                  <a:srgbClr val="000000"/>
+                </a:solidFill>
+                <a:latin typeface="Menlo" panose="020B0609030804020204" pitchFamily="49" charset="0"/>
+              </a:rPr>
+              <a:t>+------+---------------------------------------+</a:t>
+            </a:r>
+          </a:p>
+          <a:p>
+            <a:pPr marL="0" indent="0">
+              <a:buNone/>
+            </a:pPr>
+            <a:r>
+              <a:rPr lang="en-US" sz="2000" dirty="0">
+                <a:solidFill>
+                  <a:srgbClr val="000000"/>
+                </a:solidFill>
+                <a:latin typeface="Menlo" panose="020B0609030804020204" pitchFamily="49" charset="0"/>
+              </a:rPr>
+              <a:t>|   id | tags                                  |</a:t>
+            </a:r>
+          </a:p>
+          <a:p>
+            <a:pPr marL="0" indent="0">
+              <a:buNone/>
+            </a:pPr>
+            <a:r>
+              <a:rPr lang="en-US" sz="2000" dirty="0">
+                <a:solidFill>
+                  <a:srgbClr val="000000"/>
+                </a:solidFill>
+                <a:latin typeface="Menlo" panose="020B0609030804020204" pitchFamily="49" charset="0"/>
+              </a:rPr>
+              <a:t>|------+---------------------------------------|</a:t>
+            </a:r>
+          </a:p>
+          <a:p>
+            <a:pPr marL="0" indent="0">
+              <a:buNone/>
+            </a:pPr>
+            <a:r>
+              <a:rPr lang="en-US" sz="2000" dirty="0">
+                <a:solidFill>
+                  <a:srgbClr val="000000"/>
+                </a:solidFill>
+                <a:latin typeface="Menlo" panose="020B0609030804020204" pitchFamily="49" charset="0"/>
+              </a:rPr>
+              <a:t>|    1 | ['defect', '</a:t>
+            </a:r>
+            <a:r>
+              <a:rPr lang="en-US" sz="2000" dirty="0" err="1">
+                <a:solidFill>
+                  <a:srgbClr val="000000"/>
+                </a:solidFill>
+                <a:latin typeface="Menlo" panose="020B0609030804020204" pitchFamily="49" charset="0"/>
+              </a:rPr>
+              <a:t>minor_change</a:t>
+            </a:r>
+            <a:r>
+              <a:rPr lang="en-US" sz="2000" dirty="0">
+                <a:solidFill>
+                  <a:srgbClr val="000000"/>
+                </a:solidFill>
+                <a:latin typeface="Menlo" panose="020B0609030804020204" pitchFamily="49" charset="0"/>
+              </a:rPr>
+              <a:t>', 'backend'] |</a:t>
+            </a:r>
+          </a:p>
+          <a:p>
+            <a:pPr marL="0" indent="0">
+              <a:buNone/>
+            </a:pPr>
+            <a:r>
+              <a:rPr lang="en-US" sz="2000" dirty="0">
+                <a:solidFill>
+                  <a:srgbClr val="000000"/>
+                </a:solidFill>
+                <a:latin typeface="Menlo" panose="020B0609030804020204" pitchFamily="49" charset="0"/>
+              </a:rPr>
+              <a:t>|    2 | ['defect', '</a:t>
+            </a:r>
+            <a:r>
+              <a:rPr lang="en-US" sz="2000" dirty="0" err="1">
+                <a:solidFill>
+                  <a:srgbClr val="000000"/>
+                </a:solidFill>
+                <a:latin typeface="Menlo" panose="020B0609030804020204" pitchFamily="49" charset="0"/>
+              </a:rPr>
+              <a:t>major_change</a:t>
+            </a:r>
+            <a:r>
+              <a:rPr lang="en-US" sz="2000" dirty="0">
+                <a:solidFill>
+                  <a:srgbClr val="000000"/>
+                </a:solidFill>
+                <a:latin typeface="Menlo" panose="020B0609030804020204" pitchFamily="49" charset="0"/>
+              </a:rPr>
+              <a:t>', 'backend'] |</a:t>
+            </a:r>
+          </a:p>
+          <a:p>
+            <a:pPr marL="0" indent="0">
+              <a:buNone/>
+            </a:pPr>
+            <a:r>
+              <a:rPr lang="en-US" sz="2000" dirty="0">
+                <a:solidFill>
+                  <a:srgbClr val="000000"/>
+                </a:solidFill>
+                <a:latin typeface="Menlo" panose="020B0609030804020204" pitchFamily="49" charset="0"/>
+              </a:rPr>
+              <a:t>+------+---------------------------------------+</a:t>
+            </a:r>
+          </a:p>
+          <a:p>
+            <a:pPr marL="0" indent="0">
+              <a:buNone/>
+            </a:pPr>
+            <a:endParaRPr lang="en-US" sz="2000" dirty="0"/>
           </a:p>
         </p:txBody>
       </p:sp>
     </p:spTree>
     <p:extLst>
       <p:ext uri="{BB962C8B-B14F-4D97-AF65-F5344CB8AC3E}">
-        <p14:creationId xmlns:p14="http://schemas.microsoft.com/office/powerpoint/2010/main" val="2504300282"/>
+        <p14:creationId xmlns:p14="http://schemas.microsoft.com/office/powerpoint/2010/main" val="2411718679"/>
       </p:ext>
     </p:extLst>
   </p:cSld>

--- a/pygotham-2019.pptx
+++ b/pygotham-2019.pptx
@@ -18,10 +18,23 @@
     <p:sldId id="272" r:id="rId12"/>
     <p:sldId id="264" r:id="rId13"/>
     <p:sldId id="267" r:id="rId14"/>
-    <p:sldId id="265" r:id="rId15"/>
-    <p:sldId id="268" r:id="rId16"/>
-    <p:sldId id="266" r:id="rId17"/>
-    <p:sldId id="269" r:id="rId18"/>
+    <p:sldId id="273" r:id="rId15"/>
+    <p:sldId id="274" r:id="rId16"/>
+    <p:sldId id="275" r:id="rId17"/>
+    <p:sldId id="276" r:id="rId18"/>
+    <p:sldId id="277" r:id="rId19"/>
+    <p:sldId id="265" r:id="rId20"/>
+    <p:sldId id="279" r:id="rId21"/>
+    <p:sldId id="281" r:id="rId22"/>
+    <p:sldId id="280" r:id="rId23"/>
+    <p:sldId id="268" r:id="rId24"/>
+    <p:sldId id="278" r:id="rId25"/>
+    <p:sldId id="266" r:id="rId26"/>
+    <p:sldId id="269" r:id="rId27"/>
+    <p:sldId id="282" r:id="rId28"/>
+    <p:sldId id="283" r:id="rId29"/>
+    <p:sldId id="285" r:id="rId30"/>
+    <p:sldId id="287" r:id="rId31"/>
   </p:sldIdLst>
   <p:sldSz cx="12192000" cy="6858000"/>
   <p:notesSz cx="6858000" cy="9144000"/>
@@ -4315,7 +4328,7 @@
           <a:p>
             <a:r>
               <a:rPr lang="en-US" dirty="0"/>
-              <a:t>Common Table Expressions</a:t>
+              <a:t>Common Table Expressions (Example 03)</a:t>
             </a:r>
           </a:p>
         </p:txBody>
@@ -4338,10 +4351,569 @@
         </p:nvSpPr>
         <p:spPr/>
         <p:txBody>
-          <a:bodyPr/>
+          <a:bodyPr>
+            <a:noAutofit/>
+          </a:bodyPr>
           <a:lstStyle/>
           <a:p>
-            <a:endParaRPr lang="en-US"/>
+            <a:pPr marL="0" indent="0">
+              <a:buNone/>
+            </a:pPr>
+            <a:r>
+              <a:rPr lang="en-US" sz="1400" dirty="0">
+                <a:solidFill>
+                  <a:srgbClr val="9FA01C"/>
+                </a:solidFill>
+                <a:latin typeface="Menlo" panose="020B0609030804020204" pitchFamily="49" charset="0"/>
+              </a:rPr>
+              <a:t>for</a:t>
+            </a:r>
+            <a:r>
+              <a:rPr lang="en-US" sz="1400" dirty="0">
+                <a:solidFill>
+                  <a:srgbClr val="000000"/>
+                </a:solidFill>
+                <a:latin typeface="Menlo" panose="020B0609030804020204" pitchFamily="49" charset="0"/>
+              </a:rPr>
+              <a:t> _ </a:t>
+            </a:r>
+            <a:r>
+              <a:rPr lang="en-US" sz="1400" dirty="0">
+                <a:solidFill>
+                  <a:srgbClr val="9FA01C"/>
+                </a:solidFill>
+                <a:latin typeface="Menlo" panose="020B0609030804020204" pitchFamily="49" charset="0"/>
+              </a:rPr>
+              <a:t>in</a:t>
+            </a:r>
+            <a:r>
+              <a:rPr lang="en-US" sz="1400" dirty="0">
+                <a:solidFill>
+                  <a:srgbClr val="000000"/>
+                </a:solidFill>
+                <a:latin typeface="Menlo" panose="020B0609030804020204" pitchFamily="49" charset="0"/>
+              </a:rPr>
+              <a:t> </a:t>
+            </a:r>
+            <a:r>
+              <a:rPr lang="en-US" sz="1400" dirty="0">
+                <a:solidFill>
+                  <a:srgbClr val="2EAEBB"/>
+                </a:solidFill>
+                <a:latin typeface="Menlo" panose="020B0609030804020204" pitchFamily="49" charset="0"/>
+              </a:rPr>
+              <a:t>range</a:t>
+            </a:r>
+            <a:r>
+              <a:rPr lang="en-US" sz="1400" dirty="0">
+                <a:solidFill>
+                  <a:srgbClr val="000000"/>
+                </a:solidFill>
+                <a:latin typeface="Menlo" panose="020B0609030804020204" pitchFamily="49" charset="0"/>
+              </a:rPr>
+              <a:t>(</a:t>
+            </a:r>
+            <a:r>
+              <a:rPr lang="en-US" sz="1400" dirty="0">
+                <a:solidFill>
+                  <a:srgbClr val="9FA01C"/>
+                </a:solidFill>
+                <a:latin typeface="Menlo" panose="020B0609030804020204" pitchFamily="49" charset="0"/>
+              </a:rPr>
+              <a:t>1000</a:t>
+            </a:r>
+            <a:r>
+              <a:rPr lang="en-US" sz="1400" dirty="0">
+                <a:solidFill>
+                  <a:srgbClr val="000000"/>
+                </a:solidFill>
+                <a:latin typeface="Menlo" panose="020B0609030804020204" pitchFamily="49" charset="0"/>
+              </a:rPr>
+              <a:t>):</a:t>
+            </a:r>
+          </a:p>
+          <a:p>
+            <a:pPr marL="0" indent="0">
+              <a:buNone/>
+            </a:pPr>
+            <a:r>
+              <a:rPr lang="en-US" sz="1400" dirty="0">
+                <a:solidFill>
+                  <a:srgbClr val="000000"/>
+                </a:solidFill>
+                <a:latin typeface="Menlo" panose="020B0609030804020204" pitchFamily="49" charset="0"/>
+              </a:rPr>
+              <a:t>    </a:t>
+            </a:r>
+            <a:r>
+              <a:rPr lang="en-US" sz="1400" dirty="0" err="1">
+                <a:solidFill>
+                  <a:srgbClr val="000000"/>
+                </a:solidFill>
+                <a:latin typeface="Menlo" panose="020B0609030804020204" pitchFamily="49" charset="0"/>
+              </a:rPr>
+              <a:t>store_id</a:t>
+            </a:r>
+            <a:r>
+              <a:rPr lang="en-US" sz="1400" dirty="0">
+                <a:solidFill>
+                  <a:srgbClr val="000000"/>
+                </a:solidFill>
+                <a:latin typeface="Menlo" panose="020B0609030804020204" pitchFamily="49" charset="0"/>
+              </a:rPr>
+              <a:t> = </a:t>
+            </a:r>
+            <a:r>
+              <a:rPr lang="en-US" sz="1400" dirty="0" err="1">
+                <a:solidFill>
+                  <a:srgbClr val="000000"/>
+                </a:solidFill>
+                <a:latin typeface="Menlo" panose="020B0609030804020204" pitchFamily="49" charset="0"/>
+              </a:rPr>
+              <a:t>random.choice</a:t>
+            </a:r>
+            <a:r>
+              <a:rPr lang="en-US" sz="1400" dirty="0">
+                <a:solidFill>
+                  <a:srgbClr val="000000"/>
+                </a:solidFill>
+                <a:latin typeface="Menlo" panose="020B0609030804020204" pitchFamily="49" charset="0"/>
+              </a:rPr>
+              <a:t>(</a:t>
+            </a:r>
+            <a:r>
+              <a:rPr lang="en-US" sz="1400" dirty="0" err="1">
+                <a:solidFill>
+                  <a:srgbClr val="000000"/>
+                </a:solidFill>
+                <a:latin typeface="Menlo" panose="020B0609030804020204" pitchFamily="49" charset="0"/>
+              </a:rPr>
+              <a:t>store_ids</a:t>
+            </a:r>
+            <a:r>
+              <a:rPr lang="en-US" sz="1400" dirty="0">
+                <a:solidFill>
+                  <a:srgbClr val="000000"/>
+                </a:solidFill>
+                <a:latin typeface="Menlo" panose="020B0609030804020204" pitchFamily="49" charset="0"/>
+              </a:rPr>
+              <a:t>)</a:t>
+            </a:r>
+          </a:p>
+          <a:p>
+            <a:pPr marL="0" indent="0">
+              <a:buNone/>
+            </a:pPr>
+            <a:r>
+              <a:rPr lang="en-US" sz="1400" dirty="0">
+                <a:solidFill>
+                  <a:srgbClr val="000000"/>
+                </a:solidFill>
+                <a:latin typeface="Menlo" panose="020B0609030804020204" pitchFamily="49" charset="0"/>
+              </a:rPr>
+              <a:t>    item = </a:t>
+            </a:r>
+            <a:r>
+              <a:rPr lang="en-US" sz="1400" dirty="0" err="1">
+                <a:solidFill>
+                  <a:srgbClr val="000000"/>
+                </a:solidFill>
+                <a:latin typeface="Menlo" panose="020B0609030804020204" pitchFamily="49" charset="0"/>
+              </a:rPr>
+              <a:t>random.choice</a:t>
+            </a:r>
+            <a:r>
+              <a:rPr lang="en-US" sz="1400" dirty="0">
+                <a:solidFill>
+                  <a:srgbClr val="000000"/>
+                </a:solidFill>
+                <a:latin typeface="Menlo" panose="020B0609030804020204" pitchFamily="49" charset="0"/>
+              </a:rPr>
+              <a:t>(items)</a:t>
+            </a:r>
+          </a:p>
+          <a:p>
+            <a:pPr marL="0" indent="0">
+              <a:buNone/>
+            </a:pPr>
+            <a:r>
+              <a:rPr lang="en-US" sz="1400" dirty="0">
+                <a:solidFill>
+                  <a:srgbClr val="000000"/>
+                </a:solidFill>
+                <a:latin typeface="Menlo" panose="020B0609030804020204" pitchFamily="49" charset="0"/>
+              </a:rPr>
+              <a:t>    amount = Decimal(</a:t>
+            </a:r>
+            <a:r>
+              <a:rPr lang="en-US" sz="1400" dirty="0" err="1">
+                <a:solidFill>
+                  <a:srgbClr val="000000"/>
+                </a:solidFill>
+                <a:latin typeface="Menlo" panose="020B0609030804020204" pitchFamily="49" charset="0"/>
+              </a:rPr>
+              <a:t>random.random</a:t>
+            </a:r>
+            <a:r>
+              <a:rPr lang="en-US" sz="1400" dirty="0">
+                <a:solidFill>
+                  <a:srgbClr val="000000"/>
+                </a:solidFill>
+                <a:latin typeface="Menlo" panose="020B0609030804020204" pitchFamily="49" charset="0"/>
+              </a:rPr>
+              <a:t>() * </a:t>
+            </a:r>
+            <a:r>
+              <a:rPr lang="en-US" sz="1400" dirty="0">
+                <a:solidFill>
+                  <a:srgbClr val="9FA01C"/>
+                </a:solidFill>
+                <a:latin typeface="Menlo" panose="020B0609030804020204" pitchFamily="49" charset="0"/>
+              </a:rPr>
+              <a:t>100</a:t>
+            </a:r>
+            <a:r>
+              <a:rPr lang="en-US" sz="1400" dirty="0">
+                <a:solidFill>
+                  <a:srgbClr val="000000"/>
+                </a:solidFill>
+                <a:latin typeface="Menlo" panose="020B0609030804020204" pitchFamily="49" charset="0"/>
+              </a:rPr>
+              <a:t>).quantize(Decimal(</a:t>
+            </a:r>
+            <a:r>
+              <a:rPr lang="en-US" sz="1400" dirty="0">
+                <a:solidFill>
+                  <a:srgbClr val="9FA01C"/>
+                </a:solidFill>
+                <a:latin typeface="Menlo" panose="020B0609030804020204" pitchFamily="49" charset="0"/>
+              </a:rPr>
+              <a:t>"0.01"</a:t>
+            </a:r>
+            <a:r>
+              <a:rPr lang="en-US" sz="1400" dirty="0">
+                <a:solidFill>
+                  <a:srgbClr val="000000"/>
+                </a:solidFill>
+                <a:latin typeface="Menlo" panose="020B0609030804020204" pitchFamily="49" charset="0"/>
+              </a:rPr>
+              <a:t>), rounding=</a:t>
+            </a:r>
+            <a:r>
+              <a:rPr lang="en-US" sz="1400" dirty="0">
+                <a:latin typeface="Menlo" panose="020B0609030804020204" pitchFamily="49" charset="0"/>
+              </a:rPr>
+              <a:t>ROUND_HALF_UP</a:t>
+            </a:r>
+            <a:r>
+              <a:rPr lang="en-US" sz="1400" b="1" dirty="0">
+                <a:solidFill>
+                  <a:srgbClr val="B2B2B2"/>
+                </a:solidFill>
+                <a:latin typeface="Menlo" panose="020B0609030804020204" pitchFamily="49" charset="0"/>
+              </a:rPr>
+              <a:t>)</a:t>
+            </a:r>
+            <a:endParaRPr lang="en-US" sz="1400" dirty="0">
+              <a:solidFill>
+                <a:srgbClr val="000000"/>
+              </a:solidFill>
+              <a:latin typeface="Menlo" panose="020B0609030804020204" pitchFamily="49" charset="0"/>
+            </a:endParaRPr>
+          </a:p>
+          <a:p>
+            <a:pPr marL="0" indent="0">
+              <a:buNone/>
+            </a:pPr>
+            <a:r>
+              <a:rPr lang="en-US" sz="1400" dirty="0">
+                <a:solidFill>
+                  <a:srgbClr val="000000"/>
+                </a:solidFill>
+                <a:latin typeface="Menlo" panose="020B0609030804020204" pitchFamily="49" charset="0"/>
+              </a:rPr>
+              <a:t>    date = </a:t>
+            </a:r>
+            <a:r>
+              <a:rPr lang="en-US" sz="1400" dirty="0" err="1">
+                <a:solidFill>
+                  <a:srgbClr val="000000"/>
+                </a:solidFill>
+                <a:latin typeface="Menlo" panose="020B0609030804020204" pitchFamily="49" charset="0"/>
+              </a:rPr>
+              <a:t>fake.date_between</a:t>
+            </a:r>
+            <a:r>
+              <a:rPr lang="en-US" sz="1400" dirty="0">
+                <a:solidFill>
+                  <a:srgbClr val="000000"/>
+                </a:solidFill>
+                <a:latin typeface="Menlo" panose="020B0609030804020204" pitchFamily="49" charset="0"/>
+              </a:rPr>
+              <a:t>(</a:t>
+            </a:r>
+            <a:r>
+              <a:rPr lang="en-US" sz="1400" dirty="0" err="1">
+                <a:solidFill>
+                  <a:srgbClr val="000000"/>
+                </a:solidFill>
+                <a:latin typeface="Menlo" panose="020B0609030804020204" pitchFamily="49" charset="0"/>
+              </a:rPr>
+              <a:t>start_date</a:t>
+            </a:r>
+            <a:r>
+              <a:rPr lang="en-US" sz="1400" dirty="0">
+                <a:solidFill>
+                  <a:srgbClr val="000000"/>
+                </a:solidFill>
+                <a:latin typeface="Menlo" panose="020B0609030804020204" pitchFamily="49" charset="0"/>
+              </a:rPr>
+              <a:t>=</a:t>
+            </a:r>
+            <a:r>
+              <a:rPr lang="en-US" sz="1400" dirty="0">
+                <a:solidFill>
+                  <a:srgbClr val="9FA01C"/>
+                </a:solidFill>
+                <a:latin typeface="Menlo" panose="020B0609030804020204" pitchFamily="49" charset="0"/>
+              </a:rPr>
+              <a:t>"-3y"</a:t>
+            </a:r>
+            <a:r>
+              <a:rPr lang="en-US" sz="1400" dirty="0">
+                <a:solidFill>
+                  <a:srgbClr val="000000"/>
+                </a:solidFill>
+                <a:latin typeface="Menlo" panose="020B0609030804020204" pitchFamily="49" charset="0"/>
+              </a:rPr>
+              <a:t>, </a:t>
+            </a:r>
+            <a:r>
+              <a:rPr lang="en-US" sz="1400" dirty="0" err="1">
+                <a:solidFill>
+                  <a:srgbClr val="000000"/>
+                </a:solidFill>
+                <a:latin typeface="Menlo" panose="020B0609030804020204" pitchFamily="49" charset="0"/>
+              </a:rPr>
+              <a:t>end_date</a:t>
+            </a:r>
+            <a:r>
+              <a:rPr lang="en-US" sz="1400" dirty="0">
+                <a:solidFill>
+                  <a:srgbClr val="000000"/>
+                </a:solidFill>
+                <a:latin typeface="Menlo" panose="020B0609030804020204" pitchFamily="49" charset="0"/>
+              </a:rPr>
+              <a:t>=</a:t>
+            </a:r>
+            <a:r>
+              <a:rPr lang="en-US" sz="1400" dirty="0">
+                <a:solidFill>
+                  <a:srgbClr val="9FA01C"/>
+                </a:solidFill>
+                <a:latin typeface="Menlo" panose="020B0609030804020204" pitchFamily="49" charset="0"/>
+              </a:rPr>
+              <a:t>"now"</a:t>
+            </a:r>
+            <a:r>
+              <a:rPr lang="en-US" sz="1400" dirty="0">
+                <a:solidFill>
+                  <a:srgbClr val="000000"/>
+                </a:solidFill>
+                <a:latin typeface="Menlo" panose="020B0609030804020204" pitchFamily="49" charset="0"/>
+              </a:rPr>
+              <a:t>)</a:t>
+            </a:r>
+          </a:p>
+          <a:p>
+            <a:pPr marL="0" indent="0">
+              <a:buNone/>
+            </a:pPr>
+            <a:r>
+              <a:rPr lang="en-US" sz="1400" dirty="0">
+                <a:solidFill>
+                  <a:srgbClr val="000000"/>
+                </a:solidFill>
+                <a:latin typeface="Menlo" panose="020B0609030804020204" pitchFamily="49" charset="0"/>
+              </a:rPr>
+              <a:t>    </a:t>
+            </a:r>
+            <a:r>
+              <a:rPr lang="en-US" sz="1400" dirty="0" err="1">
+                <a:solidFill>
+                  <a:srgbClr val="000000"/>
+                </a:solidFill>
+                <a:latin typeface="Menlo" panose="020B0609030804020204" pitchFamily="49" charset="0"/>
+              </a:rPr>
+              <a:t>meta.session.add</a:t>
+            </a:r>
+            <a:r>
+              <a:rPr lang="en-US" sz="1400" dirty="0">
+                <a:solidFill>
+                  <a:srgbClr val="000000"/>
+                </a:solidFill>
+                <a:latin typeface="Menlo" panose="020B0609030804020204" pitchFamily="49" charset="0"/>
+              </a:rPr>
+              <a:t>(</a:t>
+            </a:r>
+          </a:p>
+          <a:p>
+            <a:pPr marL="0" indent="0">
+              <a:buNone/>
+            </a:pPr>
+            <a:r>
+              <a:rPr lang="en-US" sz="1400" dirty="0">
+                <a:solidFill>
+                  <a:srgbClr val="000000"/>
+                </a:solidFill>
+                <a:latin typeface="Menlo" panose="020B0609030804020204" pitchFamily="49" charset="0"/>
+              </a:rPr>
+              <a:t>        </a:t>
+            </a:r>
+            <a:r>
+              <a:rPr lang="en-US" sz="1400" dirty="0" err="1">
+                <a:solidFill>
+                  <a:srgbClr val="000000"/>
+                </a:solidFill>
+                <a:latin typeface="Menlo" panose="020B0609030804020204" pitchFamily="49" charset="0"/>
+              </a:rPr>
+              <a:t>model.Sale</a:t>
+            </a:r>
+            <a:r>
+              <a:rPr lang="en-US" sz="1400" dirty="0">
+                <a:solidFill>
+                  <a:srgbClr val="000000"/>
+                </a:solidFill>
+                <a:latin typeface="Menlo" panose="020B0609030804020204" pitchFamily="49" charset="0"/>
+              </a:rPr>
+              <a:t>(</a:t>
+            </a:r>
+          </a:p>
+          <a:p>
+            <a:pPr marL="0" indent="0">
+              <a:buNone/>
+            </a:pPr>
+            <a:r>
+              <a:rPr lang="en-US" sz="1400" dirty="0">
+                <a:solidFill>
+                  <a:srgbClr val="000000"/>
+                </a:solidFill>
+                <a:latin typeface="Menlo" panose="020B0609030804020204" pitchFamily="49" charset="0"/>
+              </a:rPr>
+              <a:t>            item=item,</a:t>
+            </a:r>
+          </a:p>
+          <a:p>
+            <a:pPr marL="0" indent="0">
+              <a:buNone/>
+            </a:pPr>
+            <a:r>
+              <a:rPr lang="en-US" sz="1400" dirty="0">
+                <a:solidFill>
+                  <a:srgbClr val="000000"/>
+                </a:solidFill>
+                <a:latin typeface="Menlo" panose="020B0609030804020204" pitchFamily="49" charset="0"/>
+              </a:rPr>
+              <a:t>            amount=amount,</a:t>
+            </a:r>
+          </a:p>
+          <a:p>
+            <a:pPr marL="0" indent="0">
+              <a:buNone/>
+            </a:pPr>
+            <a:r>
+              <a:rPr lang="en-US" sz="1400" dirty="0">
+                <a:solidFill>
+                  <a:srgbClr val="000000"/>
+                </a:solidFill>
+                <a:latin typeface="Menlo" panose="020B0609030804020204" pitchFamily="49" charset="0"/>
+              </a:rPr>
+              <a:t>            </a:t>
+            </a:r>
+            <a:r>
+              <a:rPr lang="en-US" sz="1400" dirty="0" err="1">
+                <a:solidFill>
+                  <a:srgbClr val="000000"/>
+                </a:solidFill>
+                <a:latin typeface="Menlo" panose="020B0609030804020204" pitchFamily="49" charset="0"/>
+              </a:rPr>
+              <a:t>store_id</a:t>
+            </a:r>
+            <a:r>
+              <a:rPr lang="en-US" sz="1400" dirty="0">
+                <a:solidFill>
+                  <a:srgbClr val="000000"/>
+                </a:solidFill>
+                <a:latin typeface="Menlo" panose="020B0609030804020204" pitchFamily="49" charset="0"/>
+              </a:rPr>
+              <a:t>=</a:t>
+            </a:r>
+            <a:r>
+              <a:rPr lang="en-US" sz="1400" dirty="0" err="1">
+                <a:solidFill>
+                  <a:srgbClr val="000000"/>
+                </a:solidFill>
+                <a:latin typeface="Menlo" panose="020B0609030804020204" pitchFamily="49" charset="0"/>
+              </a:rPr>
+              <a:t>store_id</a:t>
+            </a:r>
+            <a:r>
+              <a:rPr lang="en-US" sz="1400" dirty="0">
+                <a:solidFill>
+                  <a:srgbClr val="000000"/>
+                </a:solidFill>
+                <a:latin typeface="Menlo" panose="020B0609030804020204" pitchFamily="49" charset="0"/>
+              </a:rPr>
+              <a:t>,</a:t>
+            </a:r>
+          </a:p>
+          <a:p>
+            <a:pPr marL="0" indent="0">
+              <a:buNone/>
+            </a:pPr>
+            <a:r>
+              <a:rPr lang="en-US" sz="1400" dirty="0">
+                <a:solidFill>
+                  <a:srgbClr val="000000"/>
+                </a:solidFill>
+                <a:latin typeface="Menlo" panose="020B0609030804020204" pitchFamily="49" charset="0"/>
+              </a:rPr>
+              <a:t>            date=date,</a:t>
+            </a:r>
+          </a:p>
+          <a:p>
+            <a:pPr marL="0" indent="0">
+              <a:buNone/>
+            </a:pPr>
+            <a:r>
+              <a:rPr lang="en-US" sz="1400" dirty="0">
+                <a:solidFill>
+                  <a:srgbClr val="000000"/>
+                </a:solidFill>
+                <a:latin typeface="Menlo" panose="020B0609030804020204" pitchFamily="49" charset="0"/>
+              </a:rPr>
+              <a:t>        ),</a:t>
+            </a:r>
+          </a:p>
+          <a:p>
+            <a:pPr marL="0" indent="0">
+              <a:buNone/>
+            </a:pPr>
+            <a:r>
+              <a:rPr lang="en-US" sz="1400" dirty="0">
+                <a:solidFill>
+                  <a:srgbClr val="000000"/>
+                </a:solidFill>
+                <a:latin typeface="Menlo" panose="020B0609030804020204" pitchFamily="49" charset="0"/>
+              </a:rPr>
+              <a:t>    )</a:t>
+            </a:r>
+          </a:p>
+          <a:p>
+            <a:pPr marL="0" indent="0">
+              <a:buNone/>
+            </a:pPr>
+            <a:endParaRPr lang="en-US" sz="1400" dirty="0"/>
           </a:p>
         </p:txBody>
       </p:sp>
@@ -4380,7 +4952,7 @@
           <p:cNvPr id="2" name="Title 1">
             <a:extLst>
               <a:ext uri="{FF2B5EF4-FFF2-40B4-BE49-F238E27FC236}">
-                <a16:creationId xmlns:a16="http://schemas.microsoft.com/office/drawing/2014/main" id="{DDDB88B1-D208-EA41-9854-6334AD5BB2AF}"/>
+                <a16:creationId xmlns:a16="http://schemas.microsoft.com/office/drawing/2014/main" id="{DAF38AD0-A76A-834F-AF0C-87B7D08AF2D8}"/>
               </a:ext>
             </a:extLst>
           </p:cNvPr>
@@ -4398,7 +4970,7 @@
           <a:p>
             <a:r>
               <a:rPr lang="en-US" dirty="0"/>
-              <a:t>Window Functions</a:t>
+              <a:t>Common Table Expressions (Example 03)</a:t>
             </a:r>
           </a:p>
         </p:txBody>
@@ -4408,7 +4980,7 @@
           <p:cNvPr id="3" name="Content Placeholder 2">
             <a:extLst>
               <a:ext uri="{FF2B5EF4-FFF2-40B4-BE49-F238E27FC236}">
-                <a16:creationId xmlns:a16="http://schemas.microsoft.com/office/drawing/2014/main" id="{8974BF44-A5CC-804C-863F-B21DBFEB8F39}"/>
+                <a16:creationId xmlns:a16="http://schemas.microsoft.com/office/drawing/2014/main" id="{94E980E1-44F6-E743-87EB-E27BD3E5DF52}"/>
               </a:ext>
             </a:extLst>
           </p:cNvPr>
@@ -4421,53 +4993,351 @@
         </p:nvSpPr>
         <p:spPr/>
         <p:txBody>
-          <a:bodyPr/>
+          <a:bodyPr>
+            <a:normAutofit/>
+          </a:bodyPr>
           <a:lstStyle/>
           <a:p>
-            <a:r>
-              <a:rPr lang="en-US" dirty="0"/>
-              <a:t>Allow you to look at rows in front of, behind, around, and everywhere</a:t>
-            </a:r>
-          </a:p>
-          <a:p>
-            <a:r>
-              <a:rPr lang="en-US" dirty="0"/>
-              <a:t>Major departure from most row-based query thinking</a:t>
-            </a:r>
-          </a:p>
-          <a:p>
-            <a:r>
-              <a:rPr lang="en-US" dirty="0"/>
-              <a:t>Favorite uses:</a:t>
-            </a:r>
-          </a:p>
-          <a:p>
-            <a:pPr lvl="1"/>
-            <a:r>
-              <a:rPr lang="en-US" dirty="0"/>
-              <a:t>Running totals</a:t>
-            </a:r>
-          </a:p>
-          <a:p>
-            <a:pPr lvl="1"/>
-            <a:r>
-              <a:rPr lang="en-US" dirty="0"/>
-              <a:t>Adding aggregates to each row</a:t>
-            </a:r>
-          </a:p>
-          <a:p>
-            <a:pPr lvl="1"/>
-            <a:r>
-              <a:rPr lang="en-US" dirty="0"/>
-              <a:t>Peeking at the next/previous row</a:t>
-            </a:r>
+            <a:pPr marL="0" indent="0">
+              <a:buNone/>
+            </a:pPr>
+            <a:r>
+              <a:rPr lang="en-US" sz="2000" dirty="0" err="1">
+                <a:solidFill>
+                  <a:srgbClr val="000000"/>
+                </a:solidFill>
+                <a:latin typeface="Menlo" panose="020B0609030804020204" pitchFamily="49" charset="0"/>
+              </a:rPr>
+              <a:t>sales_by_region</a:t>
+            </a:r>
+            <a:r>
+              <a:rPr lang="en-US" sz="2000" dirty="0">
+                <a:solidFill>
+                  <a:srgbClr val="000000"/>
+                </a:solidFill>
+                <a:latin typeface="Menlo" panose="020B0609030804020204" pitchFamily="49" charset="0"/>
+              </a:rPr>
+              <a:t> = (</a:t>
+            </a:r>
+          </a:p>
+          <a:p>
+            <a:pPr marL="0" indent="0">
+              <a:buNone/>
+            </a:pPr>
+            <a:r>
+              <a:rPr lang="en-US" sz="2000" dirty="0">
+                <a:solidFill>
+                  <a:srgbClr val="000000"/>
+                </a:solidFill>
+                <a:latin typeface="Menlo" panose="020B0609030804020204" pitchFamily="49" charset="0"/>
+              </a:rPr>
+              <a:t>    </a:t>
+            </a:r>
+            <a:r>
+              <a:rPr lang="en-US" sz="2000" dirty="0" err="1">
+                <a:solidFill>
+                  <a:srgbClr val="000000"/>
+                </a:solidFill>
+                <a:latin typeface="Menlo" panose="020B0609030804020204" pitchFamily="49" charset="0"/>
+              </a:rPr>
+              <a:t>meta.session.query</a:t>
+            </a:r>
+            <a:r>
+              <a:rPr lang="en-US" sz="2000" dirty="0">
+                <a:solidFill>
+                  <a:srgbClr val="000000"/>
+                </a:solidFill>
+                <a:latin typeface="Menlo" panose="020B0609030804020204" pitchFamily="49" charset="0"/>
+              </a:rPr>
+              <a:t>(</a:t>
+            </a:r>
+          </a:p>
+          <a:p>
+            <a:pPr marL="0" indent="0">
+              <a:buNone/>
+            </a:pPr>
+            <a:r>
+              <a:rPr lang="en-US" sz="2000" dirty="0">
+                <a:solidFill>
+                  <a:srgbClr val="000000"/>
+                </a:solidFill>
+                <a:latin typeface="Menlo" panose="020B0609030804020204" pitchFamily="49" charset="0"/>
+              </a:rPr>
+              <a:t>        </a:t>
+            </a:r>
+            <a:r>
+              <a:rPr lang="en-US" sz="2000" dirty="0" err="1">
+                <a:solidFill>
+                  <a:srgbClr val="000000"/>
+                </a:solidFill>
+                <a:latin typeface="Menlo" panose="020B0609030804020204" pitchFamily="49" charset="0"/>
+              </a:rPr>
+              <a:t>func.left</a:t>
+            </a:r>
+            <a:r>
+              <a:rPr lang="en-US" sz="2000" dirty="0">
+                <a:solidFill>
+                  <a:srgbClr val="000000"/>
+                </a:solidFill>
+                <a:latin typeface="Menlo" panose="020B0609030804020204" pitchFamily="49" charset="0"/>
+              </a:rPr>
+              <a:t>(</a:t>
+            </a:r>
+            <a:r>
+              <a:rPr lang="en-US" sz="2000" dirty="0" err="1">
+                <a:solidFill>
+                  <a:srgbClr val="000000"/>
+                </a:solidFill>
+                <a:latin typeface="Menlo" panose="020B0609030804020204" pitchFamily="49" charset="0"/>
+              </a:rPr>
+              <a:t>model.Sale.store_id</a:t>
+            </a:r>
+            <a:r>
+              <a:rPr lang="en-US" sz="2000" dirty="0">
+                <a:solidFill>
+                  <a:srgbClr val="000000"/>
+                </a:solidFill>
+                <a:latin typeface="Menlo" panose="020B0609030804020204" pitchFamily="49" charset="0"/>
+              </a:rPr>
+              <a:t>, </a:t>
+            </a:r>
+            <a:r>
+              <a:rPr lang="en-US" sz="2000" dirty="0">
+                <a:solidFill>
+                  <a:srgbClr val="9FA01C"/>
+                </a:solidFill>
+                <a:latin typeface="Menlo" panose="020B0609030804020204" pitchFamily="49" charset="0"/>
+              </a:rPr>
+              <a:t>4</a:t>
+            </a:r>
+            <a:r>
+              <a:rPr lang="en-US" sz="2000" dirty="0">
+                <a:solidFill>
+                  <a:srgbClr val="000000"/>
+                </a:solidFill>
+                <a:latin typeface="Menlo" panose="020B0609030804020204" pitchFamily="49" charset="0"/>
+              </a:rPr>
+              <a:t>).label(</a:t>
+            </a:r>
+            <a:r>
+              <a:rPr lang="en-US" sz="2000" dirty="0">
+                <a:solidFill>
+                  <a:srgbClr val="9FA01C"/>
+                </a:solidFill>
+                <a:latin typeface="Menlo" panose="020B0609030804020204" pitchFamily="49" charset="0"/>
+              </a:rPr>
+              <a:t>"region"</a:t>
+            </a:r>
+            <a:r>
+              <a:rPr lang="en-US" sz="2000" dirty="0">
+                <a:solidFill>
+                  <a:srgbClr val="000000"/>
+                </a:solidFill>
+                <a:latin typeface="Menlo" panose="020B0609030804020204" pitchFamily="49" charset="0"/>
+              </a:rPr>
+              <a:t>),</a:t>
+            </a:r>
+          </a:p>
+          <a:p>
+            <a:pPr marL="0" indent="0">
+              <a:buNone/>
+            </a:pPr>
+            <a:r>
+              <a:rPr lang="en-US" sz="2000" dirty="0">
+                <a:solidFill>
+                  <a:srgbClr val="000000"/>
+                </a:solidFill>
+                <a:latin typeface="Menlo" panose="020B0609030804020204" pitchFamily="49" charset="0"/>
+              </a:rPr>
+              <a:t>        </a:t>
+            </a:r>
+            <a:r>
+              <a:rPr lang="en-US" sz="2000" dirty="0" err="1">
+                <a:solidFill>
+                  <a:srgbClr val="000000"/>
+                </a:solidFill>
+                <a:latin typeface="Menlo" panose="020B0609030804020204" pitchFamily="49" charset="0"/>
+              </a:rPr>
+              <a:t>func.sum</a:t>
+            </a:r>
+            <a:r>
+              <a:rPr lang="en-US" sz="2000" dirty="0">
+                <a:solidFill>
+                  <a:srgbClr val="000000"/>
+                </a:solidFill>
+                <a:latin typeface="Menlo" panose="020B0609030804020204" pitchFamily="49" charset="0"/>
+              </a:rPr>
+              <a:t>(</a:t>
+            </a:r>
+            <a:r>
+              <a:rPr lang="en-US" sz="2000" dirty="0" err="1">
+                <a:solidFill>
+                  <a:srgbClr val="000000"/>
+                </a:solidFill>
+                <a:latin typeface="Menlo" panose="020B0609030804020204" pitchFamily="49" charset="0"/>
+              </a:rPr>
+              <a:t>model.Sale.amount</a:t>
+            </a:r>
+            <a:r>
+              <a:rPr lang="en-US" sz="2000" dirty="0">
+                <a:solidFill>
+                  <a:srgbClr val="000000"/>
+                </a:solidFill>
+                <a:latin typeface="Menlo" panose="020B0609030804020204" pitchFamily="49" charset="0"/>
+              </a:rPr>
+              <a:t>).label(</a:t>
+            </a:r>
+            <a:r>
+              <a:rPr lang="en-US" sz="2000" dirty="0">
+                <a:solidFill>
+                  <a:srgbClr val="9FA01C"/>
+                </a:solidFill>
+                <a:latin typeface="Menlo" panose="020B0609030804020204" pitchFamily="49" charset="0"/>
+              </a:rPr>
+              <a:t>"amount"</a:t>
+            </a:r>
+            <a:r>
+              <a:rPr lang="en-US" sz="2000" dirty="0">
+                <a:solidFill>
+                  <a:srgbClr val="000000"/>
+                </a:solidFill>
+                <a:latin typeface="Menlo" panose="020B0609030804020204" pitchFamily="49" charset="0"/>
+              </a:rPr>
+              <a:t>),</a:t>
+            </a:r>
+          </a:p>
+          <a:p>
+            <a:pPr marL="0" indent="0">
+              <a:buNone/>
+            </a:pPr>
+            <a:r>
+              <a:rPr lang="en-US" sz="2000" dirty="0">
+                <a:solidFill>
+                  <a:srgbClr val="000000"/>
+                </a:solidFill>
+                <a:latin typeface="Menlo" panose="020B0609030804020204" pitchFamily="49" charset="0"/>
+              </a:rPr>
+              <a:t>    )</a:t>
+            </a:r>
+          </a:p>
+          <a:p>
+            <a:pPr marL="0" indent="0">
+              <a:buNone/>
+            </a:pPr>
+            <a:r>
+              <a:rPr lang="en-US" sz="2000" dirty="0">
+                <a:solidFill>
+                  <a:srgbClr val="000000"/>
+                </a:solidFill>
+                <a:latin typeface="Menlo" panose="020B0609030804020204" pitchFamily="49" charset="0"/>
+              </a:rPr>
+              <a:t>    .</a:t>
+            </a:r>
+            <a:r>
+              <a:rPr lang="en-US" sz="2000" dirty="0" err="1">
+                <a:solidFill>
+                  <a:srgbClr val="000000"/>
+                </a:solidFill>
+                <a:latin typeface="Menlo" panose="020B0609030804020204" pitchFamily="49" charset="0"/>
+              </a:rPr>
+              <a:t>group_by</a:t>
+            </a:r>
+            <a:r>
+              <a:rPr lang="en-US" sz="2000" dirty="0">
+                <a:solidFill>
+                  <a:srgbClr val="000000"/>
+                </a:solidFill>
+                <a:latin typeface="Menlo" panose="020B0609030804020204" pitchFamily="49" charset="0"/>
+              </a:rPr>
+              <a:t>(literal(</a:t>
+            </a:r>
+            <a:r>
+              <a:rPr lang="en-US" sz="2000" dirty="0">
+                <a:solidFill>
+                  <a:srgbClr val="9FA01C"/>
+                </a:solidFill>
+                <a:latin typeface="Menlo" panose="020B0609030804020204" pitchFamily="49" charset="0"/>
+              </a:rPr>
+              <a:t>1</a:t>
+            </a:r>
+            <a:r>
+              <a:rPr lang="en-US" sz="2000" dirty="0">
+                <a:solidFill>
+                  <a:srgbClr val="000000"/>
+                </a:solidFill>
+                <a:latin typeface="Menlo" panose="020B0609030804020204" pitchFamily="49" charset="0"/>
+              </a:rPr>
+              <a:t>))</a:t>
+            </a:r>
+          </a:p>
+          <a:p>
+            <a:pPr marL="0" indent="0">
+              <a:buNone/>
+            </a:pPr>
+            <a:r>
+              <a:rPr lang="en-US" sz="2000" dirty="0">
+                <a:solidFill>
+                  <a:srgbClr val="000000"/>
+                </a:solidFill>
+                <a:latin typeface="Menlo" panose="020B0609030804020204" pitchFamily="49" charset="0"/>
+              </a:rPr>
+              <a:t>).</a:t>
+            </a:r>
+            <a:r>
+              <a:rPr lang="en-US" sz="2000" dirty="0" err="1">
+                <a:solidFill>
+                  <a:srgbClr val="000000"/>
+                </a:solidFill>
+                <a:latin typeface="Menlo" panose="020B0609030804020204" pitchFamily="49" charset="0"/>
+              </a:rPr>
+              <a:t>cte</a:t>
+            </a:r>
+            <a:r>
+              <a:rPr lang="en-US" sz="2000" dirty="0">
+                <a:solidFill>
+                  <a:srgbClr val="000000"/>
+                </a:solidFill>
+                <a:latin typeface="Menlo" panose="020B0609030804020204" pitchFamily="49" charset="0"/>
+              </a:rPr>
+              <a:t>(</a:t>
+            </a:r>
+            <a:r>
+              <a:rPr lang="en-US" sz="2000" dirty="0">
+                <a:solidFill>
+                  <a:srgbClr val="9FA01C"/>
+                </a:solidFill>
+                <a:latin typeface="Menlo" panose="020B0609030804020204" pitchFamily="49" charset="0"/>
+              </a:rPr>
+              <a:t>"regions"</a:t>
+            </a:r>
+            <a:r>
+              <a:rPr lang="en-US" sz="2000" dirty="0">
+                <a:solidFill>
+                  <a:srgbClr val="000000"/>
+                </a:solidFill>
+                <a:latin typeface="Menlo" panose="020B0609030804020204" pitchFamily="49" charset="0"/>
+              </a:rPr>
+              <a:t>)</a:t>
+            </a:r>
+            <a:endParaRPr lang="en-US" sz="2000" dirty="0">
+              <a:solidFill>
+                <a:srgbClr val="9FA01C"/>
+              </a:solidFill>
+              <a:latin typeface="Menlo" panose="020B0609030804020204" pitchFamily="49" charset="0"/>
+            </a:endParaRPr>
+          </a:p>
+          <a:p>
+            <a:pPr marL="0" indent="0">
+              <a:buNone/>
+            </a:pPr>
+            <a:endParaRPr lang="en-US" sz="2000" dirty="0"/>
           </a:p>
         </p:txBody>
       </p:sp>
     </p:spTree>
     <p:extLst>
       <p:ext uri="{BB962C8B-B14F-4D97-AF65-F5344CB8AC3E}">
-        <p14:creationId xmlns:p14="http://schemas.microsoft.com/office/powerpoint/2010/main" val="3315609856"/>
+        <p14:creationId xmlns:p14="http://schemas.microsoft.com/office/powerpoint/2010/main" val="1943825031"/>
       </p:ext>
     </p:extLst>
   </p:cSld>
@@ -4499,7 +5369,7 @@
           <p:cNvPr id="2" name="Title 1">
             <a:extLst>
               <a:ext uri="{FF2B5EF4-FFF2-40B4-BE49-F238E27FC236}">
-                <a16:creationId xmlns:a16="http://schemas.microsoft.com/office/drawing/2014/main" id="{C4111D89-6FA8-2F4F-9675-3BA9A659104E}"/>
+                <a16:creationId xmlns:a16="http://schemas.microsoft.com/office/drawing/2014/main" id="{D5F4BA90-7F0A-A34C-B1FC-58D5C12B4786}"/>
               </a:ext>
             </a:extLst>
           </p:cNvPr>
@@ -4517,7 +5387,7 @@
           <a:p>
             <a:r>
               <a:rPr lang="en-US" dirty="0"/>
-              <a:t>Window Functions</a:t>
+              <a:t>Common Table Expressions (Example 03)</a:t>
             </a:r>
           </a:p>
         </p:txBody>
@@ -4527,7 +5397,7 @@
           <p:cNvPr id="3" name="Content Placeholder 2">
             <a:extLst>
               <a:ext uri="{FF2B5EF4-FFF2-40B4-BE49-F238E27FC236}">
-                <a16:creationId xmlns:a16="http://schemas.microsoft.com/office/drawing/2014/main" id="{40702393-37D2-0940-8EB2-3238C45D83D4}"/>
+                <a16:creationId xmlns:a16="http://schemas.microsoft.com/office/drawing/2014/main" id="{3AE63456-1BBD-204F-8D6F-ED7D5EF3A565}"/>
               </a:ext>
             </a:extLst>
           </p:cNvPr>
@@ -4540,17 +5410,363 @@
         </p:nvSpPr>
         <p:spPr/>
         <p:txBody>
-          <a:bodyPr/>
+          <a:bodyPr>
+            <a:normAutofit/>
+          </a:bodyPr>
           <a:lstStyle/>
           <a:p>
-            <a:endParaRPr lang="en-US"/>
+            <a:pPr marL="0" indent="0">
+              <a:buNone/>
+            </a:pPr>
+            <a:r>
+              <a:rPr lang="en-US" sz="2000" dirty="0" err="1">
+                <a:solidFill>
+                  <a:srgbClr val="000000"/>
+                </a:solidFill>
+                <a:latin typeface="Menlo" panose="020B0609030804020204" pitchFamily="49" charset="0"/>
+              </a:rPr>
+              <a:t>store_ids</a:t>
+            </a:r>
+            <a:r>
+              <a:rPr lang="en-US" sz="2000" dirty="0">
+                <a:solidFill>
+                  <a:srgbClr val="000000"/>
+                </a:solidFill>
+                <a:latin typeface="Menlo" panose="020B0609030804020204" pitchFamily="49" charset="0"/>
+              </a:rPr>
+              <a:t> = [</a:t>
+            </a:r>
+          </a:p>
+          <a:p>
+            <a:pPr marL="0" indent="0">
+              <a:buNone/>
+            </a:pPr>
+            <a:r>
+              <a:rPr lang="en-US" sz="2000" dirty="0">
+                <a:solidFill>
+                  <a:srgbClr val="000000"/>
+                </a:solidFill>
+                <a:latin typeface="Menlo" panose="020B0609030804020204" pitchFamily="49" charset="0"/>
+              </a:rPr>
+              <a:t>    </a:t>
+            </a:r>
+            <a:r>
+              <a:rPr lang="en-US" sz="2000" dirty="0">
+                <a:solidFill>
+                  <a:srgbClr val="9FA01C"/>
+                </a:solidFill>
+                <a:latin typeface="Menlo" panose="020B0609030804020204" pitchFamily="49" charset="0"/>
+              </a:rPr>
+              <a:t>"EAST-NY-12345"</a:t>
+            </a:r>
+            <a:r>
+              <a:rPr lang="en-US" sz="2000" dirty="0">
+                <a:solidFill>
+                  <a:srgbClr val="000000"/>
+                </a:solidFill>
+                <a:latin typeface="Menlo" panose="020B0609030804020204" pitchFamily="49" charset="0"/>
+              </a:rPr>
+              <a:t>,</a:t>
+            </a:r>
+            <a:endParaRPr lang="en-US" sz="2000" dirty="0">
+              <a:solidFill>
+                <a:srgbClr val="9FA01C"/>
+              </a:solidFill>
+              <a:latin typeface="Menlo" panose="020B0609030804020204" pitchFamily="49" charset="0"/>
+            </a:endParaRPr>
+          </a:p>
+          <a:p>
+            <a:pPr marL="0" indent="0">
+              <a:buNone/>
+            </a:pPr>
+            <a:r>
+              <a:rPr lang="en-US" sz="2000" dirty="0">
+                <a:solidFill>
+                  <a:srgbClr val="000000"/>
+                </a:solidFill>
+                <a:latin typeface="Menlo" panose="020B0609030804020204" pitchFamily="49" charset="0"/>
+              </a:rPr>
+              <a:t>    </a:t>
+            </a:r>
+            <a:r>
+              <a:rPr lang="en-US" sz="2000" dirty="0">
+                <a:solidFill>
+                  <a:srgbClr val="9FA01C"/>
+                </a:solidFill>
+                <a:latin typeface="Menlo" panose="020B0609030804020204" pitchFamily="49" charset="0"/>
+              </a:rPr>
+              <a:t>"EAST-NY-22222"</a:t>
+            </a:r>
+            <a:r>
+              <a:rPr lang="en-US" sz="2000" dirty="0">
+                <a:solidFill>
+                  <a:srgbClr val="000000"/>
+                </a:solidFill>
+                <a:latin typeface="Menlo" panose="020B0609030804020204" pitchFamily="49" charset="0"/>
+              </a:rPr>
+              <a:t>,</a:t>
+            </a:r>
+            <a:endParaRPr lang="en-US" sz="2000" dirty="0">
+              <a:solidFill>
+                <a:srgbClr val="9FA01C"/>
+              </a:solidFill>
+              <a:latin typeface="Menlo" panose="020B0609030804020204" pitchFamily="49" charset="0"/>
+            </a:endParaRPr>
+          </a:p>
+          <a:p>
+            <a:pPr marL="0" indent="0">
+              <a:buNone/>
+            </a:pPr>
+            <a:r>
+              <a:rPr lang="en-US" sz="2000" dirty="0">
+                <a:solidFill>
+                  <a:srgbClr val="000000"/>
+                </a:solidFill>
+                <a:latin typeface="Menlo" panose="020B0609030804020204" pitchFamily="49" charset="0"/>
+              </a:rPr>
+              <a:t>    </a:t>
+            </a:r>
+            <a:r>
+              <a:rPr lang="en-US" sz="2000" dirty="0">
+                <a:solidFill>
+                  <a:srgbClr val="9FA01C"/>
+                </a:solidFill>
+                <a:latin typeface="Menlo" panose="020B0609030804020204" pitchFamily="49" charset="0"/>
+              </a:rPr>
+              <a:t>"EAST-NY-55555"</a:t>
+            </a:r>
+            <a:r>
+              <a:rPr lang="en-US" sz="2000" dirty="0">
+                <a:solidFill>
+                  <a:srgbClr val="000000"/>
+                </a:solidFill>
+                <a:latin typeface="Menlo" panose="020B0609030804020204" pitchFamily="49" charset="0"/>
+              </a:rPr>
+              <a:t>,</a:t>
+            </a:r>
+            <a:endParaRPr lang="en-US" sz="2000" dirty="0">
+              <a:solidFill>
+                <a:srgbClr val="9FA01C"/>
+              </a:solidFill>
+              <a:latin typeface="Menlo" panose="020B0609030804020204" pitchFamily="49" charset="0"/>
+            </a:endParaRPr>
+          </a:p>
+          <a:p>
+            <a:pPr marL="0" indent="0">
+              <a:buNone/>
+            </a:pPr>
+            <a:r>
+              <a:rPr lang="en-US" sz="2000" dirty="0">
+                <a:solidFill>
+                  <a:srgbClr val="000000"/>
+                </a:solidFill>
+                <a:latin typeface="Menlo" panose="020B0609030804020204" pitchFamily="49" charset="0"/>
+              </a:rPr>
+              <a:t>    </a:t>
+            </a:r>
+            <a:r>
+              <a:rPr lang="en-US" sz="2000" dirty="0">
+                <a:solidFill>
+                  <a:srgbClr val="9FA01C"/>
+                </a:solidFill>
+                <a:latin typeface="Menlo" panose="020B0609030804020204" pitchFamily="49" charset="0"/>
+              </a:rPr>
+              <a:t>"WEST-CA-55555"</a:t>
+            </a:r>
+            <a:r>
+              <a:rPr lang="en-US" sz="2000" dirty="0">
+                <a:solidFill>
+                  <a:srgbClr val="000000"/>
+                </a:solidFill>
+                <a:latin typeface="Menlo" panose="020B0609030804020204" pitchFamily="49" charset="0"/>
+              </a:rPr>
+              <a:t>,</a:t>
+            </a:r>
+            <a:endParaRPr lang="en-US" sz="2000" dirty="0">
+              <a:solidFill>
+                <a:srgbClr val="9FA01C"/>
+              </a:solidFill>
+              <a:latin typeface="Menlo" panose="020B0609030804020204" pitchFamily="49" charset="0"/>
+            </a:endParaRPr>
+          </a:p>
+          <a:p>
+            <a:pPr marL="0" indent="0">
+              <a:buNone/>
+            </a:pPr>
+            <a:r>
+              <a:rPr lang="en-US" sz="2000" dirty="0">
+                <a:solidFill>
+                  <a:srgbClr val="000000"/>
+                </a:solidFill>
+                <a:latin typeface="Menlo" panose="020B0609030804020204" pitchFamily="49" charset="0"/>
+              </a:rPr>
+              <a:t>    </a:t>
+            </a:r>
+            <a:r>
+              <a:rPr lang="en-US" sz="2000" dirty="0">
+                <a:solidFill>
+                  <a:srgbClr val="9FA01C"/>
+                </a:solidFill>
+                <a:latin typeface="Menlo" panose="020B0609030804020204" pitchFamily="49" charset="0"/>
+              </a:rPr>
+              <a:t>"WEST-AZ-55555"</a:t>
+            </a:r>
+            <a:r>
+              <a:rPr lang="en-US" sz="2000" dirty="0">
+                <a:solidFill>
+                  <a:srgbClr val="000000"/>
+                </a:solidFill>
+                <a:latin typeface="Menlo" panose="020B0609030804020204" pitchFamily="49" charset="0"/>
+              </a:rPr>
+              <a:t>,</a:t>
+            </a:r>
+            <a:endParaRPr lang="en-US" sz="2000" dirty="0">
+              <a:solidFill>
+                <a:srgbClr val="9FA01C"/>
+              </a:solidFill>
+              <a:latin typeface="Menlo" panose="020B0609030804020204" pitchFamily="49" charset="0"/>
+            </a:endParaRPr>
+          </a:p>
+          <a:p>
+            <a:pPr marL="0" indent="0">
+              <a:buNone/>
+            </a:pPr>
+            <a:r>
+              <a:rPr lang="en-US" sz="2000" dirty="0">
+                <a:solidFill>
+                  <a:srgbClr val="000000"/>
+                </a:solidFill>
+                <a:latin typeface="Menlo" panose="020B0609030804020204" pitchFamily="49" charset="0"/>
+              </a:rPr>
+              <a:t>    </a:t>
+            </a:r>
+            <a:r>
+              <a:rPr lang="en-US" sz="2000" dirty="0">
+                <a:solidFill>
+                  <a:srgbClr val="9FA01C"/>
+                </a:solidFill>
+                <a:latin typeface="Menlo" panose="020B0609030804020204" pitchFamily="49" charset="0"/>
+              </a:rPr>
+              <a:t>"SOUT-GA-11111"</a:t>
+            </a:r>
+            <a:r>
+              <a:rPr lang="en-US" sz="2000" dirty="0">
+                <a:solidFill>
+                  <a:srgbClr val="000000"/>
+                </a:solidFill>
+                <a:latin typeface="Menlo" panose="020B0609030804020204" pitchFamily="49" charset="0"/>
+              </a:rPr>
+              <a:t>,</a:t>
+            </a:r>
+            <a:endParaRPr lang="en-US" sz="2000" dirty="0">
+              <a:solidFill>
+                <a:srgbClr val="9FA01C"/>
+              </a:solidFill>
+              <a:latin typeface="Menlo" panose="020B0609030804020204" pitchFamily="49" charset="0"/>
+            </a:endParaRPr>
+          </a:p>
+          <a:p>
+            <a:pPr marL="0" indent="0">
+              <a:buNone/>
+            </a:pPr>
+            <a:r>
+              <a:rPr lang="en-US" sz="2000" dirty="0">
+                <a:solidFill>
+                  <a:srgbClr val="000000"/>
+                </a:solidFill>
+                <a:latin typeface="Menlo" panose="020B0609030804020204" pitchFamily="49" charset="0"/>
+              </a:rPr>
+              <a:t>    </a:t>
+            </a:r>
+            <a:r>
+              <a:rPr lang="en-US" sz="2000" dirty="0">
+                <a:solidFill>
+                  <a:srgbClr val="9FA01C"/>
+                </a:solidFill>
+                <a:latin typeface="Menlo" panose="020B0609030804020204" pitchFamily="49" charset="0"/>
+              </a:rPr>
+              <a:t>"SOUT-AL-54321"</a:t>
+            </a:r>
+            <a:r>
+              <a:rPr lang="en-US" sz="2000" dirty="0">
+                <a:solidFill>
+                  <a:srgbClr val="000000"/>
+                </a:solidFill>
+                <a:latin typeface="Menlo" panose="020B0609030804020204" pitchFamily="49" charset="0"/>
+              </a:rPr>
+              <a:t>,</a:t>
+            </a:r>
+            <a:endParaRPr lang="en-US" sz="2000" dirty="0">
+              <a:solidFill>
+                <a:srgbClr val="9FA01C"/>
+              </a:solidFill>
+              <a:latin typeface="Menlo" panose="020B0609030804020204" pitchFamily="49" charset="0"/>
+            </a:endParaRPr>
+          </a:p>
+          <a:p>
+            <a:pPr marL="0" indent="0">
+              <a:buNone/>
+            </a:pPr>
+            <a:r>
+              <a:rPr lang="en-US" sz="2000" dirty="0">
+                <a:solidFill>
+                  <a:srgbClr val="000000"/>
+                </a:solidFill>
+                <a:latin typeface="Menlo" panose="020B0609030804020204" pitchFamily="49" charset="0"/>
+              </a:rPr>
+              <a:t>    </a:t>
+            </a:r>
+            <a:r>
+              <a:rPr lang="en-US" sz="2000" dirty="0">
+                <a:solidFill>
+                  <a:srgbClr val="9FA01C"/>
+                </a:solidFill>
+                <a:latin typeface="Menlo" panose="020B0609030804020204" pitchFamily="49" charset="0"/>
+              </a:rPr>
+              <a:t>"NORT-MN-44444"</a:t>
+            </a:r>
+            <a:r>
+              <a:rPr lang="en-US" sz="2000" dirty="0">
+                <a:solidFill>
+                  <a:srgbClr val="000000"/>
+                </a:solidFill>
+                <a:latin typeface="Menlo" panose="020B0609030804020204" pitchFamily="49" charset="0"/>
+              </a:rPr>
+              <a:t>,</a:t>
+            </a:r>
+            <a:endParaRPr lang="en-US" sz="2000" dirty="0">
+              <a:solidFill>
+                <a:srgbClr val="9FA01C"/>
+              </a:solidFill>
+              <a:latin typeface="Menlo" panose="020B0609030804020204" pitchFamily="49" charset="0"/>
+            </a:endParaRPr>
+          </a:p>
+          <a:p>
+            <a:pPr marL="0" indent="0">
+              <a:buNone/>
+            </a:pPr>
+            <a:r>
+              <a:rPr lang="en-US" sz="2000" dirty="0">
+                <a:solidFill>
+                  <a:srgbClr val="000000"/>
+                </a:solidFill>
+                <a:latin typeface="Menlo" panose="020B0609030804020204" pitchFamily="49" charset="0"/>
+              </a:rPr>
+              <a:t>]</a:t>
+            </a:r>
+          </a:p>
+          <a:p>
+            <a:pPr marL="0" indent="0">
+              <a:buNone/>
+            </a:pPr>
+            <a:endParaRPr lang="en-US" sz="2000" dirty="0"/>
           </a:p>
         </p:txBody>
       </p:sp>
     </p:spTree>
     <p:extLst>
       <p:ext uri="{BB962C8B-B14F-4D97-AF65-F5344CB8AC3E}">
-        <p14:creationId xmlns:p14="http://schemas.microsoft.com/office/powerpoint/2010/main" val="1082284344"/>
+        <p14:creationId xmlns:p14="http://schemas.microsoft.com/office/powerpoint/2010/main" val="4167822156"/>
       </p:ext>
     </p:extLst>
   </p:cSld>
@@ -4582,7 +5798,7 @@
           <p:cNvPr id="2" name="Title 1">
             <a:extLst>
               <a:ext uri="{FF2B5EF4-FFF2-40B4-BE49-F238E27FC236}">
-                <a16:creationId xmlns:a16="http://schemas.microsoft.com/office/drawing/2014/main" id="{4F34299A-27AF-BF44-AF97-0DC5EA917BC9}"/>
+                <a16:creationId xmlns:a16="http://schemas.microsoft.com/office/drawing/2014/main" id="{2F719409-36F4-0D47-9963-6CE068DC8C8B}"/>
               </a:ext>
             </a:extLst>
           </p:cNvPr>
@@ -4600,7 +5816,7 @@
           <a:p>
             <a:r>
               <a:rPr lang="en-US" dirty="0"/>
-              <a:t>Grouping Sets</a:t>
+              <a:t>Common Table Expressions (Example 03)</a:t>
             </a:r>
           </a:p>
         </p:txBody>
@@ -4610,7 +5826,7 @@
           <p:cNvPr id="3" name="Content Placeholder 2">
             <a:extLst>
               <a:ext uri="{FF2B5EF4-FFF2-40B4-BE49-F238E27FC236}">
-                <a16:creationId xmlns:a16="http://schemas.microsoft.com/office/drawing/2014/main" id="{198F859B-3826-A449-89D6-2DB20F9EE9F8}"/>
+                <a16:creationId xmlns:a16="http://schemas.microsoft.com/office/drawing/2014/main" id="{9B33A4BE-EE78-3B4D-8FA3-0055E7BF304E}"/>
               </a:ext>
             </a:extLst>
           </p:cNvPr>
@@ -4623,64 +5839,878 @@
         </p:nvSpPr>
         <p:spPr/>
         <p:txBody>
-          <a:bodyPr/>
+          <a:bodyPr>
+            <a:noAutofit/>
+          </a:bodyPr>
           <a:lstStyle/>
           <a:p>
-            <a:r>
-              <a:rPr lang="en-US" dirty="0"/>
-              <a:t>Like </a:t>
-            </a:r>
-            <a:r>
-              <a:rPr lang="en-US" dirty="0">
-                <a:latin typeface="Consolas" panose="020B0609020204030204" pitchFamily="49" charset="0"/>
-                <a:cs typeface="Consolas" panose="020B0609020204030204" pitchFamily="49" charset="0"/>
-              </a:rPr>
-              <a:t>GROUP BY</a:t>
-            </a:r>
-            <a:r>
-              <a:rPr lang="en-US" dirty="0"/>
-              <a:t>, but way better</a:t>
-            </a:r>
-          </a:p>
-          <a:p>
-            <a:r>
-              <a:rPr lang="en-US" dirty="0"/>
-              <a:t>Calculate your results for multiple different groups all in one query</a:t>
-            </a:r>
-          </a:p>
-          <a:p>
-            <a:r>
-              <a:rPr lang="en-US" dirty="0"/>
-              <a:t>Favorite uses:</a:t>
-            </a:r>
-          </a:p>
-          <a:p>
-            <a:pPr lvl="1"/>
-            <a:r>
-              <a:rPr lang="en-US" dirty="0"/>
-              <a:t>Reporting</a:t>
-            </a:r>
-          </a:p>
-          <a:p>
-            <a:pPr lvl="1"/>
-            <a:r>
-              <a:rPr lang="en-US" dirty="0"/>
-              <a:t>Reporting</a:t>
-            </a:r>
-          </a:p>
-          <a:p>
-            <a:pPr lvl="1"/>
-            <a:r>
-              <a:rPr lang="en-US" dirty="0"/>
-              <a:t>Reporting</a:t>
-            </a:r>
+            <a:pPr marL="0" indent="0">
+              <a:buNone/>
+            </a:pPr>
+            <a:r>
+              <a:rPr lang="en-US" sz="1100" dirty="0" err="1">
+                <a:solidFill>
+                  <a:srgbClr val="000000"/>
+                </a:solidFill>
+                <a:latin typeface="Menlo" panose="020B0609030804020204" pitchFamily="49" charset="0"/>
+              </a:rPr>
+              <a:t>sales_by_state</a:t>
+            </a:r>
+            <a:r>
+              <a:rPr lang="en-US" sz="1100" dirty="0">
+                <a:solidFill>
+                  <a:srgbClr val="000000"/>
+                </a:solidFill>
+                <a:latin typeface="Menlo" panose="020B0609030804020204" pitchFamily="49" charset="0"/>
+              </a:rPr>
+              <a:t> = (</a:t>
+            </a:r>
+          </a:p>
+          <a:p>
+            <a:pPr marL="0" indent="0">
+              <a:buNone/>
+            </a:pPr>
+            <a:r>
+              <a:rPr lang="en-US" sz="1100" dirty="0">
+                <a:solidFill>
+                  <a:srgbClr val="000000"/>
+                </a:solidFill>
+                <a:latin typeface="Menlo" panose="020B0609030804020204" pitchFamily="49" charset="0"/>
+              </a:rPr>
+              <a:t>    </a:t>
+            </a:r>
+            <a:r>
+              <a:rPr lang="en-US" sz="1100" dirty="0" err="1">
+                <a:solidFill>
+                  <a:srgbClr val="000000"/>
+                </a:solidFill>
+                <a:latin typeface="Menlo" panose="020B0609030804020204" pitchFamily="49" charset="0"/>
+              </a:rPr>
+              <a:t>meta.session.query</a:t>
+            </a:r>
+            <a:r>
+              <a:rPr lang="en-US" sz="1100" dirty="0">
+                <a:solidFill>
+                  <a:srgbClr val="000000"/>
+                </a:solidFill>
+                <a:latin typeface="Menlo" panose="020B0609030804020204" pitchFamily="49" charset="0"/>
+              </a:rPr>
+              <a:t>(</a:t>
+            </a:r>
+          </a:p>
+          <a:p>
+            <a:pPr marL="0" indent="0">
+              <a:buNone/>
+            </a:pPr>
+            <a:r>
+              <a:rPr lang="en-US" sz="1100" dirty="0">
+                <a:solidFill>
+                  <a:srgbClr val="000000"/>
+                </a:solidFill>
+                <a:latin typeface="Menlo" panose="020B0609030804020204" pitchFamily="49" charset="0"/>
+              </a:rPr>
+              <a:t>        </a:t>
+            </a:r>
+            <a:r>
+              <a:rPr lang="en-US" sz="1100" dirty="0" err="1">
+                <a:solidFill>
+                  <a:srgbClr val="000000"/>
+                </a:solidFill>
+                <a:latin typeface="Menlo" panose="020B0609030804020204" pitchFamily="49" charset="0"/>
+              </a:rPr>
+              <a:t>func.left</a:t>
+            </a:r>
+            <a:r>
+              <a:rPr lang="en-US" sz="1100" dirty="0">
+                <a:solidFill>
+                  <a:srgbClr val="000000"/>
+                </a:solidFill>
+                <a:latin typeface="Menlo" panose="020B0609030804020204" pitchFamily="49" charset="0"/>
+              </a:rPr>
+              <a:t>(</a:t>
+            </a:r>
+            <a:r>
+              <a:rPr lang="en-US" sz="1100" dirty="0" err="1">
+                <a:solidFill>
+                  <a:srgbClr val="000000"/>
+                </a:solidFill>
+                <a:latin typeface="Menlo" panose="020B0609030804020204" pitchFamily="49" charset="0"/>
+              </a:rPr>
+              <a:t>model.Sale.store_id</a:t>
+            </a:r>
+            <a:r>
+              <a:rPr lang="en-US" sz="1100" dirty="0">
+                <a:solidFill>
+                  <a:srgbClr val="000000"/>
+                </a:solidFill>
+                <a:latin typeface="Menlo" panose="020B0609030804020204" pitchFamily="49" charset="0"/>
+              </a:rPr>
+              <a:t>, </a:t>
+            </a:r>
+            <a:r>
+              <a:rPr lang="en-US" sz="1100" dirty="0">
+                <a:solidFill>
+                  <a:srgbClr val="9FA01C"/>
+                </a:solidFill>
+                <a:latin typeface="Menlo" panose="020B0609030804020204" pitchFamily="49" charset="0"/>
+              </a:rPr>
+              <a:t>7</a:t>
+            </a:r>
+            <a:r>
+              <a:rPr lang="en-US" sz="1100" dirty="0">
+                <a:solidFill>
+                  <a:srgbClr val="000000"/>
+                </a:solidFill>
+                <a:latin typeface="Menlo" panose="020B0609030804020204" pitchFamily="49" charset="0"/>
+              </a:rPr>
+              <a:t>).label(</a:t>
+            </a:r>
+            <a:r>
+              <a:rPr lang="en-US" sz="1100" dirty="0">
+                <a:solidFill>
+                  <a:srgbClr val="9FA01C"/>
+                </a:solidFill>
+                <a:latin typeface="Menlo" panose="020B0609030804020204" pitchFamily="49" charset="0"/>
+              </a:rPr>
+              <a:t>"state"</a:t>
+            </a:r>
+            <a:r>
+              <a:rPr lang="en-US" sz="1100" dirty="0">
+                <a:solidFill>
+                  <a:srgbClr val="000000"/>
+                </a:solidFill>
+                <a:latin typeface="Menlo" panose="020B0609030804020204" pitchFamily="49" charset="0"/>
+              </a:rPr>
+              <a:t>),</a:t>
+            </a:r>
+          </a:p>
+          <a:p>
+            <a:pPr marL="0" indent="0">
+              <a:buNone/>
+            </a:pPr>
+            <a:r>
+              <a:rPr lang="en-US" sz="1100" dirty="0">
+                <a:solidFill>
+                  <a:srgbClr val="000000"/>
+                </a:solidFill>
+                <a:latin typeface="Menlo" panose="020B0609030804020204" pitchFamily="49" charset="0"/>
+              </a:rPr>
+              <a:t>        </a:t>
+            </a:r>
+            <a:r>
+              <a:rPr lang="en-US" sz="1100" dirty="0" err="1">
+                <a:solidFill>
+                  <a:srgbClr val="000000"/>
+                </a:solidFill>
+                <a:latin typeface="Menlo" panose="020B0609030804020204" pitchFamily="49" charset="0"/>
+              </a:rPr>
+              <a:t>func.sum</a:t>
+            </a:r>
+            <a:r>
+              <a:rPr lang="en-US" sz="1100" dirty="0">
+                <a:solidFill>
+                  <a:srgbClr val="000000"/>
+                </a:solidFill>
+                <a:latin typeface="Menlo" panose="020B0609030804020204" pitchFamily="49" charset="0"/>
+              </a:rPr>
+              <a:t>(</a:t>
+            </a:r>
+            <a:r>
+              <a:rPr lang="en-US" sz="1100" dirty="0" err="1">
+                <a:solidFill>
+                  <a:srgbClr val="000000"/>
+                </a:solidFill>
+                <a:latin typeface="Menlo" panose="020B0609030804020204" pitchFamily="49" charset="0"/>
+              </a:rPr>
+              <a:t>model.Sale.amount</a:t>
+            </a:r>
+            <a:r>
+              <a:rPr lang="en-US" sz="1100" dirty="0">
+                <a:solidFill>
+                  <a:srgbClr val="000000"/>
+                </a:solidFill>
+                <a:latin typeface="Menlo" panose="020B0609030804020204" pitchFamily="49" charset="0"/>
+              </a:rPr>
+              <a:t>).label(</a:t>
+            </a:r>
+            <a:r>
+              <a:rPr lang="en-US" sz="1100" dirty="0">
+                <a:solidFill>
+                  <a:srgbClr val="9FA01C"/>
+                </a:solidFill>
+                <a:latin typeface="Menlo" panose="020B0609030804020204" pitchFamily="49" charset="0"/>
+              </a:rPr>
+              <a:t>"amount"</a:t>
+            </a:r>
+            <a:r>
+              <a:rPr lang="en-US" sz="1100" dirty="0">
+                <a:solidFill>
+                  <a:srgbClr val="000000"/>
+                </a:solidFill>
+                <a:latin typeface="Menlo" panose="020B0609030804020204" pitchFamily="49" charset="0"/>
+              </a:rPr>
+              <a:t>),</a:t>
+            </a:r>
+          </a:p>
+          <a:p>
+            <a:pPr marL="0" indent="0">
+              <a:buNone/>
+            </a:pPr>
+            <a:r>
+              <a:rPr lang="en-US" sz="1100" dirty="0">
+                <a:solidFill>
+                  <a:srgbClr val="000000"/>
+                </a:solidFill>
+                <a:latin typeface="Menlo" panose="020B0609030804020204" pitchFamily="49" charset="0"/>
+              </a:rPr>
+              <a:t>    )</a:t>
+            </a:r>
+          </a:p>
+          <a:p>
+            <a:pPr marL="0" indent="0">
+              <a:buNone/>
+            </a:pPr>
+            <a:r>
+              <a:rPr lang="en-US" sz="1100" dirty="0">
+                <a:solidFill>
+                  <a:srgbClr val="000000"/>
+                </a:solidFill>
+                <a:latin typeface="Menlo" panose="020B0609030804020204" pitchFamily="49" charset="0"/>
+              </a:rPr>
+              <a:t>    .</a:t>
+            </a:r>
+            <a:r>
+              <a:rPr lang="en-US" sz="1100" dirty="0" err="1">
+                <a:solidFill>
+                  <a:srgbClr val="000000"/>
+                </a:solidFill>
+                <a:latin typeface="Menlo" panose="020B0609030804020204" pitchFamily="49" charset="0"/>
+              </a:rPr>
+              <a:t>group_by</a:t>
+            </a:r>
+            <a:r>
+              <a:rPr lang="en-US" sz="1100" dirty="0">
+                <a:solidFill>
+                  <a:srgbClr val="000000"/>
+                </a:solidFill>
+                <a:latin typeface="Menlo" panose="020B0609030804020204" pitchFamily="49" charset="0"/>
+              </a:rPr>
+              <a:t>(literal(</a:t>
+            </a:r>
+            <a:r>
+              <a:rPr lang="en-US" sz="1100" dirty="0">
+                <a:solidFill>
+                  <a:srgbClr val="9FA01C"/>
+                </a:solidFill>
+                <a:latin typeface="Menlo" panose="020B0609030804020204" pitchFamily="49" charset="0"/>
+              </a:rPr>
+              <a:t>1</a:t>
+            </a:r>
+            <a:r>
+              <a:rPr lang="en-US" sz="1100" dirty="0">
+                <a:solidFill>
+                  <a:srgbClr val="000000"/>
+                </a:solidFill>
+                <a:latin typeface="Menlo" panose="020B0609030804020204" pitchFamily="49" charset="0"/>
+              </a:rPr>
+              <a:t>))</a:t>
+            </a:r>
+          </a:p>
+          <a:p>
+            <a:pPr marL="0" indent="0">
+              <a:buNone/>
+            </a:pPr>
+            <a:r>
+              <a:rPr lang="en-US" sz="1100" dirty="0">
+                <a:solidFill>
+                  <a:srgbClr val="000000"/>
+                </a:solidFill>
+                <a:latin typeface="Menlo" panose="020B0609030804020204" pitchFamily="49" charset="0"/>
+              </a:rPr>
+              <a:t>).</a:t>
+            </a:r>
+            <a:r>
+              <a:rPr lang="en-US" sz="1100" dirty="0" err="1">
+                <a:solidFill>
+                  <a:srgbClr val="000000"/>
+                </a:solidFill>
+                <a:latin typeface="Menlo" panose="020B0609030804020204" pitchFamily="49" charset="0"/>
+              </a:rPr>
+              <a:t>cte</a:t>
+            </a:r>
+            <a:r>
+              <a:rPr lang="en-US" sz="1100" dirty="0">
+                <a:solidFill>
+                  <a:srgbClr val="000000"/>
+                </a:solidFill>
+                <a:latin typeface="Menlo" panose="020B0609030804020204" pitchFamily="49" charset="0"/>
+              </a:rPr>
+              <a:t>(</a:t>
+            </a:r>
+            <a:r>
+              <a:rPr lang="en-US" sz="1100" dirty="0">
+                <a:solidFill>
+                  <a:srgbClr val="9FA01C"/>
+                </a:solidFill>
+                <a:latin typeface="Menlo" panose="020B0609030804020204" pitchFamily="49" charset="0"/>
+              </a:rPr>
+              <a:t>"states"</a:t>
+            </a:r>
+            <a:r>
+              <a:rPr lang="en-US" sz="1100" dirty="0">
+                <a:solidFill>
+                  <a:srgbClr val="000000"/>
+                </a:solidFill>
+                <a:latin typeface="Menlo" panose="020B0609030804020204" pitchFamily="49" charset="0"/>
+              </a:rPr>
+              <a:t>)</a:t>
+            </a:r>
+            <a:br>
+              <a:rPr lang="en-US" sz="1100" dirty="0">
+                <a:solidFill>
+                  <a:srgbClr val="000000"/>
+                </a:solidFill>
+                <a:latin typeface="Menlo" panose="020B0609030804020204" pitchFamily="49" charset="0"/>
+              </a:rPr>
+            </a:br>
+            <a:endParaRPr lang="en-US" sz="1100" dirty="0">
+              <a:solidFill>
+                <a:srgbClr val="000000"/>
+              </a:solidFill>
+              <a:latin typeface="Menlo" panose="020B0609030804020204" pitchFamily="49" charset="0"/>
+            </a:endParaRPr>
+          </a:p>
+          <a:p>
+            <a:pPr marL="0" indent="0">
+              <a:buNone/>
+            </a:pPr>
+            <a:r>
+              <a:rPr lang="en-US" sz="1100" dirty="0" err="1">
+                <a:solidFill>
+                  <a:srgbClr val="000000"/>
+                </a:solidFill>
+                <a:latin typeface="Menlo" panose="020B0609030804020204" pitchFamily="49" charset="0"/>
+              </a:rPr>
+              <a:t>sales_by_store</a:t>
+            </a:r>
+            <a:r>
+              <a:rPr lang="en-US" sz="1100" dirty="0">
+                <a:solidFill>
+                  <a:srgbClr val="000000"/>
+                </a:solidFill>
+                <a:latin typeface="Menlo" panose="020B0609030804020204" pitchFamily="49" charset="0"/>
+              </a:rPr>
+              <a:t> = (</a:t>
+            </a:r>
+          </a:p>
+          <a:p>
+            <a:pPr marL="0" indent="0">
+              <a:buNone/>
+            </a:pPr>
+            <a:r>
+              <a:rPr lang="en-US" sz="1100" dirty="0">
+                <a:solidFill>
+                  <a:srgbClr val="000000"/>
+                </a:solidFill>
+                <a:latin typeface="Menlo" panose="020B0609030804020204" pitchFamily="49" charset="0"/>
+              </a:rPr>
+              <a:t>    </a:t>
+            </a:r>
+            <a:r>
+              <a:rPr lang="en-US" sz="1100" dirty="0" err="1">
+                <a:solidFill>
+                  <a:srgbClr val="000000"/>
+                </a:solidFill>
+                <a:latin typeface="Menlo" panose="020B0609030804020204" pitchFamily="49" charset="0"/>
+              </a:rPr>
+              <a:t>meta.session.query</a:t>
+            </a:r>
+            <a:r>
+              <a:rPr lang="en-US" sz="1100" dirty="0">
+                <a:solidFill>
+                  <a:srgbClr val="000000"/>
+                </a:solidFill>
+                <a:latin typeface="Menlo" panose="020B0609030804020204" pitchFamily="49" charset="0"/>
+              </a:rPr>
+              <a:t>(</a:t>
+            </a:r>
+          </a:p>
+          <a:p>
+            <a:pPr marL="0" indent="0">
+              <a:buNone/>
+            </a:pPr>
+            <a:r>
+              <a:rPr lang="en-US" sz="1100" dirty="0">
+                <a:solidFill>
+                  <a:srgbClr val="000000"/>
+                </a:solidFill>
+                <a:latin typeface="Menlo" panose="020B0609030804020204" pitchFamily="49" charset="0"/>
+              </a:rPr>
+              <a:t>        </a:t>
+            </a:r>
+            <a:r>
+              <a:rPr lang="en-US" sz="1100" dirty="0" err="1">
+                <a:solidFill>
+                  <a:srgbClr val="000000"/>
+                </a:solidFill>
+                <a:latin typeface="Menlo" panose="020B0609030804020204" pitchFamily="49" charset="0"/>
+              </a:rPr>
+              <a:t>model.Sale.store_id.label</a:t>
+            </a:r>
+            <a:r>
+              <a:rPr lang="en-US" sz="1100" dirty="0">
+                <a:solidFill>
+                  <a:srgbClr val="000000"/>
+                </a:solidFill>
+                <a:latin typeface="Menlo" panose="020B0609030804020204" pitchFamily="49" charset="0"/>
+              </a:rPr>
+              <a:t>(</a:t>
+            </a:r>
+            <a:r>
+              <a:rPr lang="en-US" sz="1100" dirty="0">
+                <a:solidFill>
+                  <a:srgbClr val="9FA01C"/>
+                </a:solidFill>
+                <a:latin typeface="Menlo" panose="020B0609030804020204" pitchFamily="49" charset="0"/>
+              </a:rPr>
+              <a:t>"</a:t>
+            </a:r>
+            <a:r>
+              <a:rPr lang="en-US" sz="1100" dirty="0" err="1">
+                <a:solidFill>
+                  <a:srgbClr val="9FA01C"/>
+                </a:solidFill>
+                <a:latin typeface="Menlo" panose="020B0609030804020204" pitchFamily="49" charset="0"/>
+              </a:rPr>
+              <a:t>store_id</a:t>
+            </a:r>
+            <a:r>
+              <a:rPr lang="en-US" sz="1100" dirty="0">
+                <a:solidFill>
+                  <a:srgbClr val="9FA01C"/>
+                </a:solidFill>
+                <a:latin typeface="Menlo" panose="020B0609030804020204" pitchFamily="49" charset="0"/>
+              </a:rPr>
+              <a:t>"</a:t>
+            </a:r>
+            <a:r>
+              <a:rPr lang="en-US" sz="1100" dirty="0">
+                <a:solidFill>
+                  <a:srgbClr val="000000"/>
+                </a:solidFill>
+                <a:latin typeface="Menlo" panose="020B0609030804020204" pitchFamily="49" charset="0"/>
+              </a:rPr>
+              <a:t>),</a:t>
+            </a:r>
+          </a:p>
+          <a:p>
+            <a:pPr marL="0" indent="0">
+              <a:buNone/>
+            </a:pPr>
+            <a:r>
+              <a:rPr lang="en-US" sz="1100" dirty="0">
+                <a:solidFill>
+                  <a:srgbClr val="000000"/>
+                </a:solidFill>
+                <a:latin typeface="Menlo" panose="020B0609030804020204" pitchFamily="49" charset="0"/>
+              </a:rPr>
+              <a:t>        </a:t>
+            </a:r>
+            <a:r>
+              <a:rPr lang="en-US" sz="1100" dirty="0" err="1">
+                <a:solidFill>
+                  <a:srgbClr val="000000"/>
+                </a:solidFill>
+                <a:latin typeface="Menlo" panose="020B0609030804020204" pitchFamily="49" charset="0"/>
+              </a:rPr>
+              <a:t>func.left</a:t>
+            </a:r>
+            <a:r>
+              <a:rPr lang="en-US" sz="1100" dirty="0">
+                <a:solidFill>
+                  <a:srgbClr val="000000"/>
+                </a:solidFill>
+                <a:latin typeface="Menlo" panose="020B0609030804020204" pitchFamily="49" charset="0"/>
+              </a:rPr>
+              <a:t>(</a:t>
+            </a:r>
+            <a:r>
+              <a:rPr lang="en-US" sz="1100" dirty="0" err="1">
+                <a:solidFill>
+                  <a:srgbClr val="000000"/>
+                </a:solidFill>
+                <a:latin typeface="Menlo" panose="020B0609030804020204" pitchFamily="49" charset="0"/>
+              </a:rPr>
+              <a:t>model.Sale.store_id</a:t>
+            </a:r>
+            <a:r>
+              <a:rPr lang="en-US" sz="1100" dirty="0">
+                <a:solidFill>
+                  <a:srgbClr val="000000"/>
+                </a:solidFill>
+                <a:latin typeface="Menlo" panose="020B0609030804020204" pitchFamily="49" charset="0"/>
+              </a:rPr>
+              <a:t>, </a:t>
+            </a:r>
+            <a:r>
+              <a:rPr lang="en-US" sz="1100" dirty="0">
+                <a:solidFill>
+                  <a:srgbClr val="9FA01C"/>
+                </a:solidFill>
+                <a:latin typeface="Menlo" panose="020B0609030804020204" pitchFamily="49" charset="0"/>
+              </a:rPr>
+              <a:t>7</a:t>
+            </a:r>
+            <a:r>
+              <a:rPr lang="en-US" sz="1100" dirty="0">
+                <a:solidFill>
+                  <a:srgbClr val="000000"/>
+                </a:solidFill>
+                <a:latin typeface="Menlo" panose="020B0609030804020204" pitchFamily="49" charset="0"/>
+              </a:rPr>
+              <a:t>).label(</a:t>
+            </a:r>
+            <a:r>
+              <a:rPr lang="en-US" sz="1100" dirty="0">
+                <a:solidFill>
+                  <a:srgbClr val="9FA01C"/>
+                </a:solidFill>
+                <a:latin typeface="Menlo" panose="020B0609030804020204" pitchFamily="49" charset="0"/>
+              </a:rPr>
+              <a:t>"state"</a:t>
+            </a:r>
+            <a:r>
+              <a:rPr lang="en-US" sz="1100" dirty="0">
+                <a:solidFill>
+                  <a:srgbClr val="000000"/>
+                </a:solidFill>
+                <a:latin typeface="Menlo" panose="020B0609030804020204" pitchFamily="49" charset="0"/>
+              </a:rPr>
+              <a:t>),</a:t>
+            </a:r>
+          </a:p>
+          <a:p>
+            <a:pPr marL="0" indent="0">
+              <a:buNone/>
+            </a:pPr>
+            <a:r>
+              <a:rPr lang="en-US" sz="1100" dirty="0">
+                <a:solidFill>
+                  <a:srgbClr val="000000"/>
+                </a:solidFill>
+                <a:latin typeface="Menlo" panose="020B0609030804020204" pitchFamily="49" charset="0"/>
+              </a:rPr>
+              <a:t>        </a:t>
+            </a:r>
+            <a:r>
+              <a:rPr lang="en-US" sz="1100" dirty="0" err="1">
+                <a:solidFill>
+                  <a:srgbClr val="000000"/>
+                </a:solidFill>
+                <a:latin typeface="Menlo" panose="020B0609030804020204" pitchFamily="49" charset="0"/>
+              </a:rPr>
+              <a:t>func.left</a:t>
+            </a:r>
+            <a:r>
+              <a:rPr lang="en-US" sz="1100" dirty="0">
+                <a:solidFill>
+                  <a:srgbClr val="000000"/>
+                </a:solidFill>
+                <a:latin typeface="Menlo" panose="020B0609030804020204" pitchFamily="49" charset="0"/>
+              </a:rPr>
+              <a:t>(</a:t>
+            </a:r>
+            <a:r>
+              <a:rPr lang="en-US" sz="1100" dirty="0" err="1">
+                <a:solidFill>
+                  <a:srgbClr val="000000"/>
+                </a:solidFill>
+                <a:latin typeface="Menlo" panose="020B0609030804020204" pitchFamily="49" charset="0"/>
+              </a:rPr>
+              <a:t>model.Sale.store_id</a:t>
+            </a:r>
+            <a:r>
+              <a:rPr lang="en-US" sz="1100" dirty="0">
+                <a:solidFill>
+                  <a:srgbClr val="000000"/>
+                </a:solidFill>
+                <a:latin typeface="Menlo" panose="020B0609030804020204" pitchFamily="49" charset="0"/>
+              </a:rPr>
+              <a:t>, </a:t>
+            </a:r>
+            <a:r>
+              <a:rPr lang="en-US" sz="1100" dirty="0">
+                <a:solidFill>
+                  <a:srgbClr val="9FA01C"/>
+                </a:solidFill>
+                <a:latin typeface="Menlo" panose="020B0609030804020204" pitchFamily="49" charset="0"/>
+              </a:rPr>
+              <a:t>4</a:t>
+            </a:r>
+            <a:r>
+              <a:rPr lang="en-US" sz="1100" dirty="0">
+                <a:solidFill>
+                  <a:srgbClr val="000000"/>
+                </a:solidFill>
+                <a:latin typeface="Menlo" panose="020B0609030804020204" pitchFamily="49" charset="0"/>
+              </a:rPr>
+              <a:t>).label(</a:t>
+            </a:r>
+            <a:r>
+              <a:rPr lang="en-US" sz="1100" dirty="0">
+                <a:solidFill>
+                  <a:srgbClr val="9FA01C"/>
+                </a:solidFill>
+                <a:latin typeface="Menlo" panose="020B0609030804020204" pitchFamily="49" charset="0"/>
+              </a:rPr>
+              <a:t>"region"</a:t>
+            </a:r>
+            <a:r>
+              <a:rPr lang="en-US" sz="1100" dirty="0">
+                <a:solidFill>
+                  <a:srgbClr val="000000"/>
+                </a:solidFill>
+                <a:latin typeface="Menlo" panose="020B0609030804020204" pitchFamily="49" charset="0"/>
+              </a:rPr>
+              <a:t>),</a:t>
+            </a:r>
+          </a:p>
+          <a:p>
+            <a:pPr marL="0" indent="0">
+              <a:buNone/>
+            </a:pPr>
+            <a:r>
+              <a:rPr lang="en-US" sz="1100" dirty="0">
+                <a:solidFill>
+                  <a:srgbClr val="000000"/>
+                </a:solidFill>
+                <a:latin typeface="Menlo" panose="020B0609030804020204" pitchFamily="49" charset="0"/>
+              </a:rPr>
+              <a:t>        </a:t>
+            </a:r>
+            <a:r>
+              <a:rPr lang="en-US" sz="1100" dirty="0" err="1">
+                <a:solidFill>
+                  <a:srgbClr val="000000"/>
+                </a:solidFill>
+                <a:latin typeface="Menlo" panose="020B0609030804020204" pitchFamily="49" charset="0"/>
+              </a:rPr>
+              <a:t>func.sum</a:t>
+            </a:r>
+            <a:r>
+              <a:rPr lang="en-US" sz="1100" dirty="0">
+                <a:solidFill>
+                  <a:srgbClr val="000000"/>
+                </a:solidFill>
+                <a:latin typeface="Menlo" panose="020B0609030804020204" pitchFamily="49" charset="0"/>
+              </a:rPr>
+              <a:t>(</a:t>
+            </a:r>
+            <a:r>
+              <a:rPr lang="en-US" sz="1100" dirty="0" err="1">
+                <a:solidFill>
+                  <a:srgbClr val="000000"/>
+                </a:solidFill>
+                <a:latin typeface="Menlo" panose="020B0609030804020204" pitchFamily="49" charset="0"/>
+              </a:rPr>
+              <a:t>model.Sale.amount</a:t>
+            </a:r>
+            <a:r>
+              <a:rPr lang="en-US" sz="1100" dirty="0">
+                <a:solidFill>
+                  <a:srgbClr val="000000"/>
+                </a:solidFill>
+                <a:latin typeface="Menlo" panose="020B0609030804020204" pitchFamily="49" charset="0"/>
+              </a:rPr>
+              <a:t>).label(</a:t>
+            </a:r>
+            <a:r>
+              <a:rPr lang="en-US" sz="1100" dirty="0">
+                <a:solidFill>
+                  <a:srgbClr val="9FA01C"/>
+                </a:solidFill>
+                <a:latin typeface="Menlo" panose="020B0609030804020204" pitchFamily="49" charset="0"/>
+              </a:rPr>
+              <a:t>"amount"</a:t>
+            </a:r>
+            <a:r>
+              <a:rPr lang="en-US" sz="1100" dirty="0">
+                <a:solidFill>
+                  <a:srgbClr val="000000"/>
+                </a:solidFill>
+                <a:latin typeface="Menlo" panose="020B0609030804020204" pitchFamily="49" charset="0"/>
+              </a:rPr>
+              <a:t>),</a:t>
+            </a:r>
+          </a:p>
+          <a:p>
+            <a:pPr marL="0" indent="0">
+              <a:buNone/>
+            </a:pPr>
+            <a:r>
+              <a:rPr lang="en-US" sz="1100" dirty="0">
+                <a:solidFill>
+                  <a:srgbClr val="000000"/>
+                </a:solidFill>
+                <a:latin typeface="Menlo" panose="020B0609030804020204" pitchFamily="49" charset="0"/>
+              </a:rPr>
+              <a:t>    )</a:t>
+            </a:r>
+          </a:p>
+          <a:p>
+            <a:pPr marL="0" indent="0">
+              <a:buNone/>
+            </a:pPr>
+            <a:r>
+              <a:rPr lang="en-US" sz="1100" dirty="0">
+                <a:solidFill>
+                  <a:srgbClr val="000000"/>
+                </a:solidFill>
+                <a:latin typeface="Menlo" panose="020B0609030804020204" pitchFamily="49" charset="0"/>
+              </a:rPr>
+              <a:t>    .</a:t>
+            </a:r>
+            <a:r>
+              <a:rPr lang="en-US" sz="1100" dirty="0" err="1">
+                <a:solidFill>
+                  <a:srgbClr val="000000"/>
+                </a:solidFill>
+                <a:latin typeface="Menlo" panose="020B0609030804020204" pitchFamily="49" charset="0"/>
+              </a:rPr>
+              <a:t>group_by</a:t>
+            </a:r>
+            <a:r>
+              <a:rPr lang="en-US" sz="1100" dirty="0">
+                <a:solidFill>
+                  <a:srgbClr val="000000"/>
+                </a:solidFill>
+                <a:latin typeface="Menlo" panose="020B0609030804020204" pitchFamily="49" charset="0"/>
+              </a:rPr>
+              <a:t>(literal(</a:t>
+            </a:r>
+            <a:r>
+              <a:rPr lang="en-US" sz="1100" dirty="0">
+                <a:solidFill>
+                  <a:srgbClr val="9FA01C"/>
+                </a:solidFill>
+                <a:latin typeface="Menlo" panose="020B0609030804020204" pitchFamily="49" charset="0"/>
+              </a:rPr>
+              <a:t>1</a:t>
+            </a:r>
+            <a:r>
+              <a:rPr lang="en-US" sz="1100" dirty="0">
+                <a:solidFill>
+                  <a:srgbClr val="000000"/>
+                </a:solidFill>
+                <a:latin typeface="Menlo" panose="020B0609030804020204" pitchFamily="49" charset="0"/>
+              </a:rPr>
+              <a:t>), literal(</a:t>
+            </a:r>
+            <a:r>
+              <a:rPr lang="en-US" sz="1100" dirty="0">
+                <a:solidFill>
+                  <a:srgbClr val="9FA01C"/>
+                </a:solidFill>
+                <a:latin typeface="Menlo" panose="020B0609030804020204" pitchFamily="49" charset="0"/>
+              </a:rPr>
+              <a:t>2</a:t>
+            </a:r>
+            <a:r>
+              <a:rPr lang="en-US" sz="1100" dirty="0">
+                <a:solidFill>
+                  <a:srgbClr val="000000"/>
+                </a:solidFill>
+                <a:latin typeface="Menlo" panose="020B0609030804020204" pitchFamily="49" charset="0"/>
+              </a:rPr>
+              <a:t>), literal(</a:t>
+            </a:r>
+            <a:r>
+              <a:rPr lang="en-US" sz="1100" dirty="0">
+                <a:solidFill>
+                  <a:srgbClr val="9FA01C"/>
+                </a:solidFill>
+                <a:latin typeface="Menlo" panose="020B0609030804020204" pitchFamily="49" charset="0"/>
+              </a:rPr>
+              <a:t>3</a:t>
+            </a:r>
+            <a:r>
+              <a:rPr lang="en-US" sz="1100" dirty="0">
+                <a:solidFill>
+                  <a:srgbClr val="000000"/>
+                </a:solidFill>
+                <a:latin typeface="Menlo" panose="020B0609030804020204" pitchFamily="49" charset="0"/>
+              </a:rPr>
+              <a:t>))</a:t>
+            </a:r>
+          </a:p>
+          <a:p>
+            <a:pPr marL="0" indent="0">
+              <a:buNone/>
+            </a:pPr>
+            <a:r>
+              <a:rPr lang="en-US" sz="1100" dirty="0">
+                <a:solidFill>
+                  <a:srgbClr val="000000"/>
+                </a:solidFill>
+                <a:latin typeface="Menlo" panose="020B0609030804020204" pitchFamily="49" charset="0"/>
+              </a:rPr>
+              <a:t>).</a:t>
+            </a:r>
+            <a:r>
+              <a:rPr lang="en-US" sz="1100" dirty="0" err="1">
+                <a:solidFill>
+                  <a:srgbClr val="000000"/>
+                </a:solidFill>
+                <a:latin typeface="Menlo" panose="020B0609030804020204" pitchFamily="49" charset="0"/>
+              </a:rPr>
+              <a:t>cte</a:t>
+            </a:r>
+            <a:r>
+              <a:rPr lang="en-US" sz="1100" dirty="0">
+                <a:solidFill>
+                  <a:srgbClr val="000000"/>
+                </a:solidFill>
+                <a:latin typeface="Menlo" panose="020B0609030804020204" pitchFamily="49" charset="0"/>
+              </a:rPr>
+              <a:t>(</a:t>
+            </a:r>
+            <a:r>
+              <a:rPr lang="en-US" sz="1100" dirty="0">
+                <a:solidFill>
+                  <a:srgbClr val="9FA01C"/>
+                </a:solidFill>
+                <a:latin typeface="Menlo" panose="020B0609030804020204" pitchFamily="49" charset="0"/>
+              </a:rPr>
+              <a:t>"stores"</a:t>
+            </a:r>
+            <a:r>
+              <a:rPr lang="en-US" sz="1100" dirty="0">
+                <a:solidFill>
+                  <a:srgbClr val="000000"/>
+                </a:solidFill>
+                <a:latin typeface="Menlo" panose="020B0609030804020204" pitchFamily="49" charset="0"/>
+              </a:rPr>
+              <a:t>)</a:t>
+            </a:r>
+            <a:endParaRPr lang="en-US" sz="1100" dirty="0">
+              <a:solidFill>
+                <a:srgbClr val="9FA01C"/>
+              </a:solidFill>
+              <a:latin typeface="Menlo" panose="020B0609030804020204" pitchFamily="49" charset="0"/>
+            </a:endParaRPr>
+          </a:p>
+          <a:p>
+            <a:pPr marL="0" indent="0">
+              <a:buNone/>
+            </a:pPr>
+            <a:endParaRPr lang="en-US" sz="1100" dirty="0"/>
           </a:p>
         </p:txBody>
       </p:sp>
     </p:spTree>
     <p:extLst>
       <p:ext uri="{BB962C8B-B14F-4D97-AF65-F5344CB8AC3E}">
-        <p14:creationId xmlns:p14="http://schemas.microsoft.com/office/powerpoint/2010/main" val="2851569539"/>
+        <p14:creationId xmlns:p14="http://schemas.microsoft.com/office/powerpoint/2010/main" val="598292132"/>
       </p:ext>
     </p:extLst>
   </p:cSld>
@@ -4712,7 +6742,7 @@
           <p:cNvPr id="2" name="Title 1">
             <a:extLst>
               <a:ext uri="{FF2B5EF4-FFF2-40B4-BE49-F238E27FC236}">
-                <a16:creationId xmlns:a16="http://schemas.microsoft.com/office/drawing/2014/main" id="{6CFBCEC9-2EB1-DD47-B201-DD3AB7A79D34}"/>
+                <a16:creationId xmlns:a16="http://schemas.microsoft.com/office/drawing/2014/main" id="{765CDD1B-7351-2644-8D63-D859829F702C}"/>
               </a:ext>
             </a:extLst>
           </p:cNvPr>
@@ -4730,7 +6760,7 @@
           <a:p>
             <a:r>
               <a:rPr lang="en-US" dirty="0"/>
-              <a:t>Grouping Sets</a:t>
+              <a:t>Common Table Expressions (Example 03)</a:t>
             </a:r>
           </a:p>
         </p:txBody>
@@ -4740,7 +6770,1142 @@
           <p:cNvPr id="3" name="Content Placeholder 2">
             <a:extLst>
               <a:ext uri="{FF2B5EF4-FFF2-40B4-BE49-F238E27FC236}">
-                <a16:creationId xmlns:a16="http://schemas.microsoft.com/office/drawing/2014/main" id="{8745A121-7133-2A4D-843C-E77964AD9624}"/>
+                <a16:creationId xmlns:a16="http://schemas.microsoft.com/office/drawing/2014/main" id="{C9461EC4-E0F8-C244-BD10-0741151299B9}"/>
+              </a:ext>
+            </a:extLst>
+          </p:cNvPr>
+          <p:cNvSpPr>
+            <a:spLocks noGrp="1"/>
+          </p:cNvSpPr>
+          <p:nvPr>
+            <p:ph idx="1"/>
+          </p:nvPr>
+        </p:nvSpPr>
+        <p:spPr/>
+        <p:txBody>
+          <a:bodyPr>
+            <a:normAutofit fontScale="47500" lnSpcReduction="20000"/>
+          </a:bodyPr>
+          <a:lstStyle/>
+          <a:p>
+            <a:pPr marL="0" indent="0">
+              <a:buNone/>
+            </a:pPr>
+            <a:r>
+              <a:rPr lang="en-US" dirty="0" err="1">
+                <a:solidFill>
+                  <a:srgbClr val="000000"/>
+                </a:solidFill>
+                <a:latin typeface="Menlo" panose="020B0609030804020204" pitchFamily="49" charset="0"/>
+              </a:rPr>
+              <a:t>sales_report</a:t>
+            </a:r>
+            <a:r>
+              <a:rPr lang="en-US" dirty="0">
+                <a:solidFill>
+                  <a:srgbClr val="000000"/>
+                </a:solidFill>
+                <a:latin typeface="Menlo" panose="020B0609030804020204" pitchFamily="49" charset="0"/>
+              </a:rPr>
+              <a:t> = (</a:t>
+            </a:r>
+          </a:p>
+          <a:p>
+            <a:pPr marL="0" indent="0">
+              <a:buNone/>
+            </a:pPr>
+            <a:r>
+              <a:rPr lang="en-US" dirty="0">
+                <a:solidFill>
+                  <a:srgbClr val="000000"/>
+                </a:solidFill>
+                <a:latin typeface="Menlo" panose="020B0609030804020204" pitchFamily="49" charset="0"/>
+              </a:rPr>
+              <a:t>    </a:t>
+            </a:r>
+            <a:r>
+              <a:rPr lang="en-US" dirty="0" err="1">
+                <a:solidFill>
+                  <a:srgbClr val="000000"/>
+                </a:solidFill>
+                <a:latin typeface="Menlo" panose="020B0609030804020204" pitchFamily="49" charset="0"/>
+              </a:rPr>
+              <a:t>meta.session.query</a:t>
+            </a:r>
+            <a:r>
+              <a:rPr lang="en-US" dirty="0">
+                <a:solidFill>
+                  <a:srgbClr val="000000"/>
+                </a:solidFill>
+                <a:latin typeface="Menlo" panose="020B0609030804020204" pitchFamily="49" charset="0"/>
+              </a:rPr>
+              <a:t>(</a:t>
+            </a:r>
+          </a:p>
+          <a:p>
+            <a:pPr marL="0" indent="0">
+              <a:buNone/>
+            </a:pPr>
+            <a:r>
+              <a:rPr lang="en-US" dirty="0">
+                <a:solidFill>
+                  <a:srgbClr val="000000"/>
+                </a:solidFill>
+                <a:latin typeface="Menlo" panose="020B0609030804020204" pitchFamily="49" charset="0"/>
+              </a:rPr>
+              <a:t>        </a:t>
+            </a:r>
+            <a:r>
+              <a:rPr lang="en-US" dirty="0" err="1">
+                <a:solidFill>
+                  <a:srgbClr val="000000"/>
+                </a:solidFill>
+                <a:latin typeface="Menlo" panose="020B0609030804020204" pitchFamily="49" charset="0"/>
+              </a:rPr>
+              <a:t>sales_by_region.c.region.label</a:t>
+            </a:r>
+            <a:r>
+              <a:rPr lang="en-US" dirty="0">
+                <a:solidFill>
+                  <a:srgbClr val="000000"/>
+                </a:solidFill>
+                <a:latin typeface="Menlo" panose="020B0609030804020204" pitchFamily="49" charset="0"/>
+              </a:rPr>
+              <a:t>(</a:t>
+            </a:r>
+            <a:r>
+              <a:rPr lang="en-US" dirty="0">
+                <a:solidFill>
+                  <a:srgbClr val="9FA01C"/>
+                </a:solidFill>
+                <a:latin typeface="Menlo" panose="020B0609030804020204" pitchFamily="49" charset="0"/>
+              </a:rPr>
+              <a:t>"region"</a:t>
+            </a:r>
+            <a:r>
+              <a:rPr lang="en-US" dirty="0">
+                <a:solidFill>
+                  <a:srgbClr val="000000"/>
+                </a:solidFill>
+                <a:latin typeface="Menlo" panose="020B0609030804020204" pitchFamily="49" charset="0"/>
+              </a:rPr>
+              <a:t>), </a:t>
+            </a:r>
+            <a:r>
+              <a:rPr lang="en-US" dirty="0" err="1">
+                <a:solidFill>
+                  <a:srgbClr val="000000"/>
+                </a:solidFill>
+                <a:latin typeface="Menlo" panose="020B0609030804020204" pitchFamily="49" charset="0"/>
+              </a:rPr>
+              <a:t>sales_by_region.c.amount.label</a:t>
+            </a:r>
+            <a:r>
+              <a:rPr lang="en-US" dirty="0">
+                <a:solidFill>
+                  <a:srgbClr val="000000"/>
+                </a:solidFill>
+                <a:latin typeface="Menlo" panose="020B0609030804020204" pitchFamily="49" charset="0"/>
+              </a:rPr>
+              <a:t>(</a:t>
+            </a:r>
+            <a:r>
+              <a:rPr lang="en-US" dirty="0">
+                <a:solidFill>
+                  <a:srgbClr val="9FA01C"/>
+                </a:solidFill>
+                <a:latin typeface="Menlo" panose="020B0609030804020204" pitchFamily="49" charset="0"/>
+              </a:rPr>
+              <a:t>"</a:t>
+            </a:r>
+            <a:r>
+              <a:rPr lang="en-US" dirty="0" err="1">
+                <a:solidFill>
+                  <a:srgbClr val="9FA01C"/>
+                </a:solidFill>
+                <a:latin typeface="Menlo" panose="020B0609030804020204" pitchFamily="49" charset="0"/>
+              </a:rPr>
+              <a:t>sales_for_region</a:t>
+            </a:r>
+            <a:r>
+              <a:rPr lang="en-US" dirty="0">
+                <a:solidFill>
+                  <a:srgbClr val="9FA01C"/>
+                </a:solidFill>
+                <a:latin typeface="Menlo" panose="020B0609030804020204" pitchFamily="49" charset="0"/>
+              </a:rPr>
+              <a:t>"</a:t>
+            </a:r>
+            <a:r>
+              <a:rPr lang="en-US" dirty="0">
+                <a:solidFill>
+                  <a:srgbClr val="000000"/>
+                </a:solidFill>
+                <a:latin typeface="Menlo" panose="020B0609030804020204" pitchFamily="49" charset="0"/>
+              </a:rPr>
+              <a:t>),</a:t>
+            </a:r>
+          </a:p>
+          <a:p>
+            <a:pPr marL="0" indent="0">
+              <a:buNone/>
+            </a:pPr>
+            <a:r>
+              <a:rPr lang="en-US" dirty="0">
+                <a:solidFill>
+                  <a:srgbClr val="000000"/>
+                </a:solidFill>
+                <a:latin typeface="Menlo" panose="020B0609030804020204" pitchFamily="49" charset="0"/>
+              </a:rPr>
+              <a:t>        </a:t>
+            </a:r>
+            <a:r>
+              <a:rPr lang="en-US" dirty="0" err="1">
+                <a:solidFill>
+                  <a:srgbClr val="000000"/>
+                </a:solidFill>
+                <a:latin typeface="Menlo" panose="020B0609030804020204" pitchFamily="49" charset="0"/>
+              </a:rPr>
+              <a:t>sales_by_state.c.state.label</a:t>
+            </a:r>
+            <a:r>
+              <a:rPr lang="en-US" dirty="0">
+                <a:solidFill>
+                  <a:srgbClr val="000000"/>
+                </a:solidFill>
+                <a:latin typeface="Menlo" panose="020B0609030804020204" pitchFamily="49" charset="0"/>
+              </a:rPr>
+              <a:t>(</a:t>
+            </a:r>
+            <a:r>
+              <a:rPr lang="en-US" dirty="0">
+                <a:solidFill>
+                  <a:srgbClr val="9FA01C"/>
+                </a:solidFill>
+                <a:latin typeface="Menlo" panose="020B0609030804020204" pitchFamily="49" charset="0"/>
+              </a:rPr>
+              <a:t>"state"</a:t>
+            </a:r>
+            <a:r>
+              <a:rPr lang="en-US" dirty="0">
+                <a:solidFill>
+                  <a:srgbClr val="000000"/>
+                </a:solidFill>
+                <a:latin typeface="Menlo" panose="020B0609030804020204" pitchFamily="49" charset="0"/>
+              </a:rPr>
+              <a:t>), </a:t>
+            </a:r>
+            <a:r>
+              <a:rPr lang="en-US" dirty="0" err="1">
+                <a:solidFill>
+                  <a:srgbClr val="000000"/>
+                </a:solidFill>
+                <a:latin typeface="Menlo" panose="020B0609030804020204" pitchFamily="49" charset="0"/>
+              </a:rPr>
+              <a:t>sales_by_state.c.amount.label</a:t>
+            </a:r>
+            <a:r>
+              <a:rPr lang="en-US" dirty="0">
+                <a:solidFill>
+                  <a:srgbClr val="000000"/>
+                </a:solidFill>
+                <a:latin typeface="Menlo" panose="020B0609030804020204" pitchFamily="49" charset="0"/>
+              </a:rPr>
+              <a:t>(</a:t>
+            </a:r>
+            <a:r>
+              <a:rPr lang="en-US" dirty="0">
+                <a:solidFill>
+                  <a:srgbClr val="9FA01C"/>
+                </a:solidFill>
+                <a:latin typeface="Menlo" panose="020B0609030804020204" pitchFamily="49" charset="0"/>
+              </a:rPr>
+              <a:t>"</a:t>
+            </a:r>
+            <a:r>
+              <a:rPr lang="en-US" dirty="0" err="1">
+                <a:solidFill>
+                  <a:srgbClr val="9FA01C"/>
+                </a:solidFill>
+                <a:latin typeface="Menlo" panose="020B0609030804020204" pitchFamily="49" charset="0"/>
+              </a:rPr>
+              <a:t>sales_for_state</a:t>
+            </a:r>
+            <a:r>
+              <a:rPr lang="en-US" dirty="0">
+                <a:solidFill>
+                  <a:srgbClr val="9FA01C"/>
+                </a:solidFill>
+                <a:latin typeface="Menlo" panose="020B0609030804020204" pitchFamily="49" charset="0"/>
+              </a:rPr>
+              <a:t>"</a:t>
+            </a:r>
+            <a:r>
+              <a:rPr lang="en-US" dirty="0">
+                <a:solidFill>
+                  <a:srgbClr val="000000"/>
+                </a:solidFill>
+                <a:latin typeface="Menlo" panose="020B0609030804020204" pitchFamily="49" charset="0"/>
+              </a:rPr>
+              <a:t>),</a:t>
+            </a:r>
+          </a:p>
+          <a:p>
+            <a:pPr marL="0" indent="0">
+              <a:buNone/>
+            </a:pPr>
+            <a:r>
+              <a:rPr lang="en-US" dirty="0">
+                <a:solidFill>
+                  <a:srgbClr val="000000"/>
+                </a:solidFill>
+                <a:latin typeface="Menlo" panose="020B0609030804020204" pitchFamily="49" charset="0"/>
+              </a:rPr>
+              <a:t>        </a:t>
+            </a:r>
+            <a:r>
+              <a:rPr lang="en-US" dirty="0" err="1">
+                <a:solidFill>
+                  <a:srgbClr val="000000"/>
+                </a:solidFill>
+                <a:latin typeface="Menlo" panose="020B0609030804020204" pitchFamily="49" charset="0"/>
+              </a:rPr>
+              <a:t>sales_by_store.c.store_id.label</a:t>
+            </a:r>
+            <a:r>
+              <a:rPr lang="en-US" dirty="0">
+                <a:solidFill>
+                  <a:srgbClr val="000000"/>
+                </a:solidFill>
+                <a:latin typeface="Menlo" panose="020B0609030804020204" pitchFamily="49" charset="0"/>
+              </a:rPr>
+              <a:t>(</a:t>
+            </a:r>
+            <a:r>
+              <a:rPr lang="en-US" dirty="0">
+                <a:solidFill>
+                  <a:srgbClr val="9FA01C"/>
+                </a:solidFill>
+                <a:latin typeface="Menlo" panose="020B0609030804020204" pitchFamily="49" charset="0"/>
+              </a:rPr>
+              <a:t>"store"</a:t>
+            </a:r>
+            <a:r>
+              <a:rPr lang="en-US" dirty="0">
+                <a:solidFill>
+                  <a:srgbClr val="000000"/>
+                </a:solidFill>
+                <a:latin typeface="Menlo" panose="020B0609030804020204" pitchFamily="49" charset="0"/>
+              </a:rPr>
+              <a:t>), </a:t>
+            </a:r>
+            <a:r>
+              <a:rPr lang="en-US" dirty="0" err="1">
+                <a:solidFill>
+                  <a:srgbClr val="000000"/>
+                </a:solidFill>
+                <a:latin typeface="Menlo" panose="020B0609030804020204" pitchFamily="49" charset="0"/>
+              </a:rPr>
+              <a:t>sales_by_store.c.amount.label</a:t>
+            </a:r>
+            <a:r>
+              <a:rPr lang="en-US" dirty="0">
+                <a:solidFill>
+                  <a:srgbClr val="000000"/>
+                </a:solidFill>
+                <a:latin typeface="Menlo" panose="020B0609030804020204" pitchFamily="49" charset="0"/>
+              </a:rPr>
+              <a:t>(</a:t>
+            </a:r>
+            <a:r>
+              <a:rPr lang="en-US" dirty="0">
+                <a:solidFill>
+                  <a:srgbClr val="9FA01C"/>
+                </a:solidFill>
+                <a:latin typeface="Menlo" panose="020B0609030804020204" pitchFamily="49" charset="0"/>
+              </a:rPr>
+              <a:t>"</a:t>
+            </a:r>
+            <a:r>
+              <a:rPr lang="en-US" dirty="0" err="1">
+                <a:solidFill>
+                  <a:srgbClr val="9FA01C"/>
+                </a:solidFill>
+                <a:latin typeface="Menlo" panose="020B0609030804020204" pitchFamily="49" charset="0"/>
+              </a:rPr>
+              <a:t>sales_for_store</a:t>
+            </a:r>
+            <a:r>
+              <a:rPr lang="en-US" dirty="0">
+                <a:solidFill>
+                  <a:srgbClr val="9FA01C"/>
+                </a:solidFill>
+                <a:latin typeface="Menlo" panose="020B0609030804020204" pitchFamily="49" charset="0"/>
+              </a:rPr>
+              <a:t>"</a:t>
+            </a:r>
+            <a:r>
+              <a:rPr lang="en-US" dirty="0">
+                <a:solidFill>
+                  <a:srgbClr val="000000"/>
+                </a:solidFill>
+                <a:latin typeface="Menlo" panose="020B0609030804020204" pitchFamily="49" charset="0"/>
+              </a:rPr>
+              <a:t>),</a:t>
+            </a:r>
+          </a:p>
+          <a:p>
+            <a:pPr marL="0" indent="0">
+              <a:buNone/>
+            </a:pPr>
+            <a:r>
+              <a:rPr lang="en-US" dirty="0">
+                <a:solidFill>
+                  <a:srgbClr val="000000"/>
+                </a:solidFill>
+                <a:latin typeface="Menlo" panose="020B0609030804020204" pitchFamily="49" charset="0"/>
+              </a:rPr>
+              <a:t>    )</a:t>
+            </a:r>
+          </a:p>
+          <a:p>
+            <a:pPr marL="0" indent="0">
+              <a:buNone/>
+            </a:pPr>
+            <a:r>
+              <a:rPr lang="en-US" dirty="0">
+                <a:solidFill>
+                  <a:srgbClr val="000000"/>
+                </a:solidFill>
+                <a:latin typeface="Menlo" panose="020B0609030804020204" pitchFamily="49" charset="0"/>
+              </a:rPr>
+              <a:t>    .</a:t>
+            </a:r>
+            <a:r>
+              <a:rPr lang="en-US" dirty="0" err="1">
+                <a:solidFill>
+                  <a:srgbClr val="000000"/>
+                </a:solidFill>
+                <a:latin typeface="Menlo" panose="020B0609030804020204" pitchFamily="49" charset="0"/>
+              </a:rPr>
+              <a:t>select_from</a:t>
+            </a:r>
+            <a:r>
+              <a:rPr lang="en-US" dirty="0">
+                <a:solidFill>
+                  <a:srgbClr val="000000"/>
+                </a:solidFill>
+                <a:latin typeface="Menlo" panose="020B0609030804020204" pitchFamily="49" charset="0"/>
+              </a:rPr>
+              <a:t>(</a:t>
+            </a:r>
+            <a:r>
+              <a:rPr lang="en-US" dirty="0" err="1">
+                <a:solidFill>
+                  <a:srgbClr val="000000"/>
+                </a:solidFill>
+                <a:latin typeface="Menlo" panose="020B0609030804020204" pitchFamily="49" charset="0"/>
+              </a:rPr>
+              <a:t>sales_by_store</a:t>
+            </a:r>
+            <a:r>
+              <a:rPr lang="en-US" dirty="0">
+                <a:solidFill>
+                  <a:srgbClr val="000000"/>
+                </a:solidFill>
+                <a:latin typeface="Menlo" panose="020B0609030804020204" pitchFamily="49" charset="0"/>
+              </a:rPr>
+              <a:t>)</a:t>
+            </a:r>
+          </a:p>
+          <a:p>
+            <a:pPr marL="0" indent="0">
+              <a:buNone/>
+            </a:pPr>
+            <a:r>
+              <a:rPr lang="en-US" dirty="0">
+                <a:solidFill>
+                  <a:srgbClr val="000000"/>
+                </a:solidFill>
+                <a:latin typeface="Menlo" panose="020B0609030804020204" pitchFamily="49" charset="0"/>
+              </a:rPr>
+              <a:t>    .join(</a:t>
+            </a:r>
+            <a:r>
+              <a:rPr lang="en-US" dirty="0" err="1">
+                <a:solidFill>
+                  <a:srgbClr val="000000"/>
+                </a:solidFill>
+                <a:latin typeface="Menlo" panose="020B0609030804020204" pitchFamily="49" charset="0"/>
+              </a:rPr>
+              <a:t>sales_by_state</a:t>
+            </a:r>
+            <a:r>
+              <a:rPr lang="en-US" dirty="0">
+                <a:solidFill>
+                  <a:srgbClr val="000000"/>
+                </a:solidFill>
+                <a:latin typeface="Menlo" panose="020B0609030804020204" pitchFamily="49" charset="0"/>
+              </a:rPr>
+              <a:t>, </a:t>
+            </a:r>
+            <a:r>
+              <a:rPr lang="en-US" dirty="0" err="1">
+                <a:solidFill>
+                  <a:srgbClr val="000000"/>
+                </a:solidFill>
+                <a:latin typeface="Menlo" panose="020B0609030804020204" pitchFamily="49" charset="0"/>
+              </a:rPr>
+              <a:t>sales_by_state.c.state</a:t>
+            </a:r>
+            <a:r>
+              <a:rPr lang="en-US" dirty="0">
+                <a:solidFill>
+                  <a:srgbClr val="000000"/>
+                </a:solidFill>
+                <a:latin typeface="Menlo" panose="020B0609030804020204" pitchFamily="49" charset="0"/>
+              </a:rPr>
+              <a:t> == </a:t>
+            </a:r>
+            <a:r>
+              <a:rPr lang="en-US" dirty="0" err="1">
+                <a:solidFill>
+                  <a:srgbClr val="000000"/>
+                </a:solidFill>
+                <a:latin typeface="Menlo" panose="020B0609030804020204" pitchFamily="49" charset="0"/>
+              </a:rPr>
+              <a:t>sales_by_store.c.state</a:t>
+            </a:r>
+            <a:r>
+              <a:rPr lang="en-US" dirty="0">
+                <a:solidFill>
+                  <a:srgbClr val="000000"/>
+                </a:solidFill>
+                <a:latin typeface="Menlo" panose="020B0609030804020204" pitchFamily="49" charset="0"/>
+              </a:rPr>
+              <a:t>)</a:t>
+            </a:r>
+          </a:p>
+          <a:p>
+            <a:pPr marL="0" indent="0">
+              <a:buNone/>
+            </a:pPr>
+            <a:r>
+              <a:rPr lang="en-US" dirty="0">
+                <a:solidFill>
+                  <a:srgbClr val="000000"/>
+                </a:solidFill>
+                <a:latin typeface="Menlo" panose="020B0609030804020204" pitchFamily="49" charset="0"/>
+              </a:rPr>
+              <a:t>    .join(</a:t>
+            </a:r>
+            <a:r>
+              <a:rPr lang="en-US" dirty="0" err="1">
+                <a:solidFill>
+                  <a:srgbClr val="000000"/>
+                </a:solidFill>
+                <a:latin typeface="Menlo" panose="020B0609030804020204" pitchFamily="49" charset="0"/>
+              </a:rPr>
+              <a:t>sales_by_region</a:t>
+            </a:r>
+            <a:r>
+              <a:rPr lang="en-US" dirty="0">
+                <a:solidFill>
+                  <a:srgbClr val="000000"/>
+                </a:solidFill>
+                <a:latin typeface="Menlo" panose="020B0609030804020204" pitchFamily="49" charset="0"/>
+              </a:rPr>
+              <a:t>, </a:t>
+            </a:r>
+            <a:r>
+              <a:rPr lang="en-US" dirty="0" err="1">
+                <a:solidFill>
+                  <a:srgbClr val="000000"/>
+                </a:solidFill>
+                <a:latin typeface="Menlo" panose="020B0609030804020204" pitchFamily="49" charset="0"/>
+              </a:rPr>
+              <a:t>sales_by_region.c.region</a:t>
+            </a:r>
+            <a:r>
+              <a:rPr lang="en-US" dirty="0">
+                <a:solidFill>
+                  <a:srgbClr val="000000"/>
+                </a:solidFill>
+                <a:latin typeface="Menlo" panose="020B0609030804020204" pitchFamily="49" charset="0"/>
+              </a:rPr>
+              <a:t> == </a:t>
+            </a:r>
+            <a:r>
+              <a:rPr lang="en-US" dirty="0" err="1">
+                <a:solidFill>
+                  <a:srgbClr val="000000"/>
+                </a:solidFill>
+                <a:latin typeface="Menlo" panose="020B0609030804020204" pitchFamily="49" charset="0"/>
+              </a:rPr>
+              <a:t>sales_by_store.c.region</a:t>
+            </a:r>
+            <a:r>
+              <a:rPr lang="en-US" dirty="0">
+                <a:solidFill>
+                  <a:srgbClr val="000000"/>
+                </a:solidFill>
+                <a:latin typeface="Menlo" panose="020B0609030804020204" pitchFamily="49" charset="0"/>
+              </a:rPr>
+              <a:t>)</a:t>
+            </a:r>
+          </a:p>
+          <a:p>
+            <a:pPr marL="0" indent="0">
+              <a:buNone/>
+            </a:pPr>
+            <a:r>
+              <a:rPr lang="en-US" dirty="0">
+                <a:solidFill>
+                  <a:srgbClr val="000000"/>
+                </a:solidFill>
+                <a:latin typeface="Menlo" panose="020B0609030804020204" pitchFamily="49" charset="0"/>
+              </a:rPr>
+              <a:t>    .</a:t>
+            </a:r>
+            <a:r>
+              <a:rPr lang="en-US" dirty="0" err="1">
+                <a:solidFill>
+                  <a:srgbClr val="000000"/>
+                </a:solidFill>
+                <a:latin typeface="Menlo" panose="020B0609030804020204" pitchFamily="49" charset="0"/>
+              </a:rPr>
+              <a:t>order_by</a:t>
+            </a:r>
+            <a:r>
+              <a:rPr lang="en-US" dirty="0">
+                <a:solidFill>
+                  <a:srgbClr val="000000"/>
+                </a:solidFill>
+                <a:latin typeface="Menlo" panose="020B0609030804020204" pitchFamily="49" charset="0"/>
+              </a:rPr>
+              <a:t>(</a:t>
+            </a:r>
+          </a:p>
+          <a:p>
+            <a:pPr marL="0" indent="0">
+              <a:buNone/>
+            </a:pPr>
+            <a:r>
+              <a:rPr lang="en-US" dirty="0">
+                <a:solidFill>
+                  <a:srgbClr val="000000"/>
+                </a:solidFill>
+                <a:latin typeface="Menlo" panose="020B0609030804020204" pitchFamily="49" charset="0"/>
+              </a:rPr>
+              <a:t>        </a:t>
+            </a:r>
+            <a:r>
+              <a:rPr lang="en-US" dirty="0" err="1">
+                <a:solidFill>
+                  <a:srgbClr val="000000"/>
+                </a:solidFill>
+                <a:latin typeface="Menlo" panose="020B0609030804020204" pitchFamily="49" charset="0"/>
+              </a:rPr>
+              <a:t>sales_by_region.c.amount.desc</a:t>
+            </a:r>
+            <a:r>
+              <a:rPr lang="en-US" dirty="0">
+                <a:solidFill>
+                  <a:srgbClr val="000000"/>
+                </a:solidFill>
+                <a:latin typeface="Menlo" panose="020B0609030804020204" pitchFamily="49" charset="0"/>
+              </a:rPr>
+              <a:t>(),</a:t>
+            </a:r>
+          </a:p>
+          <a:p>
+            <a:pPr marL="0" indent="0">
+              <a:buNone/>
+            </a:pPr>
+            <a:r>
+              <a:rPr lang="en-US" dirty="0">
+                <a:solidFill>
+                  <a:srgbClr val="000000"/>
+                </a:solidFill>
+                <a:latin typeface="Menlo" panose="020B0609030804020204" pitchFamily="49" charset="0"/>
+              </a:rPr>
+              <a:t>        </a:t>
+            </a:r>
+            <a:r>
+              <a:rPr lang="en-US" dirty="0" err="1">
+                <a:solidFill>
+                  <a:srgbClr val="000000"/>
+                </a:solidFill>
+                <a:latin typeface="Menlo" panose="020B0609030804020204" pitchFamily="49" charset="0"/>
+              </a:rPr>
+              <a:t>sales_by_state.c.amount.desc</a:t>
+            </a:r>
+            <a:r>
+              <a:rPr lang="en-US" dirty="0">
+                <a:solidFill>
+                  <a:srgbClr val="000000"/>
+                </a:solidFill>
+                <a:latin typeface="Menlo" panose="020B0609030804020204" pitchFamily="49" charset="0"/>
+              </a:rPr>
+              <a:t>(),</a:t>
+            </a:r>
+          </a:p>
+          <a:p>
+            <a:pPr marL="0" indent="0">
+              <a:buNone/>
+            </a:pPr>
+            <a:r>
+              <a:rPr lang="en-US" dirty="0">
+                <a:solidFill>
+                  <a:srgbClr val="000000"/>
+                </a:solidFill>
+                <a:latin typeface="Menlo" panose="020B0609030804020204" pitchFamily="49" charset="0"/>
+              </a:rPr>
+              <a:t>        </a:t>
+            </a:r>
+            <a:r>
+              <a:rPr lang="en-US" dirty="0" err="1">
+                <a:solidFill>
+                  <a:srgbClr val="000000"/>
+                </a:solidFill>
+                <a:latin typeface="Menlo" panose="020B0609030804020204" pitchFamily="49" charset="0"/>
+              </a:rPr>
+              <a:t>sales_by_store.c.amount.desc</a:t>
+            </a:r>
+            <a:r>
+              <a:rPr lang="en-US" dirty="0">
+                <a:solidFill>
+                  <a:srgbClr val="000000"/>
+                </a:solidFill>
+                <a:latin typeface="Menlo" panose="020B0609030804020204" pitchFamily="49" charset="0"/>
+              </a:rPr>
+              <a:t>(),</a:t>
+            </a:r>
+          </a:p>
+          <a:p>
+            <a:pPr marL="0" indent="0">
+              <a:buNone/>
+            </a:pPr>
+            <a:r>
+              <a:rPr lang="en-US" dirty="0">
+                <a:solidFill>
+                  <a:srgbClr val="000000"/>
+                </a:solidFill>
+                <a:latin typeface="Menlo" panose="020B0609030804020204" pitchFamily="49" charset="0"/>
+              </a:rPr>
+              <a:t>    )</a:t>
+            </a:r>
+          </a:p>
+          <a:p>
+            <a:pPr marL="0" indent="0">
+              <a:buNone/>
+            </a:pPr>
+            <a:r>
+              <a:rPr lang="en-US" dirty="0">
+                <a:solidFill>
+                  <a:srgbClr val="000000"/>
+                </a:solidFill>
+                <a:latin typeface="Menlo" panose="020B0609030804020204" pitchFamily="49" charset="0"/>
+              </a:rPr>
+              <a:t>)</a:t>
+            </a:r>
+          </a:p>
+          <a:p>
+            <a:pPr marL="0" indent="0">
+              <a:buNone/>
+            </a:pPr>
+            <a:endParaRPr lang="en-US" dirty="0"/>
+          </a:p>
+        </p:txBody>
+      </p:sp>
+    </p:spTree>
+    <p:extLst>
+      <p:ext uri="{BB962C8B-B14F-4D97-AF65-F5344CB8AC3E}">
+        <p14:creationId xmlns:p14="http://schemas.microsoft.com/office/powerpoint/2010/main" val="3495025481"/>
+      </p:ext>
+    </p:extLst>
+  </p:cSld>
+  <p:clrMapOvr>
+    <a:masterClrMapping/>
+  </p:clrMapOvr>
+</p:sld>
+</file>
+
+<file path=ppt/slides/slide18.xml><?xml version="1.0" encoding="utf-8"?>
+<p:sld xmlns:a="http://schemas.openxmlformats.org/drawingml/2006/main" xmlns:r="http://schemas.openxmlformats.org/officeDocument/2006/relationships" xmlns:p="http://schemas.openxmlformats.org/presentationml/2006/main">
+  <p:cSld>
+    <p:spTree>
+      <p:nvGrpSpPr>
+        <p:cNvPr id="1" name=""/>
+        <p:cNvGrpSpPr/>
+        <p:nvPr/>
+      </p:nvGrpSpPr>
+      <p:grpSpPr>
+        <a:xfrm>
+          <a:off x="0" y="0"/>
+          <a:ext cx="0" cy="0"/>
+          <a:chOff x="0" y="0"/>
+          <a:chExt cx="0" cy="0"/>
+        </a:xfrm>
+      </p:grpSpPr>
+      <p:sp>
+        <p:nvSpPr>
+          <p:cNvPr id="2" name="Title 1">
+            <a:extLst>
+              <a:ext uri="{FF2B5EF4-FFF2-40B4-BE49-F238E27FC236}">
+                <a16:creationId xmlns:a16="http://schemas.microsoft.com/office/drawing/2014/main" id="{075B2D6A-5746-964E-841E-D34AFA2751F0}"/>
+              </a:ext>
+            </a:extLst>
+          </p:cNvPr>
+          <p:cNvSpPr>
+            <a:spLocks noGrp="1"/>
+          </p:cNvSpPr>
+          <p:nvPr>
+            <p:ph type="title"/>
+          </p:nvPr>
+        </p:nvSpPr>
+        <p:spPr/>
+        <p:txBody>
+          <a:bodyPr/>
+          <a:lstStyle/>
+          <a:p>
+            <a:r>
+              <a:rPr lang="en-US" dirty="0"/>
+              <a:t>Common Table Expressions (Example 03)</a:t>
+            </a:r>
+          </a:p>
+        </p:txBody>
+      </p:sp>
+      <p:sp>
+        <p:nvSpPr>
+          <p:cNvPr id="3" name="Content Placeholder 2">
+            <a:extLst>
+              <a:ext uri="{FF2B5EF4-FFF2-40B4-BE49-F238E27FC236}">
+                <a16:creationId xmlns:a16="http://schemas.microsoft.com/office/drawing/2014/main" id="{91FD141B-32D8-7F41-9E60-DE1BE25A4F9C}"/>
+              </a:ext>
+            </a:extLst>
+          </p:cNvPr>
+          <p:cNvSpPr>
+            <a:spLocks noGrp="1"/>
+          </p:cNvSpPr>
+          <p:nvPr>
+            <p:ph idx="1"/>
+          </p:nvPr>
+        </p:nvSpPr>
+        <p:spPr/>
+        <p:txBody>
+          <a:bodyPr>
+            <a:normAutofit fontScale="47500" lnSpcReduction="20000"/>
+          </a:bodyPr>
+          <a:lstStyle/>
+          <a:p>
+            <a:pPr marL="0" indent="0">
+              <a:buNone/>
+            </a:pPr>
+            <a:r>
+              <a:rPr lang="en-US" dirty="0">
+                <a:solidFill>
+                  <a:srgbClr val="000000"/>
+                </a:solidFill>
+                <a:latin typeface="Menlo" panose="020B0609030804020204" pitchFamily="49" charset="0"/>
+              </a:rPr>
+              <a:t>common table expressions to compute aggregates at multiple levels</a:t>
+            </a:r>
+          </a:p>
+          <a:p>
+            <a:pPr marL="0" indent="0">
+              <a:buNone/>
+            </a:pPr>
+            <a:r>
+              <a:rPr lang="en-US" dirty="0">
+                <a:solidFill>
+                  <a:srgbClr val="000000"/>
+                </a:solidFill>
+                <a:latin typeface="Menlo" panose="020B0609030804020204" pitchFamily="49" charset="0"/>
+              </a:rPr>
+              <a:t>+----------+--------------------+---------+-------------------+---------------+-------------------+</a:t>
+            </a:r>
+          </a:p>
+          <a:p>
+            <a:pPr marL="0" indent="0">
+              <a:buNone/>
+            </a:pPr>
+            <a:r>
+              <a:rPr lang="en-US" dirty="0">
+                <a:solidFill>
+                  <a:srgbClr val="000000"/>
+                </a:solidFill>
+                <a:latin typeface="Menlo" panose="020B0609030804020204" pitchFamily="49" charset="0"/>
+              </a:rPr>
+              <a:t>| region   |   </a:t>
+            </a:r>
+            <a:r>
+              <a:rPr lang="en-US" dirty="0" err="1">
+                <a:solidFill>
+                  <a:srgbClr val="000000"/>
+                </a:solidFill>
+                <a:latin typeface="Menlo" panose="020B0609030804020204" pitchFamily="49" charset="0"/>
+              </a:rPr>
+              <a:t>sales_for_region</a:t>
+            </a:r>
+            <a:r>
+              <a:rPr lang="en-US" dirty="0">
+                <a:solidFill>
+                  <a:srgbClr val="000000"/>
+                </a:solidFill>
+                <a:latin typeface="Menlo" panose="020B0609030804020204" pitchFamily="49" charset="0"/>
+              </a:rPr>
+              <a:t> | state   |   </a:t>
+            </a:r>
+            <a:r>
+              <a:rPr lang="en-US" dirty="0" err="1">
+                <a:solidFill>
+                  <a:srgbClr val="000000"/>
+                </a:solidFill>
+                <a:latin typeface="Menlo" panose="020B0609030804020204" pitchFamily="49" charset="0"/>
+              </a:rPr>
+              <a:t>sales_for_state</a:t>
+            </a:r>
+            <a:r>
+              <a:rPr lang="en-US" dirty="0">
+                <a:solidFill>
+                  <a:srgbClr val="000000"/>
+                </a:solidFill>
+                <a:latin typeface="Menlo" panose="020B0609030804020204" pitchFamily="49" charset="0"/>
+              </a:rPr>
+              <a:t> | store         |   </a:t>
+            </a:r>
+            <a:r>
+              <a:rPr lang="en-US" dirty="0" err="1">
+                <a:solidFill>
+                  <a:srgbClr val="000000"/>
+                </a:solidFill>
+                <a:latin typeface="Menlo" panose="020B0609030804020204" pitchFamily="49" charset="0"/>
+              </a:rPr>
+              <a:t>sales_for_store</a:t>
+            </a:r>
+            <a:r>
+              <a:rPr lang="en-US" dirty="0">
+                <a:solidFill>
+                  <a:srgbClr val="000000"/>
+                </a:solidFill>
+                <a:latin typeface="Menlo" panose="020B0609030804020204" pitchFamily="49" charset="0"/>
+              </a:rPr>
+              <a:t> |</a:t>
+            </a:r>
+          </a:p>
+          <a:p>
+            <a:pPr marL="0" indent="0">
+              <a:buNone/>
+            </a:pPr>
+            <a:r>
+              <a:rPr lang="en-US" dirty="0">
+                <a:solidFill>
+                  <a:srgbClr val="000000"/>
+                </a:solidFill>
+                <a:latin typeface="Menlo" panose="020B0609030804020204" pitchFamily="49" charset="0"/>
+              </a:rPr>
+              <a:t>|----------+--------------------+---------+-------------------+---------------+-------------------|</a:t>
+            </a:r>
+          </a:p>
+          <a:p>
+            <a:pPr marL="0" indent="0">
+              <a:buNone/>
+            </a:pPr>
+            <a:r>
+              <a:rPr lang="en-US" dirty="0">
+                <a:solidFill>
+                  <a:srgbClr val="000000"/>
+                </a:solidFill>
+                <a:latin typeface="Menlo" panose="020B0609030804020204" pitchFamily="49" charset="0"/>
+              </a:rPr>
+              <a:t>| EAST     |           19482.5  | EAST-NY |          19482.5  | EAST-NY-55555 |           7403.61 |</a:t>
+            </a:r>
+          </a:p>
+          <a:p>
+            <a:pPr marL="0" indent="0">
+              <a:buNone/>
+            </a:pPr>
+            <a:r>
+              <a:rPr lang="en-US" dirty="0">
+                <a:solidFill>
+                  <a:srgbClr val="000000"/>
+                </a:solidFill>
+                <a:latin typeface="Menlo" panose="020B0609030804020204" pitchFamily="49" charset="0"/>
+              </a:rPr>
+              <a:t>| EAST     |           19482.5  | EAST-NY |          19482.5  | EAST-NY-22222 |           6193.54 |</a:t>
+            </a:r>
+          </a:p>
+          <a:p>
+            <a:pPr marL="0" indent="0">
+              <a:buNone/>
+            </a:pPr>
+            <a:r>
+              <a:rPr lang="en-US" dirty="0">
+                <a:solidFill>
+                  <a:srgbClr val="000000"/>
+                </a:solidFill>
+                <a:latin typeface="Menlo" panose="020B0609030804020204" pitchFamily="49" charset="0"/>
+              </a:rPr>
+              <a:t>| EAST     |           19482.5  | EAST-NY |          19482.5  | EAST-NY-12345 |           5885.36 |</a:t>
+            </a:r>
+          </a:p>
+          <a:p>
+            <a:pPr marL="0" indent="0">
+              <a:buNone/>
+            </a:pPr>
+            <a:r>
+              <a:rPr lang="en-US" dirty="0">
+                <a:solidFill>
+                  <a:srgbClr val="000000"/>
+                </a:solidFill>
+                <a:latin typeface="Menlo" panose="020B0609030804020204" pitchFamily="49" charset="0"/>
+              </a:rPr>
+              <a:t>| SOUT     |           13459.1  | SOUT-AL |           7653.39 | SOUT-AL-54321 |           7653.39 |</a:t>
+            </a:r>
+          </a:p>
+          <a:p>
+            <a:pPr marL="0" indent="0">
+              <a:buNone/>
+            </a:pPr>
+            <a:r>
+              <a:rPr lang="en-US" dirty="0">
+                <a:solidFill>
+                  <a:srgbClr val="000000"/>
+                </a:solidFill>
+                <a:latin typeface="Menlo" panose="020B0609030804020204" pitchFamily="49" charset="0"/>
+              </a:rPr>
+              <a:t>| SOUT     |           13459.1  | SOUT-GA |           5805.7  | SOUT-GA-11111 |           5805.7  |</a:t>
+            </a:r>
+          </a:p>
+          <a:p>
+            <a:pPr marL="0" indent="0">
+              <a:buNone/>
+            </a:pPr>
+            <a:r>
+              <a:rPr lang="en-US" dirty="0">
+                <a:solidFill>
+                  <a:srgbClr val="000000"/>
+                </a:solidFill>
+                <a:latin typeface="Menlo" panose="020B0609030804020204" pitchFamily="49" charset="0"/>
+              </a:rPr>
+              <a:t>| WEST     |           11365    | WEST-AZ |           6117.09 | WEST-AZ-55555 |           6117.09 |</a:t>
+            </a:r>
+          </a:p>
+          <a:p>
+            <a:pPr marL="0" indent="0">
+              <a:buNone/>
+            </a:pPr>
+            <a:r>
+              <a:rPr lang="en-US" dirty="0">
+                <a:solidFill>
+                  <a:srgbClr val="000000"/>
+                </a:solidFill>
+                <a:latin typeface="Menlo" panose="020B0609030804020204" pitchFamily="49" charset="0"/>
+              </a:rPr>
+              <a:t>| WEST     |           11365    | WEST-CA |           5247.91 | WEST-CA-55555 |           5247.91 |</a:t>
+            </a:r>
+          </a:p>
+          <a:p>
+            <a:pPr marL="0" indent="0">
+              <a:buNone/>
+            </a:pPr>
+            <a:r>
+              <a:rPr lang="en-US" dirty="0">
+                <a:solidFill>
+                  <a:srgbClr val="000000"/>
+                </a:solidFill>
+                <a:latin typeface="Menlo" panose="020B0609030804020204" pitchFamily="49" charset="0"/>
+              </a:rPr>
+              <a:t>| NORT     |            5290.89 | NORT-MN |           5290.89 | NORT-MN-44444 |           5290.89 |</a:t>
+            </a:r>
+          </a:p>
+          <a:p>
+            <a:pPr marL="0" indent="0">
+              <a:buNone/>
+            </a:pPr>
+            <a:r>
+              <a:rPr lang="en-US" dirty="0">
+                <a:solidFill>
+                  <a:srgbClr val="000000"/>
+                </a:solidFill>
+                <a:latin typeface="Menlo" panose="020B0609030804020204" pitchFamily="49" charset="0"/>
+              </a:rPr>
+              <a:t>+----------+--------------------+---------+-------------------+---------------+-------------------+</a:t>
+            </a:r>
+          </a:p>
+          <a:p>
+            <a:pPr marL="0" indent="0">
+              <a:buNone/>
+            </a:pPr>
+            <a:endParaRPr lang="en-US" dirty="0"/>
+          </a:p>
+        </p:txBody>
+      </p:sp>
+    </p:spTree>
+    <p:extLst>
+      <p:ext uri="{BB962C8B-B14F-4D97-AF65-F5344CB8AC3E}">
+        <p14:creationId xmlns:p14="http://schemas.microsoft.com/office/powerpoint/2010/main" val="406200642"/>
+      </p:ext>
+    </p:extLst>
+  </p:cSld>
+  <p:clrMapOvr>
+    <a:masterClrMapping/>
+  </p:clrMapOvr>
+</p:sld>
+</file>
+
+<file path=ppt/slides/slide19.xml><?xml version="1.0" encoding="utf-8"?>
+<p:sld xmlns:a="http://schemas.openxmlformats.org/drawingml/2006/main" xmlns:r="http://schemas.openxmlformats.org/officeDocument/2006/relationships" xmlns:p="http://schemas.openxmlformats.org/presentationml/2006/main">
+  <p:cSld>
+    <p:spTree>
+      <p:nvGrpSpPr>
+        <p:cNvPr id="1" name=""/>
+        <p:cNvGrpSpPr/>
+        <p:nvPr/>
+      </p:nvGrpSpPr>
+      <p:grpSpPr>
+        <a:xfrm>
+          <a:off x="0" y="0"/>
+          <a:ext cx="0" cy="0"/>
+          <a:chOff x="0" y="0"/>
+          <a:chExt cx="0" cy="0"/>
+        </a:xfrm>
+      </p:grpSpPr>
+      <p:sp>
+        <p:nvSpPr>
+          <p:cNvPr id="2" name="Title 1">
+            <a:extLst>
+              <a:ext uri="{FF2B5EF4-FFF2-40B4-BE49-F238E27FC236}">
+                <a16:creationId xmlns:a16="http://schemas.microsoft.com/office/drawing/2014/main" id="{DDDB88B1-D208-EA41-9854-6334AD5BB2AF}"/>
+              </a:ext>
+            </a:extLst>
+          </p:cNvPr>
+          <p:cNvSpPr>
+            <a:spLocks noGrp="1"/>
+          </p:cNvSpPr>
+          <p:nvPr>
+            <p:ph type="title"/>
+          </p:nvPr>
+        </p:nvSpPr>
+        <p:spPr/>
+        <p:txBody>
+          <a:bodyPr/>
+          <a:lstStyle/>
+          <a:p>
+            <a:r>
+              <a:rPr lang="en-US" dirty="0"/>
+              <a:t>Window Functions</a:t>
+            </a:r>
+          </a:p>
+        </p:txBody>
+      </p:sp>
+      <p:sp>
+        <p:nvSpPr>
+          <p:cNvPr id="3" name="Content Placeholder 2">
+            <a:extLst>
+              <a:ext uri="{FF2B5EF4-FFF2-40B4-BE49-F238E27FC236}">
+                <a16:creationId xmlns:a16="http://schemas.microsoft.com/office/drawing/2014/main" id="{8974BF44-A5CC-804C-863F-B21DBFEB8F39}"/>
               </a:ext>
             </a:extLst>
           </p:cNvPr>
@@ -4756,14 +7921,57 @@
           <a:bodyPr/>
           <a:lstStyle/>
           <a:p>
-            <a:endParaRPr lang="en-US"/>
+            <a:r>
+              <a:rPr lang="en-US" dirty="0"/>
+              <a:t>Allow you to look at rows in front of, behind, around, and everywhere</a:t>
+            </a:r>
+          </a:p>
+          <a:p>
+            <a:r>
+              <a:rPr lang="en-US" dirty="0"/>
+              <a:t>Major departure from most row-based query thinking</a:t>
+            </a:r>
+          </a:p>
+          <a:p>
+            <a:r>
+              <a:rPr lang="en-US" dirty="0"/>
+              <a:t>Favorite uses:</a:t>
+            </a:r>
+          </a:p>
+          <a:p>
+            <a:pPr lvl="1"/>
+            <a:r>
+              <a:rPr lang="en-US" dirty="0"/>
+              <a:t>Running totals</a:t>
+            </a:r>
+          </a:p>
+          <a:p>
+            <a:pPr lvl="1"/>
+            <a:r>
+              <a:rPr lang="en-US" dirty="0"/>
+              <a:t>Adding aggregates to each row</a:t>
+            </a:r>
+          </a:p>
+          <a:p>
+            <a:pPr lvl="1"/>
+            <a:r>
+              <a:rPr lang="en-US" dirty="0"/>
+              <a:t>Peeking at the next/previous row</a:t>
+            </a:r>
+          </a:p>
+          <a:p>
+            <a:pPr lvl="1"/>
+            <a:r>
+              <a:rPr lang="en-US" dirty="0"/>
+              <a:t>Finding the latest record</a:t>
+            </a:r>
           </a:p>
         </p:txBody>
       </p:sp>
     </p:spTree>
     <p:extLst>
       <p:ext uri="{BB962C8B-B14F-4D97-AF65-F5344CB8AC3E}">
-        <p14:creationId xmlns:p14="http://schemas.microsoft.com/office/powerpoint/2010/main" val="60695549"/>
+        <p14:creationId xmlns:p14="http://schemas.microsoft.com/office/powerpoint/2010/main" val="3315609856"/>
       </p:ext>
     </p:extLst>
   </p:cSld>
@@ -4946,6 +8154,4695 @@
 </p:sld>
 </file>
 
+<file path=ppt/slides/slide20.xml><?xml version="1.0" encoding="utf-8"?>
+<p:sld xmlns:a="http://schemas.openxmlformats.org/drawingml/2006/main" xmlns:r="http://schemas.openxmlformats.org/officeDocument/2006/relationships" xmlns:p="http://schemas.openxmlformats.org/presentationml/2006/main">
+  <p:cSld>
+    <p:spTree>
+      <p:nvGrpSpPr>
+        <p:cNvPr id="1" name=""/>
+        <p:cNvGrpSpPr/>
+        <p:nvPr/>
+      </p:nvGrpSpPr>
+      <p:grpSpPr>
+        <a:xfrm>
+          <a:off x="0" y="0"/>
+          <a:ext cx="0" cy="0"/>
+          <a:chOff x="0" y="0"/>
+          <a:chExt cx="0" cy="0"/>
+        </a:xfrm>
+      </p:grpSpPr>
+      <p:sp>
+        <p:nvSpPr>
+          <p:cNvPr id="2" name="Title 1">
+            <a:extLst>
+              <a:ext uri="{FF2B5EF4-FFF2-40B4-BE49-F238E27FC236}">
+                <a16:creationId xmlns:a16="http://schemas.microsoft.com/office/drawing/2014/main" id="{67F1CEA4-F0C3-AE44-9DA5-C8A576BBC1CA}"/>
+              </a:ext>
+            </a:extLst>
+          </p:cNvPr>
+          <p:cNvSpPr>
+            <a:spLocks noGrp="1"/>
+          </p:cNvSpPr>
+          <p:nvPr>
+            <p:ph type="title"/>
+          </p:nvPr>
+        </p:nvSpPr>
+        <p:spPr/>
+        <p:txBody>
+          <a:bodyPr/>
+          <a:lstStyle/>
+          <a:p>
+            <a:r>
+              <a:rPr lang="en-US" dirty="0"/>
+              <a:t>Window Functions (Example 04)</a:t>
+            </a:r>
+          </a:p>
+        </p:txBody>
+      </p:sp>
+      <p:sp>
+        <p:nvSpPr>
+          <p:cNvPr id="3" name="Content Placeholder 2">
+            <a:extLst>
+              <a:ext uri="{FF2B5EF4-FFF2-40B4-BE49-F238E27FC236}">
+                <a16:creationId xmlns:a16="http://schemas.microsoft.com/office/drawing/2014/main" id="{71F20B6B-5C17-CB4E-9172-17582E46FEFD}"/>
+              </a:ext>
+            </a:extLst>
+          </p:cNvPr>
+          <p:cNvSpPr>
+            <a:spLocks noGrp="1"/>
+          </p:cNvSpPr>
+          <p:nvPr>
+            <p:ph idx="1"/>
+          </p:nvPr>
+        </p:nvSpPr>
+        <p:spPr/>
+        <p:txBody>
+          <a:bodyPr>
+            <a:normAutofit/>
+          </a:bodyPr>
+          <a:lstStyle/>
+          <a:p>
+            <a:pPr marL="0" indent="0">
+              <a:buNone/>
+            </a:pPr>
+            <a:r>
+              <a:rPr lang="en-US" sz="2000" dirty="0" err="1">
+                <a:solidFill>
+                  <a:srgbClr val="000000"/>
+                </a:solidFill>
+                <a:latin typeface="Menlo" panose="020B0609030804020204" pitchFamily="49" charset="0"/>
+              </a:rPr>
+              <a:t>latest_sales_sq</a:t>
+            </a:r>
+            <a:r>
+              <a:rPr lang="en-US" sz="2000" dirty="0">
+                <a:solidFill>
+                  <a:srgbClr val="000000"/>
+                </a:solidFill>
+                <a:latin typeface="Menlo" panose="020B0609030804020204" pitchFamily="49" charset="0"/>
+              </a:rPr>
+              <a:t> = (</a:t>
+            </a:r>
+          </a:p>
+          <a:p>
+            <a:pPr marL="0" indent="0">
+              <a:buNone/>
+            </a:pPr>
+            <a:r>
+              <a:rPr lang="en-US" sz="2000" dirty="0">
+                <a:solidFill>
+                  <a:srgbClr val="000000"/>
+                </a:solidFill>
+                <a:latin typeface="Menlo" panose="020B0609030804020204" pitchFamily="49" charset="0"/>
+              </a:rPr>
+              <a:t>    </a:t>
+            </a:r>
+            <a:r>
+              <a:rPr lang="en-US" sz="2000" dirty="0" err="1">
+                <a:solidFill>
+                  <a:srgbClr val="000000"/>
+                </a:solidFill>
+                <a:latin typeface="Menlo" panose="020B0609030804020204" pitchFamily="49" charset="0"/>
+              </a:rPr>
+              <a:t>meta.session.query</a:t>
+            </a:r>
+            <a:r>
+              <a:rPr lang="en-US" sz="2000" dirty="0">
+                <a:solidFill>
+                  <a:srgbClr val="000000"/>
+                </a:solidFill>
+                <a:latin typeface="Menlo" panose="020B0609030804020204" pitchFamily="49" charset="0"/>
+              </a:rPr>
+              <a:t>(</a:t>
+            </a:r>
+          </a:p>
+          <a:p>
+            <a:pPr marL="0" indent="0">
+              <a:buNone/>
+            </a:pPr>
+            <a:r>
+              <a:rPr lang="en-US" sz="2000" dirty="0">
+                <a:solidFill>
+                  <a:srgbClr val="000000"/>
+                </a:solidFill>
+                <a:latin typeface="Menlo" panose="020B0609030804020204" pitchFamily="49" charset="0"/>
+              </a:rPr>
+              <a:t>        </a:t>
+            </a:r>
+            <a:r>
+              <a:rPr lang="en-US" sz="2000" dirty="0" err="1">
+                <a:solidFill>
+                  <a:srgbClr val="000000"/>
+                </a:solidFill>
+                <a:latin typeface="Menlo" panose="020B0609030804020204" pitchFamily="49" charset="0"/>
+              </a:rPr>
+              <a:t>model.Sale.id</a:t>
+            </a:r>
+            <a:r>
+              <a:rPr lang="en-US" sz="2000" dirty="0">
+                <a:solidFill>
+                  <a:srgbClr val="000000"/>
+                </a:solidFill>
+                <a:latin typeface="Menlo" panose="020B0609030804020204" pitchFamily="49" charset="0"/>
+              </a:rPr>
+              <a:t>,</a:t>
+            </a:r>
+          </a:p>
+          <a:p>
+            <a:pPr marL="0" indent="0">
+              <a:buNone/>
+            </a:pPr>
+            <a:r>
+              <a:rPr lang="en-US" sz="2000" dirty="0">
+                <a:solidFill>
+                  <a:srgbClr val="000000"/>
+                </a:solidFill>
+                <a:latin typeface="Menlo" panose="020B0609030804020204" pitchFamily="49" charset="0"/>
+              </a:rPr>
+              <a:t>        </a:t>
+            </a:r>
+            <a:r>
+              <a:rPr lang="en-US" sz="2000" dirty="0" err="1">
+                <a:solidFill>
+                  <a:srgbClr val="000000"/>
+                </a:solidFill>
+                <a:latin typeface="Menlo" panose="020B0609030804020204" pitchFamily="49" charset="0"/>
+              </a:rPr>
+              <a:t>func.row_number</a:t>
+            </a:r>
+            <a:r>
+              <a:rPr lang="en-US" sz="2000" dirty="0">
+                <a:solidFill>
+                  <a:srgbClr val="000000"/>
+                </a:solidFill>
+                <a:latin typeface="Menlo" panose="020B0609030804020204" pitchFamily="49" charset="0"/>
+              </a:rPr>
+              <a:t>().over(</a:t>
+            </a:r>
+          </a:p>
+          <a:p>
+            <a:pPr marL="0" indent="0">
+              <a:buNone/>
+            </a:pPr>
+            <a:r>
+              <a:rPr lang="en-US" sz="2000" dirty="0">
+                <a:solidFill>
+                  <a:srgbClr val="000000"/>
+                </a:solidFill>
+                <a:latin typeface="Menlo" panose="020B0609030804020204" pitchFamily="49" charset="0"/>
+              </a:rPr>
+              <a:t>            </a:t>
+            </a:r>
+            <a:r>
+              <a:rPr lang="en-US" sz="2000" dirty="0" err="1">
+                <a:solidFill>
+                  <a:srgbClr val="000000"/>
+                </a:solidFill>
+                <a:latin typeface="Menlo" panose="020B0609030804020204" pitchFamily="49" charset="0"/>
+              </a:rPr>
+              <a:t>partition_by</a:t>
+            </a:r>
+            <a:r>
+              <a:rPr lang="en-US" sz="2000" dirty="0">
+                <a:solidFill>
+                  <a:srgbClr val="000000"/>
+                </a:solidFill>
+                <a:latin typeface="Menlo" panose="020B0609030804020204" pitchFamily="49" charset="0"/>
+              </a:rPr>
+              <a:t>=</a:t>
+            </a:r>
+            <a:r>
+              <a:rPr lang="en-US" sz="2000" dirty="0" err="1">
+                <a:solidFill>
+                  <a:srgbClr val="000000"/>
+                </a:solidFill>
+                <a:latin typeface="Menlo" panose="020B0609030804020204" pitchFamily="49" charset="0"/>
+              </a:rPr>
+              <a:t>model.Sale.store_id</a:t>
+            </a:r>
+            <a:r>
+              <a:rPr lang="en-US" sz="2000" dirty="0">
+                <a:solidFill>
+                  <a:srgbClr val="000000"/>
+                </a:solidFill>
+                <a:latin typeface="Menlo" panose="020B0609030804020204" pitchFamily="49" charset="0"/>
+              </a:rPr>
+              <a:t>,</a:t>
+            </a:r>
+          </a:p>
+          <a:p>
+            <a:pPr marL="0" indent="0">
+              <a:buNone/>
+            </a:pPr>
+            <a:r>
+              <a:rPr lang="en-US" sz="2000" dirty="0">
+                <a:solidFill>
+                  <a:srgbClr val="000000"/>
+                </a:solidFill>
+                <a:latin typeface="Menlo" panose="020B0609030804020204" pitchFamily="49" charset="0"/>
+              </a:rPr>
+              <a:t>            </a:t>
+            </a:r>
+            <a:r>
+              <a:rPr lang="en-US" sz="2000" dirty="0" err="1">
+                <a:solidFill>
+                  <a:srgbClr val="000000"/>
+                </a:solidFill>
+                <a:latin typeface="Menlo" panose="020B0609030804020204" pitchFamily="49" charset="0"/>
+              </a:rPr>
+              <a:t>order_by</a:t>
+            </a:r>
+            <a:r>
+              <a:rPr lang="en-US" sz="2000" dirty="0">
+                <a:solidFill>
+                  <a:srgbClr val="000000"/>
+                </a:solidFill>
+                <a:latin typeface="Menlo" panose="020B0609030804020204" pitchFamily="49" charset="0"/>
+              </a:rPr>
+              <a:t>=</a:t>
+            </a:r>
+            <a:r>
+              <a:rPr lang="en-US" sz="2000" dirty="0" err="1">
+                <a:solidFill>
+                  <a:srgbClr val="000000"/>
+                </a:solidFill>
+                <a:latin typeface="Menlo" panose="020B0609030804020204" pitchFamily="49" charset="0"/>
+              </a:rPr>
+              <a:t>model.Sale.date.desc</a:t>
+            </a:r>
+            <a:r>
+              <a:rPr lang="en-US" sz="2000" dirty="0">
+                <a:solidFill>
+                  <a:srgbClr val="000000"/>
+                </a:solidFill>
+                <a:latin typeface="Menlo" panose="020B0609030804020204" pitchFamily="49" charset="0"/>
+              </a:rPr>
+              <a:t>(),</a:t>
+            </a:r>
+          </a:p>
+          <a:p>
+            <a:pPr marL="0" indent="0">
+              <a:buNone/>
+            </a:pPr>
+            <a:r>
+              <a:rPr lang="en-US" sz="2000" dirty="0">
+                <a:solidFill>
+                  <a:srgbClr val="000000"/>
+                </a:solidFill>
+                <a:latin typeface="Menlo" panose="020B0609030804020204" pitchFamily="49" charset="0"/>
+              </a:rPr>
+              <a:t>        ).label(</a:t>
+            </a:r>
+            <a:r>
+              <a:rPr lang="en-US" sz="2000" dirty="0">
+                <a:solidFill>
+                  <a:srgbClr val="9FA01C"/>
+                </a:solidFill>
+                <a:latin typeface="Menlo" panose="020B0609030804020204" pitchFamily="49" charset="0"/>
+              </a:rPr>
+              <a:t>"</a:t>
+            </a:r>
+            <a:r>
+              <a:rPr lang="en-US" sz="2000" dirty="0" err="1">
+                <a:solidFill>
+                  <a:srgbClr val="9FA01C"/>
+                </a:solidFill>
+                <a:latin typeface="Menlo" panose="020B0609030804020204" pitchFamily="49" charset="0"/>
+              </a:rPr>
+              <a:t>row_number</a:t>
+            </a:r>
+            <a:r>
+              <a:rPr lang="en-US" sz="2000" dirty="0">
+                <a:solidFill>
+                  <a:srgbClr val="9FA01C"/>
+                </a:solidFill>
+                <a:latin typeface="Menlo" panose="020B0609030804020204" pitchFamily="49" charset="0"/>
+              </a:rPr>
+              <a:t>"</a:t>
+            </a:r>
+            <a:r>
+              <a:rPr lang="en-US" sz="2000" dirty="0">
+                <a:solidFill>
+                  <a:srgbClr val="000000"/>
+                </a:solidFill>
+                <a:latin typeface="Menlo" panose="020B0609030804020204" pitchFamily="49" charset="0"/>
+              </a:rPr>
+              <a:t>),</a:t>
+            </a:r>
+          </a:p>
+          <a:p>
+            <a:pPr marL="0" indent="0">
+              <a:buNone/>
+            </a:pPr>
+            <a:r>
+              <a:rPr lang="en-US" sz="2000" dirty="0">
+                <a:solidFill>
+                  <a:srgbClr val="000000"/>
+                </a:solidFill>
+                <a:latin typeface="Menlo" panose="020B0609030804020204" pitchFamily="49" charset="0"/>
+              </a:rPr>
+              <a:t>    )</a:t>
+            </a:r>
+          </a:p>
+          <a:p>
+            <a:pPr marL="0" indent="0">
+              <a:buNone/>
+            </a:pPr>
+            <a:r>
+              <a:rPr lang="en-US" sz="2000" dirty="0">
+                <a:solidFill>
+                  <a:srgbClr val="000000"/>
+                </a:solidFill>
+                <a:latin typeface="Menlo" panose="020B0609030804020204" pitchFamily="49" charset="0"/>
+              </a:rPr>
+              <a:t>).subquery(</a:t>
+            </a:r>
+            <a:r>
+              <a:rPr lang="en-US" sz="2000" dirty="0">
+                <a:solidFill>
+                  <a:srgbClr val="9FA01C"/>
+                </a:solidFill>
+                <a:latin typeface="Menlo" panose="020B0609030804020204" pitchFamily="49" charset="0"/>
+              </a:rPr>
+              <a:t>"</a:t>
+            </a:r>
+            <a:r>
+              <a:rPr lang="en-US" sz="2000" dirty="0" err="1">
+                <a:solidFill>
+                  <a:srgbClr val="9FA01C"/>
+                </a:solidFill>
+                <a:latin typeface="Menlo" panose="020B0609030804020204" pitchFamily="49" charset="0"/>
+              </a:rPr>
+              <a:t>latest_sales</a:t>
+            </a:r>
+            <a:r>
+              <a:rPr lang="en-US" sz="2000" dirty="0">
+                <a:solidFill>
+                  <a:srgbClr val="9FA01C"/>
+                </a:solidFill>
+                <a:latin typeface="Menlo" panose="020B0609030804020204" pitchFamily="49" charset="0"/>
+              </a:rPr>
+              <a:t>"</a:t>
+            </a:r>
+            <a:r>
+              <a:rPr lang="en-US" sz="2000" dirty="0">
+                <a:solidFill>
+                  <a:srgbClr val="000000"/>
+                </a:solidFill>
+                <a:latin typeface="Menlo" panose="020B0609030804020204" pitchFamily="49" charset="0"/>
+              </a:rPr>
+              <a:t>)</a:t>
+            </a:r>
+            <a:endParaRPr lang="en-US" sz="2000" dirty="0">
+              <a:solidFill>
+                <a:srgbClr val="9FA01C"/>
+              </a:solidFill>
+              <a:latin typeface="Menlo" panose="020B0609030804020204" pitchFamily="49" charset="0"/>
+            </a:endParaRPr>
+          </a:p>
+        </p:txBody>
+      </p:sp>
+    </p:spTree>
+    <p:extLst>
+      <p:ext uri="{BB962C8B-B14F-4D97-AF65-F5344CB8AC3E}">
+        <p14:creationId xmlns:p14="http://schemas.microsoft.com/office/powerpoint/2010/main" val="671332185"/>
+      </p:ext>
+    </p:extLst>
+  </p:cSld>
+  <p:clrMapOvr>
+    <a:masterClrMapping/>
+  </p:clrMapOvr>
+</p:sld>
+</file>
+
+<file path=ppt/slides/slide21.xml><?xml version="1.0" encoding="utf-8"?>
+<p:sld xmlns:a="http://schemas.openxmlformats.org/drawingml/2006/main" xmlns:r="http://schemas.openxmlformats.org/officeDocument/2006/relationships" xmlns:p="http://schemas.openxmlformats.org/presentationml/2006/main">
+  <p:cSld>
+    <p:spTree>
+      <p:nvGrpSpPr>
+        <p:cNvPr id="1" name=""/>
+        <p:cNvGrpSpPr/>
+        <p:nvPr/>
+      </p:nvGrpSpPr>
+      <p:grpSpPr>
+        <a:xfrm>
+          <a:off x="0" y="0"/>
+          <a:ext cx="0" cy="0"/>
+          <a:chOff x="0" y="0"/>
+          <a:chExt cx="0" cy="0"/>
+        </a:xfrm>
+      </p:grpSpPr>
+      <p:sp>
+        <p:nvSpPr>
+          <p:cNvPr id="2" name="Title 1">
+            <a:extLst>
+              <a:ext uri="{FF2B5EF4-FFF2-40B4-BE49-F238E27FC236}">
+                <a16:creationId xmlns:a16="http://schemas.microsoft.com/office/drawing/2014/main" id="{23A252AD-18D7-F44D-B961-4341F02E89BC}"/>
+              </a:ext>
+            </a:extLst>
+          </p:cNvPr>
+          <p:cNvSpPr>
+            <a:spLocks noGrp="1"/>
+          </p:cNvSpPr>
+          <p:nvPr>
+            <p:ph type="title"/>
+          </p:nvPr>
+        </p:nvSpPr>
+        <p:spPr/>
+        <p:txBody>
+          <a:bodyPr/>
+          <a:lstStyle/>
+          <a:p>
+            <a:r>
+              <a:rPr lang="en-US" dirty="0"/>
+              <a:t>Window Functions (Example 04)</a:t>
+            </a:r>
+          </a:p>
+        </p:txBody>
+      </p:sp>
+      <p:sp>
+        <p:nvSpPr>
+          <p:cNvPr id="3" name="Content Placeholder 2">
+            <a:extLst>
+              <a:ext uri="{FF2B5EF4-FFF2-40B4-BE49-F238E27FC236}">
+                <a16:creationId xmlns:a16="http://schemas.microsoft.com/office/drawing/2014/main" id="{403FCE2E-0DA2-1B4B-8A32-784129C16A99}"/>
+              </a:ext>
+            </a:extLst>
+          </p:cNvPr>
+          <p:cNvSpPr>
+            <a:spLocks noGrp="1"/>
+          </p:cNvSpPr>
+          <p:nvPr>
+            <p:ph idx="1"/>
+          </p:nvPr>
+        </p:nvSpPr>
+        <p:spPr/>
+        <p:txBody>
+          <a:bodyPr>
+            <a:noAutofit/>
+          </a:bodyPr>
+          <a:lstStyle/>
+          <a:p>
+            <a:pPr marL="0" indent="0">
+              <a:buNone/>
+            </a:pPr>
+            <a:r>
+              <a:rPr lang="en-US" sz="2000" dirty="0" err="1">
+                <a:solidFill>
+                  <a:srgbClr val="000000"/>
+                </a:solidFill>
+                <a:latin typeface="Menlo" panose="020B0609030804020204" pitchFamily="49" charset="0"/>
+              </a:rPr>
+              <a:t>latest_sales</a:t>
+            </a:r>
+            <a:r>
+              <a:rPr lang="en-US" sz="2000" dirty="0">
+                <a:solidFill>
+                  <a:srgbClr val="000000"/>
+                </a:solidFill>
+                <a:latin typeface="Menlo" panose="020B0609030804020204" pitchFamily="49" charset="0"/>
+              </a:rPr>
+              <a:t> = (</a:t>
+            </a:r>
+          </a:p>
+          <a:p>
+            <a:pPr marL="0" indent="0">
+              <a:buNone/>
+            </a:pPr>
+            <a:r>
+              <a:rPr lang="en-US" sz="2000" dirty="0">
+                <a:solidFill>
+                  <a:srgbClr val="000000"/>
+                </a:solidFill>
+                <a:latin typeface="Menlo" panose="020B0609030804020204" pitchFamily="49" charset="0"/>
+              </a:rPr>
+              <a:t>    </a:t>
+            </a:r>
+            <a:r>
+              <a:rPr lang="en-US" sz="2000" dirty="0" err="1">
+                <a:solidFill>
+                  <a:srgbClr val="000000"/>
+                </a:solidFill>
+                <a:latin typeface="Menlo" panose="020B0609030804020204" pitchFamily="49" charset="0"/>
+              </a:rPr>
+              <a:t>meta.session.query</a:t>
+            </a:r>
+            <a:r>
+              <a:rPr lang="en-US" sz="2000" dirty="0">
+                <a:solidFill>
+                  <a:srgbClr val="000000"/>
+                </a:solidFill>
+                <a:latin typeface="Menlo" panose="020B0609030804020204" pitchFamily="49" charset="0"/>
+              </a:rPr>
+              <a:t>(</a:t>
+            </a:r>
+            <a:r>
+              <a:rPr lang="en-US" sz="2000" dirty="0" err="1">
+                <a:solidFill>
+                  <a:srgbClr val="000000"/>
+                </a:solidFill>
+                <a:latin typeface="Menlo" panose="020B0609030804020204" pitchFamily="49" charset="0"/>
+              </a:rPr>
+              <a:t>model.Sale</a:t>
+            </a:r>
+            <a:r>
+              <a:rPr lang="en-US" sz="2000" dirty="0">
+                <a:solidFill>
+                  <a:srgbClr val="000000"/>
+                </a:solidFill>
+                <a:latin typeface="Menlo" panose="020B0609030804020204" pitchFamily="49" charset="0"/>
+              </a:rPr>
+              <a:t>)</a:t>
+            </a:r>
+          </a:p>
+          <a:p>
+            <a:pPr marL="0" indent="0">
+              <a:buNone/>
+            </a:pPr>
+            <a:r>
+              <a:rPr lang="en-US" sz="2000" dirty="0">
+                <a:solidFill>
+                  <a:srgbClr val="000000"/>
+                </a:solidFill>
+                <a:latin typeface="Menlo" panose="020B0609030804020204" pitchFamily="49" charset="0"/>
+              </a:rPr>
+              <a:t>    .join(</a:t>
+            </a:r>
+          </a:p>
+          <a:p>
+            <a:pPr marL="0" indent="0">
+              <a:buNone/>
+            </a:pPr>
+            <a:r>
+              <a:rPr lang="en-US" sz="2000" dirty="0">
+                <a:solidFill>
+                  <a:srgbClr val="000000"/>
+                </a:solidFill>
+                <a:latin typeface="Menlo" panose="020B0609030804020204" pitchFamily="49" charset="0"/>
+              </a:rPr>
+              <a:t>        </a:t>
+            </a:r>
+            <a:r>
+              <a:rPr lang="en-US" sz="2000" dirty="0" err="1">
+                <a:solidFill>
+                  <a:srgbClr val="000000"/>
+                </a:solidFill>
+                <a:latin typeface="Menlo" panose="020B0609030804020204" pitchFamily="49" charset="0"/>
+              </a:rPr>
+              <a:t>latest_sales_sq</a:t>
+            </a:r>
+            <a:r>
+              <a:rPr lang="en-US" sz="2000" dirty="0">
+                <a:solidFill>
+                  <a:srgbClr val="000000"/>
+                </a:solidFill>
+                <a:latin typeface="Menlo" panose="020B0609030804020204" pitchFamily="49" charset="0"/>
+              </a:rPr>
+              <a:t>,</a:t>
+            </a:r>
+          </a:p>
+          <a:p>
+            <a:pPr marL="0" indent="0">
+              <a:buNone/>
+            </a:pPr>
+            <a:r>
+              <a:rPr lang="en-US" sz="2000" dirty="0">
+                <a:solidFill>
+                  <a:srgbClr val="000000"/>
+                </a:solidFill>
+                <a:latin typeface="Menlo" panose="020B0609030804020204" pitchFamily="49" charset="0"/>
+              </a:rPr>
+              <a:t>        and_(</a:t>
+            </a:r>
+          </a:p>
+          <a:p>
+            <a:pPr marL="0" indent="0">
+              <a:buNone/>
+            </a:pPr>
+            <a:r>
+              <a:rPr lang="en-US" sz="2000" dirty="0">
+                <a:solidFill>
+                  <a:srgbClr val="000000"/>
+                </a:solidFill>
+                <a:latin typeface="Menlo" panose="020B0609030804020204" pitchFamily="49" charset="0"/>
+              </a:rPr>
+              <a:t>            </a:t>
+            </a:r>
+            <a:r>
+              <a:rPr lang="en-US" sz="2000" dirty="0" err="1">
+                <a:solidFill>
+                  <a:srgbClr val="000000"/>
+                </a:solidFill>
+                <a:latin typeface="Menlo" panose="020B0609030804020204" pitchFamily="49" charset="0"/>
+              </a:rPr>
+              <a:t>model.Sale.id</a:t>
+            </a:r>
+            <a:r>
+              <a:rPr lang="en-US" sz="2000" dirty="0">
+                <a:solidFill>
+                  <a:srgbClr val="000000"/>
+                </a:solidFill>
+                <a:latin typeface="Menlo" panose="020B0609030804020204" pitchFamily="49" charset="0"/>
+              </a:rPr>
+              <a:t> == </a:t>
+            </a:r>
+            <a:r>
+              <a:rPr lang="en-US" sz="2000" dirty="0" err="1">
+                <a:solidFill>
+                  <a:srgbClr val="000000"/>
+                </a:solidFill>
+                <a:latin typeface="Menlo" panose="020B0609030804020204" pitchFamily="49" charset="0"/>
+              </a:rPr>
+              <a:t>latest_sales_sq.c.id</a:t>
+            </a:r>
+            <a:r>
+              <a:rPr lang="en-US" sz="2000" dirty="0">
+                <a:solidFill>
+                  <a:srgbClr val="000000"/>
+                </a:solidFill>
+                <a:latin typeface="Menlo" panose="020B0609030804020204" pitchFamily="49" charset="0"/>
+              </a:rPr>
+              <a:t>,</a:t>
+            </a:r>
+          </a:p>
+          <a:p>
+            <a:pPr marL="0" indent="0">
+              <a:buNone/>
+            </a:pPr>
+            <a:r>
+              <a:rPr lang="en-US" sz="2000" dirty="0">
+                <a:solidFill>
+                  <a:srgbClr val="000000"/>
+                </a:solidFill>
+                <a:latin typeface="Menlo" panose="020B0609030804020204" pitchFamily="49" charset="0"/>
+              </a:rPr>
+              <a:t>            </a:t>
+            </a:r>
+            <a:r>
+              <a:rPr lang="en-US" sz="2000" dirty="0" err="1">
+                <a:solidFill>
+                  <a:srgbClr val="000000"/>
+                </a:solidFill>
+                <a:latin typeface="Menlo" panose="020B0609030804020204" pitchFamily="49" charset="0"/>
+              </a:rPr>
+              <a:t>latest_sales_sq.c.row_number</a:t>
+            </a:r>
+            <a:r>
+              <a:rPr lang="en-US" sz="2000" dirty="0">
+                <a:solidFill>
+                  <a:srgbClr val="000000"/>
+                </a:solidFill>
+                <a:latin typeface="Menlo" panose="020B0609030804020204" pitchFamily="49" charset="0"/>
+              </a:rPr>
+              <a:t> == </a:t>
+            </a:r>
+            <a:r>
+              <a:rPr lang="en-US" sz="2000" dirty="0">
+                <a:solidFill>
+                  <a:srgbClr val="9FA01C"/>
+                </a:solidFill>
+                <a:latin typeface="Menlo" panose="020B0609030804020204" pitchFamily="49" charset="0"/>
+              </a:rPr>
+              <a:t>1</a:t>
+            </a:r>
+            <a:r>
+              <a:rPr lang="en-US" sz="2000" dirty="0">
+                <a:solidFill>
+                  <a:srgbClr val="000000"/>
+                </a:solidFill>
+                <a:latin typeface="Menlo" panose="020B0609030804020204" pitchFamily="49" charset="0"/>
+              </a:rPr>
+              <a:t>,</a:t>
+            </a:r>
+          </a:p>
+          <a:p>
+            <a:pPr marL="0" indent="0">
+              <a:buNone/>
+            </a:pPr>
+            <a:r>
+              <a:rPr lang="en-US" sz="2000" dirty="0">
+                <a:solidFill>
+                  <a:srgbClr val="000000"/>
+                </a:solidFill>
+                <a:latin typeface="Menlo" panose="020B0609030804020204" pitchFamily="49" charset="0"/>
+              </a:rPr>
+              <a:t>        )</a:t>
+            </a:r>
+          </a:p>
+          <a:p>
+            <a:pPr marL="0" indent="0">
+              <a:buNone/>
+            </a:pPr>
+            <a:r>
+              <a:rPr lang="en-US" sz="2000" dirty="0">
+                <a:solidFill>
+                  <a:srgbClr val="000000"/>
+                </a:solidFill>
+                <a:latin typeface="Menlo" panose="020B0609030804020204" pitchFamily="49" charset="0"/>
+              </a:rPr>
+              <a:t>    )</a:t>
+            </a:r>
+          </a:p>
+          <a:p>
+            <a:pPr marL="0" indent="0">
+              <a:buNone/>
+            </a:pPr>
+            <a:r>
+              <a:rPr lang="en-US" sz="2000" dirty="0">
+                <a:solidFill>
+                  <a:srgbClr val="000000"/>
+                </a:solidFill>
+                <a:latin typeface="Menlo" panose="020B0609030804020204" pitchFamily="49" charset="0"/>
+              </a:rPr>
+              <a:t>    .</a:t>
+            </a:r>
+            <a:r>
+              <a:rPr lang="en-US" sz="2000" dirty="0" err="1">
+                <a:solidFill>
+                  <a:srgbClr val="000000"/>
+                </a:solidFill>
+                <a:latin typeface="Menlo" panose="020B0609030804020204" pitchFamily="49" charset="0"/>
+              </a:rPr>
+              <a:t>order_by</a:t>
+            </a:r>
+            <a:r>
+              <a:rPr lang="en-US" sz="2000" dirty="0">
+                <a:solidFill>
+                  <a:srgbClr val="000000"/>
+                </a:solidFill>
+                <a:latin typeface="Menlo" panose="020B0609030804020204" pitchFamily="49" charset="0"/>
+              </a:rPr>
+              <a:t>(</a:t>
+            </a:r>
+            <a:r>
+              <a:rPr lang="en-US" sz="2000" dirty="0" err="1">
+                <a:solidFill>
+                  <a:srgbClr val="000000"/>
+                </a:solidFill>
+                <a:latin typeface="Menlo" panose="020B0609030804020204" pitchFamily="49" charset="0"/>
+              </a:rPr>
+              <a:t>model.Sale.id</a:t>
+            </a:r>
+            <a:r>
+              <a:rPr lang="en-US" sz="2000" dirty="0">
+                <a:solidFill>
+                  <a:srgbClr val="000000"/>
+                </a:solidFill>
+                <a:latin typeface="Menlo" panose="020B0609030804020204" pitchFamily="49" charset="0"/>
+              </a:rPr>
+              <a:t>)</a:t>
+            </a:r>
+          </a:p>
+          <a:p>
+            <a:pPr marL="0" indent="0">
+              <a:buNone/>
+            </a:pPr>
+            <a:r>
+              <a:rPr lang="en-US" sz="2000" dirty="0">
+                <a:solidFill>
+                  <a:srgbClr val="000000"/>
+                </a:solidFill>
+                <a:latin typeface="Menlo" panose="020B0609030804020204" pitchFamily="49" charset="0"/>
+              </a:rPr>
+              <a:t>)</a:t>
+            </a:r>
+          </a:p>
+        </p:txBody>
+      </p:sp>
+    </p:spTree>
+    <p:extLst>
+      <p:ext uri="{BB962C8B-B14F-4D97-AF65-F5344CB8AC3E}">
+        <p14:creationId xmlns:p14="http://schemas.microsoft.com/office/powerpoint/2010/main" val="566206437"/>
+      </p:ext>
+    </p:extLst>
+  </p:cSld>
+  <p:clrMapOvr>
+    <a:masterClrMapping/>
+  </p:clrMapOvr>
+</p:sld>
+</file>
+
+<file path=ppt/slides/slide22.xml><?xml version="1.0" encoding="utf-8"?>
+<p:sld xmlns:a="http://schemas.openxmlformats.org/drawingml/2006/main" xmlns:r="http://schemas.openxmlformats.org/officeDocument/2006/relationships" xmlns:p="http://schemas.openxmlformats.org/presentationml/2006/main">
+  <p:cSld>
+    <p:spTree>
+      <p:nvGrpSpPr>
+        <p:cNvPr id="1" name=""/>
+        <p:cNvGrpSpPr/>
+        <p:nvPr/>
+      </p:nvGrpSpPr>
+      <p:grpSpPr>
+        <a:xfrm>
+          <a:off x="0" y="0"/>
+          <a:ext cx="0" cy="0"/>
+          <a:chOff x="0" y="0"/>
+          <a:chExt cx="0" cy="0"/>
+        </a:xfrm>
+      </p:grpSpPr>
+      <p:sp>
+        <p:nvSpPr>
+          <p:cNvPr id="2" name="Title 1">
+            <a:extLst>
+              <a:ext uri="{FF2B5EF4-FFF2-40B4-BE49-F238E27FC236}">
+                <a16:creationId xmlns:a16="http://schemas.microsoft.com/office/drawing/2014/main" id="{D15973DA-1757-FA4E-B130-1082872B86D3}"/>
+              </a:ext>
+            </a:extLst>
+          </p:cNvPr>
+          <p:cNvSpPr>
+            <a:spLocks noGrp="1"/>
+          </p:cNvSpPr>
+          <p:nvPr>
+            <p:ph type="title"/>
+          </p:nvPr>
+        </p:nvSpPr>
+        <p:spPr/>
+        <p:txBody>
+          <a:bodyPr/>
+          <a:lstStyle/>
+          <a:p>
+            <a:r>
+              <a:rPr lang="en-US" dirty="0"/>
+              <a:t>Window Functions (Example 04)</a:t>
+            </a:r>
+          </a:p>
+        </p:txBody>
+      </p:sp>
+      <p:sp>
+        <p:nvSpPr>
+          <p:cNvPr id="3" name="Content Placeholder 2">
+            <a:extLst>
+              <a:ext uri="{FF2B5EF4-FFF2-40B4-BE49-F238E27FC236}">
+                <a16:creationId xmlns:a16="http://schemas.microsoft.com/office/drawing/2014/main" id="{E6658C0F-C9AD-1247-95CE-F8CC235CB81E}"/>
+              </a:ext>
+            </a:extLst>
+          </p:cNvPr>
+          <p:cNvSpPr>
+            <a:spLocks noGrp="1"/>
+          </p:cNvSpPr>
+          <p:nvPr>
+            <p:ph idx="1"/>
+          </p:nvPr>
+        </p:nvSpPr>
+        <p:spPr/>
+        <p:txBody>
+          <a:bodyPr>
+            <a:normAutofit fontScale="55000" lnSpcReduction="20000"/>
+          </a:bodyPr>
+          <a:lstStyle/>
+          <a:p>
+            <a:pPr marL="0" indent="0">
+              <a:buNone/>
+            </a:pPr>
+            <a:r>
+              <a:rPr lang="en-US" dirty="0">
+                <a:solidFill>
+                  <a:srgbClr val="000000"/>
+                </a:solidFill>
+                <a:latin typeface="Menlo" panose="020B0609030804020204" pitchFamily="49" charset="0"/>
+              </a:rPr>
+              <a:t>window functions to find the latest sale at each store</a:t>
+            </a:r>
+          </a:p>
+          <a:p>
+            <a:pPr marL="0" indent="0">
+              <a:buNone/>
+            </a:pPr>
+            <a:r>
+              <a:rPr lang="en-US" dirty="0">
+                <a:solidFill>
+                  <a:srgbClr val="000000"/>
+                </a:solidFill>
+                <a:latin typeface="Menlo" panose="020B0609030804020204" pitchFamily="49" charset="0"/>
+              </a:rPr>
+              <a:t>+------+------------+----------------------------------+----------+---------------+</a:t>
+            </a:r>
+          </a:p>
+          <a:p>
+            <a:pPr marL="0" indent="0">
+              <a:buNone/>
+            </a:pPr>
+            <a:r>
+              <a:rPr lang="en-US" dirty="0">
+                <a:solidFill>
+                  <a:srgbClr val="000000"/>
+                </a:solidFill>
+                <a:latin typeface="Menlo" panose="020B0609030804020204" pitchFamily="49" charset="0"/>
+              </a:rPr>
+              <a:t>|   id | date       | item                             |   amount | </a:t>
+            </a:r>
+            <a:r>
+              <a:rPr lang="en-US" dirty="0" err="1">
+                <a:solidFill>
+                  <a:srgbClr val="000000"/>
+                </a:solidFill>
+                <a:latin typeface="Menlo" panose="020B0609030804020204" pitchFamily="49" charset="0"/>
+              </a:rPr>
+              <a:t>store_id</a:t>
+            </a:r>
+            <a:r>
+              <a:rPr lang="en-US" dirty="0">
+                <a:solidFill>
+                  <a:srgbClr val="000000"/>
+                </a:solidFill>
+                <a:latin typeface="Menlo" panose="020B0609030804020204" pitchFamily="49" charset="0"/>
+              </a:rPr>
+              <a:t>      |</a:t>
+            </a:r>
+          </a:p>
+          <a:p>
+            <a:pPr marL="0" indent="0">
+              <a:buNone/>
+            </a:pPr>
+            <a:r>
+              <a:rPr lang="en-US" dirty="0">
+                <a:solidFill>
+                  <a:srgbClr val="000000"/>
+                </a:solidFill>
+                <a:latin typeface="Menlo" panose="020B0609030804020204" pitchFamily="49" charset="0"/>
+              </a:rPr>
+              <a:t>|------+------------+----------------------------------+----------+---------------|</a:t>
+            </a:r>
+          </a:p>
+          <a:p>
+            <a:pPr marL="0" indent="0">
+              <a:buNone/>
+            </a:pPr>
+            <a:r>
+              <a:rPr lang="en-US" dirty="0">
+                <a:solidFill>
+                  <a:srgbClr val="000000"/>
+                </a:solidFill>
+                <a:latin typeface="Menlo" panose="020B0609030804020204" pitchFamily="49" charset="0"/>
+              </a:rPr>
+              <a:t>| 5046 | 2019-09-18 | Cat Selfie Duct Tape             |    69.77 | NORT-MN-44444 |</a:t>
+            </a:r>
+          </a:p>
+          <a:p>
+            <a:pPr marL="0" indent="0">
+              <a:buNone/>
+            </a:pPr>
+            <a:r>
+              <a:rPr lang="en-US" dirty="0">
+                <a:solidFill>
+                  <a:srgbClr val="000000"/>
+                </a:solidFill>
+                <a:latin typeface="Menlo" panose="020B0609030804020204" pitchFamily="49" charset="0"/>
+              </a:rPr>
+              <a:t>| 5215 | 2019-09-21 | Jimmies Guide to Programming     |    65.21 | SOUT-GA-11111 |</a:t>
+            </a:r>
+          </a:p>
+          <a:p>
+            <a:pPr marL="0" indent="0">
+              <a:buNone/>
+            </a:pPr>
+            <a:r>
+              <a:rPr lang="en-US" dirty="0">
+                <a:solidFill>
+                  <a:srgbClr val="000000"/>
+                </a:solidFill>
+                <a:latin typeface="Menlo" panose="020B0609030804020204" pitchFamily="49" charset="0"/>
+              </a:rPr>
+              <a:t>| 5313 | 2019-09-27 | Always Listening Voice Assistant |    34.03 | EAST-NY-12345 |</a:t>
+            </a:r>
+          </a:p>
+          <a:p>
+            <a:pPr marL="0" indent="0">
+              <a:buNone/>
+            </a:pPr>
+            <a:r>
+              <a:rPr lang="en-US" dirty="0">
+                <a:solidFill>
+                  <a:srgbClr val="000000"/>
+                </a:solidFill>
+                <a:latin typeface="Menlo" panose="020B0609030804020204" pitchFamily="49" charset="0"/>
+              </a:rPr>
+              <a:t>| 5321 | 2019-09-30 | </a:t>
+            </a:r>
+            <a:r>
+              <a:rPr lang="en-US" dirty="0" err="1">
+                <a:solidFill>
+                  <a:srgbClr val="000000"/>
+                </a:solidFill>
+                <a:latin typeface="Menlo" panose="020B0609030804020204" pitchFamily="49" charset="0"/>
+              </a:rPr>
+              <a:t>Bananaphone</a:t>
+            </a:r>
+            <a:r>
+              <a:rPr lang="en-US" dirty="0">
+                <a:solidFill>
+                  <a:srgbClr val="000000"/>
+                </a:solidFill>
+                <a:latin typeface="Menlo" panose="020B0609030804020204" pitchFamily="49" charset="0"/>
+              </a:rPr>
+              <a:t>                      |    45.59 | WEST-AZ-55555 |</a:t>
+            </a:r>
+          </a:p>
+          <a:p>
+            <a:pPr marL="0" indent="0">
+              <a:buNone/>
+            </a:pPr>
+            <a:r>
+              <a:rPr lang="en-US" dirty="0">
+                <a:solidFill>
+                  <a:srgbClr val="000000"/>
+                </a:solidFill>
+                <a:latin typeface="Menlo" panose="020B0609030804020204" pitchFamily="49" charset="0"/>
+              </a:rPr>
+              <a:t>| 5339 | 2019-09-28 | Always Listening Voice Assistant |    94.98 | SOUT-AL-54321 |</a:t>
+            </a:r>
+          </a:p>
+          <a:p>
+            <a:pPr marL="0" indent="0">
+              <a:buNone/>
+            </a:pPr>
+            <a:r>
+              <a:rPr lang="en-US" dirty="0">
+                <a:solidFill>
+                  <a:srgbClr val="000000"/>
+                </a:solidFill>
+                <a:latin typeface="Menlo" panose="020B0609030804020204" pitchFamily="49" charset="0"/>
+              </a:rPr>
+              <a:t>| 5432 | 2019-09-11 | Jimmies Guide to Programming     |    24.01 | WEST-CA-55555 |</a:t>
+            </a:r>
+          </a:p>
+          <a:p>
+            <a:pPr marL="0" indent="0">
+              <a:buNone/>
+            </a:pPr>
+            <a:r>
+              <a:rPr lang="en-US" dirty="0">
+                <a:solidFill>
+                  <a:srgbClr val="000000"/>
+                </a:solidFill>
+                <a:latin typeface="Menlo" panose="020B0609030804020204" pitchFamily="49" charset="0"/>
+              </a:rPr>
+              <a:t>| 5451 | 2019-09-25 | Always Listening Voice Assistant |    16.58 | EAST-NY-22222 |</a:t>
+            </a:r>
+          </a:p>
+          <a:p>
+            <a:pPr marL="0" indent="0">
+              <a:buNone/>
+            </a:pPr>
+            <a:r>
+              <a:rPr lang="en-US" dirty="0">
+                <a:solidFill>
+                  <a:srgbClr val="000000"/>
+                </a:solidFill>
+                <a:latin typeface="Menlo" panose="020B0609030804020204" pitchFamily="49" charset="0"/>
+              </a:rPr>
+              <a:t>| 5648 | 2019-09-02 | Always Listening Voice Assistant |    66.68 | EAST-NY-55555 |</a:t>
+            </a:r>
+          </a:p>
+          <a:p>
+            <a:pPr marL="0" indent="0">
+              <a:buNone/>
+            </a:pPr>
+            <a:r>
+              <a:rPr lang="en-US" dirty="0">
+                <a:solidFill>
+                  <a:srgbClr val="000000"/>
+                </a:solidFill>
+                <a:latin typeface="Menlo" panose="020B0609030804020204" pitchFamily="49" charset="0"/>
+              </a:rPr>
+              <a:t>+------+------------+----------------------------------+----------+---------------+</a:t>
+            </a:r>
+          </a:p>
+          <a:p>
+            <a:pPr marL="0" indent="0">
+              <a:buNone/>
+            </a:pPr>
+            <a:endParaRPr lang="en-US" dirty="0"/>
+          </a:p>
+        </p:txBody>
+      </p:sp>
+    </p:spTree>
+    <p:extLst>
+      <p:ext uri="{BB962C8B-B14F-4D97-AF65-F5344CB8AC3E}">
+        <p14:creationId xmlns:p14="http://schemas.microsoft.com/office/powerpoint/2010/main" val="667305774"/>
+      </p:ext>
+    </p:extLst>
+  </p:cSld>
+  <p:clrMapOvr>
+    <a:masterClrMapping/>
+  </p:clrMapOvr>
+</p:sld>
+</file>
+
+<file path=ppt/slides/slide23.xml><?xml version="1.0" encoding="utf-8"?>
+<p:sld xmlns:a="http://schemas.openxmlformats.org/drawingml/2006/main" xmlns:r="http://schemas.openxmlformats.org/officeDocument/2006/relationships" xmlns:p="http://schemas.openxmlformats.org/presentationml/2006/main">
+  <p:cSld>
+    <p:spTree>
+      <p:nvGrpSpPr>
+        <p:cNvPr id="1" name=""/>
+        <p:cNvGrpSpPr/>
+        <p:nvPr/>
+      </p:nvGrpSpPr>
+      <p:grpSpPr>
+        <a:xfrm>
+          <a:off x="0" y="0"/>
+          <a:ext cx="0" cy="0"/>
+          <a:chOff x="0" y="0"/>
+          <a:chExt cx="0" cy="0"/>
+        </a:xfrm>
+      </p:grpSpPr>
+      <p:sp>
+        <p:nvSpPr>
+          <p:cNvPr id="2" name="Title 1">
+            <a:extLst>
+              <a:ext uri="{FF2B5EF4-FFF2-40B4-BE49-F238E27FC236}">
+                <a16:creationId xmlns:a16="http://schemas.microsoft.com/office/drawing/2014/main" id="{C4111D89-6FA8-2F4F-9675-3BA9A659104E}"/>
+              </a:ext>
+            </a:extLst>
+          </p:cNvPr>
+          <p:cNvSpPr>
+            <a:spLocks noGrp="1"/>
+          </p:cNvSpPr>
+          <p:nvPr>
+            <p:ph type="title"/>
+          </p:nvPr>
+        </p:nvSpPr>
+        <p:spPr/>
+        <p:txBody>
+          <a:bodyPr/>
+          <a:lstStyle/>
+          <a:p>
+            <a:r>
+              <a:rPr lang="en-US" dirty="0"/>
+              <a:t>Window Functions (Example 04)</a:t>
+            </a:r>
+          </a:p>
+        </p:txBody>
+      </p:sp>
+      <p:sp>
+        <p:nvSpPr>
+          <p:cNvPr id="3" name="Content Placeholder 2">
+            <a:extLst>
+              <a:ext uri="{FF2B5EF4-FFF2-40B4-BE49-F238E27FC236}">
+                <a16:creationId xmlns:a16="http://schemas.microsoft.com/office/drawing/2014/main" id="{40702393-37D2-0940-8EB2-3238C45D83D4}"/>
+              </a:ext>
+            </a:extLst>
+          </p:cNvPr>
+          <p:cNvSpPr>
+            <a:spLocks noGrp="1"/>
+          </p:cNvSpPr>
+          <p:nvPr>
+            <p:ph idx="1"/>
+          </p:nvPr>
+        </p:nvSpPr>
+        <p:spPr/>
+        <p:txBody>
+          <a:bodyPr>
+            <a:normAutofit fontScale="55000" lnSpcReduction="20000"/>
+          </a:bodyPr>
+          <a:lstStyle/>
+          <a:p>
+            <a:pPr marL="0" indent="0">
+              <a:buNone/>
+            </a:pPr>
+            <a:r>
+              <a:rPr lang="en-US" dirty="0" err="1">
+                <a:solidFill>
+                  <a:srgbClr val="000000"/>
+                </a:solidFill>
+                <a:latin typeface="Menlo" panose="020B0609030804020204" pitchFamily="49" charset="0"/>
+              </a:rPr>
+              <a:t>sales_report</a:t>
+            </a:r>
+            <a:r>
+              <a:rPr lang="en-US" dirty="0">
+                <a:solidFill>
+                  <a:srgbClr val="000000"/>
+                </a:solidFill>
+                <a:latin typeface="Menlo" panose="020B0609030804020204" pitchFamily="49" charset="0"/>
+              </a:rPr>
+              <a:t> = (</a:t>
+            </a:r>
+          </a:p>
+          <a:p>
+            <a:pPr marL="0" indent="0">
+              <a:buNone/>
+            </a:pPr>
+            <a:r>
+              <a:rPr lang="en-US" dirty="0">
+                <a:solidFill>
+                  <a:srgbClr val="000000"/>
+                </a:solidFill>
+                <a:latin typeface="Menlo" panose="020B0609030804020204" pitchFamily="49" charset="0"/>
+              </a:rPr>
+              <a:t>    </a:t>
+            </a:r>
+            <a:r>
+              <a:rPr lang="en-US" dirty="0" err="1">
+                <a:solidFill>
+                  <a:srgbClr val="000000"/>
+                </a:solidFill>
+                <a:latin typeface="Menlo" panose="020B0609030804020204" pitchFamily="49" charset="0"/>
+              </a:rPr>
+              <a:t>meta.session.query</a:t>
+            </a:r>
+            <a:r>
+              <a:rPr lang="en-US" dirty="0">
+                <a:solidFill>
+                  <a:srgbClr val="000000"/>
+                </a:solidFill>
+                <a:latin typeface="Menlo" panose="020B0609030804020204" pitchFamily="49" charset="0"/>
+              </a:rPr>
+              <a:t>(</a:t>
+            </a:r>
+          </a:p>
+          <a:p>
+            <a:pPr marL="0" indent="0">
+              <a:buNone/>
+            </a:pPr>
+            <a:r>
+              <a:rPr lang="en-US" dirty="0">
+                <a:solidFill>
+                  <a:srgbClr val="000000"/>
+                </a:solidFill>
+                <a:latin typeface="Menlo" panose="020B0609030804020204" pitchFamily="49" charset="0"/>
+              </a:rPr>
+              <a:t>        </a:t>
+            </a:r>
+            <a:r>
+              <a:rPr lang="en-US" dirty="0" err="1">
+                <a:solidFill>
+                  <a:srgbClr val="000000"/>
+                </a:solidFill>
+                <a:latin typeface="Menlo" panose="020B0609030804020204" pitchFamily="49" charset="0"/>
+              </a:rPr>
+              <a:t>func.left</a:t>
+            </a:r>
+            <a:r>
+              <a:rPr lang="en-US" dirty="0">
+                <a:solidFill>
+                  <a:srgbClr val="000000"/>
+                </a:solidFill>
+                <a:latin typeface="Menlo" panose="020B0609030804020204" pitchFamily="49" charset="0"/>
+              </a:rPr>
+              <a:t>(</a:t>
+            </a:r>
+            <a:r>
+              <a:rPr lang="en-US" dirty="0" err="1">
+                <a:solidFill>
+                  <a:srgbClr val="000000"/>
+                </a:solidFill>
+                <a:latin typeface="Menlo" panose="020B0609030804020204" pitchFamily="49" charset="0"/>
+              </a:rPr>
+              <a:t>sales_by_store.c.store_id</a:t>
+            </a:r>
+            <a:r>
+              <a:rPr lang="en-US" dirty="0">
+                <a:solidFill>
+                  <a:srgbClr val="000000"/>
+                </a:solidFill>
+                <a:latin typeface="Menlo" panose="020B0609030804020204" pitchFamily="49" charset="0"/>
+              </a:rPr>
+              <a:t>, </a:t>
+            </a:r>
+            <a:r>
+              <a:rPr lang="en-US" dirty="0">
+                <a:solidFill>
+                  <a:srgbClr val="9FA01C"/>
+                </a:solidFill>
+                <a:latin typeface="Menlo" panose="020B0609030804020204" pitchFamily="49" charset="0"/>
+              </a:rPr>
+              <a:t>4</a:t>
+            </a:r>
+            <a:r>
+              <a:rPr lang="en-US" dirty="0">
+                <a:solidFill>
+                  <a:srgbClr val="000000"/>
+                </a:solidFill>
+                <a:latin typeface="Menlo" panose="020B0609030804020204" pitchFamily="49" charset="0"/>
+              </a:rPr>
+              <a:t>).label(</a:t>
+            </a:r>
+            <a:r>
+              <a:rPr lang="en-US" dirty="0">
+                <a:solidFill>
+                  <a:srgbClr val="9FA01C"/>
+                </a:solidFill>
+                <a:latin typeface="Menlo" panose="020B0609030804020204" pitchFamily="49" charset="0"/>
+              </a:rPr>
+              <a:t>"region"</a:t>
+            </a:r>
+            <a:r>
+              <a:rPr lang="en-US" dirty="0">
+                <a:solidFill>
+                  <a:srgbClr val="000000"/>
+                </a:solidFill>
+                <a:latin typeface="Menlo" panose="020B0609030804020204" pitchFamily="49" charset="0"/>
+              </a:rPr>
+              <a:t>),</a:t>
+            </a:r>
+          </a:p>
+          <a:p>
+            <a:pPr marL="0" indent="0">
+              <a:buNone/>
+            </a:pPr>
+            <a:r>
+              <a:rPr lang="en-US" dirty="0">
+                <a:solidFill>
+                  <a:srgbClr val="000000"/>
+                </a:solidFill>
+                <a:latin typeface="Menlo" panose="020B0609030804020204" pitchFamily="49" charset="0"/>
+              </a:rPr>
+              <a:t>        </a:t>
+            </a:r>
+            <a:r>
+              <a:rPr lang="en-US" dirty="0" err="1">
+                <a:solidFill>
+                  <a:srgbClr val="000000"/>
+                </a:solidFill>
+                <a:latin typeface="Menlo" panose="020B0609030804020204" pitchFamily="49" charset="0"/>
+              </a:rPr>
+              <a:t>func.sum</a:t>
+            </a:r>
+            <a:r>
+              <a:rPr lang="en-US" dirty="0">
+                <a:solidFill>
+                  <a:srgbClr val="000000"/>
+                </a:solidFill>
+                <a:latin typeface="Menlo" panose="020B0609030804020204" pitchFamily="49" charset="0"/>
+              </a:rPr>
+              <a:t>(</a:t>
+            </a:r>
+            <a:r>
+              <a:rPr lang="en-US" dirty="0" err="1">
+                <a:solidFill>
+                  <a:srgbClr val="000000"/>
+                </a:solidFill>
+                <a:latin typeface="Menlo" panose="020B0609030804020204" pitchFamily="49" charset="0"/>
+              </a:rPr>
+              <a:t>sales_by_store.c.amount</a:t>
+            </a:r>
+            <a:r>
+              <a:rPr lang="en-US" dirty="0">
+                <a:solidFill>
+                  <a:srgbClr val="000000"/>
+                </a:solidFill>
+                <a:latin typeface="Menlo" panose="020B0609030804020204" pitchFamily="49" charset="0"/>
+              </a:rPr>
+              <a:t>).over(</a:t>
+            </a:r>
+          </a:p>
+          <a:p>
+            <a:pPr marL="0" indent="0">
+              <a:buNone/>
+            </a:pPr>
+            <a:r>
+              <a:rPr lang="en-US" dirty="0">
+                <a:solidFill>
+                  <a:srgbClr val="000000"/>
+                </a:solidFill>
+                <a:latin typeface="Menlo" panose="020B0609030804020204" pitchFamily="49" charset="0"/>
+              </a:rPr>
+              <a:t>            </a:t>
+            </a:r>
+            <a:r>
+              <a:rPr lang="en-US" dirty="0" err="1">
+                <a:solidFill>
+                  <a:srgbClr val="000000"/>
+                </a:solidFill>
+                <a:latin typeface="Menlo" panose="020B0609030804020204" pitchFamily="49" charset="0"/>
+              </a:rPr>
+              <a:t>partition_by</a:t>
+            </a:r>
+            <a:r>
+              <a:rPr lang="en-US" dirty="0">
+                <a:solidFill>
+                  <a:srgbClr val="000000"/>
+                </a:solidFill>
+                <a:latin typeface="Menlo" panose="020B0609030804020204" pitchFamily="49" charset="0"/>
+              </a:rPr>
+              <a:t>=</a:t>
+            </a:r>
+            <a:r>
+              <a:rPr lang="en-US" dirty="0" err="1">
+                <a:solidFill>
+                  <a:srgbClr val="000000"/>
+                </a:solidFill>
+                <a:latin typeface="Menlo" panose="020B0609030804020204" pitchFamily="49" charset="0"/>
+              </a:rPr>
+              <a:t>func.left</a:t>
+            </a:r>
+            <a:r>
+              <a:rPr lang="en-US" dirty="0">
+                <a:solidFill>
+                  <a:srgbClr val="000000"/>
+                </a:solidFill>
+                <a:latin typeface="Menlo" panose="020B0609030804020204" pitchFamily="49" charset="0"/>
+              </a:rPr>
+              <a:t>(</a:t>
+            </a:r>
+            <a:r>
+              <a:rPr lang="en-US" dirty="0" err="1">
+                <a:solidFill>
+                  <a:srgbClr val="000000"/>
+                </a:solidFill>
+                <a:latin typeface="Menlo" panose="020B0609030804020204" pitchFamily="49" charset="0"/>
+              </a:rPr>
+              <a:t>sales_by_</a:t>
+            </a:r>
+            <a:r>
+              <a:rPr lang="en-US" dirty="0" err="1">
+                <a:latin typeface="Menlo" panose="020B0609030804020204" pitchFamily="49" charset="0"/>
+              </a:rPr>
+              <a:t>store.c.store_id</a:t>
+            </a:r>
+            <a:r>
+              <a:rPr lang="en-US" dirty="0">
+                <a:latin typeface="Menlo" panose="020B0609030804020204" pitchFamily="49" charset="0"/>
+              </a:rPr>
+              <a:t>, 4)</a:t>
+            </a:r>
+          </a:p>
+          <a:p>
+            <a:pPr marL="0" indent="0">
+              <a:buNone/>
+            </a:pPr>
+            <a:r>
+              <a:rPr lang="en-US" dirty="0">
+                <a:latin typeface="Menlo" panose="020B0609030804020204" pitchFamily="49" charset="0"/>
+              </a:rPr>
+              <a:t>        ).label("</a:t>
+            </a:r>
+            <a:r>
+              <a:rPr lang="en-US" dirty="0" err="1">
+                <a:latin typeface="Menlo" panose="020B0609030804020204" pitchFamily="49" charset="0"/>
+              </a:rPr>
+              <a:t>sales_for_region</a:t>
+            </a:r>
+            <a:r>
+              <a:rPr lang="en-US" dirty="0">
+                <a:latin typeface="Menlo" panose="020B0609030804020204" pitchFamily="49" charset="0"/>
+              </a:rPr>
+              <a:t>"),</a:t>
+            </a:r>
+          </a:p>
+          <a:p>
+            <a:pPr marL="0" indent="0">
+              <a:buNone/>
+            </a:pPr>
+            <a:r>
+              <a:rPr lang="en-US" dirty="0">
+                <a:solidFill>
+                  <a:srgbClr val="000000"/>
+                </a:solidFill>
+                <a:latin typeface="Menlo" panose="020B0609030804020204" pitchFamily="49" charset="0"/>
+              </a:rPr>
+              <a:t>        </a:t>
+            </a:r>
+            <a:r>
+              <a:rPr lang="en-US" dirty="0" err="1">
+                <a:solidFill>
+                  <a:srgbClr val="000000"/>
+                </a:solidFill>
+                <a:latin typeface="Menlo" panose="020B0609030804020204" pitchFamily="49" charset="0"/>
+              </a:rPr>
+              <a:t>func.left</a:t>
+            </a:r>
+            <a:r>
+              <a:rPr lang="en-US" dirty="0">
+                <a:solidFill>
+                  <a:srgbClr val="000000"/>
+                </a:solidFill>
+                <a:latin typeface="Menlo" panose="020B0609030804020204" pitchFamily="49" charset="0"/>
+              </a:rPr>
+              <a:t>(</a:t>
+            </a:r>
+            <a:r>
+              <a:rPr lang="en-US" dirty="0" err="1">
+                <a:solidFill>
+                  <a:srgbClr val="000000"/>
+                </a:solidFill>
+                <a:latin typeface="Menlo" panose="020B0609030804020204" pitchFamily="49" charset="0"/>
+              </a:rPr>
+              <a:t>sales_by_store.c.store_id</a:t>
+            </a:r>
+            <a:r>
+              <a:rPr lang="en-US" dirty="0">
+                <a:solidFill>
+                  <a:srgbClr val="000000"/>
+                </a:solidFill>
+                <a:latin typeface="Menlo" panose="020B0609030804020204" pitchFamily="49" charset="0"/>
+              </a:rPr>
+              <a:t>, </a:t>
+            </a:r>
+            <a:r>
+              <a:rPr lang="en-US" dirty="0">
+                <a:solidFill>
+                  <a:srgbClr val="9FA01C"/>
+                </a:solidFill>
+                <a:latin typeface="Menlo" panose="020B0609030804020204" pitchFamily="49" charset="0"/>
+              </a:rPr>
+              <a:t>7</a:t>
+            </a:r>
+            <a:r>
+              <a:rPr lang="en-US" dirty="0">
+                <a:solidFill>
+                  <a:srgbClr val="000000"/>
+                </a:solidFill>
+                <a:latin typeface="Menlo" panose="020B0609030804020204" pitchFamily="49" charset="0"/>
+              </a:rPr>
+              <a:t>).label(</a:t>
+            </a:r>
+            <a:r>
+              <a:rPr lang="en-US" dirty="0">
+                <a:solidFill>
+                  <a:srgbClr val="9FA01C"/>
+                </a:solidFill>
+                <a:latin typeface="Menlo" panose="020B0609030804020204" pitchFamily="49" charset="0"/>
+              </a:rPr>
+              <a:t>"state"</a:t>
+            </a:r>
+            <a:r>
+              <a:rPr lang="en-US" dirty="0">
+                <a:solidFill>
+                  <a:srgbClr val="000000"/>
+                </a:solidFill>
+                <a:latin typeface="Menlo" panose="020B0609030804020204" pitchFamily="49" charset="0"/>
+              </a:rPr>
+              <a:t>),</a:t>
+            </a:r>
+          </a:p>
+          <a:p>
+            <a:pPr marL="0" indent="0">
+              <a:buNone/>
+            </a:pPr>
+            <a:r>
+              <a:rPr lang="en-US" dirty="0">
+                <a:solidFill>
+                  <a:srgbClr val="000000"/>
+                </a:solidFill>
+                <a:latin typeface="Menlo" panose="020B0609030804020204" pitchFamily="49" charset="0"/>
+              </a:rPr>
+              <a:t>        </a:t>
+            </a:r>
+            <a:r>
+              <a:rPr lang="en-US" dirty="0" err="1">
+                <a:solidFill>
+                  <a:srgbClr val="000000"/>
+                </a:solidFill>
+                <a:latin typeface="Menlo" panose="020B0609030804020204" pitchFamily="49" charset="0"/>
+              </a:rPr>
+              <a:t>func.sum</a:t>
+            </a:r>
+            <a:r>
+              <a:rPr lang="en-US" dirty="0">
+                <a:solidFill>
+                  <a:srgbClr val="000000"/>
+                </a:solidFill>
+                <a:latin typeface="Menlo" panose="020B0609030804020204" pitchFamily="49" charset="0"/>
+              </a:rPr>
+              <a:t>(</a:t>
+            </a:r>
+            <a:r>
+              <a:rPr lang="en-US" dirty="0" err="1">
+                <a:solidFill>
+                  <a:srgbClr val="000000"/>
+                </a:solidFill>
+                <a:latin typeface="Menlo" panose="020B0609030804020204" pitchFamily="49" charset="0"/>
+              </a:rPr>
+              <a:t>sales_by_store.c.amount</a:t>
+            </a:r>
+            <a:r>
+              <a:rPr lang="en-US" dirty="0">
+                <a:solidFill>
+                  <a:srgbClr val="000000"/>
+                </a:solidFill>
+                <a:latin typeface="Menlo" panose="020B0609030804020204" pitchFamily="49" charset="0"/>
+              </a:rPr>
+              <a:t>).over(</a:t>
+            </a:r>
+          </a:p>
+          <a:p>
+            <a:pPr marL="0" indent="0">
+              <a:buNone/>
+            </a:pPr>
+            <a:r>
+              <a:rPr lang="en-US" dirty="0">
+                <a:solidFill>
+                  <a:srgbClr val="000000"/>
+                </a:solidFill>
+                <a:latin typeface="Menlo" panose="020B0609030804020204" pitchFamily="49" charset="0"/>
+              </a:rPr>
+              <a:t>            </a:t>
+            </a:r>
+            <a:r>
+              <a:rPr lang="en-US" dirty="0" err="1">
+                <a:solidFill>
+                  <a:srgbClr val="000000"/>
+                </a:solidFill>
+                <a:latin typeface="Menlo" panose="020B0609030804020204" pitchFamily="49" charset="0"/>
+              </a:rPr>
+              <a:t>partition_by</a:t>
+            </a:r>
+            <a:r>
+              <a:rPr lang="en-US" dirty="0">
+                <a:solidFill>
+                  <a:srgbClr val="000000"/>
+                </a:solidFill>
+                <a:latin typeface="Menlo" panose="020B0609030804020204" pitchFamily="49" charset="0"/>
+              </a:rPr>
+              <a:t>=</a:t>
+            </a:r>
+            <a:r>
+              <a:rPr lang="en-US" dirty="0" err="1">
+                <a:solidFill>
+                  <a:srgbClr val="000000"/>
+                </a:solidFill>
+                <a:latin typeface="Menlo" panose="020B0609030804020204" pitchFamily="49" charset="0"/>
+              </a:rPr>
+              <a:t>func.left</a:t>
+            </a:r>
+            <a:r>
+              <a:rPr lang="en-US" dirty="0">
+                <a:solidFill>
+                  <a:srgbClr val="000000"/>
+                </a:solidFill>
+                <a:latin typeface="Menlo" panose="020B0609030804020204" pitchFamily="49" charset="0"/>
+              </a:rPr>
+              <a:t>(</a:t>
+            </a:r>
+            <a:r>
+              <a:rPr lang="en-US" dirty="0" err="1">
+                <a:solidFill>
+                  <a:srgbClr val="000000"/>
+                </a:solidFill>
+                <a:latin typeface="Menlo" panose="020B0609030804020204" pitchFamily="49" charset="0"/>
+              </a:rPr>
+              <a:t>sales_by_</a:t>
+            </a:r>
+            <a:r>
+              <a:rPr lang="en-US" dirty="0" err="1">
+                <a:latin typeface="Menlo" panose="020B0609030804020204" pitchFamily="49" charset="0"/>
+              </a:rPr>
+              <a:t>store.c.store_id</a:t>
+            </a:r>
+            <a:r>
+              <a:rPr lang="en-US" dirty="0">
+                <a:latin typeface="Menlo" panose="020B0609030804020204" pitchFamily="49" charset="0"/>
+              </a:rPr>
+              <a:t>, 7)</a:t>
+            </a:r>
+          </a:p>
+          <a:p>
+            <a:pPr marL="0" indent="0">
+              <a:buNone/>
+            </a:pPr>
+            <a:r>
+              <a:rPr lang="en-US" dirty="0">
+                <a:latin typeface="Menlo" panose="020B0609030804020204" pitchFamily="49" charset="0"/>
+              </a:rPr>
+              <a:t>        ).label("</a:t>
+            </a:r>
+            <a:r>
+              <a:rPr lang="en-US" dirty="0" err="1">
+                <a:latin typeface="Menlo" panose="020B0609030804020204" pitchFamily="49" charset="0"/>
+              </a:rPr>
+              <a:t>sales_for_state</a:t>
+            </a:r>
+            <a:r>
+              <a:rPr lang="en-US" dirty="0">
+                <a:latin typeface="Menlo" panose="020B0609030804020204" pitchFamily="49" charset="0"/>
+              </a:rPr>
+              <a:t>"),</a:t>
+            </a:r>
+          </a:p>
+          <a:p>
+            <a:pPr marL="0" indent="0">
+              <a:buNone/>
+            </a:pPr>
+            <a:r>
+              <a:rPr lang="en-US" dirty="0">
+                <a:solidFill>
+                  <a:srgbClr val="000000"/>
+                </a:solidFill>
+                <a:latin typeface="Menlo" panose="020B0609030804020204" pitchFamily="49" charset="0"/>
+              </a:rPr>
+              <a:t>        </a:t>
+            </a:r>
+            <a:r>
+              <a:rPr lang="en-US" dirty="0" err="1">
+                <a:solidFill>
+                  <a:srgbClr val="000000"/>
+                </a:solidFill>
+                <a:latin typeface="Menlo" panose="020B0609030804020204" pitchFamily="49" charset="0"/>
+              </a:rPr>
+              <a:t>sales_by_store.c.store_id.label</a:t>
+            </a:r>
+            <a:r>
+              <a:rPr lang="en-US" dirty="0">
+                <a:solidFill>
+                  <a:srgbClr val="000000"/>
+                </a:solidFill>
+                <a:latin typeface="Menlo" panose="020B0609030804020204" pitchFamily="49" charset="0"/>
+              </a:rPr>
+              <a:t>(</a:t>
+            </a:r>
+            <a:r>
+              <a:rPr lang="en-US" dirty="0">
+                <a:solidFill>
+                  <a:srgbClr val="9FA01C"/>
+                </a:solidFill>
+                <a:latin typeface="Menlo" panose="020B0609030804020204" pitchFamily="49" charset="0"/>
+              </a:rPr>
+              <a:t>"store"</a:t>
+            </a:r>
+            <a:r>
+              <a:rPr lang="en-US" dirty="0">
+                <a:solidFill>
+                  <a:srgbClr val="000000"/>
+                </a:solidFill>
+                <a:latin typeface="Menlo" panose="020B0609030804020204" pitchFamily="49" charset="0"/>
+              </a:rPr>
+              <a:t>),</a:t>
+            </a:r>
+          </a:p>
+          <a:p>
+            <a:pPr marL="0" indent="0">
+              <a:buNone/>
+            </a:pPr>
+            <a:r>
+              <a:rPr lang="en-US" dirty="0">
+                <a:solidFill>
+                  <a:srgbClr val="000000"/>
+                </a:solidFill>
+                <a:latin typeface="Menlo" panose="020B0609030804020204" pitchFamily="49" charset="0"/>
+              </a:rPr>
+              <a:t>        </a:t>
+            </a:r>
+            <a:r>
+              <a:rPr lang="en-US" dirty="0" err="1">
+                <a:solidFill>
+                  <a:srgbClr val="000000"/>
+                </a:solidFill>
+                <a:latin typeface="Menlo" panose="020B0609030804020204" pitchFamily="49" charset="0"/>
+              </a:rPr>
+              <a:t>sales_by_store.c.amount.label</a:t>
+            </a:r>
+            <a:r>
+              <a:rPr lang="en-US" dirty="0">
+                <a:solidFill>
+                  <a:srgbClr val="000000"/>
+                </a:solidFill>
+                <a:latin typeface="Menlo" panose="020B0609030804020204" pitchFamily="49" charset="0"/>
+              </a:rPr>
+              <a:t>(</a:t>
+            </a:r>
+            <a:r>
+              <a:rPr lang="en-US" dirty="0">
+                <a:solidFill>
+                  <a:srgbClr val="9FA01C"/>
+                </a:solidFill>
+                <a:latin typeface="Menlo" panose="020B0609030804020204" pitchFamily="49" charset="0"/>
+              </a:rPr>
+              <a:t>"</a:t>
+            </a:r>
+            <a:r>
+              <a:rPr lang="en-US" dirty="0" err="1">
+                <a:solidFill>
+                  <a:srgbClr val="9FA01C"/>
+                </a:solidFill>
+                <a:latin typeface="Menlo" panose="020B0609030804020204" pitchFamily="49" charset="0"/>
+              </a:rPr>
+              <a:t>sales_for_store</a:t>
+            </a:r>
+            <a:r>
+              <a:rPr lang="en-US" dirty="0">
+                <a:solidFill>
+                  <a:srgbClr val="9FA01C"/>
+                </a:solidFill>
+                <a:latin typeface="Menlo" panose="020B0609030804020204" pitchFamily="49" charset="0"/>
+              </a:rPr>
+              <a:t>"</a:t>
+            </a:r>
+            <a:r>
+              <a:rPr lang="en-US" dirty="0">
+                <a:solidFill>
+                  <a:srgbClr val="000000"/>
+                </a:solidFill>
+                <a:latin typeface="Menlo" panose="020B0609030804020204" pitchFamily="49" charset="0"/>
+              </a:rPr>
+              <a:t>),</a:t>
+            </a:r>
+          </a:p>
+          <a:p>
+            <a:pPr marL="0" indent="0">
+              <a:buNone/>
+            </a:pPr>
+            <a:r>
+              <a:rPr lang="en-US" dirty="0">
+                <a:solidFill>
+                  <a:srgbClr val="000000"/>
+                </a:solidFill>
+                <a:latin typeface="Menlo" panose="020B0609030804020204" pitchFamily="49" charset="0"/>
+              </a:rPr>
+              <a:t>    )</a:t>
+            </a:r>
+          </a:p>
+          <a:p>
+            <a:pPr marL="0" indent="0">
+              <a:buNone/>
+            </a:pPr>
+            <a:r>
+              <a:rPr lang="en-US" dirty="0">
+                <a:solidFill>
+                  <a:srgbClr val="000000"/>
+                </a:solidFill>
+                <a:latin typeface="Menlo" panose="020B0609030804020204" pitchFamily="49" charset="0"/>
+              </a:rPr>
+              <a:t>)</a:t>
+            </a:r>
+          </a:p>
+        </p:txBody>
+      </p:sp>
+    </p:spTree>
+    <p:extLst>
+      <p:ext uri="{BB962C8B-B14F-4D97-AF65-F5344CB8AC3E}">
+        <p14:creationId xmlns:p14="http://schemas.microsoft.com/office/powerpoint/2010/main" val="1082284344"/>
+      </p:ext>
+    </p:extLst>
+  </p:cSld>
+  <p:clrMapOvr>
+    <a:masterClrMapping/>
+  </p:clrMapOvr>
+</p:sld>
+</file>
+
+<file path=ppt/slides/slide24.xml><?xml version="1.0" encoding="utf-8"?>
+<p:sld xmlns:a="http://schemas.openxmlformats.org/drawingml/2006/main" xmlns:r="http://schemas.openxmlformats.org/officeDocument/2006/relationships" xmlns:p="http://schemas.openxmlformats.org/presentationml/2006/main">
+  <p:cSld>
+    <p:spTree>
+      <p:nvGrpSpPr>
+        <p:cNvPr id="1" name=""/>
+        <p:cNvGrpSpPr/>
+        <p:nvPr/>
+      </p:nvGrpSpPr>
+      <p:grpSpPr>
+        <a:xfrm>
+          <a:off x="0" y="0"/>
+          <a:ext cx="0" cy="0"/>
+          <a:chOff x="0" y="0"/>
+          <a:chExt cx="0" cy="0"/>
+        </a:xfrm>
+      </p:grpSpPr>
+      <p:sp>
+        <p:nvSpPr>
+          <p:cNvPr id="2" name="Title 1">
+            <a:extLst>
+              <a:ext uri="{FF2B5EF4-FFF2-40B4-BE49-F238E27FC236}">
+                <a16:creationId xmlns:a16="http://schemas.microsoft.com/office/drawing/2014/main" id="{92B70D85-F185-E546-8624-227D28F41176}"/>
+              </a:ext>
+            </a:extLst>
+          </p:cNvPr>
+          <p:cNvSpPr>
+            <a:spLocks noGrp="1"/>
+          </p:cNvSpPr>
+          <p:nvPr>
+            <p:ph type="title"/>
+          </p:nvPr>
+        </p:nvSpPr>
+        <p:spPr/>
+        <p:txBody>
+          <a:bodyPr/>
+          <a:lstStyle/>
+          <a:p>
+            <a:r>
+              <a:rPr lang="en-US" dirty="0"/>
+              <a:t>Window Functions (Example 04)</a:t>
+            </a:r>
+          </a:p>
+        </p:txBody>
+      </p:sp>
+      <p:sp>
+        <p:nvSpPr>
+          <p:cNvPr id="3" name="Content Placeholder 2">
+            <a:extLst>
+              <a:ext uri="{FF2B5EF4-FFF2-40B4-BE49-F238E27FC236}">
+                <a16:creationId xmlns:a16="http://schemas.microsoft.com/office/drawing/2014/main" id="{D2F43B04-08B2-8048-814A-B31BECFAB0FE}"/>
+              </a:ext>
+            </a:extLst>
+          </p:cNvPr>
+          <p:cNvSpPr>
+            <a:spLocks noGrp="1"/>
+          </p:cNvSpPr>
+          <p:nvPr>
+            <p:ph idx="1"/>
+          </p:nvPr>
+        </p:nvSpPr>
+        <p:spPr/>
+        <p:txBody>
+          <a:bodyPr>
+            <a:normAutofit fontScale="47500" lnSpcReduction="20000"/>
+          </a:bodyPr>
+          <a:lstStyle/>
+          <a:p>
+            <a:pPr marL="0" indent="0">
+              <a:buNone/>
+            </a:pPr>
+            <a:r>
+              <a:rPr lang="en-US" dirty="0">
+                <a:solidFill>
+                  <a:srgbClr val="000000"/>
+                </a:solidFill>
+                <a:latin typeface="Menlo" panose="020B0609030804020204" pitchFamily="49" charset="0"/>
+              </a:rPr>
+              <a:t>window functions to compute aggregates at multiple levels</a:t>
+            </a:r>
+          </a:p>
+          <a:p>
+            <a:pPr marL="0" indent="0">
+              <a:buNone/>
+            </a:pPr>
+            <a:r>
+              <a:rPr lang="en-US" dirty="0">
+                <a:solidFill>
+                  <a:srgbClr val="000000"/>
+                </a:solidFill>
+                <a:latin typeface="Menlo" panose="020B0609030804020204" pitchFamily="49" charset="0"/>
+              </a:rPr>
+              <a:t>+----------+--------------------+---------+-------------------+---------------+-------------------+</a:t>
+            </a:r>
+          </a:p>
+          <a:p>
+            <a:pPr marL="0" indent="0">
+              <a:buNone/>
+            </a:pPr>
+            <a:r>
+              <a:rPr lang="en-US" dirty="0">
+                <a:solidFill>
+                  <a:srgbClr val="000000"/>
+                </a:solidFill>
+                <a:latin typeface="Menlo" panose="020B0609030804020204" pitchFamily="49" charset="0"/>
+              </a:rPr>
+              <a:t>| region   |   </a:t>
+            </a:r>
+            <a:r>
+              <a:rPr lang="en-US" dirty="0" err="1">
+                <a:solidFill>
+                  <a:srgbClr val="000000"/>
+                </a:solidFill>
+                <a:latin typeface="Menlo" panose="020B0609030804020204" pitchFamily="49" charset="0"/>
+              </a:rPr>
+              <a:t>sales_for_region</a:t>
+            </a:r>
+            <a:r>
+              <a:rPr lang="en-US" dirty="0">
+                <a:solidFill>
+                  <a:srgbClr val="000000"/>
+                </a:solidFill>
+                <a:latin typeface="Menlo" panose="020B0609030804020204" pitchFamily="49" charset="0"/>
+              </a:rPr>
+              <a:t> | state   |   </a:t>
+            </a:r>
+            <a:r>
+              <a:rPr lang="en-US" dirty="0" err="1">
+                <a:solidFill>
+                  <a:srgbClr val="000000"/>
+                </a:solidFill>
+                <a:latin typeface="Menlo" panose="020B0609030804020204" pitchFamily="49" charset="0"/>
+              </a:rPr>
+              <a:t>sales_for_state</a:t>
+            </a:r>
+            <a:r>
+              <a:rPr lang="en-US" dirty="0">
+                <a:solidFill>
+                  <a:srgbClr val="000000"/>
+                </a:solidFill>
+                <a:latin typeface="Menlo" panose="020B0609030804020204" pitchFamily="49" charset="0"/>
+              </a:rPr>
+              <a:t> | store         |   </a:t>
+            </a:r>
+            <a:r>
+              <a:rPr lang="en-US" dirty="0" err="1">
+                <a:solidFill>
+                  <a:srgbClr val="000000"/>
+                </a:solidFill>
+                <a:latin typeface="Menlo" panose="020B0609030804020204" pitchFamily="49" charset="0"/>
+              </a:rPr>
+              <a:t>sales_for_store</a:t>
+            </a:r>
+            <a:r>
+              <a:rPr lang="en-US" dirty="0">
+                <a:solidFill>
+                  <a:srgbClr val="000000"/>
+                </a:solidFill>
+                <a:latin typeface="Menlo" panose="020B0609030804020204" pitchFamily="49" charset="0"/>
+              </a:rPr>
+              <a:t> |</a:t>
+            </a:r>
+          </a:p>
+          <a:p>
+            <a:pPr marL="0" indent="0">
+              <a:buNone/>
+            </a:pPr>
+            <a:r>
+              <a:rPr lang="en-US" dirty="0">
+                <a:solidFill>
+                  <a:srgbClr val="000000"/>
+                </a:solidFill>
+                <a:latin typeface="Menlo" panose="020B0609030804020204" pitchFamily="49" charset="0"/>
+              </a:rPr>
+              <a:t>|----------+--------------------+---------+-------------------+---------------+-------------------|</a:t>
+            </a:r>
+          </a:p>
+          <a:p>
+            <a:pPr marL="0" indent="0">
+              <a:buNone/>
+            </a:pPr>
+            <a:r>
+              <a:rPr lang="en-US" dirty="0">
+                <a:solidFill>
+                  <a:srgbClr val="000000"/>
+                </a:solidFill>
+                <a:latin typeface="Menlo" panose="020B0609030804020204" pitchFamily="49" charset="0"/>
+              </a:rPr>
+              <a:t>| EAST     |           19482.5  | EAST-NY |          19482.5  | EAST-NY-55555 |           7403.61 |</a:t>
+            </a:r>
+          </a:p>
+          <a:p>
+            <a:pPr marL="0" indent="0">
+              <a:buNone/>
+            </a:pPr>
+            <a:r>
+              <a:rPr lang="en-US" dirty="0">
+                <a:solidFill>
+                  <a:srgbClr val="000000"/>
+                </a:solidFill>
+                <a:latin typeface="Menlo" panose="020B0609030804020204" pitchFamily="49" charset="0"/>
+              </a:rPr>
+              <a:t>| EAST     |           19482.5  | EAST-NY |          19482.5  | EAST-NY-22222 |           6193.54 |</a:t>
+            </a:r>
+          </a:p>
+          <a:p>
+            <a:pPr marL="0" indent="0">
+              <a:buNone/>
+            </a:pPr>
+            <a:r>
+              <a:rPr lang="en-US" dirty="0">
+                <a:solidFill>
+                  <a:srgbClr val="000000"/>
+                </a:solidFill>
+                <a:latin typeface="Menlo" panose="020B0609030804020204" pitchFamily="49" charset="0"/>
+              </a:rPr>
+              <a:t>| EAST     |           19482.5  | EAST-NY |          19482.5  | EAST-NY-12345 |           5885.36 |</a:t>
+            </a:r>
+          </a:p>
+          <a:p>
+            <a:pPr marL="0" indent="0">
+              <a:buNone/>
+            </a:pPr>
+            <a:r>
+              <a:rPr lang="en-US" dirty="0">
+                <a:solidFill>
+                  <a:srgbClr val="000000"/>
+                </a:solidFill>
+                <a:latin typeface="Menlo" panose="020B0609030804020204" pitchFamily="49" charset="0"/>
+              </a:rPr>
+              <a:t>| SOUT     |           13459.1  | SOUT-AL |           7653.39 | SOUT-AL-54321 |           7653.39 |</a:t>
+            </a:r>
+          </a:p>
+          <a:p>
+            <a:pPr marL="0" indent="0">
+              <a:buNone/>
+            </a:pPr>
+            <a:r>
+              <a:rPr lang="en-US" dirty="0">
+                <a:solidFill>
+                  <a:srgbClr val="000000"/>
+                </a:solidFill>
+                <a:latin typeface="Menlo" panose="020B0609030804020204" pitchFamily="49" charset="0"/>
+              </a:rPr>
+              <a:t>| SOUT     |           13459.1  | SOUT-GA |           5805.7  | SOUT-GA-11111 |           5805.7  |</a:t>
+            </a:r>
+          </a:p>
+          <a:p>
+            <a:pPr marL="0" indent="0">
+              <a:buNone/>
+            </a:pPr>
+            <a:r>
+              <a:rPr lang="en-US" dirty="0">
+                <a:solidFill>
+                  <a:srgbClr val="000000"/>
+                </a:solidFill>
+                <a:latin typeface="Menlo" panose="020B0609030804020204" pitchFamily="49" charset="0"/>
+              </a:rPr>
+              <a:t>| WEST     |           11365    | WEST-AZ |           6117.09 | WEST-AZ-55555 |           6117.09 |</a:t>
+            </a:r>
+          </a:p>
+          <a:p>
+            <a:pPr marL="0" indent="0">
+              <a:buNone/>
+            </a:pPr>
+            <a:r>
+              <a:rPr lang="en-US" dirty="0">
+                <a:solidFill>
+                  <a:srgbClr val="000000"/>
+                </a:solidFill>
+                <a:latin typeface="Menlo" panose="020B0609030804020204" pitchFamily="49" charset="0"/>
+              </a:rPr>
+              <a:t>| WEST     |           11365    | WEST-CA |           5247.91 | WEST-CA-55555 |           5247.91 |</a:t>
+            </a:r>
+          </a:p>
+          <a:p>
+            <a:pPr marL="0" indent="0">
+              <a:buNone/>
+            </a:pPr>
+            <a:r>
+              <a:rPr lang="en-US" dirty="0">
+                <a:solidFill>
+                  <a:srgbClr val="000000"/>
+                </a:solidFill>
+                <a:latin typeface="Menlo" panose="020B0609030804020204" pitchFamily="49" charset="0"/>
+              </a:rPr>
+              <a:t>| NORT     |            5290.89 | NORT-MN |           5290.89 | NORT-MN-44444 |           5290.89 |</a:t>
+            </a:r>
+          </a:p>
+          <a:p>
+            <a:pPr marL="0" indent="0">
+              <a:buNone/>
+            </a:pPr>
+            <a:r>
+              <a:rPr lang="en-US" dirty="0">
+                <a:solidFill>
+                  <a:srgbClr val="000000"/>
+                </a:solidFill>
+                <a:latin typeface="Menlo" panose="020B0609030804020204" pitchFamily="49" charset="0"/>
+              </a:rPr>
+              <a:t>+----------+--------------------+---------+-------------------+---------------+-------------------+</a:t>
+            </a:r>
+          </a:p>
+          <a:p>
+            <a:pPr marL="0" indent="0">
+              <a:buNone/>
+            </a:pPr>
+            <a:endParaRPr lang="en-US" dirty="0"/>
+          </a:p>
+        </p:txBody>
+      </p:sp>
+    </p:spTree>
+    <p:extLst>
+      <p:ext uri="{BB962C8B-B14F-4D97-AF65-F5344CB8AC3E}">
+        <p14:creationId xmlns:p14="http://schemas.microsoft.com/office/powerpoint/2010/main" val="3659849880"/>
+      </p:ext>
+    </p:extLst>
+  </p:cSld>
+  <p:clrMapOvr>
+    <a:masterClrMapping/>
+  </p:clrMapOvr>
+</p:sld>
+</file>
+
+<file path=ppt/slides/slide25.xml><?xml version="1.0" encoding="utf-8"?>
+<p:sld xmlns:a="http://schemas.openxmlformats.org/drawingml/2006/main" xmlns:r="http://schemas.openxmlformats.org/officeDocument/2006/relationships" xmlns:p="http://schemas.openxmlformats.org/presentationml/2006/main">
+  <p:cSld>
+    <p:spTree>
+      <p:nvGrpSpPr>
+        <p:cNvPr id="1" name=""/>
+        <p:cNvGrpSpPr/>
+        <p:nvPr/>
+      </p:nvGrpSpPr>
+      <p:grpSpPr>
+        <a:xfrm>
+          <a:off x="0" y="0"/>
+          <a:ext cx="0" cy="0"/>
+          <a:chOff x="0" y="0"/>
+          <a:chExt cx="0" cy="0"/>
+        </a:xfrm>
+      </p:grpSpPr>
+      <p:sp>
+        <p:nvSpPr>
+          <p:cNvPr id="2" name="Title 1">
+            <a:extLst>
+              <a:ext uri="{FF2B5EF4-FFF2-40B4-BE49-F238E27FC236}">
+                <a16:creationId xmlns:a16="http://schemas.microsoft.com/office/drawing/2014/main" id="{4F34299A-27AF-BF44-AF97-0DC5EA917BC9}"/>
+              </a:ext>
+            </a:extLst>
+          </p:cNvPr>
+          <p:cNvSpPr>
+            <a:spLocks noGrp="1"/>
+          </p:cNvSpPr>
+          <p:nvPr>
+            <p:ph type="title"/>
+          </p:nvPr>
+        </p:nvSpPr>
+        <p:spPr/>
+        <p:txBody>
+          <a:bodyPr/>
+          <a:lstStyle/>
+          <a:p>
+            <a:r>
+              <a:rPr lang="en-US" dirty="0"/>
+              <a:t>Grouping Sets</a:t>
+            </a:r>
+          </a:p>
+        </p:txBody>
+      </p:sp>
+      <p:sp>
+        <p:nvSpPr>
+          <p:cNvPr id="3" name="Content Placeholder 2">
+            <a:extLst>
+              <a:ext uri="{FF2B5EF4-FFF2-40B4-BE49-F238E27FC236}">
+                <a16:creationId xmlns:a16="http://schemas.microsoft.com/office/drawing/2014/main" id="{198F859B-3826-A449-89D6-2DB20F9EE9F8}"/>
+              </a:ext>
+            </a:extLst>
+          </p:cNvPr>
+          <p:cNvSpPr>
+            <a:spLocks noGrp="1"/>
+          </p:cNvSpPr>
+          <p:nvPr>
+            <p:ph idx="1"/>
+          </p:nvPr>
+        </p:nvSpPr>
+        <p:spPr/>
+        <p:txBody>
+          <a:bodyPr/>
+          <a:lstStyle/>
+          <a:p>
+            <a:r>
+              <a:rPr lang="en-US" dirty="0"/>
+              <a:t>Like </a:t>
+            </a:r>
+            <a:r>
+              <a:rPr lang="en-US" dirty="0">
+                <a:latin typeface="Consolas" panose="020B0609020204030204" pitchFamily="49" charset="0"/>
+                <a:cs typeface="Consolas" panose="020B0609020204030204" pitchFamily="49" charset="0"/>
+              </a:rPr>
+              <a:t>GROUP BY</a:t>
+            </a:r>
+            <a:r>
+              <a:rPr lang="en-US" dirty="0"/>
+              <a:t>, but way better</a:t>
+            </a:r>
+          </a:p>
+          <a:p>
+            <a:r>
+              <a:rPr lang="en-US" dirty="0"/>
+              <a:t>Calculate your results for multiple different groups all in one query</a:t>
+            </a:r>
+          </a:p>
+          <a:p>
+            <a:r>
+              <a:rPr lang="en-US" dirty="0"/>
+              <a:t>Favorite uses:</a:t>
+            </a:r>
+          </a:p>
+          <a:p>
+            <a:pPr lvl="1"/>
+            <a:r>
+              <a:rPr lang="en-US" dirty="0"/>
+              <a:t>Reporting</a:t>
+            </a:r>
+          </a:p>
+          <a:p>
+            <a:pPr lvl="1"/>
+            <a:r>
+              <a:rPr lang="en-US" dirty="0"/>
+              <a:t>Reporting</a:t>
+            </a:r>
+          </a:p>
+          <a:p>
+            <a:pPr lvl="1"/>
+            <a:r>
+              <a:rPr lang="en-US" dirty="0"/>
+              <a:t>Reporting</a:t>
+            </a:r>
+          </a:p>
+        </p:txBody>
+      </p:sp>
+    </p:spTree>
+    <p:extLst>
+      <p:ext uri="{BB962C8B-B14F-4D97-AF65-F5344CB8AC3E}">
+        <p14:creationId xmlns:p14="http://schemas.microsoft.com/office/powerpoint/2010/main" val="2851569539"/>
+      </p:ext>
+    </p:extLst>
+  </p:cSld>
+  <p:clrMapOvr>
+    <a:masterClrMapping/>
+  </p:clrMapOvr>
+</p:sld>
+</file>
+
+<file path=ppt/slides/slide26.xml><?xml version="1.0" encoding="utf-8"?>
+<p:sld xmlns:a="http://schemas.openxmlformats.org/drawingml/2006/main" xmlns:r="http://schemas.openxmlformats.org/officeDocument/2006/relationships" xmlns:p="http://schemas.openxmlformats.org/presentationml/2006/main">
+  <p:cSld>
+    <p:spTree>
+      <p:nvGrpSpPr>
+        <p:cNvPr id="1" name=""/>
+        <p:cNvGrpSpPr/>
+        <p:nvPr/>
+      </p:nvGrpSpPr>
+      <p:grpSpPr>
+        <a:xfrm>
+          <a:off x="0" y="0"/>
+          <a:ext cx="0" cy="0"/>
+          <a:chOff x="0" y="0"/>
+          <a:chExt cx="0" cy="0"/>
+        </a:xfrm>
+      </p:grpSpPr>
+      <p:sp>
+        <p:nvSpPr>
+          <p:cNvPr id="2" name="Title 1">
+            <a:extLst>
+              <a:ext uri="{FF2B5EF4-FFF2-40B4-BE49-F238E27FC236}">
+                <a16:creationId xmlns:a16="http://schemas.microsoft.com/office/drawing/2014/main" id="{6CFBCEC9-2EB1-DD47-B201-DD3AB7A79D34}"/>
+              </a:ext>
+            </a:extLst>
+          </p:cNvPr>
+          <p:cNvSpPr>
+            <a:spLocks noGrp="1"/>
+          </p:cNvSpPr>
+          <p:nvPr>
+            <p:ph type="title"/>
+          </p:nvPr>
+        </p:nvSpPr>
+        <p:spPr/>
+        <p:txBody>
+          <a:bodyPr/>
+          <a:lstStyle/>
+          <a:p>
+            <a:r>
+              <a:rPr lang="en-US" dirty="0"/>
+              <a:t>Grouping Sets (Example 05)</a:t>
+            </a:r>
+          </a:p>
+        </p:txBody>
+      </p:sp>
+      <p:sp>
+        <p:nvSpPr>
+          <p:cNvPr id="3" name="Content Placeholder 2">
+            <a:extLst>
+              <a:ext uri="{FF2B5EF4-FFF2-40B4-BE49-F238E27FC236}">
+                <a16:creationId xmlns:a16="http://schemas.microsoft.com/office/drawing/2014/main" id="{8745A121-7133-2A4D-843C-E77964AD9624}"/>
+              </a:ext>
+            </a:extLst>
+          </p:cNvPr>
+          <p:cNvSpPr>
+            <a:spLocks noGrp="1"/>
+          </p:cNvSpPr>
+          <p:nvPr>
+            <p:ph idx="1"/>
+          </p:nvPr>
+        </p:nvSpPr>
+        <p:spPr/>
+        <p:txBody>
+          <a:bodyPr>
+            <a:normAutofit fontScale="55000" lnSpcReduction="20000"/>
+          </a:bodyPr>
+          <a:lstStyle/>
+          <a:p>
+            <a:pPr marL="0" indent="0">
+              <a:buNone/>
+            </a:pPr>
+            <a:r>
+              <a:rPr lang="en-US" dirty="0" err="1">
+                <a:solidFill>
+                  <a:srgbClr val="000000"/>
+                </a:solidFill>
+                <a:latin typeface="Menlo" panose="020B0609030804020204" pitchFamily="49" charset="0"/>
+              </a:rPr>
+              <a:t>sales_report</a:t>
+            </a:r>
+            <a:r>
+              <a:rPr lang="en-US" dirty="0">
+                <a:solidFill>
+                  <a:srgbClr val="000000"/>
+                </a:solidFill>
+                <a:latin typeface="Menlo" panose="020B0609030804020204" pitchFamily="49" charset="0"/>
+              </a:rPr>
+              <a:t> = (</a:t>
+            </a:r>
+          </a:p>
+          <a:p>
+            <a:pPr marL="0" indent="0">
+              <a:buNone/>
+            </a:pPr>
+            <a:r>
+              <a:rPr lang="en-US" dirty="0">
+                <a:solidFill>
+                  <a:srgbClr val="000000"/>
+                </a:solidFill>
+                <a:latin typeface="Menlo" panose="020B0609030804020204" pitchFamily="49" charset="0"/>
+              </a:rPr>
+              <a:t>    </a:t>
+            </a:r>
+            <a:r>
+              <a:rPr lang="en-US" dirty="0" err="1">
+                <a:solidFill>
+                  <a:srgbClr val="000000"/>
+                </a:solidFill>
+                <a:latin typeface="Menlo" panose="020B0609030804020204" pitchFamily="49" charset="0"/>
+              </a:rPr>
+              <a:t>meta.session.query</a:t>
+            </a:r>
+            <a:r>
+              <a:rPr lang="en-US" dirty="0">
+                <a:solidFill>
+                  <a:srgbClr val="000000"/>
+                </a:solidFill>
+                <a:latin typeface="Menlo" panose="020B0609030804020204" pitchFamily="49" charset="0"/>
+              </a:rPr>
+              <a:t>(</a:t>
+            </a:r>
+          </a:p>
+          <a:p>
+            <a:pPr marL="0" indent="0">
+              <a:buNone/>
+            </a:pPr>
+            <a:r>
+              <a:rPr lang="en-US" dirty="0">
+                <a:solidFill>
+                  <a:srgbClr val="000000"/>
+                </a:solidFill>
+                <a:latin typeface="Menlo" panose="020B0609030804020204" pitchFamily="49" charset="0"/>
+              </a:rPr>
+              <a:t>        </a:t>
+            </a:r>
+            <a:r>
+              <a:rPr lang="en-US" dirty="0" err="1">
+                <a:solidFill>
+                  <a:srgbClr val="000000"/>
+                </a:solidFill>
+                <a:latin typeface="Menlo" panose="020B0609030804020204" pitchFamily="49" charset="0"/>
+              </a:rPr>
+              <a:t>func.left</a:t>
+            </a:r>
+            <a:r>
+              <a:rPr lang="en-US" dirty="0">
+                <a:solidFill>
+                  <a:srgbClr val="000000"/>
+                </a:solidFill>
+                <a:latin typeface="Menlo" panose="020B0609030804020204" pitchFamily="49" charset="0"/>
+              </a:rPr>
+              <a:t>(</a:t>
+            </a:r>
+            <a:r>
+              <a:rPr lang="en-US" dirty="0" err="1">
+                <a:solidFill>
+                  <a:srgbClr val="000000"/>
+                </a:solidFill>
+                <a:latin typeface="Menlo" panose="020B0609030804020204" pitchFamily="49" charset="0"/>
+              </a:rPr>
+              <a:t>model.Sale.store_id</a:t>
+            </a:r>
+            <a:r>
+              <a:rPr lang="en-US" dirty="0">
+                <a:solidFill>
+                  <a:srgbClr val="000000"/>
+                </a:solidFill>
+                <a:latin typeface="Menlo" panose="020B0609030804020204" pitchFamily="49" charset="0"/>
+              </a:rPr>
+              <a:t>, </a:t>
+            </a:r>
+            <a:r>
+              <a:rPr lang="en-US" dirty="0">
+                <a:solidFill>
+                  <a:srgbClr val="9FA01C"/>
+                </a:solidFill>
+                <a:latin typeface="Menlo" panose="020B0609030804020204" pitchFamily="49" charset="0"/>
+              </a:rPr>
+              <a:t>4</a:t>
+            </a:r>
+            <a:r>
+              <a:rPr lang="en-US" dirty="0">
+                <a:solidFill>
+                  <a:srgbClr val="000000"/>
+                </a:solidFill>
+                <a:latin typeface="Menlo" panose="020B0609030804020204" pitchFamily="49" charset="0"/>
+              </a:rPr>
+              <a:t>).label(</a:t>
+            </a:r>
+            <a:r>
+              <a:rPr lang="en-US" dirty="0">
+                <a:solidFill>
+                  <a:srgbClr val="9FA01C"/>
+                </a:solidFill>
+                <a:latin typeface="Menlo" panose="020B0609030804020204" pitchFamily="49" charset="0"/>
+              </a:rPr>
+              <a:t>"region"</a:t>
+            </a:r>
+            <a:r>
+              <a:rPr lang="en-US" dirty="0">
+                <a:solidFill>
+                  <a:srgbClr val="000000"/>
+                </a:solidFill>
+                <a:latin typeface="Menlo" panose="020B0609030804020204" pitchFamily="49" charset="0"/>
+              </a:rPr>
+              <a:t>),</a:t>
+            </a:r>
+          </a:p>
+          <a:p>
+            <a:pPr marL="0" indent="0">
+              <a:buNone/>
+            </a:pPr>
+            <a:r>
+              <a:rPr lang="en-US" dirty="0">
+                <a:solidFill>
+                  <a:srgbClr val="000000"/>
+                </a:solidFill>
+                <a:latin typeface="Menlo" panose="020B0609030804020204" pitchFamily="49" charset="0"/>
+              </a:rPr>
+              <a:t>        </a:t>
+            </a:r>
+            <a:r>
+              <a:rPr lang="en-US" dirty="0" err="1">
+                <a:solidFill>
+                  <a:srgbClr val="000000"/>
+                </a:solidFill>
+                <a:latin typeface="Menlo" panose="020B0609030804020204" pitchFamily="49" charset="0"/>
+              </a:rPr>
+              <a:t>func.left</a:t>
+            </a:r>
+            <a:r>
+              <a:rPr lang="en-US" dirty="0">
+                <a:solidFill>
+                  <a:srgbClr val="000000"/>
+                </a:solidFill>
+                <a:latin typeface="Menlo" panose="020B0609030804020204" pitchFamily="49" charset="0"/>
+              </a:rPr>
+              <a:t>(</a:t>
+            </a:r>
+            <a:r>
+              <a:rPr lang="en-US" dirty="0" err="1">
+                <a:solidFill>
+                  <a:srgbClr val="000000"/>
+                </a:solidFill>
+                <a:latin typeface="Menlo" panose="020B0609030804020204" pitchFamily="49" charset="0"/>
+              </a:rPr>
+              <a:t>model.Sale.store_id</a:t>
+            </a:r>
+            <a:r>
+              <a:rPr lang="en-US" dirty="0">
+                <a:solidFill>
+                  <a:srgbClr val="000000"/>
+                </a:solidFill>
+                <a:latin typeface="Menlo" panose="020B0609030804020204" pitchFamily="49" charset="0"/>
+              </a:rPr>
+              <a:t>, </a:t>
+            </a:r>
+            <a:r>
+              <a:rPr lang="en-US" dirty="0">
+                <a:solidFill>
+                  <a:srgbClr val="9FA01C"/>
+                </a:solidFill>
+                <a:latin typeface="Menlo" panose="020B0609030804020204" pitchFamily="49" charset="0"/>
+              </a:rPr>
+              <a:t>7</a:t>
+            </a:r>
+            <a:r>
+              <a:rPr lang="en-US" dirty="0">
+                <a:solidFill>
+                  <a:srgbClr val="000000"/>
+                </a:solidFill>
+                <a:latin typeface="Menlo" panose="020B0609030804020204" pitchFamily="49" charset="0"/>
+              </a:rPr>
+              <a:t>).label(</a:t>
+            </a:r>
+            <a:r>
+              <a:rPr lang="en-US" dirty="0">
+                <a:solidFill>
+                  <a:srgbClr val="9FA01C"/>
+                </a:solidFill>
+                <a:latin typeface="Menlo" panose="020B0609030804020204" pitchFamily="49" charset="0"/>
+              </a:rPr>
+              <a:t>"state"</a:t>
+            </a:r>
+            <a:r>
+              <a:rPr lang="en-US" dirty="0">
+                <a:solidFill>
+                  <a:srgbClr val="000000"/>
+                </a:solidFill>
+                <a:latin typeface="Menlo" panose="020B0609030804020204" pitchFamily="49" charset="0"/>
+              </a:rPr>
+              <a:t>),</a:t>
+            </a:r>
+          </a:p>
+          <a:p>
+            <a:pPr marL="0" indent="0">
+              <a:buNone/>
+            </a:pPr>
+            <a:r>
+              <a:rPr lang="en-US" dirty="0">
+                <a:solidFill>
+                  <a:srgbClr val="000000"/>
+                </a:solidFill>
+                <a:latin typeface="Menlo" panose="020B0609030804020204" pitchFamily="49" charset="0"/>
+              </a:rPr>
+              <a:t>        </a:t>
+            </a:r>
+            <a:r>
+              <a:rPr lang="en-US" dirty="0" err="1">
+                <a:solidFill>
+                  <a:srgbClr val="000000"/>
+                </a:solidFill>
+                <a:latin typeface="Menlo" panose="020B0609030804020204" pitchFamily="49" charset="0"/>
+              </a:rPr>
+              <a:t>model.Sale.store_id.label</a:t>
+            </a:r>
+            <a:r>
+              <a:rPr lang="en-US" dirty="0">
+                <a:solidFill>
+                  <a:srgbClr val="000000"/>
+                </a:solidFill>
+                <a:latin typeface="Menlo" panose="020B0609030804020204" pitchFamily="49" charset="0"/>
+              </a:rPr>
+              <a:t>(</a:t>
+            </a:r>
+            <a:r>
+              <a:rPr lang="en-US" dirty="0">
+                <a:solidFill>
+                  <a:srgbClr val="9FA01C"/>
+                </a:solidFill>
+                <a:latin typeface="Menlo" panose="020B0609030804020204" pitchFamily="49" charset="0"/>
+              </a:rPr>
+              <a:t>"store"</a:t>
+            </a:r>
+            <a:r>
+              <a:rPr lang="en-US" dirty="0">
+                <a:solidFill>
+                  <a:srgbClr val="000000"/>
+                </a:solidFill>
+                <a:latin typeface="Menlo" panose="020B0609030804020204" pitchFamily="49" charset="0"/>
+              </a:rPr>
+              <a:t>),</a:t>
+            </a:r>
+          </a:p>
+          <a:p>
+            <a:pPr marL="0" indent="0">
+              <a:buNone/>
+            </a:pPr>
+            <a:r>
+              <a:rPr lang="en-US" dirty="0">
+                <a:solidFill>
+                  <a:srgbClr val="000000"/>
+                </a:solidFill>
+                <a:latin typeface="Menlo" panose="020B0609030804020204" pitchFamily="49" charset="0"/>
+              </a:rPr>
+              <a:t>        </a:t>
+            </a:r>
+            <a:r>
+              <a:rPr lang="en-US" dirty="0" err="1">
+                <a:solidFill>
+                  <a:srgbClr val="000000"/>
+                </a:solidFill>
+                <a:latin typeface="Menlo" panose="020B0609030804020204" pitchFamily="49" charset="0"/>
+              </a:rPr>
+              <a:t>func.sum</a:t>
+            </a:r>
+            <a:r>
+              <a:rPr lang="en-US" dirty="0">
+                <a:solidFill>
+                  <a:srgbClr val="000000"/>
+                </a:solidFill>
+                <a:latin typeface="Menlo" panose="020B0609030804020204" pitchFamily="49" charset="0"/>
+              </a:rPr>
+              <a:t>(</a:t>
+            </a:r>
+            <a:r>
+              <a:rPr lang="en-US" dirty="0" err="1">
+                <a:solidFill>
+                  <a:srgbClr val="000000"/>
+                </a:solidFill>
+                <a:latin typeface="Menlo" panose="020B0609030804020204" pitchFamily="49" charset="0"/>
+              </a:rPr>
+              <a:t>model.Sale.amount</a:t>
+            </a:r>
+            <a:r>
+              <a:rPr lang="en-US" dirty="0">
+                <a:solidFill>
+                  <a:srgbClr val="000000"/>
+                </a:solidFill>
+                <a:latin typeface="Menlo" panose="020B0609030804020204" pitchFamily="49" charset="0"/>
+              </a:rPr>
+              <a:t>).label(</a:t>
+            </a:r>
+            <a:r>
+              <a:rPr lang="en-US" dirty="0">
+                <a:solidFill>
+                  <a:srgbClr val="9FA01C"/>
+                </a:solidFill>
+                <a:latin typeface="Menlo" panose="020B0609030804020204" pitchFamily="49" charset="0"/>
+              </a:rPr>
+              <a:t>"</a:t>
+            </a:r>
+            <a:r>
+              <a:rPr lang="en-US" dirty="0" err="1">
+                <a:solidFill>
+                  <a:srgbClr val="9FA01C"/>
+                </a:solidFill>
+                <a:latin typeface="Menlo" panose="020B0609030804020204" pitchFamily="49" charset="0"/>
+              </a:rPr>
+              <a:t>sales_for_store</a:t>
+            </a:r>
+            <a:r>
+              <a:rPr lang="en-US" dirty="0">
+                <a:solidFill>
+                  <a:srgbClr val="9FA01C"/>
+                </a:solidFill>
+                <a:latin typeface="Menlo" panose="020B0609030804020204" pitchFamily="49" charset="0"/>
+              </a:rPr>
+              <a:t>"</a:t>
+            </a:r>
+            <a:r>
+              <a:rPr lang="en-US" dirty="0">
+                <a:solidFill>
+                  <a:srgbClr val="000000"/>
+                </a:solidFill>
+                <a:latin typeface="Menlo" panose="020B0609030804020204" pitchFamily="49" charset="0"/>
+              </a:rPr>
+              <a:t>),</a:t>
+            </a:r>
+          </a:p>
+          <a:p>
+            <a:pPr marL="0" indent="0">
+              <a:buNone/>
+            </a:pPr>
+            <a:r>
+              <a:rPr lang="en-US" dirty="0">
+                <a:solidFill>
+                  <a:srgbClr val="000000"/>
+                </a:solidFill>
+                <a:latin typeface="Menlo" panose="020B0609030804020204" pitchFamily="49" charset="0"/>
+              </a:rPr>
+              <a:t>    )</a:t>
+            </a:r>
+          </a:p>
+          <a:p>
+            <a:pPr marL="0" indent="0">
+              <a:buNone/>
+            </a:pPr>
+            <a:r>
+              <a:rPr lang="en-US" dirty="0">
+                <a:solidFill>
+                  <a:srgbClr val="000000"/>
+                </a:solidFill>
+                <a:latin typeface="Menlo" panose="020B0609030804020204" pitchFamily="49" charset="0"/>
+              </a:rPr>
+              <a:t>    .</a:t>
+            </a:r>
+            <a:r>
+              <a:rPr lang="en-US" dirty="0" err="1">
+                <a:solidFill>
+                  <a:srgbClr val="000000"/>
+                </a:solidFill>
+                <a:latin typeface="Menlo" panose="020B0609030804020204" pitchFamily="49" charset="0"/>
+              </a:rPr>
+              <a:t>group_by</a:t>
+            </a:r>
+            <a:r>
+              <a:rPr lang="en-US" dirty="0">
+                <a:solidFill>
+                  <a:srgbClr val="000000"/>
+                </a:solidFill>
+                <a:latin typeface="Menlo" panose="020B0609030804020204" pitchFamily="49" charset="0"/>
+              </a:rPr>
+              <a:t>(</a:t>
+            </a:r>
+          </a:p>
+          <a:p>
+            <a:pPr marL="0" indent="0">
+              <a:buNone/>
+            </a:pPr>
+            <a:r>
+              <a:rPr lang="en-US" dirty="0">
+                <a:solidFill>
+                  <a:srgbClr val="000000"/>
+                </a:solidFill>
+                <a:latin typeface="Menlo" panose="020B0609030804020204" pitchFamily="49" charset="0"/>
+              </a:rPr>
+              <a:t>        </a:t>
+            </a:r>
+            <a:r>
+              <a:rPr lang="en-US" dirty="0" err="1">
+                <a:solidFill>
+                  <a:srgbClr val="000000"/>
+                </a:solidFill>
+                <a:latin typeface="Menlo" panose="020B0609030804020204" pitchFamily="49" charset="0"/>
+              </a:rPr>
+              <a:t>func.grouping_sets</a:t>
+            </a:r>
+            <a:r>
+              <a:rPr lang="en-US" dirty="0">
+                <a:solidFill>
+                  <a:srgbClr val="000000"/>
+                </a:solidFill>
+                <a:latin typeface="Menlo" panose="020B0609030804020204" pitchFamily="49" charset="0"/>
+              </a:rPr>
+              <a:t>(</a:t>
+            </a:r>
+          </a:p>
+          <a:p>
+            <a:pPr marL="0" indent="0">
+              <a:buNone/>
+            </a:pPr>
+            <a:r>
+              <a:rPr lang="en-US" dirty="0">
+                <a:solidFill>
+                  <a:srgbClr val="000000"/>
+                </a:solidFill>
+                <a:latin typeface="Menlo" panose="020B0609030804020204" pitchFamily="49" charset="0"/>
+              </a:rPr>
+              <a:t>            </a:t>
+            </a:r>
+            <a:r>
+              <a:rPr lang="en-US" dirty="0" err="1">
+                <a:solidFill>
+                  <a:srgbClr val="000000"/>
+                </a:solidFill>
+                <a:latin typeface="Menlo" panose="020B0609030804020204" pitchFamily="49" charset="0"/>
+              </a:rPr>
+              <a:t>func.left</a:t>
+            </a:r>
+            <a:r>
+              <a:rPr lang="en-US" dirty="0">
+                <a:solidFill>
+                  <a:srgbClr val="000000"/>
+                </a:solidFill>
+                <a:latin typeface="Menlo" panose="020B0609030804020204" pitchFamily="49" charset="0"/>
+              </a:rPr>
+              <a:t>(</a:t>
+            </a:r>
+            <a:r>
+              <a:rPr lang="en-US" dirty="0" err="1">
+                <a:solidFill>
+                  <a:srgbClr val="000000"/>
+                </a:solidFill>
+                <a:latin typeface="Menlo" panose="020B0609030804020204" pitchFamily="49" charset="0"/>
+              </a:rPr>
+              <a:t>model.Sale.store_id</a:t>
+            </a:r>
+            <a:r>
+              <a:rPr lang="en-US" dirty="0">
+                <a:solidFill>
+                  <a:srgbClr val="000000"/>
+                </a:solidFill>
+                <a:latin typeface="Menlo" panose="020B0609030804020204" pitchFamily="49" charset="0"/>
+              </a:rPr>
+              <a:t>, </a:t>
+            </a:r>
+            <a:r>
+              <a:rPr lang="en-US" dirty="0">
+                <a:solidFill>
+                  <a:srgbClr val="9FA01C"/>
+                </a:solidFill>
+                <a:latin typeface="Menlo" panose="020B0609030804020204" pitchFamily="49" charset="0"/>
+              </a:rPr>
+              <a:t>4</a:t>
+            </a:r>
+            <a:r>
+              <a:rPr lang="en-US" dirty="0">
+                <a:solidFill>
+                  <a:srgbClr val="000000"/>
+                </a:solidFill>
+                <a:latin typeface="Menlo" panose="020B0609030804020204" pitchFamily="49" charset="0"/>
+              </a:rPr>
+              <a:t>),</a:t>
+            </a:r>
+          </a:p>
+          <a:p>
+            <a:pPr marL="0" indent="0">
+              <a:buNone/>
+            </a:pPr>
+            <a:r>
+              <a:rPr lang="en-US" dirty="0">
+                <a:solidFill>
+                  <a:srgbClr val="000000"/>
+                </a:solidFill>
+                <a:latin typeface="Menlo" panose="020B0609030804020204" pitchFamily="49" charset="0"/>
+              </a:rPr>
+              <a:t>            </a:t>
+            </a:r>
+            <a:r>
+              <a:rPr lang="en-US" dirty="0" err="1">
+                <a:solidFill>
+                  <a:srgbClr val="000000"/>
+                </a:solidFill>
+                <a:latin typeface="Menlo" panose="020B0609030804020204" pitchFamily="49" charset="0"/>
+              </a:rPr>
+              <a:t>func.left</a:t>
+            </a:r>
+            <a:r>
+              <a:rPr lang="en-US" dirty="0">
+                <a:solidFill>
+                  <a:srgbClr val="000000"/>
+                </a:solidFill>
+                <a:latin typeface="Menlo" panose="020B0609030804020204" pitchFamily="49" charset="0"/>
+              </a:rPr>
+              <a:t>(</a:t>
+            </a:r>
+            <a:r>
+              <a:rPr lang="en-US" dirty="0" err="1">
+                <a:solidFill>
+                  <a:srgbClr val="000000"/>
+                </a:solidFill>
+                <a:latin typeface="Menlo" panose="020B0609030804020204" pitchFamily="49" charset="0"/>
+              </a:rPr>
+              <a:t>model.Sale.store_id</a:t>
+            </a:r>
+            <a:r>
+              <a:rPr lang="en-US" dirty="0">
+                <a:solidFill>
+                  <a:srgbClr val="000000"/>
+                </a:solidFill>
+                <a:latin typeface="Menlo" panose="020B0609030804020204" pitchFamily="49" charset="0"/>
+              </a:rPr>
+              <a:t>, </a:t>
+            </a:r>
+            <a:r>
+              <a:rPr lang="en-US" dirty="0">
+                <a:solidFill>
+                  <a:srgbClr val="9FA01C"/>
+                </a:solidFill>
+                <a:latin typeface="Menlo" panose="020B0609030804020204" pitchFamily="49" charset="0"/>
+              </a:rPr>
+              <a:t>7</a:t>
+            </a:r>
+            <a:r>
+              <a:rPr lang="en-US" dirty="0">
+                <a:solidFill>
+                  <a:srgbClr val="000000"/>
+                </a:solidFill>
+                <a:latin typeface="Menlo" panose="020B0609030804020204" pitchFamily="49" charset="0"/>
+              </a:rPr>
+              <a:t>),</a:t>
+            </a:r>
+          </a:p>
+          <a:p>
+            <a:pPr marL="0" indent="0">
+              <a:buNone/>
+            </a:pPr>
+            <a:r>
+              <a:rPr lang="en-US" dirty="0">
+                <a:solidFill>
+                  <a:srgbClr val="000000"/>
+                </a:solidFill>
+                <a:latin typeface="Menlo" panose="020B0609030804020204" pitchFamily="49" charset="0"/>
+              </a:rPr>
+              <a:t>            </a:t>
+            </a:r>
+            <a:r>
+              <a:rPr lang="en-US" dirty="0" err="1">
+                <a:solidFill>
+                  <a:srgbClr val="000000"/>
+                </a:solidFill>
+                <a:latin typeface="Menlo" panose="020B0609030804020204" pitchFamily="49" charset="0"/>
+              </a:rPr>
+              <a:t>model.Sale.store_id</a:t>
+            </a:r>
+            <a:r>
+              <a:rPr lang="en-US" dirty="0">
+                <a:solidFill>
+                  <a:srgbClr val="000000"/>
+                </a:solidFill>
+                <a:latin typeface="Menlo" panose="020B0609030804020204" pitchFamily="49" charset="0"/>
+              </a:rPr>
+              <a:t>,</a:t>
+            </a:r>
+          </a:p>
+          <a:p>
+            <a:pPr marL="0" indent="0">
+              <a:buNone/>
+            </a:pPr>
+            <a:r>
+              <a:rPr lang="en-US" dirty="0">
+                <a:solidFill>
+                  <a:srgbClr val="000000"/>
+                </a:solidFill>
+                <a:latin typeface="Menlo" panose="020B0609030804020204" pitchFamily="49" charset="0"/>
+              </a:rPr>
+              <a:t>        )</a:t>
+            </a:r>
+          </a:p>
+          <a:p>
+            <a:pPr marL="0" indent="0">
+              <a:buNone/>
+            </a:pPr>
+            <a:r>
+              <a:rPr lang="en-US" dirty="0">
+                <a:solidFill>
+                  <a:srgbClr val="000000"/>
+                </a:solidFill>
+                <a:latin typeface="Menlo" panose="020B0609030804020204" pitchFamily="49" charset="0"/>
+              </a:rPr>
+              <a:t>    )</a:t>
+            </a:r>
+          </a:p>
+          <a:p>
+            <a:pPr marL="0" indent="0">
+              <a:buNone/>
+            </a:pPr>
+            <a:r>
+              <a:rPr lang="en-US" dirty="0">
+                <a:solidFill>
+                  <a:srgbClr val="000000"/>
+                </a:solidFill>
+                <a:latin typeface="Menlo" panose="020B0609030804020204" pitchFamily="49" charset="0"/>
+              </a:rPr>
+              <a:t>)</a:t>
+            </a:r>
+          </a:p>
+          <a:p>
+            <a:pPr marL="0" indent="0">
+              <a:buNone/>
+            </a:pPr>
+            <a:endParaRPr lang="en-US" dirty="0"/>
+          </a:p>
+        </p:txBody>
+      </p:sp>
+    </p:spTree>
+    <p:extLst>
+      <p:ext uri="{BB962C8B-B14F-4D97-AF65-F5344CB8AC3E}">
+        <p14:creationId xmlns:p14="http://schemas.microsoft.com/office/powerpoint/2010/main" val="60695549"/>
+      </p:ext>
+    </p:extLst>
+  </p:cSld>
+  <p:clrMapOvr>
+    <a:masterClrMapping/>
+  </p:clrMapOvr>
+</p:sld>
+</file>
+
+<file path=ppt/slides/slide27.xml><?xml version="1.0" encoding="utf-8"?>
+<p:sld xmlns:a="http://schemas.openxmlformats.org/drawingml/2006/main" xmlns:r="http://schemas.openxmlformats.org/officeDocument/2006/relationships" xmlns:p="http://schemas.openxmlformats.org/presentationml/2006/main">
+  <p:cSld>
+    <p:spTree>
+      <p:nvGrpSpPr>
+        <p:cNvPr id="1" name=""/>
+        <p:cNvGrpSpPr/>
+        <p:nvPr/>
+      </p:nvGrpSpPr>
+      <p:grpSpPr>
+        <a:xfrm>
+          <a:off x="0" y="0"/>
+          <a:ext cx="0" cy="0"/>
+          <a:chOff x="0" y="0"/>
+          <a:chExt cx="0" cy="0"/>
+        </a:xfrm>
+      </p:grpSpPr>
+      <p:sp>
+        <p:nvSpPr>
+          <p:cNvPr id="2" name="Title 1">
+            <a:extLst>
+              <a:ext uri="{FF2B5EF4-FFF2-40B4-BE49-F238E27FC236}">
+                <a16:creationId xmlns:a16="http://schemas.microsoft.com/office/drawing/2014/main" id="{92DE0D58-2C22-184B-AD1C-C0D82252818E}"/>
+              </a:ext>
+            </a:extLst>
+          </p:cNvPr>
+          <p:cNvSpPr>
+            <a:spLocks noGrp="1"/>
+          </p:cNvSpPr>
+          <p:nvPr>
+            <p:ph type="title"/>
+          </p:nvPr>
+        </p:nvSpPr>
+        <p:spPr/>
+        <p:txBody>
+          <a:bodyPr/>
+          <a:lstStyle/>
+          <a:p>
+            <a:r>
+              <a:rPr lang="en-US" dirty="0"/>
+              <a:t>Grouping Sets (Example 05)</a:t>
+            </a:r>
+          </a:p>
+        </p:txBody>
+      </p:sp>
+      <p:sp>
+        <p:nvSpPr>
+          <p:cNvPr id="3" name="Content Placeholder 2">
+            <a:extLst>
+              <a:ext uri="{FF2B5EF4-FFF2-40B4-BE49-F238E27FC236}">
+                <a16:creationId xmlns:a16="http://schemas.microsoft.com/office/drawing/2014/main" id="{6464177F-7F0D-2549-85D9-4B39CB409366}"/>
+              </a:ext>
+            </a:extLst>
+          </p:cNvPr>
+          <p:cNvSpPr>
+            <a:spLocks noGrp="1"/>
+          </p:cNvSpPr>
+          <p:nvPr>
+            <p:ph idx="1"/>
+          </p:nvPr>
+        </p:nvSpPr>
+        <p:spPr>
+          <a:xfrm>
+            <a:off x="499872" y="1432432"/>
+            <a:ext cx="11113008" cy="5224399"/>
+          </a:xfrm>
+        </p:spPr>
+        <p:txBody>
+          <a:bodyPr>
+            <a:normAutofit fontScale="32500" lnSpcReduction="20000"/>
+          </a:bodyPr>
+          <a:lstStyle/>
+          <a:p>
+            <a:pPr marL="0" indent="0">
+              <a:buNone/>
+            </a:pPr>
+            <a:r>
+              <a:rPr lang="en-US" dirty="0">
+                <a:solidFill>
+                  <a:srgbClr val="000000"/>
+                </a:solidFill>
+                <a:latin typeface="Menlo" panose="020B0609030804020204" pitchFamily="49" charset="0"/>
+              </a:rPr>
+              <a:t>grouping sets to compute aggregates at multiple levels    </a:t>
+            </a:r>
+          </a:p>
+          <a:p>
+            <a:pPr marL="0" indent="0">
+              <a:buNone/>
+            </a:pPr>
+            <a:r>
+              <a:rPr lang="en-US" dirty="0">
+                <a:solidFill>
+                  <a:srgbClr val="000000"/>
+                </a:solidFill>
+                <a:latin typeface="Menlo" panose="020B0609030804020204" pitchFamily="49" charset="0"/>
+              </a:rPr>
+              <a:t>+----------+---------+---------------+-------------------+</a:t>
+            </a:r>
+          </a:p>
+          <a:p>
+            <a:pPr marL="0" indent="0">
+              <a:buNone/>
+            </a:pPr>
+            <a:r>
+              <a:rPr lang="en-US" dirty="0">
+                <a:solidFill>
+                  <a:srgbClr val="000000"/>
+                </a:solidFill>
+                <a:latin typeface="Menlo" panose="020B0609030804020204" pitchFamily="49" charset="0"/>
+              </a:rPr>
+              <a:t>| region   | state   | store         |   </a:t>
+            </a:r>
+            <a:r>
+              <a:rPr lang="en-US" dirty="0" err="1">
+                <a:solidFill>
+                  <a:srgbClr val="000000"/>
+                </a:solidFill>
+                <a:latin typeface="Menlo" panose="020B0609030804020204" pitchFamily="49" charset="0"/>
+              </a:rPr>
+              <a:t>sales_for_store</a:t>
+            </a:r>
+            <a:r>
+              <a:rPr lang="en-US" dirty="0">
+                <a:solidFill>
+                  <a:srgbClr val="000000"/>
+                </a:solidFill>
+                <a:latin typeface="Menlo" panose="020B0609030804020204" pitchFamily="49" charset="0"/>
+              </a:rPr>
+              <a:t> |</a:t>
+            </a:r>
+          </a:p>
+          <a:p>
+            <a:pPr marL="0" indent="0">
+              <a:buNone/>
+            </a:pPr>
+            <a:r>
+              <a:rPr lang="en-US" dirty="0">
+                <a:solidFill>
+                  <a:srgbClr val="000000"/>
+                </a:solidFill>
+                <a:latin typeface="Menlo" panose="020B0609030804020204" pitchFamily="49" charset="0"/>
+              </a:rPr>
+              <a:t>|----------+---------+---------------+-------------------|</a:t>
+            </a:r>
+          </a:p>
+          <a:p>
+            <a:pPr marL="0" indent="0">
+              <a:buNone/>
+            </a:pPr>
+            <a:r>
+              <a:rPr lang="en-US" dirty="0">
+                <a:solidFill>
+                  <a:srgbClr val="000000"/>
+                </a:solidFill>
+                <a:latin typeface="Menlo" panose="020B0609030804020204" pitchFamily="49" charset="0"/>
+              </a:rPr>
+              <a:t>| EAST     |         |               |          19482.5  |</a:t>
+            </a:r>
+          </a:p>
+          <a:p>
+            <a:pPr marL="0" indent="0">
+              <a:buNone/>
+            </a:pPr>
+            <a:r>
+              <a:rPr lang="en-US" dirty="0">
+                <a:solidFill>
+                  <a:srgbClr val="000000"/>
+                </a:solidFill>
+                <a:latin typeface="Menlo" panose="020B0609030804020204" pitchFamily="49" charset="0"/>
+              </a:rPr>
+              <a:t>| NORT     |         |               |           5290.89 |</a:t>
+            </a:r>
+          </a:p>
+          <a:p>
+            <a:pPr marL="0" indent="0">
+              <a:buNone/>
+            </a:pPr>
+            <a:r>
+              <a:rPr lang="en-US" dirty="0">
+                <a:solidFill>
+                  <a:srgbClr val="000000"/>
+                </a:solidFill>
+                <a:latin typeface="Menlo" panose="020B0609030804020204" pitchFamily="49" charset="0"/>
+              </a:rPr>
+              <a:t>| SOUT     |         |               |          13459.1  |</a:t>
+            </a:r>
+          </a:p>
+          <a:p>
+            <a:pPr marL="0" indent="0">
+              <a:buNone/>
+            </a:pPr>
+            <a:r>
+              <a:rPr lang="en-US" dirty="0">
+                <a:solidFill>
+                  <a:srgbClr val="000000"/>
+                </a:solidFill>
+                <a:latin typeface="Menlo" panose="020B0609030804020204" pitchFamily="49" charset="0"/>
+              </a:rPr>
+              <a:t>| WEST     |         |               |          11365    |</a:t>
+            </a:r>
+          </a:p>
+          <a:p>
+            <a:pPr marL="0" indent="0">
+              <a:buNone/>
+            </a:pPr>
+            <a:r>
+              <a:rPr lang="en-US" dirty="0">
+                <a:solidFill>
+                  <a:srgbClr val="000000"/>
+                </a:solidFill>
+                <a:latin typeface="Menlo" panose="020B0609030804020204" pitchFamily="49" charset="0"/>
+              </a:rPr>
+              <a:t>|          |         | EAST-NY-12345 |           5885.36 |</a:t>
+            </a:r>
+          </a:p>
+          <a:p>
+            <a:pPr marL="0" indent="0">
+              <a:buNone/>
+            </a:pPr>
+            <a:r>
+              <a:rPr lang="en-US" dirty="0">
+                <a:solidFill>
+                  <a:srgbClr val="000000"/>
+                </a:solidFill>
+                <a:latin typeface="Menlo" panose="020B0609030804020204" pitchFamily="49" charset="0"/>
+              </a:rPr>
+              <a:t>|          |         | EAST-NY-22222 |           6193.54 |</a:t>
+            </a:r>
+          </a:p>
+          <a:p>
+            <a:pPr marL="0" indent="0">
+              <a:buNone/>
+            </a:pPr>
+            <a:r>
+              <a:rPr lang="en-US" dirty="0">
+                <a:solidFill>
+                  <a:srgbClr val="000000"/>
+                </a:solidFill>
+                <a:latin typeface="Menlo" panose="020B0609030804020204" pitchFamily="49" charset="0"/>
+              </a:rPr>
+              <a:t>|          |         | EAST-NY-55555 |           7403.61 |</a:t>
+            </a:r>
+          </a:p>
+          <a:p>
+            <a:pPr marL="0" indent="0">
+              <a:buNone/>
+            </a:pPr>
+            <a:r>
+              <a:rPr lang="en-US" dirty="0">
+                <a:solidFill>
+                  <a:srgbClr val="000000"/>
+                </a:solidFill>
+                <a:latin typeface="Menlo" panose="020B0609030804020204" pitchFamily="49" charset="0"/>
+              </a:rPr>
+              <a:t>|          |         | NORT-MN-44444 |           5290.89 |</a:t>
+            </a:r>
+          </a:p>
+          <a:p>
+            <a:pPr marL="0" indent="0">
+              <a:buNone/>
+            </a:pPr>
+            <a:r>
+              <a:rPr lang="en-US" dirty="0">
+                <a:solidFill>
+                  <a:srgbClr val="000000"/>
+                </a:solidFill>
+                <a:latin typeface="Menlo" panose="020B0609030804020204" pitchFamily="49" charset="0"/>
+              </a:rPr>
+              <a:t>|          |         | SOUT-AL-54321 |           7653.39 |</a:t>
+            </a:r>
+          </a:p>
+          <a:p>
+            <a:pPr marL="0" indent="0">
+              <a:buNone/>
+            </a:pPr>
+            <a:r>
+              <a:rPr lang="en-US" dirty="0">
+                <a:solidFill>
+                  <a:srgbClr val="000000"/>
+                </a:solidFill>
+                <a:latin typeface="Menlo" panose="020B0609030804020204" pitchFamily="49" charset="0"/>
+              </a:rPr>
+              <a:t>|          |         | SOUT-GA-11111 |           5805.7  |</a:t>
+            </a:r>
+          </a:p>
+          <a:p>
+            <a:pPr marL="0" indent="0">
+              <a:buNone/>
+            </a:pPr>
+            <a:r>
+              <a:rPr lang="en-US" dirty="0">
+                <a:solidFill>
+                  <a:srgbClr val="000000"/>
+                </a:solidFill>
+                <a:latin typeface="Menlo" panose="020B0609030804020204" pitchFamily="49" charset="0"/>
+              </a:rPr>
+              <a:t>|          |         | WEST-AZ-55555 |           6117.09 |</a:t>
+            </a:r>
+          </a:p>
+          <a:p>
+            <a:pPr marL="0" indent="0">
+              <a:buNone/>
+            </a:pPr>
+            <a:r>
+              <a:rPr lang="en-US" dirty="0">
+                <a:solidFill>
+                  <a:srgbClr val="000000"/>
+                </a:solidFill>
+                <a:latin typeface="Menlo" panose="020B0609030804020204" pitchFamily="49" charset="0"/>
+              </a:rPr>
+              <a:t>|          |         | WEST-CA-55555 |           5247.91 |</a:t>
+            </a:r>
+          </a:p>
+          <a:p>
+            <a:pPr marL="0" indent="0">
+              <a:buNone/>
+            </a:pPr>
+            <a:r>
+              <a:rPr lang="en-US" dirty="0">
+                <a:solidFill>
+                  <a:srgbClr val="000000"/>
+                </a:solidFill>
+                <a:latin typeface="Menlo" panose="020B0609030804020204" pitchFamily="49" charset="0"/>
+              </a:rPr>
+              <a:t>|          | EAST-NY |               |          19482.5  |</a:t>
+            </a:r>
+          </a:p>
+          <a:p>
+            <a:pPr marL="0" indent="0">
+              <a:buNone/>
+            </a:pPr>
+            <a:r>
+              <a:rPr lang="en-US" dirty="0">
+                <a:solidFill>
+                  <a:srgbClr val="000000"/>
+                </a:solidFill>
+                <a:latin typeface="Menlo" panose="020B0609030804020204" pitchFamily="49" charset="0"/>
+              </a:rPr>
+              <a:t>|          | NORT-MN |               |           5290.89 |</a:t>
+            </a:r>
+          </a:p>
+          <a:p>
+            <a:pPr marL="0" indent="0">
+              <a:buNone/>
+            </a:pPr>
+            <a:r>
+              <a:rPr lang="en-US" dirty="0">
+                <a:solidFill>
+                  <a:srgbClr val="000000"/>
+                </a:solidFill>
+                <a:latin typeface="Menlo" panose="020B0609030804020204" pitchFamily="49" charset="0"/>
+              </a:rPr>
+              <a:t>|          | SOUT-AL |               |           7653.39 |</a:t>
+            </a:r>
+          </a:p>
+          <a:p>
+            <a:pPr marL="0" indent="0">
+              <a:buNone/>
+            </a:pPr>
+            <a:r>
+              <a:rPr lang="en-US" dirty="0">
+                <a:solidFill>
+                  <a:srgbClr val="000000"/>
+                </a:solidFill>
+                <a:latin typeface="Menlo" panose="020B0609030804020204" pitchFamily="49" charset="0"/>
+              </a:rPr>
+              <a:t>|          | SOUT-GA |               |           5805.7  |</a:t>
+            </a:r>
+          </a:p>
+          <a:p>
+            <a:pPr marL="0" indent="0">
+              <a:buNone/>
+            </a:pPr>
+            <a:r>
+              <a:rPr lang="en-US" dirty="0">
+                <a:solidFill>
+                  <a:srgbClr val="000000"/>
+                </a:solidFill>
+                <a:latin typeface="Menlo" panose="020B0609030804020204" pitchFamily="49" charset="0"/>
+              </a:rPr>
+              <a:t>|          | WEST-AZ |               |           6117.09 |</a:t>
+            </a:r>
+          </a:p>
+          <a:p>
+            <a:pPr marL="0" indent="0">
+              <a:buNone/>
+            </a:pPr>
+            <a:r>
+              <a:rPr lang="en-US" dirty="0">
+                <a:solidFill>
+                  <a:srgbClr val="000000"/>
+                </a:solidFill>
+                <a:latin typeface="Menlo" panose="020B0609030804020204" pitchFamily="49" charset="0"/>
+              </a:rPr>
+              <a:t>|          | WEST-CA |               |           5247.91 |</a:t>
+            </a:r>
+          </a:p>
+          <a:p>
+            <a:pPr marL="0" indent="0">
+              <a:buNone/>
+            </a:pPr>
+            <a:r>
+              <a:rPr lang="en-US" dirty="0">
+                <a:solidFill>
+                  <a:srgbClr val="000000"/>
+                </a:solidFill>
+                <a:latin typeface="Menlo" panose="020B0609030804020204" pitchFamily="49" charset="0"/>
+              </a:rPr>
+              <a:t>+----------+---------+---------------+-------------------+</a:t>
+            </a:r>
+          </a:p>
+          <a:p>
+            <a:pPr marL="0" indent="0">
+              <a:buNone/>
+            </a:pPr>
+            <a:endParaRPr lang="en-US" dirty="0"/>
+          </a:p>
+        </p:txBody>
+      </p:sp>
+    </p:spTree>
+    <p:extLst>
+      <p:ext uri="{BB962C8B-B14F-4D97-AF65-F5344CB8AC3E}">
+        <p14:creationId xmlns:p14="http://schemas.microsoft.com/office/powerpoint/2010/main" val="1284506927"/>
+      </p:ext>
+    </p:extLst>
+  </p:cSld>
+  <p:clrMapOvr>
+    <a:masterClrMapping/>
+  </p:clrMapOvr>
+</p:sld>
+</file>
+
+<file path=ppt/slides/slide28.xml><?xml version="1.0" encoding="utf-8"?>
+<p:sld xmlns:a="http://schemas.openxmlformats.org/drawingml/2006/main" xmlns:r="http://schemas.openxmlformats.org/officeDocument/2006/relationships" xmlns:p="http://schemas.openxmlformats.org/presentationml/2006/main">
+  <p:cSld>
+    <p:spTree>
+      <p:nvGrpSpPr>
+        <p:cNvPr id="1" name=""/>
+        <p:cNvGrpSpPr/>
+        <p:nvPr/>
+      </p:nvGrpSpPr>
+      <p:grpSpPr>
+        <a:xfrm>
+          <a:off x="0" y="0"/>
+          <a:ext cx="0" cy="0"/>
+          <a:chOff x="0" y="0"/>
+          <a:chExt cx="0" cy="0"/>
+        </a:xfrm>
+      </p:grpSpPr>
+      <p:sp>
+        <p:nvSpPr>
+          <p:cNvPr id="2" name="Title 1">
+            <a:extLst>
+              <a:ext uri="{FF2B5EF4-FFF2-40B4-BE49-F238E27FC236}">
+                <a16:creationId xmlns:a16="http://schemas.microsoft.com/office/drawing/2014/main" id="{A19DC9F0-A195-A74D-A9B3-BE1149398713}"/>
+              </a:ext>
+            </a:extLst>
+          </p:cNvPr>
+          <p:cNvSpPr>
+            <a:spLocks noGrp="1"/>
+          </p:cNvSpPr>
+          <p:nvPr>
+            <p:ph type="title"/>
+          </p:nvPr>
+        </p:nvSpPr>
+        <p:spPr/>
+        <p:txBody>
+          <a:bodyPr/>
+          <a:lstStyle/>
+          <a:p>
+            <a:r>
+              <a:rPr lang="en-US" dirty="0"/>
+              <a:t>Grouping Sets (Example 05)</a:t>
+            </a:r>
+          </a:p>
+        </p:txBody>
+      </p:sp>
+      <p:sp>
+        <p:nvSpPr>
+          <p:cNvPr id="3" name="Content Placeholder 2">
+            <a:extLst>
+              <a:ext uri="{FF2B5EF4-FFF2-40B4-BE49-F238E27FC236}">
+                <a16:creationId xmlns:a16="http://schemas.microsoft.com/office/drawing/2014/main" id="{A187BBC2-5587-314B-8FDE-73915EBB7C48}"/>
+              </a:ext>
+            </a:extLst>
+          </p:cNvPr>
+          <p:cNvSpPr>
+            <a:spLocks noGrp="1"/>
+          </p:cNvSpPr>
+          <p:nvPr>
+            <p:ph idx="1"/>
+          </p:nvPr>
+        </p:nvSpPr>
+        <p:spPr/>
+        <p:txBody>
+          <a:bodyPr>
+            <a:normAutofit fontScale="55000" lnSpcReduction="20000"/>
+          </a:bodyPr>
+          <a:lstStyle/>
+          <a:p>
+            <a:pPr marL="0" indent="0">
+              <a:buNone/>
+            </a:pPr>
+            <a:r>
+              <a:rPr lang="en-US" dirty="0" err="1">
+                <a:solidFill>
+                  <a:srgbClr val="000000"/>
+                </a:solidFill>
+                <a:latin typeface="Menlo" panose="020B0609030804020204" pitchFamily="49" charset="0"/>
+              </a:rPr>
+              <a:t>sales_report</a:t>
+            </a:r>
+            <a:r>
+              <a:rPr lang="en-US" dirty="0">
+                <a:solidFill>
+                  <a:srgbClr val="000000"/>
+                </a:solidFill>
+                <a:latin typeface="Menlo" panose="020B0609030804020204" pitchFamily="49" charset="0"/>
+              </a:rPr>
+              <a:t> = (</a:t>
+            </a:r>
+          </a:p>
+          <a:p>
+            <a:pPr marL="0" indent="0">
+              <a:buNone/>
+            </a:pPr>
+            <a:r>
+              <a:rPr lang="en-US" dirty="0">
+                <a:solidFill>
+                  <a:srgbClr val="000000"/>
+                </a:solidFill>
+                <a:latin typeface="Menlo" panose="020B0609030804020204" pitchFamily="49" charset="0"/>
+              </a:rPr>
+              <a:t>    </a:t>
+            </a:r>
+            <a:r>
+              <a:rPr lang="en-US" dirty="0" err="1">
+                <a:solidFill>
+                  <a:srgbClr val="000000"/>
+                </a:solidFill>
+                <a:latin typeface="Menlo" panose="020B0609030804020204" pitchFamily="49" charset="0"/>
+              </a:rPr>
+              <a:t>meta.session.query</a:t>
+            </a:r>
+            <a:r>
+              <a:rPr lang="en-US" dirty="0">
+                <a:solidFill>
+                  <a:srgbClr val="000000"/>
+                </a:solidFill>
+                <a:latin typeface="Menlo" panose="020B0609030804020204" pitchFamily="49" charset="0"/>
+              </a:rPr>
+              <a:t>(</a:t>
+            </a:r>
+          </a:p>
+          <a:p>
+            <a:pPr marL="0" indent="0">
+              <a:buNone/>
+            </a:pPr>
+            <a:r>
+              <a:rPr lang="en-US" dirty="0">
+                <a:solidFill>
+                  <a:srgbClr val="000000"/>
+                </a:solidFill>
+                <a:latin typeface="Menlo" panose="020B0609030804020204" pitchFamily="49" charset="0"/>
+              </a:rPr>
+              <a:t>        </a:t>
+            </a:r>
+            <a:r>
+              <a:rPr lang="en-US" dirty="0" err="1">
+                <a:solidFill>
+                  <a:srgbClr val="000000"/>
+                </a:solidFill>
+                <a:latin typeface="Menlo" panose="020B0609030804020204" pitchFamily="49" charset="0"/>
+              </a:rPr>
+              <a:t>func.left</a:t>
+            </a:r>
+            <a:r>
+              <a:rPr lang="en-US" dirty="0">
+                <a:solidFill>
+                  <a:srgbClr val="000000"/>
+                </a:solidFill>
+                <a:latin typeface="Menlo" panose="020B0609030804020204" pitchFamily="49" charset="0"/>
+              </a:rPr>
+              <a:t>(</a:t>
+            </a:r>
+            <a:r>
+              <a:rPr lang="en-US" dirty="0" err="1">
+                <a:solidFill>
+                  <a:srgbClr val="000000"/>
+                </a:solidFill>
+                <a:latin typeface="Menlo" panose="020B0609030804020204" pitchFamily="49" charset="0"/>
+              </a:rPr>
+              <a:t>model.Sale.store_id</a:t>
+            </a:r>
+            <a:r>
+              <a:rPr lang="en-US" dirty="0">
+                <a:solidFill>
+                  <a:srgbClr val="000000"/>
+                </a:solidFill>
+                <a:latin typeface="Menlo" panose="020B0609030804020204" pitchFamily="49" charset="0"/>
+              </a:rPr>
+              <a:t>, </a:t>
+            </a:r>
+            <a:r>
+              <a:rPr lang="en-US" dirty="0">
+                <a:solidFill>
+                  <a:srgbClr val="9FA01C"/>
+                </a:solidFill>
+                <a:latin typeface="Menlo" panose="020B0609030804020204" pitchFamily="49" charset="0"/>
+              </a:rPr>
+              <a:t>4</a:t>
+            </a:r>
+            <a:r>
+              <a:rPr lang="en-US" dirty="0">
+                <a:solidFill>
+                  <a:srgbClr val="000000"/>
+                </a:solidFill>
+                <a:latin typeface="Menlo" panose="020B0609030804020204" pitchFamily="49" charset="0"/>
+              </a:rPr>
+              <a:t>).label(</a:t>
+            </a:r>
+            <a:r>
+              <a:rPr lang="en-US" dirty="0">
+                <a:solidFill>
+                  <a:srgbClr val="9FA01C"/>
+                </a:solidFill>
+                <a:latin typeface="Menlo" panose="020B0609030804020204" pitchFamily="49" charset="0"/>
+              </a:rPr>
+              <a:t>"region"</a:t>
+            </a:r>
+            <a:r>
+              <a:rPr lang="en-US" dirty="0">
+                <a:solidFill>
+                  <a:srgbClr val="000000"/>
+                </a:solidFill>
+                <a:latin typeface="Menlo" panose="020B0609030804020204" pitchFamily="49" charset="0"/>
+              </a:rPr>
+              <a:t>),</a:t>
+            </a:r>
+          </a:p>
+          <a:p>
+            <a:pPr marL="0" indent="0">
+              <a:buNone/>
+            </a:pPr>
+            <a:r>
+              <a:rPr lang="en-US" dirty="0">
+                <a:solidFill>
+                  <a:srgbClr val="000000"/>
+                </a:solidFill>
+                <a:latin typeface="Menlo" panose="020B0609030804020204" pitchFamily="49" charset="0"/>
+              </a:rPr>
+              <a:t>        </a:t>
+            </a:r>
+            <a:r>
+              <a:rPr lang="en-US" dirty="0" err="1">
+                <a:solidFill>
+                  <a:srgbClr val="000000"/>
+                </a:solidFill>
+                <a:latin typeface="Menlo" panose="020B0609030804020204" pitchFamily="49" charset="0"/>
+              </a:rPr>
+              <a:t>func.left</a:t>
+            </a:r>
+            <a:r>
+              <a:rPr lang="en-US" dirty="0">
+                <a:solidFill>
+                  <a:srgbClr val="000000"/>
+                </a:solidFill>
+                <a:latin typeface="Menlo" panose="020B0609030804020204" pitchFamily="49" charset="0"/>
+              </a:rPr>
+              <a:t>(</a:t>
+            </a:r>
+            <a:r>
+              <a:rPr lang="en-US" dirty="0" err="1">
+                <a:solidFill>
+                  <a:srgbClr val="000000"/>
+                </a:solidFill>
+                <a:latin typeface="Menlo" panose="020B0609030804020204" pitchFamily="49" charset="0"/>
+              </a:rPr>
+              <a:t>model.Sale.store_id</a:t>
+            </a:r>
+            <a:r>
+              <a:rPr lang="en-US" dirty="0">
+                <a:solidFill>
+                  <a:srgbClr val="000000"/>
+                </a:solidFill>
+                <a:latin typeface="Menlo" panose="020B0609030804020204" pitchFamily="49" charset="0"/>
+              </a:rPr>
+              <a:t>, </a:t>
+            </a:r>
+            <a:r>
+              <a:rPr lang="en-US" dirty="0">
+                <a:solidFill>
+                  <a:srgbClr val="9FA01C"/>
+                </a:solidFill>
+                <a:latin typeface="Menlo" panose="020B0609030804020204" pitchFamily="49" charset="0"/>
+              </a:rPr>
+              <a:t>7</a:t>
+            </a:r>
+            <a:r>
+              <a:rPr lang="en-US" dirty="0">
+                <a:solidFill>
+                  <a:srgbClr val="000000"/>
+                </a:solidFill>
+                <a:latin typeface="Menlo" panose="020B0609030804020204" pitchFamily="49" charset="0"/>
+              </a:rPr>
+              <a:t>).label(</a:t>
+            </a:r>
+            <a:r>
+              <a:rPr lang="en-US" dirty="0">
+                <a:solidFill>
+                  <a:srgbClr val="9FA01C"/>
+                </a:solidFill>
+                <a:latin typeface="Menlo" panose="020B0609030804020204" pitchFamily="49" charset="0"/>
+              </a:rPr>
+              <a:t>"state"</a:t>
+            </a:r>
+            <a:r>
+              <a:rPr lang="en-US" dirty="0">
+                <a:solidFill>
+                  <a:srgbClr val="000000"/>
+                </a:solidFill>
+                <a:latin typeface="Menlo" panose="020B0609030804020204" pitchFamily="49" charset="0"/>
+              </a:rPr>
+              <a:t>),</a:t>
+            </a:r>
+          </a:p>
+          <a:p>
+            <a:pPr marL="0" indent="0">
+              <a:buNone/>
+            </a:pPr>
+            <a:r>
+              <a:rPr lang="en-US" dirty="0">
+                <a:solidFill>
+                  <a:srgbClr val="000000"/>
+                </a:solidFill>
+                <a:latin typeface="Menlo" panose="020B0609030804020204" pitchFamily="49" charset="0"/>
+              </a:rPr>
+              <a:t>        </a:t>
+            </a:r>
+            <a:r>
+              <a:rPr lang="en-US" dirty="0" err="1">
+                <a:solidFill>
+                  <a:srgbClr val="000000"/>
+                </a:solidFill>
+                <a:latin typeface="Menlo" panose="020B0609030804020204" pitchFamily="49" charset="0"/>
+              </a:rPr>
+              <a:t>model.Sale.store_id.label</a:t>
+            </a:r>
+            <a:r>
+              <a:rPr lang="en-US" dirty="0">
+                <a:solidFill>
+                  <a:srgbClr val="000000"/>
+                </a:solidFill>
+                <a:latin typeface="Menlo" panose="020B0609030804020204" pitchFamily="49" charset="0"/>
+              </a:rPr>
+              <a:t>(</a:t>
+            </a:r>
+            <a:r>
+              <a:rPr lang="en-US" dirty="0">
+                <a:solidFill>
+                  <a:srgbClr val="9FA01C"/>
+                </a:solidFill>
+                <a:latin typeface="Menlo" panose="020B0609030804020204" pitchFamily="49" charset="0"/>
+              </a:rPr>
+              <a:t>"store"</a:t>
+            </a:r>
+            <a:r>
+              <a:rPr lang="en-US" dirty="0">
+                <a:solidFill>
+                  <a:srgbClr val="000000"/>
+                </a:solidFill>
+                <a:latin typeface="Menlo" panose="020B0609030804020204" pitchFamily="49" charset="0"/>
+              </a:rPr>
+              <a:t>),</a:t>
+            </a:r>
+          </a:p>
+          <a:p>
+            <a:pPr marL="0" indent="0">
+              <a:buNone/>
+            </a:pPr>
+            <a:r>
+              <a:rPr lang="en-US" dirty="0">
+                <a:solidFill>
+                  <a:srgbClr val="000000"/>
+                </a:solidFill>
+                <a:latin typeface="Menlo" panose="020B0609030804020204" pitchFamily="49" charset="0"/>
+              </a:rPr>
+              <a:t>        </a:t>
+            </a:r>
+            <a:r>
+              <a:rPr lang="en-US" dirty="0" err="1">
+                <a:solidFill>
+                  <a:srgbClr val="000000"/>
+                </a:solidFill>
+                <a:latin typeface="Menlo" panose="020B0609030804020204" pitchFamily="49" charset="0"/>
+              </a:rPr>
+              <a:t>func.sum</a:t>
+            </a:r>
+            <a:r>
+              <a:rPr lang="en-US" dirty="0">
+                <a:solidFill>
+                  <a:srgbClr val="000000"/>
+                </a:solidFill>
+                <a:latin typeface="Menlo" panose="020B0609030804020204" pitchFamily="49" charset="0"/>
+              </a:rPr>
+              <a:t>(</a:t>
+            </a:r>
+            <a:r>
+              <a:rPr lang="en-US" dirty="0" err="1">
+                <a:solidFill>
+                  <a:srgbClr val="000000"/>
+                </a:solidFill>
+                <a:latin typeface="Menlo" panose="020B0609030804020204" pitchFamily="49" charset="0"/>
+              </a:rPr>
+              <a:t>model.Sale.amount</a:t>
+            </a:r>
+            <a:r>
+              <a:rPr lang="en-US" dirty="0">
+                <a:solidFill>
+                  <a:srgbClr val="000000"/>
+                </a:solidFill>
+                <a:latin typeface="Menlo" panose="020B0609030804020204" pitchFamily="49" charset="0"/>
+              </a:rPr>
+              <a:t>).label(</a:t>
+            </a:r>
+            <a:r>
+              <a:rPr lang="en-US" dirty="0">
+                <a:solidFill>
+                  <a:srgbClr val="9FA01C"/>
+                </a:solidFill>
+                <a:latin typeface="Menlo" panose="020B0609030804020204" pitchFamily="49" charset="0"/>
+              </a:rPr>
+              <a:t>"</a:t>
+            </a:r>
+            <a:r>
+              <a:rPr lang="en-US" dirty="0" err="1">
+                <a:solidFill>
+                  <a:srgbClr val="9FA01C"/>
+                </a:solidFill>
+                <a:latin typeface="Menlo" panose="020B0609030804020204" pitchFamily="49" charset="0"/>
+              </a:rPr>
+              <a:t>sales_for_store</a:t>
+            </a:r>
+            <a:r>
+              <a:rPr lang="en-US" dirty="0">
+                <a:solidFill>
+                  <a:srgbClr val="9FA01C"/>
+                </a:solidFill>
+                <a:latin typeface="Menlo" panose="020B0609030804020204" pitchFamily="49" charset="0"/>
+              </a:rPr>
+              <a:t>"</a:t>
+            </a:r>
+            <a:r>
+              <a:rPr lang="en-US" dirty="0">
+                <a:solidFill>
+                  <a:srgbClr val="000000"/>
+                </a:solidFill>
+                <a:latin typeface="Menlo" panose="020B0609030804020204" pitchFamily="49" charset="0"/>
+              </a:rPr>
+              <a:t>),</a:t>
+            </a:r>
+          </a:p>
+          <a:p>
+            <a:pPr marL="0" indent="0">
+              <a:buNone/>
+            </a:pPr>
+            <a:r>
+              <a:rPr lang="en-US" dirty="0">
+                <a:solidFill>
+                  <a:srgbClr val="000000"/>
+                </a:solidFill>
+                <a:latin typeface="Menlo" panose="020B0609030804020204" pitchFamily="49" charset="0"/>
+              </a:rPr>
+              <a:t>    )</a:t>
+            </a:r>
+          </a:p>
+          <a:p>
+            <a:pPr marL="0" indent="0">
+              <a:buNone/>
+            </a:pPr>
+            <a:r>
+              <a:rPr lang="en-US" dirty="0">
+                <a:solidFill>
+                  <a:srgbClr val="000000"/>
+                </a:solidFill>
+                <a:latin typeface="Menlo" panose="020B0609030804020204" pitchFamily="49" charset="0"/>
+              </a:rPr>
+              <a:t>    .</a:t>
+            </a:r>
+            <a:r>
+              <a:rPr lang="en-US" dirty="0" err="1">
+                <a:solidFill>
+                  <a:srgbClr val="000000"/>
+                </a:solidFill>
+                <a:latin typeface="Menlo" panose="020B0609030804020204" pitchFamily="49" charset="0"/>
+              </a:rPr>
+              <a:t>group_by</a:t>
+            </a:r>
+            <a:r>
+              <a:rPr lang="en-US" dirty="0">
+                <a:solidFill>
+                  <a:srgbClr val="000000"/>
+                </a:solidFill>
+                <a:latin typeface="Menlo" panose="020B0609030804020204" pitchFamily="49" charset="0"/>
+              </a:rPr>
+              <a:t>(</a:t>
+            </a:r>
+          </a:p>
+          <a:p>
+            <a:pPr marL="0" indent="0">
+              <a:buNone/>
+            </a:pPr>
+            <a:r>
+              <a:rPr lang="en-US" dirty="0">
+                <a:solidFill>
+                  <a:srgbClr val="000000"/>
+                </a:solidFill>
+                <a:latin typeface="Menlo" panose="020B0609030804020204" pitchFamily="49" charset="0"/>
+              </a:rPr>
+              <a:t>        </a:t>
+            </a:r>
+            <a:r>
+              <a:rPr lang="en-US" dirty="0" err="1">
+                <a:solidFill>
+                  <a:srgbClr val="000000"/>
+                </a:solidFill>
+                <a:latin typeface="Menlo" panose="020B0609030804020204" pitchFamily="49" charset="0"/>
+              </a:rPr>
+              <a:t>func.rollup</a:t>
+            </a:r>
+            <a:r>
+              <a:rPr lang="en-US" dirty="0">
+                <a:solidFill>
+                  <a:srgbClr val="000000"/>
+                </a:solidFill>
+                <a:latin typeface="Menlo" panose="020B0609030804020204" pitchFamily="49" charset="0"/>
+              </a:rPr>
+              <a:t>(</a:t>
+            </a:r>
+          </a:p>
+          <a:p>
+            <a:pPr marL="0" indent="0">
+              <a:buNone/>
+            </a:pPr>
+            <a:r>
+              <a:rPr lang="en-US" dirty="0">
+                <a:solidFill>
+                  <a:srgbClr val="000000"/>
+                </a:solidFill>
+                <a:latin typeface="Menlo" panose="020B0609030804020204" pitchFamily="49" charset="0"/>
+              </a:rPr>
+              <a:t>            </a:t>
+            </a:r>
+            <a:r>
+              <a:rPr lang="en-US" dirty="0" err="1">
+                <a:solidFill>
+                  <a:srgbClr val="000000"/>
+                </a:solidFill>
+                <a:latin typeface="Menlo" panose="020B0609030804020204" pitchFamily="49" charset="0"/>
+              </a:rPr>
+              <a:t>func.left</a:t>
+            </a:r>
+            <a:r>
+              <a:rPr lang="en-US" dirty="0">
+                <a:solidFill>
+                  <a:srgbClr val="000000"/>
+                </a:solidFill>
+                <a:latin typeface="Menlo" panose="020B0609030804020204" pitchFamily="49" charset="0"/>
+              </a:rPr>
+              <a:t>(</a:t>
+            </a:r>
+            <a:r>
+              <a:rPr lang="en-US" dirty="0" err="1">
+                <a:solidFill>
+                  <a:srgbClr val="000000"/>
+                </a:solidFill>
+                <a:latin typeface="Menlo" panose="020B0609030804020204" pitchFamily="49" charset="0"/>
+              </a:rPr>
+              <a:t>model.Sale.store_id</a:t>
+            </a:r>
+            <a:r>
+              <a:rPr lang="en-US" dirty="0">
+                <a:solidFill>
+                  <a:srgbClr val="000000"/>
+                </a:solidFill>
+                <a:latin typeface="Menlo" panose="020B0609030804020204" pitchFamily="49" charset="0"/>
+              </a:rPr>
+              <a:t>, </a:t>
+            </a:r>
+            <a:r>
+              <a:rPr lang="en-US" dirty="0">
+                <a:solidFill>
+                  <a:srgbClr val="9FA01C"/>
+                </a:solidFill>
+                <a:latin typeface="Menlo" panose="020B0609030804020204" pitchFamily="49" charset="0"/>
+              </a:rPr>
+              <a:t>4</a:t>
+            </a:r>
+            <a:r>
+              <a:rPr lang="en-US" dirty="0">
+                <a:solidFill>
+                  <a:srgbClr val="000000"/>
+                </a:solidFill>
+                <a:latin typeface="Menlo" panose="020B0609030804020204" pitchFamily="49" charset="0"/>
+              </a:rPr>
+              <a:t>),</a:t>
+            </a:r>
+          </a:p>
+          <a:p>
+            <a:pPr marL="0" indent="0">
+              <a:buNone/>
+            </a:pPr>
+            <a:r>
+              <a:rPr lang="en-US" dirty="0">
+                <a:solidFill>
+                  <a:srgbClr val="000000"/>
+                </a:solidFill>
+                <a:latin typeface="Menlo" panose="020B0609030804020204" pitchFamily="49" charset="0"/>
+              </a:rPr>
+              <a:t>            </a:t>
+            </a:r>
+            <a:r>
+              <a:rPr lang="en-US" dirty="0" err="1">
+                <a:solidFill>
+                  <a:srgbClr val="000000"/>
+                </a:solidFill>
+                <a:latin typeface="Menlo" panose="020B0609030804020204" pitchFamily="49" charset="0"/>
+              </a:rPr>
+              <a:t>func.left</a:t>
+            </a:r>
+            <a:r>
+              <a:rPr lang="en-US" dirty="0">
+                <a:solidFill>
+                  <a:srgbClr val="000000"/>
+                </a:solidFill>
+                <a:latin typeface="Menlo" panose="020B0609030804020204" pitchFamily="49" charset="0"/>
+              </a:rPr>
+              <a:t>(</a:t>
+            </a:r>
+            <a:r>
+              <a:rPr lang="en-US" dirty="0" err="1">
+                <a:solidFill>
+                  <a:srgbClr val="000000"/>
+                </a:solidFill>
+                <a:latin typeface="Menlo" panose="020B0609030804020204" pitchFamily="49" charset="0"/>
+              </a:rPr>
+              <a:t>model.Sale.store_id</a:t>
+            </a:r>
+            <a:r>
+              <a:rPr lang="en-US" dirty="0">
+                <a:solidFill>
+                  <a:srgbClr val="000000"/>
+                </a:solidFill>
+                <a:latin typeface="Menlo" panose="020B0609030804020204" pitchFamily="49" charset="0"/>
+              </a:rPr>
+              <a:t>, </a:t>
+            </a:r>
+            <a:r>
+              <a:rPr lang="en-US" dirty="0">
+                <a:solidFill>
+                  <a:srgbClr val="9FA01C"/>
+                </a:solidFill>
+                <a:latin typeface="Menlo" panose="020B0609030804020204" pitchFamily="49" charset="0"/>
+              </a:rPr>
+              <a:t>7</a:t>
+            </a:r>
+            <a:r>
+              <a:rPr lang="en-US" dirty="0">
+                <a:solidFill>
+                  <a:srgbClr val="000000"/>
+                </a:solidFill>
+                <a:latin typeface="Menlo" panose="020B0609030804020204" pitchFamily="49" charset="0"/>
+              </a:rPr>
+              <a:t>),</a:t>
+            </a:r>
+          </a:p>
+          <a:p>
+            <a:pPr marL="0" indent="0">
+              <a:buNone/>
+            </a:pPr>
+            <a:r>
+              <a:rPr lang="en-US" dirty="0">
+                <a:solidFill>
+                  <a:srgbClr val="000000"/>
+                </a:solidFill>
+                <a:latin typeface="Menlo" panose="020B0609030804020204" pitchFamily="49" charset="0"/>
+              </a:rPr>
+              <a:t>            </a:t>
+            </a:r>
+            <a:r>
+              <a:rPr lang="en-US" dirty="0" err="1">
+                <a:solidFill>
+                  <a:srgbClr val="000000"/>
+                </a:solidFill>
+                <a:latin typeface="Menlo" panose="020B0609030804020204" pitchFamily="49" charset="0"/>
+              </a:rPr>
+              <a:t>model.Sale.store_id</a:t>
+            </a:r>
+            <a:r>
+              <a:rPr lang="en-US" dirty="0">
+                <a:solidFill>
+                  <a:srgbClr val="000000"/>
+                </a:solidFill>
+                <a:latin typeface="Menlo" panose="020B0609030804020204" pitchFamily="49" charset="0"/>
+              </a:rPr>
+              <a:t>,</a:t>
+            </a:r>
+          </a:p>
+          <a:p>
+            <a:pPr marL="0" indent="0">
+              <a:buNone/>
+            </a:pPr>
+            <a:r>
+              <a:rPr lang="en-US" dirty="0">
+                <a:solidFill>
+                  <a:srgbClr val="000000"/>
+                </a:solidFill>
+                <a:latin typeface="Menlo" panose="020B0609030804020204" pitchFamily="49" charset="0"/>
+              </a:rPr>
+              <a:t>        )</a:t>
+            </a:r>
+          </a:p>
+          <a:p>
+            <a:pPr marL="0" indent="0">
+              <a:buNone/>
+            </a:pPr>
+            <a:r>
+              <a:rPr lang="en-US" dirty="0">
+                <a:solidFill>
+                  <a:srgbClr val="000000"/>
+                </a:solidFill>
+                <a:latin typeface="Menlo" panose="020B0609030804020204" pitchFamily="49" charset="0"/>
+              </a:rPr>
+              <a:t>    )</a:t>
+            </a:r>
+          </a:p>
+          <a:p>
+            <a:pPr marL="0" indent="0">
+              <a:buNone/>
+            </a:pPr>
+            <a:r>
+              <a:rPr lang="en-US" dirty="0">
+                <a:solidFill>
+                  <a:srgbClr val="000000"/>
+                </a:solidFill>
+                <a:latin typeface="Menlo" panose="020B0609030804020204" pitchFamily="49" charset="0"/>
+              </a:rPr>
+              <a:t>)</a:t>
+            </a:r>
+          </a:p>
+          <a:p>
+            <a:pPr marL="0" indent="0">
+              <a:buNone/>
+            </a:pPr>
+            <a:endParaRPr lang="en-US" dirty="0"/>
+          </a:p>
+        </p:txBody>
+      </p:sp>
+    </p:spTree>
+    <p:extLst>
+      <p:ext uri="{BB962C8B-B14F-4D97-AF65-F5344CB8AC3E}">
+        <p14:creationId xmlns:p14="http://schemas.microsoft.com/office/powerpoint/2010/main" val="2868050832"/>
+      </p:ext>
+    </p:extLst>
+  </p:cSld>
+  <p:clrMapOvr>
+    <a:masterClrMapping/>
+  </p:clrMapOvr>
+</p:sld>
+</file>
+
+<file path=ppt/slides/slide29.xml><?xml version="1.0" encoding="utf-8"?>
+<p:sld xmlns:a="http://schemas.openxmlformats.org/drawingml/2006/main" xmlns:r="http://schemas.openxmlformats.org/officeDocument/2006/relationships" xmlns:p="http://schemas.openxmlformats.org/presentationml/2006/main">
+  <p:cSld>
+    <p:spTree>
+      <p:nvGrpSpPr>
+        <p:cNvPr id="1" name=""/>
+        <p:cNvGrpSpPr/>
+        <p:nvPr/>
+      </p:nvGrpSpPr>
+      <p:grpSpPr>
+        <a:xfrm>
+          <a:off x="0" y="0"/>
+          <a:ext cx="0" cy="0"/>
+          <a:chOff x="0" y="0"/>
+          <a:chExt cx="0" cy="0"/>
+        </a:xfrm>
+      </p:grpSpPr>
+      <p:sp>
+        <p:nvSpPr>
+          <p:cNvPr id="2" name="Title 1">
+            <a:extLst>
+              <a:ext uri="{FF2B5EF4-FFF2-40B4-BE49-F238E27FC236}">
+                <a16:creationId xmlns:a16="http://schemas.microsoft.com/office/drawing/2014/main" id="{92DE0D58-2C22-184B-AD1C-C0D82252818E}"/>
+              </a:ext>
+            </a:extLst>
+          </p:cNvPr>
+          <p:cNvSpPr>
+            <a:spLocks noGrp="1"/>
+          </p:cNvSpPr>
+          <p:nvPr>
+            <p:ph type="title"/>
+          </p:nvPr>
+        </p:nvSpPr>
+        <p:spPr/>
+        <p:txBody>
+          <a:bodyPr/>
+          <a:lstStyle/>
+          <a:p>
+            <a:r>
+              <a:rPr lang="en-US" dirty="0"/>
+              <a:t>Grouping Sets (Example 05)</a:t>
+            </a:r>
+          </a:p>
+        </p:txBody>
+      </p:sp>
+      <p:sp>
+        <p:nvSpPr>
+          <p:cNvPr id="3" name="Content Placeholder 2">
+            <a:extLst>
+              <a:ext uri="{FF2B5EF4-FFF2-40B4-BE49-F238E27FC236}">
+                <a16:creationId xmlns:a16="http://schemas.microsoft.com/office/drawing/2014/main" id="{6464177F-7F0D-2549-85D9-4B39CB409366}"/>
+              </a:ext>
+            </a:extLst>
+          </p:cNvPr>
+          <p:cNvSpPr>
+            <a:spLocks noGrp="1"/>
+          </p:cNvSpPr>
+          <p:nvPr>
+            <p:ph idx="1"/>
+          </p:nvPr>
+        </p:nvSpPr>
+        <p:spPr>
+          <a:xfrm>
+            <a:off x="499872" y="1432432"/>
+            <a:ext cx="11113008" cy="5224399"/>
+          </a:xfrm>
+        </p:spPr>
+        <p:txBody>
+          <a:bodyPr>
+            <a:noAutofit/>
+          </a:bodyPr>
+          <a:lstStyle/>
+          <a:p>
+            <a:pPr marL="0" indent="0">
+              <a:buNone/>
+            </a:pPr>
+            <a:r>
+              <a:rPr lang="en-US" sz="700" dirty="0">
+                <a:solidFill>
+                  <a:srgbClr val="000000"/>
+                </a:solidFill>
+                <a:latin typeface="Menlo" panose="020B0609030804020204" pitchFamily="49" charset="0"/>
+              </a:rPr>
+              <a:t>rollup to compute aggregates at multiple levels           </a:t>
+            </a:r>
+          </a:p>
+          <a:p>
+            <a:pPr marL="0" indent="0">
+              <a:buNone/>
+            </a:pPr>
+            <a:r>
+              <a:rPr lang="en-US" sz="700" dirty="0">
+                <a:solidFill>
+                  <a:srgbClr val="000000"/>
+                </a:solidFill>
+                <a:latin typeface="Menlo" panose="020B0609030804020204" pitchFamily="49" charset="0"/>
+              </a:rPr>
+              <a:t>+----------+---------+---------------+-------------------+</a:t>
+            </a:r>
+          </a:p>
+          <a:p>
+            <a:pPr marL="0" indent="0">
+              <a:buNone/>
+            </a:pPr>
+            <a:r>
+              <a:rPr lang="en-US" sz="700" dirty="0">
+                <a:solidFill>
+                  <a:srgbClr val="000000"/>
+                </a:solidFill>
+                <a:latin typeface="Menlo" panose="020B0609030804020204" pitchFamily="49" charset="0"/>
+              </a:rPr>
+              <a:t>| region   | state   | store         |   </a:t>
+            </a:r>
+            <a:r>
+              <a:rPr lang="en-US" sz="700" dirty="0" err="1">
+                <a:solidFill>
+                  <a:srgbClr val="000000"/>
+                </a:solidFill>
+                <a:latin typeface="Menlo" panose="020B0609030804020204" pitchFamily="49" charset="0"/>
+              </a:rPr>
+              <a:t>sales_for_store</a:t>
+            </a:r>
+            <a:r>
+              <a:rPr lang="en-US" sz="700" dirty="0">
+                <a:solidFill>
+                  <a:srgbClr val="000000"/>
+                </a:solidFill>
+                <a:latin typeface="Menlo" panose="020B0609030804020204" pitchFamily="49" charset="0"/>
+              </a:rPr>
+              <a:t> |</a:t>
+            </a:r>
+          </a:p>
+          <a:p>
+            <a:pPr marL="0" indent="0">
+              <a:buNone/>
+            </a:pPr>
+            <a:r>
+              <a:rPr lang="en-US" sz="700" dirty="0">
+                <a:solidFill>
+                  <a:srgbClr val="000000"/>
+                </a:solidFill>
+                <a:latin typeface="Menlo" panose="020B0609030804020204" pitchFamily="49" charset="0"/>
+              </a:rPr>
+              <a:t>|----------+---------+---------------+-------------------|</a:t>
+            </a:r>
+          </a:p>
+          <a:p>
+            <a:pPr marL="0" indent="0">
+              <a:buNone/>
+            </a:pPr>
+            <a:r>
+              <a:rPr lang="en-US" sz="700" dirty="0">
+                <a:solidFill>
+                  <a:srgbClr val="000000"/>
+                </a:solidFill>
+                <a:latin typeface="Menlo" panose="020B0609030804020204" pitchFamily="49" charset="0"/>
+              </a:rPr>
+              <a:t>| EAST     | EAST-NY | EAST-NY-12345 |           5885.36 |</a:t>
+            </a:r>
+          </a:p>
+          <a:p>
+            <a:pPr marL="0" indent="0">
+              <a:buNone/>
+            </a:pPr>
+            <a:r>
+              <a:rPr lang="en-US" sz="700" dirty="0">
+                <a:solidFill>
+                  <a:srgbClr val="000000"/>
+                </a:solidFill>
+                <a:latin typeface="Menlo" panose="020B0609030804020204" pitchFamily="49" charset="0"/>
+              </a:rPr>
+              <a:t>| EAST     | EAST-NY | EAST-NY-22222 |           6193.54 |</a:t>
+            </a:r>
+          </a:p>
+          <a:p>
+            <a:pPr marL="0" indent="0">
+              <a:buNone/>
+            </a:pPr>
+            <a:r>
+              <a:rPr lang="en-US" sz="700" dirty="0">
+                <a:solidFill>
+                  <a:srgbClr val="000000"/>
+                </a:solidFill>
+                <a:latin typeface="Menlo" panose="020B0609030804020204" pitchFamily="49" charset="0"/>
+              </a:rPr>
+              <a:t>| EAST     | EAST-NY | EAST-NY-55555 |           7403.61 |</a:t>
+            </a:r>
+          </a:p>
+          <a:p>
+            <a:pPr marL="0" indent="0">
+              <a:buNone/>
+            </a:pPr>
+            <a:r>
+              <a:rPr lang="en-US" sz="700" dirty="0">
+                <a:solidFill>
+                  <a:srgbClr val="000000"/>
+                </a:solidFill>
+                <a:latin typeface="Menlo" panose="020B0609030804020204" pitchFamily="49" charset="0"/>
+              </a:rPr>
+              <a:t>| EAST     | EAST-NY |               |          19482.5  |</a:t>
+            </a:r>
+          </a:p>
+          <a:p>
+            <a:pPr marL="0" indent="0">
+              <a:buNone/>
+            </a:pPr>
+            <a:r>
+              <a:rPr lang="en-US" sz="700" dirty="0">
+                <a:solidFill>
+                  <a:srgbClr val="000000"/>
+                </a:solidFill>
+                <a:latin typeface="Menlo" panose="020B0609030804020204" pitchFamily="49" charset="0"/>
+              </a:rPr>
+              <a:t>| EAST     |         |               |          19482.5  |</a:t>
+            </a:r>
+          </a:p>
+          <a:p>
+            <a:pPr marL="0" indent="0">
+              <a:buNone/>
+            </a:pPr>
+            <a:r>
+              <a:rPr lang="en-US" sz="700" dirty="0">
+                <a:solidFill>
+                  <a:srgbClr val="000000"/>
+                </a:solidFill>
+                <a:latin typeface="Menlo" panose="020B0609030804020204" pitchFamily="49" charset="0"/>
+              </a:rPr>
+              <a:t>| NORT     | NORT-MN | NORT-MN-44444 |           5290.89 |</a:t>
+            </a:r>
+          </a:p>
+          <a:p>
+            <a:pPr marL="0" indent="0">
+              <a:buNone/>
+            </a:pPr>
+            <a:r>
+              <a:rPr lang="en-US" sz="700" dirty="0">
+                <a:solidFill>
+                  <a:srgbClr val="000000"/>
+                </a:solidFill>
+                <a:latin typeface="Menlo" panose="020B0609030804020204" pitchFamily="49" charset="0"/>
+              </a:rPr>
+              <a:t>| NORT     | NORT-MN |               |           5290.89 |</a:t>
+            </a:r>
+          </a:p>
+          <a:p>
+            <a:pPr marL="0" indent="0">
+              <a:buNone/>
+            </a:pPr>
+            <a:r>
+              <a:rPr lang="en-US" sz="700" dirty="0">
+                <a:solidFill>
+                  <a:srgbClr val="000000"/>
+                </a:solidFill>
+                <a:latin typeface="Menlo" panose="020B0609030804020204" pitchFamily="49" charset="0"/>
+              </a:rPr>
+              <a:t>| NORT     |         |               |           5290.89 |                          </a:t>
+            </a:r>
+          </a:p>
+          <a:p>
+            <a:pPr marL="0" indent="0">
+              <a:buNone/>
+            </a:pPr>
+            <a:r>
+              <a:rPr lang="en-US" sz="700" dirty="0">
+                <a:solidFill>
+                  <a:srgbClr val="000000"/>
+                </a:solidFill>
+                <a:latin typeface="Menlo" panose="020B0609030804020204" pitchFamily="49" charset="0"/>
+              </a:rPr>
+              <a:t>| SOUT     | SOUT-AL | SOUT-AL-54321 |           7653.39 |                          </a:t>
+            </a:r>
+          </a:p>
+          <a:p>
+            <a:pPr marL="0" indent="0">
+              <a:buNone/>
+            </a:pPr>
+            <a:r>
+              <a:rPr lang="en-US" sz="700" dirty="0">
+                <a:solidFill>
+                  <a:srgbClr val="000000"/>
+                </a:solidFill>
+                <a:latin typeface="Menlo" panose="020B0609030804020204" pitchFamily="49" charset="0"/>
+              </a:rPr>
+              <a:t>| SOUT     | SOUT-AL |               |           7653.39 |</a:t>
+            </a:r>
+          </a:p>
+          <a:p>
+            <a:pPr marL="0" indent="0">
+              <a:buNone/>
+            </a:pPr>
+            <a:r>
+              <a:rPr lang="en-US" sz="700" dirty="0">
+                <a:solidFill>
+                  <a:srgbClr val="000000"/>
+                </a:solidFill>
+                <a:latin typeface="Menlo" panose="020B0609030804020204" pitchFamily="49" charset="0"/>
+              </a:rPr>
+              <a:t>| SOUT     | SOUT-GA | SOUT-GA-11111 |           5805.7  |</a:t>
+            </a:r>
+          </a:p>
+          <a:p>
+            <a:pPr marL="0" indent="0">
+              <a:buNone/>
+            </a:pPr>
+            <a:r>
+              <a:rPr lang="en-US" sz="700" dirty="0">
+                <a:solidFill>
+                  <a:srgbClr val="000000"/>
+                </a:solidFill>
+                <a:latin typeface="Menlo" panose="020B0609030804020204" pitchFamily="49" charset="0"/>
+              </a:rPr>
+              <a:t>| SOUT     | SOUT-GA |               |           5805.7  |</a:t>
+            </a:r>
+          </a:p>
+          <a:p>
+            <a:pPr marL="0" indent="0">
+              <a:buNone/>
+            </a:pPr>
+            <a:r>
+              <a:rPr lang="en-US" sz="700" dirty="0">
+                <a:solidFill>
+                  <a:srgbClr val="000000"/>
+                </a:solidFill>
+                <a:latin typeface="Menlo" panose="020B0609030804020204" pitchFamily="49" charset="0"/>
+              </a:rPr>
+              <a:t>| SOUT     |         |               |          13459.1  |</a:t>
+            </a:r>
+          </a:p>
+          <a:p>
+            <a:pPr marL="0" indent="0">
+              <a:buNone/>
+            </a:pPr>
+            <a:r>
+              <a:rPr lang="en-US" sz="700" dirty="0">
+                <a:solidFill>
+                  <a:srgbClr val="000000"/>
+                </a:solidFill>
+                <a:latin typeface="Menlo" panose="020B0609030804020204" pitchFamily="49" charset="0"/>
+              </a:rPr>
+              <a:t>| WEST     | WEST-AZ | WEST-AZ-55555 |           6117.09 |</a:t>
+            </a:r>
+          </a:p>
+          <a:p>
+            <a:pPr marL="0" indent="0">
+              <a:buNone/>
+            </a:pPr>
+            <a:r>
+              <a:rPr lang="en-US" sz="700" dirty="0">
+                <a:solidFill>
+                  <a:srgbClr val="000000"/>
+                </a:solidFill>
+                <a:latin typeface="Menlo" panose="020B0609030804020204" pitchFamily="49" charset="0"/>
+              </a:rPr>
+              <a:t>| WEST     | WEST-AZ |               |           6117.09 |</a:t>
+            </a:r>
+          </a:p>
+          <a:p>
+            <a:pPr marL="0" indent="0">
+              <a:buNone/>
+            </a:pPr>
+            <a:r>
+              <a:rPr lang="en-US" sz="700" dirty="0">
+                <a:solidFill>
+                  <a:srgbClr val="000000"/>
+                </a:solidFill>
+                <a:latin typeface="Menlo" panose="020B0609030804020204" pitchFamily="49" charset="0"/>
+              </a:rPr>
+              <a:t>| WEST     | WEST-CA | WEST-CA-55555 |           5247.91 |</a:t>
+            </a:r>
+          </a:p>
+          <a:p>
+            <a:pPr marL="0" indent="0">
+              <a:buNone/>
+            </a:pPr>
+            <a:r>
+              <a:rPr lang="en-US" sz="700" dirty="0">
+                <a:solidFill>
+                  <a:srgbClr val="000000"/>
+                </a:solidFill>
+                <a:latin typeface="Menlo" panose="020B0609030804020204" pitchFamily="49" charset="0"/>
+              </a:rPr>
+              <a:t>| WEST     | WEST-CA |               |           5247.91 |</a:t>
+            </a:r>
+          </a:p>
+          <a:p>
+            <a:pPr marL="0" indent="0">
+              <a:buNone/>
+            </a:pPr>
+            <a:r>
+              <a:rPr lang="en-US" sz="700" dirty="0">
+                <a:solidFill>
+                  <a:srgbClr val="000000"/>
+                </a:solidFill>
+                <a:latin typeface="Menlo" panose="020B0609030804020204" pitchFamily="49" charset="0"/>
+              </a:rPr>
+              <a:t>| WEST     |         |               |          11365    |</a:t>
+            </a:r>
+          </a:p>
+          <a:p>
+            <a:pPr marL="0" indent="0">
+              <a:buNone/>
+            </a:pPr>
+            <a:r>
+              <a:rPr lang="en-US" sz="700" dirty="0">
+                <a:solidFill>
+                  <a:srgbClr val="000000"/>
+                </a:solidFill>
+                <a:latin typeface="Menlo" panose="020B0609030804020204" pitchFamily="49" charset="0"/>
+              </a:rPr>
+              <a:t>|          |         |               |          49597.5  |</a:t>
+            </a:r>
+          </a:p>
+          <a:p>
+            <a:pPr marL="0" indent="0">
+              <a:buNone/>
+            </a:pPr>
+            <a:r>
+              <a:rPr lang="en-US" sz="700" dirty="0">
+                <a:solidFill>
+                  <a:srgbClr val="000000"/>
+                </a:solidFill>
+                <a:latin typeface="Menlo" panose="020B0609030804020204" pitchFamily="49" charset="0"/>
+              </a:rPr>
+              <a:t>+----------+---------+---------------+-------------------+</a:t>
+            </a:r>
+          </a:p>
+          <a:p>
+            <a:pPr marL="0" indent="0">
+              <a:buNone/>
+            </a:pPr>
+            <a:endParaRPr lang="en-US" sz="700" dirty="0"/>
+          </a:p>
+        </p:txBody>
+      </p:sp>
+    </p:spTree>
+    <p:extLst>
+      <p:ext uri="{BB962C8B-B14F-4D97-AF65-F5344CB8AC3E}">
+        <p14:creationId xmlns:p14="http://schemas.microsoft.com/office/powerpoint/2010/main" val="3685056351"/>
+      </p:ext>
+    </p:extLst>
+  </p:cSld>
+  <p:clrMapOvr>
+    <a:masterClrMapping/>
+  </p:clrMapOvr>
+</p:sld>
+</file>
+
 <file path=ppt/slides/slide3.xml><?xml version="1.0" encoding="utf-8"?>
 <p:sld xmlns:a="http://schemas.openxmlformats.org/drawingml/2006/main" xmlns:r="http://schemas.openxmlformats.org/officeDocument/2006/relationships" xmlns:p="http://schemas.openxmlformats.org/presentationml/2006/main">
   <p:cSld>
@@ -5048,6 +12945,69 @@
     <p:extLst>
       <p:ext uri="{BB962C8B-B14F-4D97-AF65-F5344CB8AC3E}">
         <p14:creationId xmlns:p14="http://schemas.microsoft.com/office/powerpoint/2010/main" val="78597170"/>
+      </p:ext>
+    </p:extLst>
+  </p:cSld>
+  <p:clrMapOvr>
+    <a:masterClrMapping/>
+  </p:clrMapOvr>
+</p:sld>
+</file>
+
+<file path=ppt/slides/slide30.xml><?xml version="1.0" encoding="utf-8"?>
+<p:sld xmlns:a="http://schemas.openxmlformats.org/drawingml/2006/main" xmlns:r="http://schemas.openxmlformats.org/officeDocument/2006/relationships" xmlns:p="http://schemas.openxmlformats.org/presentationml/2006/main">
+  <p:cSld>
+    <p:spTree>
+      <p:nvGrpSpPr>
+        <p:cNvPr id="1" name=""/>
+        <p:cNvGrpSpPr/>
+        <p:nvPr/>
+      </p:nvGrpSpPr>
+      <p:grpSpPr>
+        <a:xfrm>
+          <a:off x="0" y="0"/>
+          <a:ext cx="0" cy="0"/>
+          <a:chOff x="0" y="0"/>
+          <a:chExt cx="0" cy="0"/>
+        </a:xfrm>
+      </p:grpSpPr>
+      <p:sp>
+        <p:nvSpPr>
+          <p:cNvPr id="2" name="Title 1">
+            <a:extLst>
+              <a:ext uri="{FF2B5EF4-FFF2-40B4-BE49-F238E27FC236}">
+                <a16:creationId xmlns:a16="http://schemas.microsoft.com/office/drawing/2014/main" id="{583E3FD5-1DE4-F149-8AD2-5E5B1B39EE43}"/>
+              </a:ext>
+            </a:extLst>
+          </p:cNvPr>
+          <p:cNvSpPr>
+            <a:spLocks noGrp="1"/>
+          </p:cNvSpPr>
+          <p:nvPr>
+            <p:ph type="ctrTitle"/>
+          </p:nvPr>
+        </p:nvSpPr>
+        <p:spPr>
+          <a:xfrm>
+            <a:off x="1524000" y="1661859"/>
+            <a:ext cx="9144000" cy="2387600"/>
+          </a:xfrm>
+        </p:spPr>
+        <p:txBody>
+          <a:bodyPr/>
+          <a:lstStyle/>
+          <a:p>
+            <a:r>
+              <a:rPr lang="en-US" dirty="0"/>
+              <a:t>The End. Thank You!</a:t>
+            </a:r>
+          </a:p>
+        </p:txBody>
+      </p:sp>
+    </p:spTree>
+    <p:extLst>
+      <p:ext uri="{BB962C8B-B14F-4D97-AF65-F5344CB8AC3E}">
+        <p14:creationId xmlns:p14="http://schemas.microsoft.com/office/powerpoint/2010/main" val="679876466"/>
       </p:ext>
     </p:extLst>
   </p:cSld>

--- a/pygotham-2019.pptx
+++ b/pygotham-2019.pptx
@@ -133,6 +133,11 @@
       </a:defRPr>
     </a:lvl9pPr>
   </p:defaultTextStyle>
+  <p:extLst>
+    <p:ext uri="{EFAFB233-063F-42B5-8137-9DF3F51BA10A}">
+      <p15:sldGuideLst xmlns:p15="http://schemas.microsoft.com/office/powerpoint/2012/main"/>
+    </p:ext>
+  </p:extLst>
 </p:presentation>
 </file>
 
@@ -283,7 +288,7 @@
           <a:p>
             <a:fld id="{6D9618A3-81E4-414B-825D-1CDCACA26A08}" type="datetimeFigureOut">
               <a:rPr lang="en-US" smtClean="0"/>
-              <a:t>9/27/19</a:t>
+              <a:t>10/2/19</a:t>
             </a:fld>
             <a:endParaRPr lang="en-US"/>
           </a:p>
@@ -481,7 +486,7 @@
           <a:p>
             <a:fld id="{6D9618A3-81E4-414B-825D-1CDCACA26A08}" type="datetimeFigureOut">
               <a:rPr lang="en-US" smtClean="0"/>
-              <a:t>9/27/19</a:t>
+              <a:t>10/2/19</a:t>
             </a:fld>
             <a:endParaRPr lang="en-US"/>
           </a:p>
@@ -689,7 +694,7 @@
           <a:p>
             <a:fld id="{6D9618A3-81E4-414B-825D-1CDCACA26A08}" type="datetimeFigureOut">
               <a:rPr lang="en-US" smtClean="0"/>
-              <a:t>9/27/19</a:t>
+              <a:t>10/2/19</a:t>
             </a:fld>
             <a:endParaRPr lang="en-US"/>
           </a:p>
@@ -887,7 +892,7 @@
           <a:p>
             <a:fld id="{6D9618A3-81E4-414B-825D-1CDCACA26A08}" type="datetimeFigureOut">
               <a:rPr lang="en-US" smtClean="0"/>
-              <a:t>9/27/19</a:t>
+              <a:t>10/2/19</a:t>
             </a:fld>
             <a:endParaRPr lang="en-US"/>
           </a:p>
@@ -1162,7 +1167,7 @@
           <a:p>
             <a:fld id="{6D9618A3-81E4-414B-825D-1CDCACA26A08}" type="datetimeFigureOut">
               <a:rPr lang="en-US" smtClean="0"/>
-              <a:t>9/27/19</a:t>
+              <a:t>10/2/19</a:t>
             </a:fld>
             <a:endParaRPr lang="en-US"/>
           </a:p>
@@ -1427,7 +1432,7 @@
           <a:p>
             <a:fld id="{6D9618A3-81E4-414B-825D-1CDCACA26A08}" type="datetimeFigureOut">
               <a:rPr lang="en-US" smtClean="0"/>
-              <a:t>9/27/19</a:t>
+              <a:t>10/2/19</a:t>
             </a:fld>
             <a:endParaRPr lang="en-US"/>
           </a:p>
@@ -1839,7 +1844,7 @@
           <a:p>
             <a:fld id="{6D9618A3-81E4-414B-825D-1CDCACA26A08}" type="datetimeFigureOut">
               <a:rPr lang="en-US" smtClean="0"/>
-              <a:t>9/27/19</a:t>
+              <a:t>10/2/19</a:t>
             </a:fld>
             <a:endParaRPr lang="en-US"/>
           </a:p>
@@ -1980,7 +1985,7 @@
           <a:p>
             <a:fld id="{6D9618A3-81E4-414B-825D-1CDCACA26A08}" type="datetimeFigureOut">
               <a:rPr lang="en-US" smtClean="0"/>
-              <a:t>9/27/19</a:t>
+              <a:t>10/2/19</a:t>
             </a:fld>
             <a:endParaRPr lang="en-US"/>
           </a:p>
@@ -2093,7 +2098,7 @@
           <a:p>
             <a:fld id="{6D9618A3-81E4-414B-825D-1CDCACA26A08}" type="datetimeFigureOut">
               <a:rPr lang="en-US" smtClean="0"/>
-              <a:t>9/27/19</a:t>
+              <a:t>10/2/19</a:t>
             </a:fld>
             <a:endParaRPr lang="en-US"/>
           </a:p>
@@ -2404,7 +2409,7 @@
           <a:p>
             <a:fld id="{6D9618A3-81E4-414B-825D-1CDCACA26A08}" type="datetimeFigureOut">
               <a:rPr lang="en-US" smtClean="0"/>
-              <a:t>9/27/19</a:t>
+              <a:t>10/2/19</a:t>
             </a:fld>
             <a:endParaRPr lang="en-US"/>
           </a:p>
@@ -2692,7 +2697,7 @@
           <a:p>
             <a:fld id="{6D9618A3-81E4-414B-825D-1CDCACA26A08}" type="datetimeFigureOut">
               <a:rPr lang="en-US" smtClean="0"/>
-              <a:t>9/27/19</a:t>
+              <a:t>10/2/19</a:t>
             </a:fld>
             <a:endParaRPr lang="en-US"/>
           </a:p>
@@ -2933,7 +2938,7 @@
           <a:p>
             <a:fld id="{6D9618A3-81E4-414B-825D-1CDCACA26A08}" type="datetimeFigureOut">
               <a:rPr lang="en-US" smtClean="0"/>
-              <a:t>9/27/19</a:t>
+              <a:t>10/2/19</a:t>
             </a:fld>
             <a:endParaRPr lang="en-US"/>
           </a:p>
@@ -8067,80 +8072,8 @@
             </a:r>
             <a:endParaRPr lang="en-US" dirty="0"/>
           </a:p>
-          <a:p>
-            <a:r>
-              <a:rPr lang="en-US" dirty="0"/>
-              <a:t>Cat picture</a:t>
-            </a:r>
-          </a:p>
-          <a:p>
-            <a:r>
-              <a:rPr lang="en-US" dirty="0"/>
-              <a:t>Bonus: Dog picture</a:t>
-            </a:r>
-          </a:p>
         </p:txBody>
       </p:sp>
-      <p:pic>
-        <p:nvPicPr>
-          <p:cNvPr id="5" name="Picture 4" descr="A cat lying on a white surface&#10;&#10;Description automatically generated">
-            <a:extLst>
-              <a:ext uri="{FF2B5EF4-FFF2-40B4-BE49-F238E27FC236}">
-                <a16:creationId xmlns:a16="http://schemas.microsoft.com/office/drawing/2014/main" id="{6ED4E8ED-1CA6-DB4A-988F-B60B92CD9782}"/>
-              </a:ext>
-            </a:extLst>
-          </p:cNvPr>
-          <p:cNvPicPr>
-            <a:picLocks noChangeAspect="1"/>
-          </p:cNvPicPr>
-          <p:nvPr/>
-        </p:nvPicPr>
-        <p:blipFill>
-          <a:blip r:embed="rId3"/>
-          <a:stretch>
-            <a:fillRect/>
-          </a:stretch>
-        </p:blipFill>
-        <p:spPr>
-          <a:xfrm>
-            <a:off x="4845908" y="3159297"/>
-            <a:ext cx="2500183" cy="3333578"/>
-          </a:xfrm>
-          <a:prstGeom prst="rect">
-            <a:avLst/>
-          </a:prstGeom>
-        </p:spPr>
-      </p:pic>
-      <p:pic>
-        <p:nvPicPr>
-          <p:cNvPr id="7" name="Picture 6" descr="A dog sitting on a bed&#10;&#10;Description automatically generated">
-            <a:extLst>
-              <a:ext uri="{FF2B5EF4-FFF2-40B4-BE49-F238E27FC236}">
-                <a16:creationId xmlns:a16="http://schemas.microsoft.com/office/drawing/2014/main" id="{2A61B454-ACE5-194A-A765-A5CE61C45713}"/>
-              </a:ext>
-            </a:extLst>
-          </p:cNvPr>
-          <p:cNvPicPr>
-            <a:picLocks noChangeAspect="1"/>
-          </p:cNvPicPr>
-          <p:nvPr/>
-        </p:nvPicPr>
-        <p:blipFill>
-          <a:blip r:embed="rId4"/>
-          <a:stretch>
-            <a:fillRect/>
-          </a:stretch>
-        </p:blipFill>
-        <p:spPr>
-          <a:xfrm>
-            <a:off x="7947989" y="3159297"/>
-            <a:ext cx="3282242" cy="3282242"/>
-          </a:xfrm>
-          <a:prstGeom prst="rect">
-            <a:avLst/>
-          </a:prstGeom>
-        </p:spPr>
-      </p:pic>
     </p:spTree>
     <p:extLst>
       <p:ext uri="{BB962C8B-B14F-4D97-AF65-F5344CB8AC3E}">
